--- a/hw2-examples.pptx
+++ b/hw2-examples.pptx
@@ -10,6 +10,7 @@
     <p:sldId id="258" r:id="rId4"/>
     <p:sldId id="259" r:id="rId5"/>
     <p:sldId id="260" r:id="rId6"/>
+    <p:sldId id="261" r:id="rId7"/>
   </p:sldIdLst>
   <p:sldSz cx="12192000" cy="6858000"/>
   <p:notesSz cx="6858000" cy="9144000"/>
@@ -108,6 +109,11 @@
       </a:defRPr>
     </a:lvl9pPr>
   </p:defaultTextStyle>
+  <p:extLst>
+    <p:ext uri="{EFAFB233-063F-42B5-8137-9DF3F51BA10A}">
+      <p15:sldGuideLst xmlns:p15="http://schemas.microsoft.com/office/powerpoint/2012/main"/>
+    </p:ext>
+  </p:extLst>
 </p:presentation>
 </file>
 
@@ -16313,8 +16319,8 @@
             </a:p>
           </p:txBody>
         </p:sp>
-        <mc:AlternateContent xmlns:mc="http://schemas.openxmlformats.org/markup-compatibility/2006">
-          <mc:Choice xmlns:a14="http://schemas.microsoft.com/office/drawing/2010/main" Requires="a14">
+        <mc:AlternateContent xmlns:mc="http://schemas.openxmlformats.org/markup-compatibility/2006" xmlns:a14="http://schemas.microsoft.com/office/drawing/2010/main">
+          <mc:Choice Requires="a14">
             <p:sp>
               <p:nvSpPr>
                 <p:cNvPr id="126" name="Oval 125">
@@ -16389,7 +16395,7 @@
               </p:txBody>
             </p:sp>
           </mc:Choice>
-          <mc:Fallback>
+          <mc:Fallback xmlns="">
             <p:sp>
               <p:nvSpPr>
                 <p:cNvPr id="126" name="Oval 125">
@@ -16503,8 +16509,8 @@
             </a:p>
           </p:txBody>
         </p:sp>
-        <mc:AlternateContent xmlns:mc="http://schemas.openxmlformats.org/markup-compatibility/2006">
-          <mc:Choice xmlns:a14="http://schemas.microsoft.com/office/drawing/2010/main" Requires="a14">
+        <mc:AlternateContent xmlns:mc="http://schemas.openxmlformats.org/markup-compatibility/2006" xmlns:a14="http://schemas.microsoft.com/office/drawing/2010/main">
+          <mc:Choice Requires="a14">
             <p:sp>
               <p:nvSpPr>
                 <p:cNvPr id="130" name="Oval 129">
@@ -16579,7 +16585,7 @@
               </p:txBody>
             </p:sp>
           </mc:Choice>
-          <mc:Fallback>
+          <mc:Fallback xmlns="">
             <p:sp>
               <p:nvSpPr>
                 <p:cNvPr id="130" name="Oval 129">
@@ -17388,8 +17394,8 @@
             </a:p>
           </p:txBody>
         </p:sp>
-        <mc:AlternateContent xmlns:mc="http://schemas.openxmlformats.org/markup-compatibility/2006">
-          <mc:Choice xmlns:a14="http://schemas.microsoft.com/office/drawing/2010/main" Requires="a14">
+        <mc:AlternateContent xmlns:mc="http://schemas.openxmlformats.org/markup-compatibility/2006" xmlns:a14="http://schemas.microsoft.com/office/drawing/2010/main">
+          <mc:Choice Requires="a14">
             <p:sp>
               <p:nvSpPr>
                 <p:cNvPr id="183" name="TextBox 182">
@@ -17454,7 +17460,7 @@
               </p:txBody>
             </p:sp>
           </mc:Choice>
-          <mc:Fallback>
+          <mc:Fallback xmlns="">
             <p:sp>
               <p:nvSpPr>
                 <p:cNvPr id="183" name="TextBox 182">
@@ -17499,8 +17505,8 @@
             </p:sp>
           </mc:Fallback>
         </mc:AlternateContent>
-        <mc:AlternateContent xmlns:mc="http://schemas.openxmlformats.org/markup-compatibility/2006">
-          <mc:Choice xmlns:a14="http://schemas.microsoft.com/office/drawing/2010/main" Requires="a14">
+        <mc:AlternateContent xmlns:mc="http://schemas.openxmlformats.org/markup-compatibility/2006" xmlns:a14="http://schemas.microsoft.com/office/drawing/2010/main">
+          <mc:Choice Requires="a14">
             <p:sp>
               <p:nvSpPr>
                 <p:cNvPr id="184" name="TextBox 183">
@@ -17565,7 +17571,7 @@
               </p:txBody>
             </p:sp>
           </mc:Choice>
-          <mc:Fallback>
+          <mc:Fallback xmlns="">
             <p:sp>
               <p:nvSpPr>
                 <p:cNvPr id="184" name="TextBox 183">
@@ -17610,8 +17616,8 @@
             </p:sp>
           </mc:Fallback>
         </mc:AlternateContent>
-        <mc:AlternateContent xmlns:mc="http://schemas.openxmlformats.org/markup-compatibility/2006">
-          <mc:Choice xmlns:a14="http://schemas.microsoft.com/office/drawing/2010/main" Requires="a14">
+        <mc:AlternateContent xmlns:mc="http://schemas.openxmlformats.org/markup-compatibility/2006" xmlns:a14="http://schemas.microsoft.com/office/drawing/2010/main">
+          <mc:Choice Requires="a14">
             <p:sp>
               <p:nvSpPr>
                 <p:cNvPr id="185" name="TextBox 184">
@@ -17676,7 +17682,7 @@
               </p:txBody>
             </p:sp>
           </mc:Choice>
-          <mc:Fallback>
+          <mc:Fallback xmlns="">
             <p:sp>
               <p:nvSpPr>
                 <p:cNvPr id="185" name="TextBox 184">
@@ -17762,8 +17768,8 @@
             </a:fontRef>
           </p:style>
         </p:cxnSp>
-        <mc:AlternateContent xmlns:mc="http://schemas.openxmlformats.org/markup-compatibility/2006">
-          <mc:Choice xmlns:a14="http://schemas.microsoft.com/office/drawing/2010/main" Requires="a14">
+        <mc:AlternateContent xmlns:mc="http://schemas.openxmlformats.org/markup-compatibility/2006" xmlns:a14="http://schemas.microsoft.com/office/drawing/2010/main">
+          <mc:Choice Requires="a14">
             <p:sp>
               <p:nvSpPr>
                 <p:cNvPr id="191" name="TextBox 190">
@@ -17828,7 +17834,7 @@
               </p:txBody>
             </p:sp>
           </mc:Choice>
-          <mc:Fallback>
+          <mc:Fallback xmlns="">
             <p:sp>
               <p:nvSpPr>
                 <p:cNvPr id="191" name="TextBox 190">
@@ -17873,8 +17879,8 @@
             </p:sp>
           </mc:Fallback>
         </mc:AlternateContent>
-        <mc:AlternateContent xmlns:mc="http://schemas.openxmlformats.org/markup-compatibility/2006">
-          <mc:Choice xmlns:a14="http://schemas.microsoft.com/office/drawing/2010/main" Requires="a14">
+        <mc:AlternateContent xmlns:mc="http://schemas.openxmlformats.org/markup-compatibility/2006" xmlns:a14="http://schemas.microsoft.com/office/drawing/2010/main">
+          <mc:Choice Requires="a14">
             <p:sp>
               <p:nvSpPr>
                 <p:cNvPr id="192" name="TextBox 191">
@@ -17939,7 +17945,7 @@
               </p:txBody>
             </p:sp>
           </mc:Choice>
-          <mc:Fallback>
+          <mc:Fallback xmlns="">
             <p:sp>
               <p:nvSpPr>
                 <p:cNvPr id="192" name="TextBox 191">
@@ -18076,8 +18082,8 @@
             </a:fontRef>
           </p:style>
         </p:cxnSp>
-        <mc:AlternateContent xmlns:mc="http://schemas.openxmlformats.org/markup-compatibility/2006">
-          <mc:Choice xmlns:a14="http://schemas.microsoft.com/office/drawing/2010/main" Requires="a14">
+        <mc:AlternateContent xmlns:mc="http://schemas.openxmlformats.org/markup-compatibility/2006" xmlns:a14="http://schemas.microsoft.com/office/drawing/2010/main">
+          <mc:Choice Requires="a14">
             <p:sp>
               <p:nvSpPr>
                 <p:cNvPr id="195" name="TextBox 194">
@@ -18142,7 +18148,7 @@
               </p:txBody>
             </p:sp>
           </mc:Choice>
-          <mc:Fallback>
+          <mc:Fallback xmlns="">
             <p:sp>
               <p:nvSpPr>
                 <p:cNvPr id="195" name="TextBox 194">
@@ -18192,6 +18198,1703 @@
     <p:extLst>
       <p:ext uri="{BB962C8B-B14F-4D97-AF65-F5344CB8AC3E}">
         <p14:creationId xmlns:p14="http://schemas.microsoft.com/office/powerpoint/2010/main" val="2653247874"/>
+      </p:ext>
+    </p:extLst>
+  </p:cSld>
+  <p:clrMapOvr>
+    <a:masterClrMapping/>
+  </p:clrMapOvr>
+</p:sld>
+</file>
+
+<file path=ppt/slides/slide6.xml><?xml version="1.0" encoding="utf-8"?>
+<p:sld xmlns:a="http://schemas.openxmlformats.org/drawingml/2006/main" xmlns:r="http://schemas.openxmlformats.org/officeDocument/2006/relationships" xmlns:p="http://schemas.openxmlformats.org/presentationml/2006/main">
+  <p:cSld>
+    <p:spTree>
+      <p:nvGrpSpPr>
+        <p:cNvPr id="1" name=""/>
+        <p:cNvGrpSpPr/>
+        <p:nvPr/>
+      </p:nvGrpSpPr>
+      <p:grpSpPr>
+        <a:xfrm>
+          <a:off x="0" y="0"/>
+          <a:ext cx="0" cy="0"/>
+          <a:chOff x="0" y="0"/>
+          <a:chExt cx="0" cy="0"/>
+        </a:xfrm>
+      </p:grpSpPr>
+      <p:grpSp>
+        <p:nvGrpSpPr>
+          <p:cNvPr id="21" name="Group 20">
+            <a:extLst>
+              <a:ext uri="{FF2B5EF4-FFF2-40B4-BE49-F238E27FC236}">
+                <a16:creationId xmlns:a16="http://schemas.microsoft.com/office/drawing/2014/main" id="{BA1BEB5B-3EEA-4277-8E4F-D778C9EDC2F1}"/>
+              </a:ext>
+            </a:extLst>
+          </p:cNvPr>
+          <p:cNvGrpSpPr/>
+          <p:nvPr/>
+        </p:nvGrpSpPr>
+        <p:grpSpPr>
+          <a:xfrm>
+            <a:off x="2892859" y="754144"/>
+            <a:ext cx="7790765" cy="3590000"/>
+            <a:chOff x="2892859" y="754144"/>
+            <a:chExt cx="7790765" cy="3590000"/>
+          </a:xfrm>
+        </p:grpSpPr>
+        <p:sp>
+          <p:nvSpPr>
+            <p:cNvPr id="2" name="Isosceles Triangle 1">
+              <a:extLst>
+                <a:ext uri="{FF2B5EF4-FFF2-40B4-BE49-F238E27FC236}">
+                  <a16:creationId xmlns:a16="http://schemas.microsoft.com/office/drawing/2014/main" id="{6A11F797-F563-4CDE-8C3F-0450B16EF178}"/>
+                </a:ext>
+              </a:extLst>
+            </p:cNvPr>
+            <p:cNvSpPr/>
+            <p:nvPr/>
+          </p:nvSpPr>
+          <p:spPr>
+            <a:xfrm>
+              <a:off x="5587738" y="754144"/>
+              <a:ext cx="685800" cy="548640"/>
+            </a:xfrm>
+            <a:prstGeom prst="triangle">
+              <a:avLst/>
+            </a:prstGeom>
+            <a:solidFill>
+              <a:srgbClr val="0070C0"/>
+            </a:solidFill>
+            <a:ln w="25400">
+              <a:solidFill>
+                <a:schemeClr val="tx1"/>
+              </a:solidFill>
+            </a:ln>
+          </p:spPr>
+          <p:style>
+            <a:lnRef idx="2">
+              <a:schemeClr val="accent1">
+                <a:shade val="50000"/>
+              </a:schemeClr>
+            </a:lnRef>
+            <a:fillRef idx="1">
+              <a:schemeClr val="accent1"/>
+            </a:fillRef>
+            <a:effectRef idx="0">
+              <a:schemeClr val="accent1"/>
+            </a:effectRef>
+            <a:fontRef idx="minor">
+              <a:schemeClr val="lt1"/>
+            </a:fontRef>
+          </p:style>
+          <p:txBody>
+            <a:bodyPr rtlCol="1" anchor="ctr"/>
+            <a:lstStyle/>
+            <a:p>
+              <a:pPr algn="ctr"/>
+              <a:endParaRPr lang="he-IL"/>
+            </a:p>
+          </p:txBody>
+        </p:sp>
+        <p:sp>
+          <p:nvSpPr>
+            <p:cNvPr id="45" name="Isosceles Triangle 44">
+              <a:extLst>
+                <a:ext uri="{FF2B5EF4-FFF2-40B4-BE49-F238E27FC236}">
+                  <a16:creationId xmlns:a16="http://schemas.microsoft.com/office/drawing/2014/main" id="{7B38CEDB-81AE-4059-9326-93F8EBF308A6}"/>
+                </a:ext>
+              </a:extLst>
+            </p:cNvPr>
+            <p:cNvSpPr/>
+            <p:nvPr/>
+          </p:nvSpPr>
+          <p:spPr>
+            <a:xfrm rot="10800000">
+              <a:off x="4130697" y="1915213"/>
+              <a:ext cx="685800" cy="548640"/>
+            </a:xfrm>
+            <a:prstGeom prst="triangle">
+              <a:avLst/>
+            </a:prstGeom>
+            <a:solidFill>
+              <a:srgbClr val="FF0000"/>
+            </a:solidFill>
+            <a:ln w="25400">
+              <a:solidFill>
+                <a:schemeClr val="tx1"/>
+              </a:solidFill>
+            </a:ln>
+          </p:spPr>
+          <p:style>
+            <a:lnRef idx="2">
+              <a:schemeClr val="accent1">
+                <a:shade val="50000"/>
+              </a:schemeClr>
+            </a:lnRef>
+            <a:fillRef idx="1">
+              <a:schemeClr val="accent1"/>
+            </a:fillRef>
+            <a:effectRef idx="0">
+              <a:schemeClr val="accent1"/>
+            </a:effectRef>
+            <a:fontRef idx="minor">
+              <a:schemeClr val="lt1"/>
+            </a:fontRef>
+          </p:style>
+          <p:txBody>
+            <a:bodyPr rtlCol="1" anchor="ctr"/>
+            <a:lstStyle/>
+            <a:p>
+              <a:pPr algn="ctr"/>
+              <a:endParaRPr lang="he-IL"/>
+            </a:p>
+          </p:txBody>
+        </p:sp>
+        <p:sp>
+          <p:nvSpPr>
+            <p:cNvPr id="3" name="Rectangle 2">
+              <a:extLst>
+                <a:ext uri="{FF2B5EF4-FFF2-40B4-BE49-F238E27FC236}">
+                  <a16:creationId xmlns:a16="http://schemas.microsoft.com/office/drawing/2014/main" id="{38E38ED5-1B4D-417C-AA79-86E162D86376}"/>
+                </a:ext>
+              </a:extLst>
+            </p:cNvPr>
+            <p:cNvSpPr/>
+            <p:nvPr/>
+          </p:nvSpPr>
+          <p:spPr>
+            <a:xfrm>
+              <a:off x="3276052" y="3210268"/>
+              <a:ext cx="685800" cy="685800"/>
+            </a:xfrm>
+            <a:prstGeom prst="rect">
+              <a:avLst/>
+            </a:prstGeom>
+            <a:ln w="25400">
+              <a:solidFill>
+                <a:schemeClr val="tx1"/>
+              </a:solidFill>
+            </a:ln>
+          </p:spPr>
+          <p:style>
+            <a:lnRef idx="2">
+              <a:schemeClr val="accent1">
+                <a:shade val="50000"/>
+              </a:schemeClr>
+            </a:lnRef>
+            <a:fillRef idx="1">
+              <a:schemeClr val="accent1"/>
+            </a:fillRef>
+            <a:effectRef idx="0">
+              <a:schemeClr val="accent1"/>
+            </a:effectRef>
+            <a:fontRef idx="minor">
+              <a:schemeClr val="lt1"/>
+            </a:fontRef>
+          </p:style>
+          <p:txBody>
+            <a:bodyPr rtlCol="1" anchor="ctr"/>
+            <a:lstStyle/>
+            <a:p>
+              <a:pPr algn="ctr"/>
+              <a:endParaRPr lang="he-IL"/>
+            </a:p>
+          </p:txBody>
+        </p:sp>
+        <p:sp>
+          <p:nvSpPr>
+            <p:cNvPr id="48" name="Rectangle 47">
+              <a:extLst>
+                <a:ext uri="{FF2B5EF4-FFF2-40B4-BE49-F238E27FC236}">
+                  <a16:creationId xmlns:a16="http://schemas.microsoft.com/office/drawing/2014/main" id="{01A7C47E-586D-4C7B-8C6C-A2CEA0A6D830}"/>
+                </a:ext>
+              </a:extLst>
+            </p:cNvPr>
+            <p:cNvSpPr/>
+            <p:nvPr/>
+          </p:nvSpPr>
+          <p:spPr>
+            <a:xfrm>
+              <a:off x="4901938" y="3210268"/>
+              <a:ext cx="685800" cy="685800"/>
+            </a:xfrm>
+            <a:prstGeom prst="rect">
+              <a:avLst/>
+            </a:prstGeom>
+            <a:ln w="25400">
+              <a:solidFill>
+                <a:schemeClr val="tx1"/>
+              </a:solidFill>
+            </a:ln>
+          </p:spPr>
+          <p:style>
+            <a:lnRef idx="2">
+              <a:schemeClr val="accent1">
+                <a:shade val="50000"/>
+              </a:schemeClr>
+            </a:lnRef>
+            <a:fillRef idx="1">
+              <a:schemeClr val="accent1"/>
+            </a:fillRef>
+            <a:effectRef idx="0">
+              <a:schemeClr val="accent1"/>
+            </a:effectRef>
+            <a:fontRef idx="minor">
+              <a:schemeClr val="lt1"/>
+            </a:fontRef>
+          </p:style>
+          <p:txBody>
+            <a:bodyPr rtlCol="1" anchor="ctr"/>
+            <a:lstStyle/>
+            <a:p>
+              <a:pPr algn="ctr"/>
+              <a:endParaRPr lang="he-IL"/>
+            </a:p>
+          </p:txBody>
+        </p:sp>
+        <p:sp>
+          <p:nvSpPr>
+            <p:cNvPr id="50" name="Isosceles Triangle 49">
+              <a:extLst>
+                <a:ext uri="{FF2B5EF4-FFF2-40B4-BE49-F238E27FC236}">
+                  <a16:creationId xmlns:a16="http://schemas.microsoft.com/office/drawing/2014/main" id="{44CACD17-EB4B-487B-BF6B-026BCC73B346}"/>
+                </a:ext>
+              </a:extLst>
+            </p:cNvPr>
+            <p:cNvSpPr/>
+            <p:nvPr/>
+          </p:nvSpPr>
+          <p:spPr>
+            <a:xfrm rot="10800000">
+              <a:off x="7128183" y="1915214"/>
+              <a:ext cx="685800" cy="548640"/>
+            </a:xfrm>
+            <a:prstGeom prst="triangle">
+              <a:avLst/>
+            </a:prstGeom>
+            <a:solidFill>
+              <a:srgbClr val="FF0000"/>
+            </a:solidFill>
+            <a:ln w="25400">
+              <a:solidFill>
+                <a:schemeClr val="tx1"/>
+              </a:solidFill>
+            </a:ln>
+          </p:spPr>
+          <p:style>
+            <a:lnRef idx="2">
+              <a:schemeClr val="accent1">
+                <a:shade val="50000"/>
+              </a:schemeClr>
+            </a:lnRef>
+            <a:fillRef idx="1">
+              <a:schemeClr val="accent1"/>
+            </a:fillRef>
+            <a:effectRef idx="0">
+              <a:schemeClr val="accent1"/>
+            </a:effectRef>
+            <a:fontRef idx="minor">
+              <a:schemeClr val="lt1"/>
+            </a:fontRef>
+          </p:style>
+          <p:txBody>
+            <a:bodyPr rtlCol="1" anchor="ctr"/>
+            <a:lstStyle/>
+            <a:p>
+              <a:pPr algn="ctr"/>
+              <a:endParaRPr lang="he-IL"/>
+            </a:p>
+          </p:txBody>
+        </p:sp>
+        <p:sp>
+          <p:nvSpPr>
+            <p:cNvPr id="51" name="Rectangle 50">
+              <a:extLst>
+                <a:ext uri="{FF2B5EF4-FFF2-40B4-BE49-F238E27FC236}">
+                  <a16:creationId xmlns:a16="http://schemas.microsoft.com/office/drawing/2014/main" id="{9C60AA9D-660C-4993-AAF1-591ED97AA247}"/>
+                </a:ext>
+              </a:extLst>
+            </p:cNvPr>
+            <p:cNvSpPr/>
+            <p:nvPr/>
+          </p:nvSpPr>
+          <p:spPr>
+            <a:xfrm>
+              <a:off x="6273538" y="3210269"/>
+              <a:ext cx="685800" cy="685800"/>
+            </a:xfrm>
+            <a:prstGeom prst="rect">
+              <a:avLst/>
+            </a:prstGeom>
+            <a:ln w="25400">
+              <a:solidFill>
+                <a:schemeClr val="tx1"/>
+              </a:solidFill>
+            </a:ln>
+          </p:spPr>
+          <p:style>
+            <a:lnRef idx="2">
+              <a:schemeClr val="accent1">
+                <a:shade val="50000"/>
+              </a:schemeClr>
+            </a:lnRef>
+            <a:fillRef idx="1">
+              <a:schemeClr val="accent1"/>
+            </a:fillRef>
+            <a:effectRef idx="0">
+              <a:schemeClr val="accent1"/>
+            </a:effectRef>
+            <a:fontRef idx="minor">
+              <a:schemeClr val="lt1"/>
+            </a:fontRef>
+          </p:style>
+          <p:txBody>
+            <a:bodyPr rtlCol="1" anchor="ctr"/>
+            <a:lstStyle/>
+            <a:p>
+              <a:pPr algn="ctr"/>
+              <a:endParaRPr lang="he-IL"/>
+            </a:p>
+          </p:txBody>
+        </p:sp>
+        <p:sp>
+          <p:nvSpPr>
+            <p:cNvPr id="52" name="Rectangle 51">
+              <a:extLst>
+                <a:ext uri="{FF2B5EF4-FFF2-40B4-BE49-F238E27FC236}">
+                  <a16:creationId xmlns:a16="http://schemas.microsoft.com/office/drawing/2014/main" id="{333E295C-4C95-4C9A-98EB-A973C6E40A78}"/>
+                </a:ext>
+              </a:extLst>
+            </p:cNvPr>
+            <p:cNvSpPr/>
+            <p:nvPr/>
+          </p:nvSpPr>
+          <p:spPr>
+            <a:xfrm>
+              <a:off x="7899424" y="3210269"/>
+              <a:ext cx="685800" cy="685800"/>
+            </a:xfrm>
+            <a:prstGeom prst="rect">
+              <a:avLst/>
+            </a:prstGeom>
+            <a:ln w="25400">
+              <a:solidFill>
+                <a:schemeClr val="tx1"/>
+              </a:solidFill>
+            </a:ln>
+          </p:spPr>
+          <p:style>
+            <a:lnRef idx="2">
+              <a:schemeClr val="accent1">
+                <a:shade val="50000"/>
+              </a:schemeClr>
+            </a:lnRef>
+            <a:fillRef idx="1">
+              <a:schemeClr val="accent1"/>
+            </a:fillRef>
+            <a:effectRef idx="0">
+              <a:schemeClr val="accent1"/>
+            </a:effectRef>
+            <a:fontRef idx="minor">
+              <a:schemeClr val="lt1"/>
+            </a:fontRef>
+          </p:style>
+          <p:txBody>
+            <a:bodyPr rtlCol="1" anchor="ctr"/>
+            <a:lstStyle/>
+            <a:p>
+              <a:pPr algn="ctr"/>
+              <a:endParaRPr lang="he-IL"/>
+            </a:p>
+          </p:txBody>
+        </p:sp>
+        <p:cxnSp>
+          <p:nvCxnSpPr>
+            <p:cNvPr id="5" name="Straight Connector 4">
+              <a:extLst>
+                <a:ext uri="{FF2B5EF4-FFF2-40B4-BE49-F238E27FC236}">
+                  <a16:creationId xmlns:a16="http://schemas.microsoft.com/office/drawing/2014/main" id="{1925075F-8821-4439-8E38-6B77B1535AB1}"/>
+                </a:ext>
+              </a:extLst>
+            </p:cNvPr>
+            <p:cNvCxnSpPr>
+              <a:stCxn id="2" idx="2"/>
+              <a:endCxn id="45" idx="3"/>
+            </p:cNvCxnSpPr>
+            <p:nvPr/>
+          </p:nvCxnSpPr>
+          <p:spPr>
+            <a:xfrm flipH="1">
+              <a:off x="4473597" y="1302784"/>
+              <a:ext cx="1114141" cy="612429"/>
+            </a:xfrm>
+            <a:prstGeom prst="line">
+              <a:avLst/>
+            </a:prstGeom>
+            <a:ln w="25400">
+              <a:solidFill>
+                <a:schemeClr val="tx1"/>
+              </a:solidFill>
+            </a:ln>
+          </p:spPr>
+          <p:style>
+            <a:lnRef idx="1">
+              <a:schemeClr val="accent1"/>
+            </a:lnRef>
+            <a:fillRef idx="0">
+              <a:schemeClr val="accent1"/>
+            </a:fillRef>
+            <a:effectRef idx="0">
+              <a:schemeClr val="accent1"/>
+            </a:effectRef>
+            <a:fontRef idx="minor">
+              <a:schemeClr val="tx1"/>
+            </a:fontRef>
+          </p:style>
+        </p:cxnSp>
+        <p:cxnSp>
+          <p:nvCxnSpPr>
+            <p:cNvPr id="55" name="Straight Connector 54">
+              <a:extLst>
+                <a:ext uri="{FF2B5EF4-FFF2-40B4-BE49-F238E27FC236}">
+                  <a16:creationId xmlns:a16="http://schemas.microsoft.com/office/drawing/2014/main" id="{84A9E243-4E39-4807-BFB4-F7E80E7237F7}"/>
+                </a:ext>
+              </a:extLst>
+            </p:cNvPr>
+            <p:cNvCxnSpPr>
+              <a:cxnSpLocks/>
+              <a:stCxn id="2" idx="4"/>
+              <a:endCxn id="50" idx="3"/>
+            </p:cNvCxnSpPr>
+            <p:nvPr/>
+          </p:nvCxnSpPr>
+          <p:spPr>
+            <a:xfrm>
+              <a:off x="6273538" y="1302784"/>
+              <a:ext cx="1197545" cy="612430"/>
+            </a:xfrm>
+            <a:prstGeom prst="line">
+              <a:avLst/>
+            </a:prstGeom>
+            <a:ln w="25400">
+              <a:solidFill>
+                <a:schemeClr val="tx1"/>
+              </a:solidFill>
+            </a:ln>
+          </p:spPr>
+          <p:style>
+            <a:lnRef idx="1">
+              <a:schemeClr val="accent1"/>
+            </a:lnRef>
+            <a:fillRef idx="0">
+              <a:schemeClr val="accent1"/>
+            </a:fillRef>
+            <a:effectRef idx="0">
+              <a:schemeClr val="accent1"/>
+            </a:effectRef>
+            <a:fontRef idx="minor">
+              <a:schemeClr val="tx1"/>
+            </a:fontRef>
+          </p:style>
+        </p:cxnSp>
+        <p:cxnSp>
+          <p:nvCxnSpPr>
+            <p:cNvPr id="58" name="Straight Connector 57">
+              <a:extLst>
+                <a:ext uri="{FF2B5EF4-FFF2-40B4-BE49-F238E27FC236}">
+                  <a16:creationId xmlns:a16="http://schemas.microsoft.com/office/drawing/2014/main" id="{D8483294-A05D-43E0-BC66-B4A87DAC8315}"/>
+                </a:ext>
+              </a:extLst>
+            </p:cNvPr>
+            <p:cNvCxnSpPr>
+              <a:cxnSpLocks/>
+              <a:stCxn id="3" idx="0"/>
+              <a:endCxn id="45" idx="5"/>
+            </p:cNvCxnSpPr>
+            <p:nvPr/>
+          </p:nvCxnSpPr>
+          <p:spPr>
+            <a:xfrm flipV="1">
+              <a:off x="3618952" y="2189533"/>
+              <a:ext cx="683195" cy="1020735"/>
+            </a:xfrm>
+            <a:prstGeom prst="line">
+              <a:avLst/>
+            </a:prstGeom>
+            <a:ln w="25400">
+              <a:solidFill>
+                <a:schemeClr val="tx1"/>
+              </a:solidFill>
+            </a:ln>
+          </p:spPr>
+          <p:style>
+            <a:lnRef idx="1">
+              <a:schemeClr val="accent1"/>
+            </a:lnRef>
+            <a:fillRef idx="0">
+              <a:schemeClr val="accent1"/>
+            </a:fillRef>
+            <a:effectRef idx="0">
+              <a:schemeClr val="accent1"/>
+            </a:effectRef>
+            <a:fontRef idx="minor">
+              <a:schemeClr val="tx1"/>
+            </a:fontRef>
+          </p:style>
+        </p:cxnSp>
+        <p:cxnSp>
+          <p:nvCxnSpPr>
+            <p:cNvPr id="61" name="Straight Connector 60">
+              <a:extLst>
+                <a:ext uri="{FF2B5EF4-FFF2-40B4-BE49-F238E27FC236}">
+                  <a16:creationId xmlns:a16="http://schemas.microsoft.com/office/drawing/2014/main" id="{FCD45DA7-6941-48BA-9D89-9D34C903BE4C}"/>
+                </a:ext>
+              </a:extLst>
+            </p:cNvPr>
+            <p:cNvCxnSpPr>
+              <a:cxnSpLocks/>
+              <a:stCxn id="48" idx="0"/>
+              <a:endCxn id="45" idx="1"/>
+            </p:cNvCxnSpPr>
+            <p:nvPr/>
+          </p:nvCxnSpPr>
+          <p:spPr>
+            <a:xfrm flipH="1" flipV="1">
+              <a:off x="4645047" y="2189533"/>
+              <a:ext cx="599791" cy="1020735"/>
+            </a:xfrm>
+            <a:prstGeom prst="line">
+              <a:avLst/>
+            </a:prstGeom>
+            <a:ln w="25400">
+              <a:solidFill>
+                <a:schemeClr val="tx1"/>
+              </a:solidFill>
+            </a:ln>
+          </p:spPr>
+          <p:style>
+            <a:lnRef idx="1">
+              <a:schemeClr val="accent1"/>
+            </a:lnRef>
+            <a:fillRef idx="0">
+              <a:schemeClr val="accent1"/>
+            </a:fillRef>
+            <a:effectRef idx="0">
+              <a:schemeClr val="accent1"/>
+            </a:effectRef>
+            <a:fontRef idx="minor">
+              <a:schemeClr val="tx1"/>
+            </a:fontRef>
+          </p:style>
+        </p:cxnSp>
+        <p:cxnSp>
+          <p:nvCxnSpPr>
+            <p:cNvPr id="64" name="Straight Connector 63">
+              <a:extLst>
+                <a:ext uri="{FF2B5EF4-FFF2-40B4-BE49-F238E27FC236}">
+                  <a16:creationId xmlns:a16="http://schemas.microsoft.com/office/drawing/2014/main" id="{ABEE147E-B2E7-4C16-8B2B-6E1EFDBD6567}"/>
+                </a:ext>
+              </a:extLst>
+            </p:cNvPr>
+            <p:cNvCxnSpPr>
+              <a:cxnSpLocks/>
+              <a:stCxn id="51" idx="0"/>
+              <a:endCxn id="50" idx="5"/>
+            </p:cNvCxnSpPr>
+            <p:nvPr/>
+          </p:nvCxnSpPr>
+          <p:spPr>
+            <a:xfrm flipV="1">
+              <a:off x="6616438" y="2189534"/>
+              <a:ext cx="683195" cy="1020735"/>
+            </a:xfrm>
+            <a:prstGeom prst="line">
+              <a:avLst/>
+            </a:prstGeom>
+            <a:ln w="25400">
+              <a:solidFill>
+                <a:schemeClr val="tx1"/>
+              </a:solidFill>
+            </a:ln>
+          </p:spPr>
+          <p:style>
+            <a:lnRef idx="1">
+              <a:schemeClr val="accent1"/>
+            </a:lnRef>
+            <a:fillRef idx="0">
+              <a:schemeClr val="accent1"/>
+            </a:fillRef>
+            <a:effectRef idx="0">
+              <a:schemeClr val="accent1"/>
+            </a:effectRef>
+            <a:fontRef idx="minor">
+              <a:schemeClr val="tx1"/>
+            </a:fontRef>
+          </p:style>
+        </p:cxnSp>
+        <p:cxnSp>
+          <p:nvCxnSpPr>
+            <p:cNvPr id="67" name="Straight Connector 66">
+              <a:extLst>
+                <a:ext uri="{FF2B5EF4-FFF2-40B4-BE49-F238E27FC236}">
+                  <a16:creationId xmlns:a16="http://schemas.microsoft.com/office/drawing/2014/main" id="{85BB5E8E-008A-4BC4-B89A-DF90B4A77FA0}"/>
+                </a:ext>
+              </a:extLst>
+            </p:cNvPr>
+            <p:cNvCxnSpPr>
+              <a:cxnSpLocks/>
+              <a:stCxn id="52" idx="0"/>
+              <a:endCxn id="50" idx="1"/>
+            </p:cNvCxnSpPr>
+            <p:nvPr/>
+          </p:nvCxnSpPr>
+          <p:spPr>
+            <a:xfrm flipH="1" flipV="1">
+              <a:off x="7642533" y="2189534"/>
+              <a:ext cx="599791" cy="1020735"/>
+            </a:xfrm>
+            <a:prstGeom prst="line">
+              <a:avLst/>
+            </a:prstGeom>
+            <a:ln w="25400">
+              <a:solidFill>
+                <a:schemeClr val="tx1"/>
+              </a:solidFill>
+            </a:ln>
+          </p:spPr>
+          <p:style>
+            <a:lnRef idx="1">
+              <a:schemeClr val="accent1"/>
+            </a:lnRef>
+            <a:fillRef idx="0">
+              <a:schemeClr val="accent1"/>
+            </a:fillRef>
+            <a:effectRef idx="0">
+              <a:schemeClr val="accent1"/>
+            </a:effectRef>
+            <a:fontRef idx="minor">
+              <a:schemeClr val="tx1"/>
+            </a:fontRef>
+          </p:style>
+        </p:cxnSp>
+        <mc:AlternateContent xmlns:mc="http://schemas.openxmlformats.org/markup-compatibility/2006">
+          <mc:Choice xmlns:a14="http://schemas.microsoft.com/office/drawing/2010/main" Requires="a14">
+            <p:sp>
+              <p:nvSpPr>
+                <p:cNvPr id="18" name="TextBox 17">
+                  <a:extLst>
+                    <a:ext uri="{FF2B5EF4-FFF2-40B4-BE49-F238E27FC236}">
+                      <a16:creationId xmlns:a16="http://schemas.microsoft.com/office/drawing/2014/main" id="{C501D77F-0585-4676-8026-9958DC13889F}"/>
+                    </a:ext>
+                  </a:extLst>
+                </p:cNvPr>
+                <p:cNvSpPr txBox="1"/>
+                <p:nvPr/>
+              </p:nvSpPr>
+              <p:spPr>
+                <a:xfrm>
+                  <a:off x="3016556" y="1864982"/>
+                  <a:ext cx="1371600" cy="369332"/>
+                </a:xfrm>
+                <a:prstGeom prst="rect">
+                  <a:avLst/>
+                </a:prstGeom>
+                <a:noFill/>
+              </p:spPr>
+              <p:txBody>
+                <a:bodyPr wrap="square" rtlCol="1">
+                  <a:spAutoFit/>
+                </a:bodyPr>
+                <a:lstStyle/>
+                <a:p>
+                  <a14:m>
+                    <m:oMathPara xmlns:m="http://schemas.openxmlformats.org/officeDocument/2006/math">
+                      <m:oMathParaPr>
+                        <m:jc m:val="centerGroup"/>
+                      </m:oMathParaPr>
+                      <m:oMath xmlns:m="http://schemas.openxmlformats.org/officeDocument/2006/math">
+                        <m:r>
+                          <a:rPr lang="en-US" b="0" i="1" smtClean="0">
+                            <a:latin typeface="Cambria Math" panose="02040503050406030204" pitchFamily="18" charset="0"/>
+                          </a:rPr>
+                          <m:t>h</m:t>
+                        </m:r>
+                        <m:r>
+                          <a:rPr lang="en-US" b="0" i="1" smtClean="0">
+                            <a:latin typeface="Cambria Math" panose="02040503050406030204" pitchFamily="18" charset="0"/>
+                          </a:rPr>
+                          <m:t>=</m:t>
+                        </m:r>
+                        <m:r>
+                          <a:rPr lang="en-US" b="0" i="1" smtClean="0">
+                            <a:latin typeface="Cambria Math" panose="02040503050406030204" pitchFamily="18" charset="0"/>
+                          </a:rPr>
+                          <m:t>5</m:t>
+                        </m:r>
+                      </m:oMath>
+                    </m:oMathPara>
+                  </a14:m>
+                  <a:endParaRPr lang="he-IL" dirty="0"/>
+                </a:p>
+              </p:txBody>
+            </p:sp>
+          </mc:Choice>
+          <mc:Fallback>
+            <p:sp>
+              <p:nvSpPr>
+                <p:cNvPr id="18" name="TextBox 17">
+                  <a:extLst>
+                    <a:ext uri="{FF2B5EF4-FFF2-40B4-BE49-F238E27FC236}">
+                      <a16:creationId xmlns:a16="http://schemas.microsoft.com/office/drawing/2014/main" id="{C501D77F-0585-4676-8026-9958DC13889F}"/>
+                    </a:ext>
+                  </a:extLst>
+                </p:cNvPr>
+                <p:cNvSpPr txBox="1">
+                  <a:spLocks noRot="1" noChangeAspect="1" noMove="1" noResize="1" noEditPoints="1" noAdjustHandles="1" noChangeArrowheads="1" noChangeShapeType="1" noTextEdit="1"/>
+                </p:cNvSpPr>
+                <p:nvPr/>
+              </p:nvSpPr>
+              <p:spPr>
+                <a:xfrm>
+                  <a:off x="3016556" y="1864982"/>
+                  <a:ext cx="1371600" cy="369332"/>
+                </a:xfrm>
+                <a:prstGeom prst="rect">
+                  <a:avLst/>
+                </a:prstGeom>
+                <a:blipFill>
+                  <a:blip r:embed="rId2"/>
+                  <a:stretch>
+                    <a:fillRect/>
+                  </a:stretch>
+                </a:blipFill>
+              </p:spPr>
+              <p:txBody>
+                <a:bodyPr/>
+                <a:lstStyle/>
+                <a:p>
+                  <a:r>
+                    <a:rPr lang="he-IL">
+                      <a:noFill/>
+                    </a:rPr>
+                    <a:t> </a:t>
+                  </a:r>
+                </a:p>
+              </p:txBody>
+            </p:sp>
+          </mc:Fallback>
+        </mc:AlternateContent>
+        <mc:AlternateContent xmlns:mc="http://schemas.openxmlformats.org/markup-compatibility/2006">
+          <mc:Choice xmlns:a14="http://schemas.microsoft.com/office/drawing/2010/main" Requires="a14">
+            <p:sp>
+              <p:nvSpPr>
+                <p:cNvPr id="73" name="TextBox 72">
+                  <a:extLst>
+                    <a:ext uri="{FF2B5EF4-FFF2-40B4-BE49-F238E27FC236}">
+                      <a16:creationId xmlns:a16="http://schemas.microsoft.com/office/drawing/2014/main" id="{39BB8371-83B8-484B-9BDF-909ACDDDCBE0}"/>
+                    </a:ext>
+                  </a:extLst>
+                </p:cNvPr>
+                <p:cNvSpPr txBox="1"/>
+                <p:nvPr/>
+              </p:nvSpPr>
+              <p:spPr>
+                <a:xfrm>
+                  <a:off x="7556524" y="1850275"/>
+                  <a:ext cx="1371600" cy="369332"/>
+                </a:xfrm>
+                <a:prstGeom prst="rect">
+                  <a:avLst/>
+                </a:prstGeom>
+                <a:noFill/>
+              </p:spPr>
+              <p:txBody>
+                <a:bodyPr wrap="square" rtlCol="1">
+                  <a:spAutoFit/>
+                </a:bodyPr>
+                <a:lstStyle/>
+                <a:p>
+                  <a14:m>
+                    <m:oMathPara xmlns:m="http://schemas.openxmlformats.org/officeDocument/2006/math">
+                      <m:oMathParaPr>
+                        <m:jc m:val="centerGroup"/>
+                      </m:oMathParaPr>
+                      <m:oMath xmlns:m="http://schemas.openxmlformats.org/officeDocument/2006/math">
+                        <m:r>
+                          <a:rPr lang="en-US" b="0" i="1" smtClean="0">
+                            <a:latin typeface="Cambria Math" panose="02040503050406030204" pitchFamily="18" charset="0"/>
+                          </a:rPr>
+                          <m:t>h</m:t>
+                        </m:r>
+                        <m:r>
+                          <a:rPr lang="en-US" b="0" i="1" smtClean="0">
+                            <a:latin typeface="Cambria Math" panose="02040503050406030204" pitchFamily="18" charset="0"/>
+                          </a:rPr>
+                          <m:t>=</m:t>
+                        </m:r>
+                        <m:r>
+                          <a:rPr lang="en-US" b="0" i="1" smtClean="0">
+                            <a:latin typeface="Cambria Math" panose="02040503050406030204" pitchFamily="18" charset="0"/>
+                          </a:rPr>
+                          <m:t>6</m:t>
+                        </m:r>
+                      </m:oMath>
+                    </m:oMathPara>
+                  </a14:m>
+                  <a:endParaRPr lang="he-IL" dirty="0"/>
+                </a:p>
+              </p:txBody>
+            </p:sp>
+          </mc:Choice>
+          <mc:Fallback>
+            <p:sp>
+              <p:nvSpPr>
+                <p:cNvPr id="73" name="TextBox 72">
+                  <a:extLst>
+                    <a:ext uri="{FF2B5EF4-FFF2-40B4-BE49-F238E27FC236}">
+                      <a16:creationId xmlns:a16="http://schemas.microsoft.com/office/drawing/2014/main" id="{39BB8371-83B8-484B-9BDF-909ACDDDCBE0}"/>
+                    </a:ext>
+                  </a:extLst>
+                </p:cNvPr>
+                <p:cNvSpPr txBox="1">
+                  <a:spLocks noRot="1" noChangeAspect="1" noMove="1" noResize="1" noEditPoints="1" noAdjustHandles="1" noChangeArrowheads="1" noChangeShapeType="1" noTextEdit="1"/>
+                </p:cNvSpPr>
+                <p:nvPr/>
+              </p:nvSpPr>
+              <p:spPr>
+                <a:xfrm>
+                  <a:off x="7556524" y="1850275"/>
+                  <a:ext cx="1371600" cy="369332"/>
+                </a:xfrm>
+                <a:prstGeom prst="rect">
+                  <a:avLst/>
+                </a:prstGeom>
+                <a:blipFill>
+                  <a:blip r:embed="rId3"/>
+                  <a:stretch>
+                    <a:fillRect/>
+                  </a:stretch>
+                </a:blipFill>
+              </p:spPr>
+              <p:txBody>
+                <a:bodyPr/>
+                <a:lstStyle/>
+                <a:p>
+                  <a:r>
+                    <a:rPr lang="he-IL">
+                      <a:noFill/>
+                    </a:rPr>
+                    <a:t> </a:t>
+                  </a:r>
+                </a:p>
+              </p:txBody>
+            </p:sp>
+          </mc:Fallback>
+        </mc:AlternateContent>
+        <mc:AlternateContent xmlns:mc="http://schemas.openxmlformats.org/markup-compatibility/2006">
+          <mc:Choice xmlns:a14="http://schemas.microsoft.com/office/drawing/2010/main" Requires="a14">
+            <p:sp>
+              <p:nvSpPr>
+                <p:cNvPr id="74" name="TextBox 73">
+                  <a:extLst>
+                    <a:ext uri="{FF2B5EF4-FFF2-40B4-BE49-F238E27FC236}">
+                      <a16:creationId xmlns:a16="http://schemas.microsoft.com/office/drawing/2014/main" id="{6B14C8CB-D491-4730-896F-18D39250ACFB}"/>
+                    </a:ext>
+                  </a:extLst>
+                </p:cNvPr>
+                <p:cNvSpPr txBox="1"/>
+                <p:nvPr/>
+              </p:nvSpPr>
+              <p:spPr>
+                <a:xfrm>
+                  <a:off x="2892859" y="3974812"/>
+                  <a:ext cx="1371600" cy="369332"/>
+                </a:xfrm>
+                <a:prstGeom prst="rect">
+                  <a:avLst/>
+                </a:prstGeom>
+                <a:noFill/>
+              </p:spPr>
+              <p:txBody>
+                <a:bodyPr wrap="square" rtlCol="1">
+                  <a:spAutoFit/>
+                </a:bodyPr>
+                <a:lstStyle/>
+                <a:p>
+                  <a14:m>
+                    <m:oMathPara xmlns:m="http://schemas.openxmlformats.org/officeDocument/2006/math">
+                      <m:oMathParaPr>
+                        <m:jc m:val="centerGroup"/>
+                      </m:oMathParaPr>
+                      <m:oMath xmlns:m="http://schemas.openxmlformats.org/officeDocument/2006/math">
+                        <m:r>
+                          <a:rPr lang="en-US" b="0" i="1" smtClean="0">
+                            <a:latin typeface="Cambria Math" panose="02040503050406030204" pitchFamily="18" charset="0"/>
+                          </a:rPr>
+                          <m:t>𝑢</m:t>
+                        </m:r>
+                        <m:r>
+                          <a:rPr lang="en-US" b="0" i="1" smtClean="0">
+                            <a:latin typeface="Cambria Math" panose="02040503050406030204" pitchFamily="18" charset="0"/>
+                          </a:rPr>
+                          <m:t>=</m:t>
+                        </m:r>
+                        <m:r>
+                          <a:rPr lang="en-US" b="0" i="1" smtClean="0">
+                            <a:latin typeface="Cambria Math" panose="02040503050406030204" pitchFamily="18" charset="0"/>
+                          </a:rPr>
+                          <m:t>5</m:t>
+                        </m:r>
+                      </m:oMath>
+                    </m:oMathPara>
+                  </a14:m>
+                  <a:endParaRPr lang="he-IL" dirty="0"/>
+                </a:p>
+              </p:txBody>
+            </p:sp>
+          </mc:Choice>
+          <mc:Fallback>
+            <p:sp>
+              <p:nvSpPr>
+                <p:cNvPr id="74" name="TextBox 73">
+                  <a:extLst>
+                    <a:ext uri="{FF2B5EF4-FFF2-40B4-BE49-F238E27FC236}">
+                      <a16:creationId xmlns:a16="http://schemas.microsoft.com/office/drawing/2014/main" id="{6B14C8CB-D491-4730-896F-18D39250ACFB}"/>
+                    </a:ext>
+                  </a:extLst>
+                </p:cNvPr>
+                <p:cNvSpPr txBox="1">
+                  <a:spLocks noRot="1" noChangeAspect="1" noMove="1" noResize="1" noEditPoints="1" noAdjustHandles="1" noChangeArrowheads="1" noChangeShapeType="1" noTextEdit="1"/>
+                </p:cNvSpPr>
+                <p:nvPr/>
+              </p:nvSpPr>
+              <p:spPr>
+                <a:xfrm>
+                  <a:off x="2892859" y="3974812"/>
+                  <a:ext cx="1371600" cy="369332"/>
+                </a:xfrm>
+                <a:prstGeom prst="rect">
+                  <a:avLst/>
+                </a:prstGeom>
+                <a:blipFill>
+                  <a:blip r:embed="rId4"/>
+                  <a:stretch>
+                    <a:fillRect/>
+                  </a:stretch>
+                </a:blipFill>
+              </p:spPr>
+              <p:txBody>
+                <a:bodyPr/>
+                <a:lstStyle/>
+                <a:p>
+                  <a:r>
+                    <a:rPr lang="he-IL">
+                      <a:noFill/>
+                    </a:rPr>
+                    <a:t> </a:t>
+                  </a:r>
+                </a:p>
+              </p:txBody>
+            </p:sp>
+          </mc:Fallback>
+        </mc:AlternateContent>
+        <mc:AlternateContent xmlns:mc="http://schemas.openxmlformats.org/markup-compatibility/2006">
+          <mc:Choice xmlns:a14="http://schemas.microsoft.com/office/drawing/2010/main" Requires="a14">
+            <p:sp>
+              <p:nvSpPr>
+                <p:cNvPr id="75" name="TextBox 74">
+                  <a:extLst>
+                    <a:ext uri="{FF2B5EF4-FFF2-40B4-BE49-F238E27FC236}">
+                      <a16:creationId xmlns:a16="http://schemas.microsoft.com/office/drawing/2014/main" id="{A607AD59-BD38-49E9-BB32-47745D6BD69A}"/>
+                    </a:ext>
+                  </a:extLst>
+                </p:cNvPr>
+                <p:cNvSpPr txBox="1"/>
+                <p:nvPr/>
+              </p:nvSpPr>
+              <p:spPr>
+                <a:xfrm>
+                  <a:off x="4556023" y="3974812"/>
+                  <a:ext cx="1371600" cy="369332"/>
+                </a:xfrm>
+                <a:prstGeom prst="rect">
+                  <a:avLst/>
+                </a:prstGeom>
+                <a:noFill/>
+              </p:spPr>
+              <p:txBody>
+                <a:bodyPr wrap="square" rtlCol="1">
+                  <a:spAutoFit/>
+                </a:bodyPr>
+                <a:lstStyle/>
+                <a:p>
+                  <a14:m>
+                    <m:oMathPara xmlns:m="http://schemas.openxmlformats.org/officeDocument/2006/math">
+                      <m:oMathParaPr>
+                        <m:jc m:val="centerGroup"/>
+                      </m:oMathParaPr>
+                      <m:oMath xmlns:m="http://schemas.openxmlformats.org/officeDocument/2006/math">
+                        <m:r>
+                          <a:rPr lang="en-US" b="0" i="1" smtClean="0">
+                            <a:latin typeface="Cambria Math" panose="02040503050406030204" pitchFamily="18" charset="0"/>
+                          </a:rPr>
+                          <m:t>𝑢</m:t>
+                        </m:r>
+                        <m:r>
+                          <a:rPr lang="en-US" b="0" i="1" smtClean="0">
+                            <a:latin typeface="Cambria Math" panose="02040503050406030204" pitchFamily="18" charset="0"/>
+                          </a:rPr>
+                          <m:t>=</m:t>
+                        </m:r>
+                        <m:r>
+                          <a:rPr lang="en-US" b="0" i="1" smtClean="0">
+                            <a:latin typeface="Cambria Math" panose="02040503050406030204" pitchFamily="18" charset="0"/>
+                          </a:rPr>
+                          <m:t>6</m:t>
+                        </m:r>
+                      </m:oMath>
+                    </m:oMathPara>
+                  </a14:m>
+                  <a:endParaRPr lang="he-IL" dirty="0"/>
+                </a:p>
+              </p:txBody>
+            </p:sp>
+          </mc:Choice>
+          <mc:Fallback>
+            <p:sp>
+              <p:nvSpPr>
+                <p:cNvPr id="75" name="TextBox 74">
+                  <a:extLst>
+                    <a:ext uri="{FF2B5EF4-FFF2-40B4-BE49-F238E27FC236}">
+                      <a16:creationId xmlns:a16="http://schemas.microsoft.com/office/drawing/2014/main" id="{A607AD59-BD38-49E9-BB32-47745D6BD69A}"/>
+                    </a:ext>
+                  </a:extLst>
+                </p:cNvPr>
+                <p:cNvSpPr txBox="1">
+                  <a:spLocks noRot="1" noChangeAspect="1" noMove="1" noResize="1" noEditPoints="1" noAdjustHandles="1" noChangeArrowheads="1" noChangeShapeType="1" noTextEdit="1"/>
+                </p:cNvSpPr>
+                <p:nvPr/>
+              </p:nvSpPr>
+              <p:spPr>
+                <a:xfrm>
+                  <a:off x="4556023" y="3974812"/>
+                  <a:ext cx="1371600" cy="369332"/>
+                </a:xfrm>
+                <a:prstGeom prst="rect">
+                  <a:avLst/>
+                </a:prstGeom>
+                <a:blipFill>
+                  <a:blip r:embed="rId5"/>
+                  <a:stretch>
+                    <a:fillRect/>
+                  </a:stretch>
+                </a:blipFill>
+              </p:spPr>
+              <p:txBody>
+                <a:bodyPr/>
+                <a:lstStyle/>
+                <a:p>
+                  <a:r>
+                    <a:rPr lang="he-IL">
+                      <a:noFill/>
+                    </a:rPr>
+                    <a:t> </a:t>
+                  </a:r>
+                </a:p>
+              </p:txBody>
+            </p:sp>
+          </mc:Fallback>
+        </mc:AlternateContent>
+        <mc:AlternateContent xmlns:mc="http://schemas.openxmlformats.org/markup-compatibility/2006">
+          <mc:Choice xmlns:a14="http://schemas.microsoft.com/office/drawing/2010/main" Requires="a14">
+            <p:sp>
+              <p:nvSpPr>
+                <p:cNvPr id="76" name="TextBox 75">
+                  <a:extLst>
+                    <a:ext uri="{FF2B5EF4-FFF2-40B4-BE49-F238E27FC236}">
+                      <a16:creationId xmlns:a16="http://schemas.microsoft.com/office/drawing/2014/main" id="{1085024F-EA78-4321-91BB-60E0AF025C3E}"/>
+                    </a:ext>
+                  </a:extLst>
+                </p:cNvPr>
+                <p:cNvSpPr txBox="1"/>
+                <p:nvPr/>
+              </p:nvSpPr>
+              <p:spPr>
+                <a:xfrm>
+                  <a:off x="5927623" y="3974812"/>
+                  <a:ext cx="1371600" cy="369332"/>
+                </a:xfrm>
+                <a:prstGeom prst="rect">
+                  <a:avLst/>
+                </a:prstGeom>
+                <a:noFill/>
+              </p:spPr>
+              <p:txBody>
+                <a:bodyPr wrap="square" rtlCol="1">
+                  <a:spAutoFit/>
+                </a:bodyPr>
+                <a:lstStyle/>
+                <a:p>
+                  <a14:m>
+                    <m:oMathPara xmlns:m="http://schemas.openxmlformats.org/officeDocument/2006/math">
+                      <m:oMathParaPr>
+                        <m:jc m:val="centerGroup"/>
+                      </m:oMathParaPr>
+                      <m:oMath xmlns:m="http://schemas.openxmlformats.org/officeDocument/2006/math">
+                        <m:r>
+                          <a:rPr lang="en-US" b="0" i="1" smtClean="0">
+                            <a:latin typeface="Cambria Math" panose="02040503050406030204" pitchFamily="18" charset="0"/>
+                          </a:rPr>
+                          <m:t>𝑢</m:t>
+                        </m:r>
+                        <m:r>
+                          <a:rPr lang="en-US" b="0" i="1" smtClean="0">
+                            <a:latin typeface="Cambria Math" panose="02040503050406030204" pitchFamily="18" charset="0"/>
+                          </a:rPr>
+                          <m:t>=</m:t>
+                        </m:r>
+                        <m:r>
+                          <a:rPr lang="en-US" b="0" i="1" smtClean="0">
+                            <a:latin typeface="Cambria Math" panose="02040503050406030204" pitchFamily="18" charset="0"/>
+                          </a:rPr>
+                          <m:t>4</m:t>
+                        </m:r>
+                      </m:oMath>
+                    </m:oMathPara>
+                  </a14:m>
+                  <a:endParaRPr lang="he-IL" dirty="0"/>
+                </a:p>
+              </p:txBody>
+            </p:sp>
+          </mc:Choice>
+          <mc:Fallback>
+            <p:sp>
+              <p:nvSpPr>
+                <p:cNvPr id="76" name="TextBox 75">
+                  <a:extLst>
+                    <a:ext uri="{FF2B5EF4-FFF2-40B4-BE49-F238E27FC236}">
+                      <a16:creationId xmlns:a16="http://schemas.microsoft.com/office/drawing/2014/main" id="{1085024F-EA78-4321-91BB-60E0AF025C3E}"/>
+                    </a:ext>
+                  </a:extLst>
+                </p:cNvPr>
+                <p:cNvSpPr txBox="1">
+                  <a:spLocks noRot="1" noChangeAspect="1" noMove="1" noResize="1" noEditPoints="1" noAdjustHandles="1" noChangeArrowheads="1" noChangeShapeType="1" noTextEdit="1"/>
+                </p:cNvSpPr>
+                <p:nvPr/>
+              </p:nvSpPr>
+              <p:spPr>
+                <a:xfrm>
+                  <a:off x="5927623" y="3974812"/>
+                  <a:ext cx="1371600" cy="369332"/>
+                </a:xfrm>
+                <a:prstGeom prst="rect">
+                  <a:avLst/>
+                </a:prstGeom>
+                <a:blipFill>
+                  <a:blip r:embed="rId6"/>
+                  <a:stretch>
+                    <a:fillRect/>
+                  </a:stretch>
+                </a:blipFill>
+              </p:spPr>
+              <p:txBody>
+                <a:bodyPr/>
+                <a:lstStyle/>
+                <a:p>
+                  <a:r>
+                    <a:rPr lang="he-IL">
+                      <a:noFill/>
+                    </a:rPr>
+                    <a:t> </a:t>
+                  </a:r>
+                </a:p>
+              </p:txBody>
+            </p:sp>
+          </mc:Fallback>
+        </mc:AlternateContent>
+        <mc:AlternateContent xmlns:mc="http://schemas.openxmlformats.org/markup-compatibility/2006">
+          <mc:Choice xmlns:a14="http://schemas.microsoft.com/office/drawing/2010/main" Requires="a14">
+            <p:sp>
+              <p:nvSpPr>
+                <p:cNvPr id="77" name="TextBox 76">
+                  <a:extLst>
+                    <a:ext uri="{FF2B5EF4-FFF2-40B4-BE49-F238E27FC236}">
+                      <a16:creationId xmlns:a16="http://schemas.microsoft.com/office/drawing/2014/main" id="{FC4FE4AA-61E3-404A-ABEA-9E6864F2A155}"/>
+                    </a:ext>
+                  </a:extLst>
+                </p:cNvPr>
+                <p:cNvSpPr txBox="1"/>
+                <p:nvPr/>
+              </p:nvSpPr>
+              <p:spPr>
+                <a:xfrm>
+                  <a:off x="7556524" y="3974812"/>
+                  <a:ext cx="1371600" cy="369332"/>
+                </a:xfrm>
+                <a:prstGeom prst="rect">
+                  <a:avLst/>
+                </a:prstGeom>
+                <a:noFill/>
+              </p:spPr>
+              <p:txBody>
+                <a:bodyPr wrap="square" rtlCol="1">
+                  <a:spAutoFit/>
+                </a:bodyPr>
+                <a:lstStyle/>
+                <a:p>
+                  <a14:m>
+                    <m:oMathPara xmlns:m="http://schemas.openxmlformats.org/officeDocument/2006/math">
+                      <m:oMathParaPr>
+                        <m:jc m:val="centerGroup"/>
+                      </m:oMathParaPr>
+                      <m:oMath xmlns:m="http://schemas.openxmlformats.org/officeDocument/2006/math">
+                        <m:r>
+                          <a:rPr lang="en-US" b="0" i="1" smtClean="0">
+                            <a:latin typeface="Cambria Math" panose="02040503050406030204" pitchFamily="18" charset="0"/>
+                          </a:rPr>
+                          <m:t>𝑢</m:t>
+                        </m:r>
+                        <m:r>
+                          <a:rPr lang="en-US" b="0" i="1" smtClean="0">
+                            <a:latin typeface="Cambria Math" panose="02040503050406030204" pitchFamily="18" charset="0"/>
+                          </a:rPr>
+                          <m:t>=</m:t>
+                        </m:r>
+                        <m:r>
+                          <a:rPr lang="en-US" b="0" i="1" smtClean="0">
+                            <a:latin typeface="Cambria Math" panose="02040503050406030204" pitchFamily="18" charset="0"/>
+                          </a:rPr>
+                          <m:t>10</m:t>
+                        </m:r>
+                      </m:oMath>
+                    </m:oMathPara>
+                  </a14:m>
+                  <a:endParaRPr lang="he-IL" dirty="0"/>
+                </a:p>
+              </p:txBody>
+            </p:sp>
+          </mc:Choice>
+          <mc:Fallback>
+            <p:sp>
+              <p:nvSpPr>
+                <p:cNvPr id="77" name="TextBox 76">
+                  <a:extLst>
+                    <a:ext uri="{FF2B5EF4-FFF2-40B4-BE49-F238E27FC236}">
+                      <a16:creationId xmlns:a16="http://schemas.microsoft.com/office/drawing/2014/main" id="{FC4FE4AA-61E3-404A-ABEA-9E6864F2A155}"/>
+                    </a:ext>
+                  </a:extLst>
+                </p:cNvPr>
+                <p:cNvSpPr txBox="1">
+                  <a:spLocks noRot="1" noChangeAspect="1" noMove="1" noResize="1" noEditPoints="1" noAdjustHandles="1" noChangeArrowheads="1" noChangeShapeType="1" noTextEdit="1"/>
+                </p:cNvSpPr>
+                <p:nvPr/>
+              </p:nvSpPr>
+              <p:spPr>
+                <a:xfrm>
+                  <a:off x="7556524" y="3974812"/>
+                  <a:ext cx="1371600" cy="369332"/>
+                </a:xfrm>
+                <a:prstGeom prst="rect">
+                  <a:avLst/>
+                </a:prstGeom>
+                <a:blipFill>
+                  <a:blip r:embed="rId7"/>
+                  <a:stretch>
+                    <a:fillRect/>
+                  </a:stretch>
+                </a:blipFill>
+              </p:spPr>
+              <p:txBody>
+                <a:bodyPr/>
+                <a:lstStyle/>
+                <a:p>
+                  <a:r>
+                    <a:rPr lang="he-IL">
+                      <a:noFill/>
+                    </a:rPr>
+                    <a:t> </a:t>
+                  </a:r>
+                </a:p>
+              </p:txBody>
+            </p:sp>
+          </mc:Fallback>
+        </mc:AlternateContent>
+        <p:sp>
+          <p:nvSpPr>
+            <p:cNvPr id="19" name="TextBox 18">
+              <a:extLst>
+                <a:ext uri="{FF2B5EF4-FFF2-40B4-BE49-F238E27FC236}">
+                  <a16:creationId xmlns:a16="http://schemas.microsoft.com/office/drawing/2014/main" id="{F5D4EAF9-6850-439D-A061-9416AB5D49B7}"/>
+                </a:ext>
+              </a:extLst>
+            </p:cNvPr>
+            <p:cNvSpPr txBox="1"/>
+            <p:nvPr/>
+          </p:nvSpPr>
+          <p:spPr>
+            <a:xfrm>
+              <a:off x="9569483" y="2598945"/>
+              <a:ext cx="1114141" cy="369332"/>
+            </a:xfrm>
+            <a:prstGeom prst="rect">
+              <a:avLst/>
+            </a:prstGeom>
+            <a:noFill/>
+          </p:spPr>
+          <p:txBody>
+            <a:bodyPr wrap="square" rtlCol="1">
+              <a:spAutoFit/>
+            </a:bodyPr>
+            <a:lstStyle/>
+            <a:p>
+              <a:r>
+                <a:rPr lang="en-US" dirty="0">
+                  <a:latin typeface="David" panose="020E0502060401010101" pitchFamily="34" charset="-79"/>
+                  <a:cs typeface="David" panose="020E0502060401010101" pitchFamily="34" charset="-79"/>
+                </a:rPr>
+                <a:t>LEAF</a:t>
+              </a:r>
+              <a:endParaRPr lang="he-IL" dirty="0">
+                <a:latin typeface="David" panose="020E0502060401010101" pitchFamily="34" charset="-79"/>
+                <a:cs typeface="David" panose="020E0502060401010101" pitchFamily="34" charset="-79"/>
+              </a:endParaRPr>
+            </a:p>
+          </p:txBody>
+        </p:sp>
+        <p:sp>
+          <p:nvSpPr>
+            <p:cNvPr id="79" name="TextBox 78">
+              <a:extLst>
+                <a:ext uri="{FF2B5EF4-FFF2-40B4-BE49-F238E27FC236}">
+                  <a16:creationId xmlns:a16="http://schemas.microsoft.com/office/drawing/2014/main" id="{6E0BEF9F-9D59-4EB7-8CA3-CD5F7CB75F72}"/>
+                </a:ext>
+              </a:extLst>
+            </p:cNvPr>
+            <p:cNvSpPr txBox="1"/>
+            <p:nvPr/>
+          </p:nvSpPr>
+          <p:spPr>
+            <a:xfrm>
+              <a:off x="9569483" y="1730547"/>
+              <a:ext cx="1114141" cy="369332"/>
+            </a:xfrm>
+            <a:prstGeom prst="rect">
+              <a:avLst/>
+            </a:prstGeom>
+            <a:noFill/>
+          </p:spPr>
+          <p:txBody>
+            <a:bodyPr wrap="square" rtlCol="1">
+              <a:spAutoFit/>
+            </a:bodyPr>
+            <a:lstStyle/>
+            <a:p>
+              <a:r>
+                <a:rPr lang="en-US" dirty="0">
+                  <a:latin typeface="David" panose="020E0502060401010101" pitchFamily="34" charset="-79"/>
+                  <a:cs typeface="David" panose="020E0502060401010101" pitchFamily="34" charset="-79"/>
+                </a:rPr>
+                <a:t>MIN</a:t>
+              </a:r>
+              <a:endParaRPr lang="he-IL" dirty="0">
+                <a:latin typeface="David" panose="020E0502060401010101" pitchFamily="34" charset="-79"/>
+                <a:cs typeface="David" panose="020E0502060401010101" pitchFamily="34" charset="-79"/>
+              </a:endParaRPr>
+            </a:p>
+          </p:txBody>
+        </p:sp>
+        <p:sp>
+          <p:nvSpPr>
+            <p:cNvPr id="80" name="TextBox 79">
+              <a:extLst>
+                <a:ext uri="{FF2B5EF4-FFF2-40B4-BE49-F238E27FC236}">
+                  <a16:creationId xmlns:a16="http://schemas.microsoft.com/office/drawing/2014/main" id="{93053EE3-93C8-4B06-BD13-71AB70229196}"/>
+                </a:ext>
+              </a:extLst>
+            </p:cNvPr>
+            <p:cNvSpPr txBox="1"/>
+            <p:nvPr/>
+          </p:nvSpPr>
+          <p:spPr>
+            <a:xfrm>
+              <a:off x="4388156" y="1209254"/>
+              <a:ext cx="1114141" cy="369332"/>
+            </a:xfrm>
+            <a:prstGeom prst="rect">
+              <a:avLst/>
+            </a:prstGeom>
+            <a:noFill/>
+          </p:spPr>
+          <p:txBody>
+            <a:bodyPr wrap="square" rtlCol="1">
+              <a:spAutoFit/>
+            </a:bodyPr>
+            <a:lstStyle/>
+            <a:p>
+              <a:r>
+                <a:rPr lang="en-US" dirty="0">
+                  <a:latin typeface="David" panose="020E0502060401010101" pitchFamily="34" charset="-79"/>
+                  <a:cs typeface="David" panose="020E0502060401010101" pitchFamily="34" charset="-79"/>
+                </a:rPr>
+                <a:t>I</a:t>
+              </a:r>
+              <a:endParaRPr lang="he-IL" dirty="0">
+                <a:latin typeface="David" panose="020E0502060401010101" pitchFamily="34" charset="-79"/>
+                <a:cs typeface="David" panose="020E0502060401010101" pitchFamily="34" charset="-79"/>
+              </a:endParaRPr>
+            </a:p>
+          </p:txBody>
+        </p:sp>
+        <p:sp>
+          <p:nvSpPr>
+            <p:cNvPr id="81" name="TextBox 80">
+              <a:extLst>
+                <a:ext uri="{FF2B5EF4-FFF2-40B4-BE49-F238E27FC236}">
+                  <a16:creationId xmlns:a16="http://schemas.microsoft.com/office/drawing/2014/main" id="{7FE79392-B14B-46ED-BA59-DF8898DC7632}"/>
+                </a:ext>
+              </a:extLst>
+            </p:cNvPr>
+            <p:cNvSpPr txBox="1"/>
+            <p:nvPr/>
+          </p:nvSpPr>
+          <p:spPr>
+            <a:xfrm>
+              <a:off x="6999453" y="1189848"/>
+              <a:ext cx="1114141" cy="369332"/>
+            </a:xfrm>
+            <a:prstGeom prst="rect">
+              <a:avLst/>
+            </a:prstGeom>
+            <a:noFill/>
+          </p:spPr>
+          <p:txBody>
+            <a:bodyPr wrap="square" rtlCol="1">
+              <a:spAutoFit/>
+            </a:bodyPr>
+            <a:lstStyle/>
+            <a:p>
+              <a:r>
+                <a:rPr lang="en-US" dirty="0">
+                  <a:latin typeface="David" panose="020E0502060401010101" pitchFamily="34" charset="-79"/>
+                  <a:cs typeface="David" panose="020E0502060401010101" pitchFamily="34" charset="-79"/>
+                </a:rPr>
+                <a:t>II</a:t>
+              </a:r>
+              <a:endParaRPr lang="he-IL" dirty="0">
+                <a:latin typeface="David" panose="020E0502060401010101" pitchFamily="34" charset="-79"/>
+                <a:cs typeface="David" panose="020E0502060401010101" pitchFamily="34" charset="-79"/>
+              </a:endParaRPr>
+            </a:p>
+          </p:txBody>
+        </p:sp>
+        <p:sp>
+          <p:nvSpPr>
+            <p:cNvPr id="83" name="Isosceles Triangle 82">
+              <a:extLst>
+                <a:ext uri="{FF2B5EF4-FFF2-40B4-BE49-F238E27FC236}">
+                  <a16:creationId xmlns:a16="http://schemas.microsoft.com/office/drawing/2014/main" id="{4FAC92D0-6C15-4479-B0F0-5E4B4CEADFA3}"/>
+                </a:ext>
+              </a:extLst>
+            </p:cNvPr>
+            <p:cNvSpPr/>
+            <p:nvPr/>
+          </p:nvSpPr>
+          <p:spPr>
+            <a:xfrm>
+              <a:off x="8680690" y="915528"/>
+              <a:ext cx="685800" cy="548640"/>
+            </a:xfrm>
+            <a:prstGeom prst="triangle">
+              <a:avLst/>
+            </a:prstGeom>
+            <a:solidFill>
+              <a:srgbClr val="0070C0"/>
+            </a:solidFill>
+            <a:ln w="25400">
+              <a:solidFill>
+                <a:schemeClr val="tx1"/>
+              </a:solidFill>
+            </a:ln>
+          </p:spPr>
+          <p:style>
+            <a:lnRef idx="2">
+              <a:schemeClr val="accent1">
+                <a:shade val="50000"/>
+              </a:schemeClr>
+            </a:lnRef>
+            <a:fillRef idx="1">
+              <a:schemeClr val="accent1"/>
+            </a:fillRef>
+            <a:effectRef idx="0">
+              <a:schemeClr val="accent1"/>
+            </a:effectRef>
+            <a:fontRef idx="minor">
+              <a:schemeClr val="lt1"/>
+            </a:fontRef>
+          </p:style>
+          <p:txBody>
+            <a:bodyPr rtlCol="1" anchor="ctr"/>
+            <a:lstStyle/>
+            <a:p>
+              <a:pPr algn="ctr"/>
+              <a:endParaRPr lang="he-IL"/>
+            </a:p>
+          </p:txBody>
+        </p:sp>
+        <p:sp>
+          <p:nvSpPr>
+            <p:cNvPr id="85" name="Isosceles Triangle 84">
+              <a:extLst>
+                <a:ext uri="{FF2B5EF4-FFF2-40B4-BE49-F238E27FC236}">
+                  <a16:creationId xmlns:a16="http://schemas.microsoft.com/office/drawing/2014/main" id="{793C3994-8A68-4663-960C-3CF9EE5F7F2A}"/>
+                </a:ext>
+              </a:extLst>
+            </p:cNvPr>
+            <p:cNvSpPr/>
+            <p:nvPr/>
+          </p:nvSpPr>
+          <p:spPr>
+            <a:xfrm rot="10800000">
+              <a:off x="8680690" y="1732392"/>
+              <a:ext cx="685800" cy="548640"/>
+            </a:xfrm>
+            <a:prstGeom prst="triangle">
+              <a:avLst/>
+            </a:prstGeom>
+            <a:solidFill>
+              <a:srgbClr val="FF0000"/>
+            </a:solidFill>
+            <a:ln w="25400">
+              <a:solidFill>
+                <a:schemeClr val="tx1"/>
+              </a:solidFill>
+            </a:ln>
+          </p:spPr>
+          <p:style>
+            <a:lnRef idx="2">
+              <a:schemeClr val="accent1">
+                <a:shade val="50000"/>
+              </a:schemeClr>
+            </a:lnRef>
+            <a:fillRef idx="1">
+              <a:schemeClr val="accent1"/>
+            </a:fillRef>
+            <a:effectRef idx="0">
+              <a:schemeClr val="accent1"/>
+            </a:effectRef>
+            <a:fontRef idx="minor">
+              <a:schemeClr val="lt1"/>
+            </a:fontRef>
+          </p:style>
+          <p:txBody>
+            <a:bodyPr rtlCol="1" anchor="ctr"/>
+            <a:lstStyle/>
+            <a:p>
+              <a:pPr algn="ctr"/>
+              <a:endParaRPr lang="he-IL"/>
+            </a:p>
+          </p:txBody>
+        </p:sp>
+        <p:sp>
+          <p:nvSpPr>
+            <p:cNvPr id="86" name="Rectangle 85">
+              <a:extLst>
+                <a:ext uri="{FF2B5EF4-FFF2-40B4-BE49-F238E27FC236}">
+                  <a16:creationId xmlns:a16="http://schemas.microsoft.com/office/drawing/2014/main" id="{A02E479A-0575-4438-A0FC-797389076E2B}"/>
+                </a:ext>
+              </a:extLst>
+            </p:cNvPr>
+            <p:cNvSpPr/>
+            <p:nvPr/>
+          </p:nvSpPr>
+          <p:spPr>
+            <a:xfrm>
+              <a:off x="8680690" y="2510702"/>
+              <a:ext cx="685800" cy="685800"/>
+            </a:xfrm>
+            <a:prstGeom prst="rect">
+              <a:avLst/>
+            </a:prstGeom>
+            <a:ln w="25400">
+              <a:solidFill>
+                <a:schemeClr val="tx1"/>
+              </a:solidFill>
+            </a:ln>
+          </p:spPr>
+          <p:style>
+            <a:lnRef idx="2">
+              <a:schemeClr val="accent1">
+                <a:shade val="50000"/>
+              </a:schemeClr>
+            </a:lnRef>
+            <a:fillRef idx="1">
+              <a:schemeClr val="accent1"/>
+            </a:fillRef>
+            <a:effectRef idx="0">
+              <a:schemeClr val="accent1"/>
+            </a:effectRef>
+            <a:fontRef idx="minor">
+              <a:schemeClr val="lt1"/>
+            </a:fontRef>
+          </p:style>
+          <p:txBody>
+            <a:bodyPr rtlCol="1" anchor="ctr"/>
+            <a:lstStyle/>
+            <a:p>
+              <a:pPr algn="ctr"/>
+              <a:endParaRPr lang="he-IL"/>
+            </a:p>
+          </p:txBody>
+        </p:sp>
+        <p:sp>
+          <p:nvSpPr>
+            <p:cNvPr id="87" name="TextBox 86">
+              <a:extLst>
+                <a:ext uri="{FF2B5EF4-FFF2-40B4-BE49-F238E27FC236}">
+                  <a16:creationId xmlns:a16="http://schemas.microsoft.com/office/drawing/2014/main" id="{BC4A4F4A-1FFE-4D8B-AEB9-DC2FA23CAF10}"/>
+                </a:ext>
+              </a:extLst>
+            </p:cNvPr>
+            <p:cNvSpPr txBox="1"/>
+            <p:nvPr/>
+          </p:nvSpPr>
+          <p:spPr>
+            <a:xfrm>
+              <a:off x="9569483" y="1005182"/>
+              <a:ext cx="1114141" cy="369332"/>
+            </a:xfrm>
+            <a:prstGeom prst="rect">
+              <a:avLst/>
+            </a:prstGeom>
+            <a:noFill/>
+          </p:spPr>
+          <p:txBody>
+            <a:bodyPr wrap="square" rtlCol="1">
+              <a:spAutoFit/>
+            </a:bodyPr>
+            <a:lstStyle/>
+            <a:p>
+              <a:r>
+                <a:rPr lang="en-US" dirty="0">
+                  <a:latin typeface="David" panose="020E0502060401010101" pitchFamily="34" charset="-79"/>
+                  <a:cs typeface="David" panose="020E0502060401010101" pitchFamily="34" charset="-79"/>
+                </a:rPr>
+                <a:t>MAX</a:t>
+              </a:r>
+              <a:endParaRPr lang="he-IL" dirty="0">
+                <a:latin typeface="David" panose="020E0502060401010101" pitchFamily="34" charset="-79"/>
+                <a:cs typeface="David" panose="020E0502060401010101" pitchFamily="34" charset="-79"/>
+              </a:endParaRPr>
+            </a:p>
+          </p:txBody>
+        </p:sp>
+      </p:grpSp>
+    </p:spTree>
+    <p:extLst>
+      <p:ext uri="{BB962C8B-B14F-4D97-AF65-F5344CB8AC3E}">
+        <p14:creationId xmlns:p14="http://schemas.microsoft.com/office/powerpoint/2010/main" val="1183226012"/>
       </p:ext>
     </p:extLst>
   </p:cSld>

--- a/hw2-examples.pptx
+++ b/hw2-examples.pptx
@@ -11,6 +11,9 @@
     <p:sldId id="259" r:id="rId5"/>
     <p:sldId id="260" r:id="rId6"/>
     <p:sldId id="261" r:id="rId7"/>
+    <p:sldId id="262" r:id="rId8"/>
+    <p:sldId id="263" r:id="rId9"/>
+    <p:sldId id="264" r:id="rId10"/>
   </p:sldIdLst>
   <p:sldSz cx="12192000" cy="6858000"/>
   <p:notesSz cx="6858000" cy="9144000"/>
@@ -266,7 +269,7 @@
           <a:p>
             <a:fld id="{609C88DF-570F-4829-B751-3E93E7A10B2F}" type="datetimeFigureOut">
               <a:rPr lang="he-IL" smtClean="0"/>
-              <a:t>כ"ב/טבת/תשפ"ב</a:t>
+              <a:t>כ"ג/טבת/תשפ"ב</a:t>
             </a:fld>
             <a:endParaRPr lang="he-IL"/>
           </a:p>
@@ -466,7 +469,7 @@
           <a:p>
             <a:fld id="{609C88DF-570F-4829-B751-3E93E7A10B2F}" type="datetimeFigureOut">
               <a:rPr lang="he-IL" smtClean="0"/>
-              <a:t>כ"ב/טבת/תשפ"ב</a:t>
+              <a:t>כ"ג/טבת/תשפ"ב</a:t>
             </a:fld>
             <a:endParaRPr lang="he-IL"/>
           </a:p>
@@ -676,7 +679,7 @@
           <a:p>
             <a:fld id="{609C88DF-570F-4829-B751-3E93E7A10B2F}" type="datetimeFigureOut">
               <a:rPr lang="he-IL" smtClean="0"/>
-              <a:t>כ"ב/טבת/תשפ"ב</a:t>
+              <a:t>כ"ג/טבת/תשפ"ב</a:t>
             </a:fld>
             <a:endParaRPr lang="he-IL"/>
           </a:p>
@@ -876,7 +879,7 @@
           <a:p>
             <a:fld id="{609C88DF-570F-4829-B751-3E93E7A10B2F}" type="datetimeFigureOut">
               <a:rPr lang="he-IL" smtClean="0"/>
-              <a:t>כ"ב/טבת/תשפ"ב</a:t>
+              <a:t>כ"ג/טבת/תשפ"ב</a:t>
             </a:fld>
             <a:endParaRPr lang="he-IL"/>
           </a:p>
@@ -1152,7 +1155,7 @@
           <a:p>
             <a:fld id="{609C88DF-570F-4829-B751-3E93E7A10B2F}" type="datetimeFigureOut">
               <a:rPr lang="he-IL" smtClean="0"/>
-              <a:t>כ"ב/טבת/תשפ"ב</a:t>
+              <a:t>כ"ג/טבת/תשפ"ב</a:t>
             </a:fld>
             <a:endParaRPr lang="he-IL"/>
           </a:p>
@@ -1420,7 +1423,7 @@
           <a:p>
             <a:fld id="{609C88DF-570F-4829-B751-3E93E7A10B2F}" type="datetimeFigureOut">
               <a:rPr lang="he-IL" smtClean="0"/>
-              <a:t>כ"ב/טבת/תשפ"ב</a:t>
+              <a:t>כ"ג/טבת/תשפ"ב</a:t>
             </a:fld>
             <a:endParaRPr lang="he-IL"/>
           </a:p>
@@ -1835,7 +1838,7 @@
           <a:p>
             <a:fld id="{609C88DF-570F-4829-B751-3E93E7A10B2F}" type="datetimeFigureOut">
               <a:rPr lang="he-IL" smtClean="0"/>
-              <a:t>כ"ב/טבת/תשפ"ב</a:t>
+              <a:t>כ"ג/טבת/תשפ"ב</a:t>
             </a:fld>
             <a:endParaRPr lang="he-IL"/>
           </a:p>
@@ -1977,7 +1980,7 @@
           <a:p>
             <a:fld id="{609C88DF-570F-4829-B751-3E93E7A10B2F}" type="datetimeFigureOut">
               <a:rPr lang="he-IL" smtClean="0"/>
-              <a:t>כ"ב/טבת/תשפ"ב</a:t>
+              <a:t>כ"ג/טבת/תשפ"ב</a:t>
             </a:fld>
             <a:endParaRPr lang="he-IL"/>
           </a:p>
@@ -2090,7 +2093,7 @@
           <a:p>
             <a:fld id="{609C88DF-570F-4829-B751-3E93E7A10B2F}" type="datetimeFigureOut">
               <a:rPr lang="he-IL" smtClean="0"/>
-              <a:t>כ"ב/טבת/תשפ"ב</a:t>
+              <a:t>כ"ג/טבת/תשפ"ב</a:t>
             </a:fld>
             <a:endParaRPr lang="he-IL"/>
           </a:p>
@@ -2403,7 +2406,7 @@
           <a:p>
             <a:fld id="{609C88DF-570F-4829-B751-3E93E7A10B2F}" type="datetimeFigureOut">
               <a:rPr lang="he-IL" smtClean="0"/>
-              <a:t>כ"ב/טבת/תשפ"ב</a:t>
+              <a:t>כ"ג/טבת/תשפ"ב</a:t>
             </a:fld>
             <a:endParaRPr lang="he-IL"/>
           </a:p>
@@ -2692,7 +2695,7 @@
           <a:p>
             <a:fld id="{609C88DF-570F-4829-B751-3E93E7A10B2F}" type="datetimeFigureOut">
               <a:rPr lang="he-IL" smtClean="0"/>
-              <a:t>כ"ב/טבת/תשפ"ב</a:t>
+              <a:t>כ"ג/טבת/תשפ"ב</a:t>
             </a:fld>
             <a:endParaRPr lang="he-IL"/>
           </a:p>
@@ -2935,7 +2938,7 @@
           <a:p>
             <a:fld id="{609C88DF-570F-4829-B751-3E93E7A10B2F}" type="datetimeFigureOut">
               <a:rPr lang="he-IL" smtClean="0"/>
-              <a:t>כ"ב/טבת/תשפ"ב</a:t>
+              <a:t>כ"ג/טבת/תשפ"ב</a:t>
             </a:fld>
             <a:endParaRPr lang="he-IL"/>
           </a:p>
@@ -18879,8 +18882,8 @@
             </a:fontRef>
           </p:style>
         </p:cxnSp>
-        <mc:AlternateContent xmlns:mc="http://schemas.openxmlformats.org/markup-compatibility/2006">
-          <mc:Choice xmlns:a14="http://schemas.microsoft.com/office/drawing/2010/main" Requires="a14">
+        <mc:AlternateContent xmlns:mc="http://schemas.openxmlformats.org/markup-compatibility/2006" xmlns:a14="http://schemas.microsoft.com/office/drawing/2010/main">
+          <mc:Choice Requires="a14">
             <p:sp>
               <p:nvSpPr>
                 <p:cNvPr id="18" name="TextBox 17">
@@ -18909,6 +18912,7 @@
                 </a:bodyPr>
                 <a:lstStyle/>
                 <a:p>
+                  <a:pPr/>
                   <a14:m>
                     <m:oMathPara xmlns:m="http://schemas.openxmlformats.org/officeDocument/2006/math">
                       <m:oMathParaPr>
@@ -18941,7 +18945,7 @@
               </p:txBody>
             </p:sp>
           </mc:Choice>
-          <mc:Fallback>
+          <mc:Fallback xmlns="">
             <p:sp>
               <p:nvSpPr>
                 <p:cNvPr id="18" name="TextBox 17">
@@ -18986,8 +18990,8 @@
             </p:sp>
           </mc:Fallback>
         </mc:AlternateContent>
-        <mc:AlternateContent xmlns:mc="http://schemas.openxmlformats.org/markup-compatibility/2006">
-          <mc:Choice xmlns:a14="http://schemas.microsoft.com/office/drawing/2010/main" Requires="a14">
+        <mc:AlternateContent xmlns:mc="http://schemas.openxmlformats.org/markup-compatibility/2006" xmlns:a14="http://schemas.microsoft.com/office/drawing/2010/main">
+          <mc:Choice Requires="a14">
             <p:sp>
               <p:nvSpPr>
                 <p:cNvPr id="73" name="TextBox 72">
@@ -19016,6 +19020,7 @@
                 </a:bodyPr>
                 <a:lstStyle/>
                 <a:p>
+                  <a:pPr/>
                   <a14:m>
                     <m:oMathPara xmlns:m="http://schemas.openxmlformats.org/officeDocument/2006/math">
                       <m:oMathParaPr>
@@ -19048,7 +19053,7 @@
               </p:txBody>
             </p:sp>
           </mc:Choice>
-          <mc:Fallback>
+          <mc:Fallback xmlns="">
             <p:sp>
               <p:nvSpPr>
                 <p:cNvPr id="73" name="TextBox 72">
@@ -19093,6 +19098,1499 @@
             </p:sp>
           </mc:Fallback>
         </mc:AlternateContent>
+        <mc:AlternateContent xmlns:mc="http://schemas.openxmlformats.org/markup-compatibility/2006" xmlns:a14="http://schemas.microsoft.com/office/drawing/2010/main">
+          <mc:Choice Requires="a14">
+            <p:sp>
+              <p:nvSpPr>
+                <p:cNvPr id="74" name="TextBox 73">
+                  <a:extLst>
+                    <a:ext uri="{FF2B5EF4-FFF2-40B4-BE49-F238E27FC236}">
+                      <a16:creationId xmlns:a16="http://schemas.microsoft.com/office/drawing/2014/main" id="{6B14C8CB-D491-4730-896F-18D39250ACFB}"/>
+                    </a:ext>
+                  </a:extLst>
+                </p:cNvPr>
+                <p:cNvSpPr txBox="1"/>
+                <p:nvPr/>
+              </p:nvSpPr>
+              <p:spPr>
+                <a:xfrm>
+                  <a:off x="2892859" y="3974812"/>
+                  <a:ext cx="1371600" cy="369332"/>
+                </a:xfrm>
+                <a:prstGeom prst="rect">
+                  <a:avLst/>
+                </a:prstGeom>
+                <a:noFill/>
+              </p:spPr>
+              <p:txBody>
+                <a:bodyPr wrap="square" rtlCol="1">
+                  <a:spAutoFit/>
+                </a:bodyPr>
+                <a:lstStyle/>
+                <a:p>
+                  <a:pPr/>
+                  <a14:m>
+                    <m:oMathPara xmlns:m="http://schemas.openxmlformats.org/officeDocument/2006/math">
+                      <m:oMathParaPr>
+                        <m:jc m:val="centerGroup"/>
+                      </m:oMathParaPr>
+                      <m:oMath xmlns:m="http://schemas.openxmlformats.org/officeDocument/2006/math">
+                        <m:r>
+                          <a:rPr lang="en-US" b="0" i="1" smtClean="0">
+                            <a:latin typeface="Cambria Math" panose="02040503050406030204" pitchFamily="18" charset="0"/>
+                          </a:rPr>
+                          <m:t>𝑢</m:t>
+                        </m:r>
+                        <m:r>
+                          <a:rPr lang="en-US" b="0" i="1" smtClean="0">
+                            <a:latin typeface="Cambria Math" panose="02040503050406030204" pitchFamily="18" charset="0"/>
+                          </a:rPr>
+                          <m:t>=</m:t>
+                        </m:r>
+                        <m:r>
+                          <a:rPr lang="en-US" b="0" i="1" smtClean="0">
+                            <a:latin typeface="Cambria Math" panose="02040503050406030204" pitchFamily="18" charset="0"/>
+                          </a:rPr>
+                          <m:t>5</m:t>
+                        </m:r>
+                      </m:oMath>
+                    </m:oMathPara>
+                  </a14:m>
+                  <a:endParaRPr lang="he-IL" dirty="0"/>
+                </a:p>
+              </p:txBody>
+            </p:sp>
+          </mc:Choice>
+          <mc:Fallback xmlns="">
+            <p:sp>
+              <p:nvSpPr>
+                <p:cNvPr id="74" name="TextBox 73">
+                  <a:extLst>
+                    <a:ext uri="{FF2B5EF4-FFF2-40B4-BE49-F238E27FC236}">
+                      <a16:creationId xmlns:a16="http://schemas.microsoft.com/office/drawing/2014/main" id="{6B14C8CB-D491-4730-896F-18D39250ACFB}"/>
+                    </a:ext>
+                  </a:extLst>
+                </p:cNvPr>
+                <p:cNvSpPr txBox="1">
+                  <a:spLocks noRot="1" noChangeAspect="1" noMove="1" noResize="1" noEditPoints="1" noAdjustHandles="1" noChangeArrowheads="1" noChangeShapeType="1" noTextEdit="1"/>
+                </p:cNvSpPr>
+                <p:nvPr/>
+              </p:nvSpPr>
+              <p:spPr>
+                <a:xfrm>
+                  <a:off x="2892859" y="3974812"/>
+                  <a:ext cx="1371600" cy="369332"/>
+                </a:xfrm>
+                <a:prstGeom prst="rect">
+                  <a:avLst/>
+                </a:prstGeom>
+                <a:blipFill>
+                  <a:blip r:embed="rId4"/>
+                  <a:stretch>
+                    <a:fillRect/>
+                  </a:stretch>
+                </a:blipFill>
+              </p:spPr>
+              <p:txBody>
+                <a:bodyPr/>
+                <a:lstStyle/>
+                <a:p>
+                  <a:r>
+                    <a:rPr lang="he-IL">
+                      <a:noFill/>
+                    </a:rPr>
+                    <a:t> </a:t>
+                  </a:r>
+                </a:p>
+              </p:txBody>
+            </p:sp>
+          </mc:Fallback>
+        </mc:AlternateContent>
+        <mc:AlternateContent xmlns:mc="http://schemas.openxmlformats.org/markup-compatibility/2006" xmlns:a14="http://schemas.microsoft.com/office/drawing/2010/main">
+          <mc:Choice Requires="a14">
+            <p:sp>
+              <p:nvSpPr>
+                <p:cNvPr id="75" name="TextBox 74">
+                  <a:extLst>
+                    <a:ext uri="{FF2B5EF4-FFF2-40B4-BE49-F238E27FC236}">
+                      <a16:creationId xmlns:a16="http://schemas.microsoft.com/office/drawing/2014/main" id="{A607AD59-BD38-49E9-BB32-47745D6BD69A}"/>
+                    </a:ext>
+                  </a:extLst>
+                </p:cNvPr>
+                <p:cNvSpPr txBox="1"/>
+                <p:nvPr/>
+              </p:nvSpPr>
+              <p:spPr>
+                <a:xfrm>
+                  <a:off x="4556023" y="3974812"/>
+                  <a:ext cx="1371600" cy="369332"/>
+                </a:xfrm>
+                <a:prstGeom prst="rect">
+                  <a:avLst/>
+                </a:prstGeom>
+                <a:noFill/>
+              </p:spPr>
+              <p:txBody>
+                <a:bodyPr wrap="square" rtlCol="1">
+                  <a:spAutoFit/>
+                </a:bodyPr>
+                <a:lstStyle/>
+                <a:p>
+                  <a:pPr/>
+                  <a14:m>
+                    <m:oMathPara xmlns:m="http://schemas.openxmlformats.org/officeDocument/2006/math">
+                      <m:oMathParaPr>
+                        <m:jc m:val="centerGroup"/>
+                      </m:oMathParaPr>
+                      <m:oMath xmlns:m="http://schemas.openxmlformats.org/officeDocument/2006/math">
+                        <m:r>
+                          <a:rPr lang="en-US" b="0" i="1" smtClean="0">
+                            <a:latin typeface="Cambria Math" panose="02040503050406030204" pitchFamily="18" charset="0"/>
+                          </a:rPr>
+                          <m:t>𝑢</m:t>
+                        </m:r>
+                        <m:r>
+                          <a:rPr lang="en-US" b="0" i="1" smtClean="0">
+                            <a:latin typeface="Cambria Math" panose="02040503050406030204" pitchFamily="18" charset="0"/>
+                          </a:rPr>
+                          <m:t>=</m:t>
+                        </m:r>
+                        <m:r>
+                          <a:rPr lang="en-US" b="0" i="1" smtClean="0">
+                            <a:latin typeface="Cambria Math" panose="02040503050406030204" pitchFamily="18" charset="0"/>
+                          </a:rPr>
+                          <m:t>6</m:t>
+                        </m:r>
+                      </m:oMath>
+                    </m:oMathPara>
+                  </a14:m>
+                  <a:endParaRPr lang="he-IL" dirty="0"/>
+                </a:p>
+              </p:txBody>
+            </p:sp>
+          </mc:Choice>
+          <mc:Fallback xmlns="">
+            <p:sp>
+              <p:nvSpPr>
+                <p:cNvPr id="75" name="TextBox 74">
+                  <a:extLst>
+                    <a:ext uri="{FF2B5EF4-FFF2-40B4-BE49-F238E27FC236}">
+                      <a16:creationId xmlns:a16="http://schemas.microsoft.com/office/drawing/2014/main" id="{A607AD59-BD38-49E9-BB32-47745D6BD69A}"/>
+                    </a:ext>
+                  </a:extLst>
+                </p:cNvPr>
+                <p:cNvSpPr txBox="1">
+                  <a:spLocks noRot="1" noChangeAspect="1" noMove="1" noResize="1" noEditPoints="1" noAdjustHandles="1" noChangeArrowheads="1" noChangeShapeType="1" noTextEdit="1"/>
+                </p:cNvSpPr>
+                <p:nvPr/>
+              </p:nvSpPr>
+              <p:spPr>
+                <a:xfrm>
+                  <a:off x="4556023" y="3974812"/>
+                  <a:ext cx="1371600" cy="369332"/>
+                </a:xfrm>
+                <a:prstGeom prst="rect">
+                  <a:avLst/>
+                </a:prstGeom>
+                <a:blipFill>
+                  <a:blip r:embed="rId5"/>
+                  <a:stretch>
+                    <a:fillRect/>
+                  </a:stretch>
+                </a:blipFill>
+              </p:spPr>
+              <p:txBody>
+                <a:bodyPr/>
+                <a:lstStyle/>
+                <a:p>
+                  <a:r>
+                    <a:rPr lang="he-IL">
+                      <a:noFill/>
+                    </a:rPr>
+                    <a:t> </a:t>
+                  </a:r>
+                </a:p>
+              </p:txBody>
+            </p:sp>
+          </mc:Fallback>
+        </mc:AlternateContent>
+        <mc:AlternateContent xmlns:mc="http://schemas.openxmlformats.org/markup-compatibility/2006" xmlns:a14="http://schemas.microsoft.com/office/drawing/2010/main">
+          <mc:Choice Requires="a14">
+            <p:sp>
+              <p:nvSpPr>
+                <p:cNvPr id="76" name="TextBox 75">
+                  <a:extLst>
+                    <a:ext uri="{FF2B5EF4-FFF2-40B4-BE49-F238E27FC236}">
+                      <a16:creationId xmlns:a16="http://schemas.microsoft.com/office/drawing/2014/main" id="{1085024F-EA78-4321-91BB-60E0AF025C3E}"/>
+                    </a:ext>
+                  </a:extLst>
+                </p:cNvPr>
+                <p:cNvSpPr txBox="1"/>
+                <p:nvPr/>
+              </p:nvSpPr>
+              <p:spPr>
+                <a:xfrm>
+                  <a:off x="5927623" y="3974812"/>
+                  <a:ext cx="1371600" cy="369332"/>
+                </a:xfrm>
+                <a:prstGeom prst="rect">
+                  <a:avLst/>
+                </a:prstGeom>
+                <a:noFill/>
+              </p:spPr>
+              <p:txBody>
+                <a:bodyPr wrap="square" rtlCol="1">
+                  <a:spAutoFit/>
+                </a:bodyPr>
+                <a:lstStyle/>
+                <a:p>
+                  <a:pPr/>
+                  <a14:m>
+                    <m:oMathPara xmlns:m="http://schemas.openxmlformats.org/officeDocument/2006/math">
+                      <m:oMathParaPr>
+                        <m:jc m:val="centerGroup"/>
+                      </m:oMathParaPr>
+                      <m:oMath xmlns:m="http://schemas.openxmlformats.org/officeDocument/2006/math">
+                        <m:r>
+                          <a:rPr lang="en-US" b="0" i="1" smtClean="0">
+                            <a:latin typeface="Cambria Math" panose="02040503050406030204" pitchFamily="18" charset="0"/>
+                          </a:rPr>
+                          <m:t>𝑢</m:t>
+                        </m:r>
+                        <m:r>
+                          <a:rPr lang="en-US" b="0" i="1" smtClean="0">
+                            <a:latin typeface="Cambria Math" panose="02040503050406030204" pitchFamily="18" charset="0"/>
+                          </a:rPr>
+                          <m:t>=</m:t>
+                        </m:r>
+                        <m:r>
+                          <a:rPr lang="en-US" b="0" i="1" smtClean="0">
+                            <a:latin typeface="Cambria Math" panose="02040503050406030204" pitchFamily="18" charset="0"/>
+                          </a:rPr>
+                          <m:t>4</m:t>
+                        </m:r>
+                      </m:oMath>
+                    </m:oMathPara>
+                  </a14:m>
+                  <a:endParaRPr lang="he-IL" dirty="0"/>
+                </a:p>
+              </p:txBody>
+            </p:sp>
+          </mc:Choice>
+          <mc:Fallback xmlns="">
+            <p:sp>
+              <p:nvSpPr>
+                <p:cNvPr id="76" name="TextBox 75">
+                  <a:extLst>
+                    <a:ext uri="{FF2B5EF4-FFF2-40B4-BE49-F238E27FC236}">
+                      <a16:creationId xmlns:a16="http://schemas.microsoft.com/office/drawing/2014/main" id="{1085024F-EA78-4321-91BB-60E0AF025C3E}"/>
+                    </a:ext>
+                  </a:extLst>
+                </p:cNvPr>
+                <p:cNvSpPr txBox="1">
+                  <a:spLocks noRot="1" noChangeAspect="1" noMove="1" noResize="1" noEditPoints="1" noAdjustHandles="1" noChangeArrowheads="1" noChangeShapeType="1" noTextEdit="1"/>
+                </p:cNvSpPr>
+                <p:nvPr/>
+              </p:nvSpPr>
+              <p:spPr>
+                <a:xfrm>
+                  <a:off x="5927623" y="3974812"/>
+                  <a:ext cx="1371600" cy="369332"/>
+                </a:xfrm>
+                <a:prstGeom prst="rect">
+                  <a:avLst/>
+                </a:prstGeom>
+                <a:blipFill>
+                  <a:blip r:embed="rId6"/>
+                  <a:stretch>
+                    <a:fillRect/>
+                  </a:stretch>
+                </a:blipFill>
+              </p:spPr>
+              <p:txBody>
+                <a:bodyPr/>
+                <a:lstStyle/>
+                <a:p>
+                  <a:r>
+                    <a:rPr lang="he-IL">
+                      <a:noFill/>
+                    </a:rPr>
+                    <a:t> </a:t>
+                  </a:r>
+                </a:p>
+              </p:txBody>
+            </p:sp>
+          </mc:Fallback>
+        </mc:AlternateContent>
+        <mc:AlternateContent xmlns:mc="http://schemas.openxmlformats.org/markup-compatibility/2006" xmlns:a14="http://schemas.microsoft.com/office/drawing/2010/main">
+          <mc:Choice Requires="a14">
+            <p:sp>
+              <p:nvSpPr>
+                <p:cNvPr id="77" name="TextBox 76">
+                  <a:extLst>
+                    <a:ext uri="{FF2B5EF4-FFF2-40B4-BE49-F238E27FC236}">
+                      <a16:creationId xmlns:a16="http://schemas.microsoft.com/office/drawing/2014/main" id="{FC4FE4AA-61E3-404A-ABEA-9E6864F2A155}"/>
+                    </a:ext>
+                  </a:extLst>
+                </p:cNvPr>
+                <p:cNvSpPr txBox="1"/>
+                <p:nvPr/>
+              </p:nvSpPr>
+              <p:spPr>
+                <a:xfrm>
+                  <a:off x="7556524" y="3974812"/>
+                  <a:ext cx="1371600" cy="369332"/>
+                </a:xfrm>
+                <a:prstGeom prst="rect">
+                  <a:avLst/>
+                </a:prstGeom>
+                <a:noFill/>
+              </p:spPr>
+              <p:txBody>
+                <a:bodyPr wrap="square" rtlCol="1">
+                  <a:spAutoFit/>
+                </a:bodyPr>
+                <a:lstStyle/>
+                <a:p>
+                  <a:pPr/>
+                  <a14:m>
+                    <m:oMathPara xmlns:m="http://schemas.openxmlformats.org/officeDocument/2006/math">
+                      <m:oMathParaPr>
+                        <m:jc m:val="centerGroup"/>
+                      </m:oMathParaPr>
+                      <m:oMath xmlns:m="http://schemas.openxmlformats.org/officeDocument/2006/math">
+                        <m:r>
+                          <a:rPr lang="en-US" b="0" i="1" smtClean="0">
+                            <a:latin typeface="Cambria Math" panose="02040503050406030204" pitchFamily="18" charset="0"/>
+                          </a:rPr>
+                          <m:t>𝑢</m:t>
+                        </m:r>
+                        <m:r>
+                          <a:rPr lang="en-US" b="0" i="1" smtClean="0">
+                            <a:latin typeface="Cambria Math" panose="02040503050406030204" pitchFamily="18" charset="0"/>
+                          </a:rPr>
+                          <m:t>=</m:t>
+                        </m:r>
+                        <m:r>
+                          <a:rPr lang="en-US" b="0" i="1" smtClean="0">
+                            <a:latin typeface="Cambria Math" panose="02040503050406030204" pitchFamily="18" charset="0"/>
+                          </a:rPr>
+                          <m:t>10</m:t>
+                        </m:r>
+                      </m:oMath>
+                    </m:oMathPara>
+                  </a14:m>
+                  <a:endParaRPr lang="he-IL" dirty="0"/>
+                </a:p>
+              </p:txBody>
+            </p:sp>
+          </mc:Choice>
+          <mc:Fallback xmlns="">
+            <p:sp>
+              <p:nvSpPr>
+                <p:cNvPr id="77" name="TextBox 76">
+                  <a:extLst>
+                    <a:ext uri="{FF2B5EF4-FFF2-40B4-BE49-F238E27FC236}">
+                      <a16:creationId xmlns:a16="http://schemas.microsoft.com/office/drawing/2014/main" id="{FC4FE4AA-61E3-404A-ABEA-9E6864F2A155}"/>
+                    </a:ext>
+                  </a:extLst>
+                </p:cNvPr>
+                <p:cNvSpPr txBox="1">
+                  <a:spLocks noRot="1" noChangeAspect="1" noMove="1" noResize="1" noEditPoints="1" noAdjustHandles="1" noChangeArrowheads="1" noChangeShapeType="1" noTextEdit="1"/>
+                </p:cNvSpPr>
+                <p:nvPr/>
+              </p:nvSpPr>
+              <p:spPr>
+                <a:xfrm>
+                  <a:off x="7556524" y="3974812"/>
+                  <a:ext cx="1371600" cy="369332"/>
+                </a:xfrm>
+                <a:prstGeom prst="rect">
+                  <a:avLst/>
+                </a:prstGeom>
+                <a:blipFill>
+                  <a:blip r:embed="rId7"/>
+                  <a:stretch>
+                    <a:fillRect/>
+                  </a:stretch>
+                </a:blipFill>
+              </p:spPr>
+              <p:txBody>
+                <a:bodyPr/>
+                <a:lstStyle/>
+                <a:p>
+                  <a:r>
+                    <a:rPr lang="he-IL">
+                      <a:noFill/>
+                    </a:rPr>
+                    <a:t> </a:t>
+                  </a:r>
+                </a:p>
+              </p:txBody>
+            </p:sp>
+          </mc:Fallback>
+        </mc:AlternateContent>
+        <p:sp>
+          <p:nvSpPr>
+            <p:cNvPr id="19" name="TextBox 18">
+              <a:extLst>
+                <a:ext uri="{FF2B5EF4-FFF2-40B4-BE49-F238E27FC236}">
+                  <a16:creationId xmlns:a16="http://schemas.microsoft.com/office/drawing/2014/main" id="{F5D4EAF9-6850-439D-A061-9416AB5D49B7}"/>
+                </a:ext>
+              </a:extLst>
+            </p:cNvPr>
+            <p:cNvSpPr txBox="1"/>
+            <p:nvPr/>
+          </p:nvSpPr>
+          <p:spPr>
+            <a:xfrm>
+              <a:off x="9569483" y="2598945"/>
+              <a:ext cx="1114141" cy="369332"/>
+            </a:xfrm>
+            <a:prstGeom prst="rect">
+              <a:avLst/>
+            </a:prstGeom>
+            <a:noFill/>
+          </p:spPr>
+          <p:txBody>
+            <a:bodyPr wrap="square" rtlCol="1">
+              <a:spAutoFit/>
+            </a:bodyPr>
+            <a:lstStyle/>
+            <a:p>
+              <a:r>
+                <a:rPr lang="en-US" dirty="0">
+                  <a:latin typeface="David" panose="020E0502060401010101" pitchFamily="34" charset="-79"/>
+                  <a:cs typeface="David" panose="020E0502060401010101" pitchFamily="34" charset="-79"/>
+                </a:rPr>
+                <a:t>LEAF</a:t>
+              </a:r>
+              <a:endParaRPr lang="he-IL" dirty="0">
+                <a:latin typeface="David" panose="020E0502060401010101" pitchFamily="34" charset="-79"/>
+                <a:cs typeface="David" panose="020E0502060401010101" pitchFamily="34" charset="-79"/>
+              </a:endParaRPr>
+            </a:p>
+          </p:txBody>
+        </p:sp>
+        <p:sp>
+          <p:nvSpPr>
+            <p:cNvPr id="79" name="TextBox 78">
+              <a:extLst>
+                <a:ext uri="{FF2B5EF4-FFF2-40B4-BE49-F238E27FC236}">
+                  <a16:creationId xmlns:a16="http://schemas.microsoft.com/office/drawing/2014/main" id="{6E0BEF9F-9D59-4EB7-8CA3-CD5F7CB75F72}"/>
+                </a:ext>
+              </a:extLst>
+            </p:cNvPr>
+            <p:cNvSpPr txBox="1"/>
+            <p:nvPr/>
+          </p:nvSpPr>
+          <p:spPr>
+            <a:xfrm>
+              <a:off x="9569483" y="1730547"/>
+              <a:ext cx="1114141" cy="369332"/>
+            </a:xfrm>
+            <a:prstGeom prst="rect">
+              <a:avLst/>
+            </a:prstGeom>
+            <a:noFill/>
+          </p:spPr>
+          <p:txBody>
+            <a:bodyPr wrap="square" rtlCol="1">
+              <a:spAutoFit/>
+            </a:bodyPr>
+            <a:lstStyle/>
+            <a:p>
+              <a:r>
+                <a:rPr lang="en-US" dirty="0">
+                  <a:latin typeface="David" panose="020E0502060401010101" pitchFamily="34" charset="-79"/>
+                  <a:cs typeface="David" panose="020E0502060401010101" pitchFamily="34" charset="-79"/>
+                </a:rPr>
+                <a:t>MIN</a:t>
+              </a:r>
+              <a:endParaRPr lang="he-IL" dirty="0">
+                <a:latin typeface="David" panose="020E0502060401010101" pitchFamily="34" charset="-79"/>
+                <a:cs typeface="David" panose="020E0502060401010101" pitchFamily="34" charset="-79"/>
+              </a:endParaRPr>
+            </a:p>
+          </p:txBody>
+        </p:sp>
+        <p:sp>
+          <p:nvSpPr>
+            <p:cNvPr id="80" name="TextBox 79">
+              <a:extLst>
+                <a:ext uri="{FF2B5EF4-FFF2-40B4-BE49-F238E27FC236}">
+                  <a16:creationId xmlns:a16="http://schemas.microsoft.com/office/drawing/2014/main" id="{93053EE3-93C8-4B06-BD13-71AB70229196}"/>
+                </a:ext>
+              </a:extLst>
+            </p:cNvPr>
+            <p:cNvSpPr txBox="1"/>
+            <p:nvPr/>
+          </p:nvSpPr>
+          <p:spPr>
+            <a:xfrm>
+              <a:off x="4388156" y="1209254"/>
+              <a:ext cx="1114141" cy="369332"/>
+            </a:xfrm>
+            <a:prstGeom prst="rect">
+              <a:avLst/>
+            </a:prstGeom>
+            <a:noFill/>
+          </p:spPr>
+          <p:txBody>
+            <a:bodyPr wrap="square" rtlCol="1">
+              <a:spAutoFit/>
+            </a:bodyPr>
+            <a:lstStyle/>
+            <a:p>
+              <a:r>
+                <a:rPr lang="en-US" dirty="0">
+                  <a:latin typeface="David" panose="020E0502060401010101" pitchFamily="34" charset="-79"/>
+                  <a:cs typeface="David" panose="020E0502060401010101" pitchFamily="34" charset="-79"/>
+                </a:rPr>
+                <a:t>I</a:t>
+              </a:r>
+              <a:endParaRPr lang="he-IL" dirty="0">
+                <a:latin typeface="David" panose="020E0502060401010101" pitchFamily="34" charset="-79"/>
+                <a:cs typeface="David" panose="020E0502060401010101" pitchFamily="34" charset="-79"/>
+              </a:endParaRPr>
+            </a:p>
+          </p:txBody>
+        </p:sp>
+        <p:sp>
+          <p:nvSpPr>
+            <p:cNvPr id="81" name="TextBox 80">
+              <a:extLst>
+                <a:ext uri="{FF2B5EF4-FFF2-40B4-BE49-F238E27FC236}">
+                  <a16:creationId xmlns:a16="http://schemas.microsoft.com/office/drawing/2014/main" id="{7FE79392-B14B-46ED-BA59-DF8898DC7632}"/>
+                </a:ext>
+              </a:extLst>
+            </p:cNvPr>
+            <p:cNvSpPr txBox="1"/>
+            <p:nvPr/>
+          </p:nvSpPr>
+          <p:spPr>
+            <a:xfrm>
+              <a:off x="6999453" y="1189848"/>
+              <a:ext cx="1114141" cy="369332"/>
+            </a:xfrm>
+            <a:prstGeom prst="rect">
+              <a:avLst/>
+            </a:prstGeom>
+            <a:noFill/>
+          </p:spPr>
+          <p:txBody>
+            <a:bodyPr wrap="square" rtlCol="1">
+              <a:spAutoFit/>
+            </a:bodyPr>
+            <a:lstStyle/>
+            <a:p>
+              <a:r>
+                <a:rPr lang="en-US" dirty="0">
+                  <a:latin typeface="David" panose="020E0502060401010101" pitchFamily="34" charset="-79"/>
+                  <a:cs typeface="David" panose="020E0502060401010101" pitchFamily="34" charset="-79"/>
+                </a:rPr>
+                <a:t>II</a:t>
+              </a:r>
+              <a:endParaRPr lang="he-IL" dirty="0">
+                <a:latin typeface="David" panose="020E0502060401010101" pitchFamily="34" charset="-79"/>
+                <a:cs typeface="David" panose="020E0502060401010101" pitchFamily="34" charset="-79"/>
+              </a:endParaRPr>
+            </a:p>
+          </p:txBody>
+        </p:sp>
+        <p:sp>
+          <p:nvSpPr>
+            <p:cNvPr id="83" name="Isosceles Triangle 82">
+              <a:extLst>
+                <a:ext uri="{FF2B5EF4-FFF2-40B4-BE49-F238E27FC236}">
+                  <a16:creationId xmlns:a16="http://schemas.microsoft.com/office/drawing/2014/main" id="{4FAC92D0-6C15-4479-B0F0-5E4B4CEADFA3}"/>
+                </a:ext>
+              </a:extLst>
+            </p:cNvPr>
+            <p:cNvSpPr/>
+            <p:nvPr/>
+          </p:nvSpPr>
+          <p:spPr>
+            <a:xfrm>
+              <a:off x="8680690" y="915528"/>
+              <a:ext cx="685800" cy="548640"/>
+            </a:xfrm>
+            <a:prstGeom prst="triangle">
+              <a:avLst/>
+            </a:prstGeom>
+            <a:solidFill>
+              <a:srgbClr val="0070C0"/>
+            </a:solidFill>
+            <a:ln w="25400">
+              <a:solidFill>
+                <a:schemeClr val="tx1"/>
+              </a:solidFill>
+            </a:ln>
+          </p:spPr>
+          <p:style>
+            <a:lnRef idx="2">
+              <a:schemeClr val="accent1">
+                <a:shade val="50000"/>
+              </a:schemeClr>
+            </a:lnRef>
+            <a:fillRef idx="1">
+              <a:schemeClr val="accent1"/>
+            </a:fillRef>
+            <a:effectRef idx="0">
+              <a:schemeClr val="accent1"/>
+            </a:effectRef>
+            <a:fontRef idx="minor">
+              <a:schemeClr val="lt1"/>
+            </a:fontRef>
+          </p:style>
+          <p:txBody>
+            <a:bodyPr rtlCol="1" anchor="ctr"/>
+            <a:lstStyle/>
+            <a:p>
+              <a:pPr algn="ctr"/>
+              <a:endParaRPr lang="he-IL"/>
+            </a:p>
+          </p:txBody>
+        </p:sp>
+        <p:sp>
+          <p:nvSpPr>
+            <p:cNvPr id="85" name="Isosceles Triangle 84">
+              <a:extLst>
+                <a:ext uri="{FF2B5EF4-FFF2-40B4-BE49-F238E27FC236}">
+                  <a16:creationId xmlns:a16="http://schemas.microsoft.com/office/drawing/2014/main" id="{793C3994-8A68-4663-960C-3CF9EE5F7F2A}"/>
+                </a:ext>
+              </a:extLst>
+            </p:cNvPr>
+            <p:cNvSpPr/>
+            <p:nvPr/>
+          </p:nvSpPr>
+          <p:spPr>
+            <a:xfrm rot="10800000">
+              <a:off x="8680690" y="1732392"/>
+              <a:ext cx="685800" cy="548640"/>
+            </a:xfrm>
+            <a:prstGeom prst="triangle">
+              <a:avLst/>
+            </a:prstGeom>
+            <a:solidFill>
+              <a:srgbClr val="FF0000"/>
+            </a:solidFill>
+            <a:ln w="25400">
+              <a:solidFill>
+                <a:schemeClr val="tx1"/>
+              </a:solidFill>
+            </a:ln>
+          </p:spPr>
+          <p:style>
+            <a:lnRef idx="2">
+              <a:schemeClr val="accent1">
+                <a:shade val="50000"/>
+              </a:schemeClr>
+            </a:lnRef>
+            <a:fillRef idx="1">
+              <a:schemeClr val="accent1"/>
+            </a:fillRef>
+            <a:effectRef idx="0">
+              <a:schemeClr val="accent1"/>
+            </a:effectRef>
+            <a:fontRef idx="minor">
+              <a:schemeClr val="lt1"/>
+            </a:fontRef>
+          </p:style>
+          <p:txBody>
+            <a:bodyPr rtlCol="1" anchor="ctr"/>
+            <a:lstStyle/>
+            <a:p>
+              <a:pPr algn="ctr"/>
+              <a:endParaRPr lang="he-IL"/>
+            </a:p>
+          </p:txBody>
+        </p:sp>
+        <p:sp>
+          <p:nvSpPr>
+            <p:cNvPr id="86" name="Rectangle 85">
+              <a:extLst>
+                <a:ext uri="{FF2B5EF4-FFF2-40B4-BE49-F238E27FC236}">
+                  <a16:creationId xmlns:a16="http://schemas.microsoft.com/office/drawing/2014/main" id="{A02E479A-0575-4438-A0FC-797389076E2B}"/>
+                </a:ext>
+              </a:extLst>
+            </p:cNvPr>
+            <p:cNvSpPr/>
+            <p:nvPr/>
+          </p:nvSpPr>
+          <p:spPr>
+            <a:xfrm>
+              <a:off x="8680690" y="2510702"/>
+              <a:ext cx="685800" cy="685800"/>
+            </a:xfrm>
+            <a:prstGeom prst="rect">
+              <a:avLst/>
+            </a:prstGeom>
+            <a:ln w="25400">
+              <a:solidFill>
+                <a:schemeClr val="tx1"/>
+              </a:solidFill>
+            </a:ln>
+          </p:spPr>
+          <p:style>
+            <a:lnRef idx="2">
+              <a:schemeClr val="accent1">
+                <a:shade val="50000"/>
+              </a:schemeClr>
+            </a:lnRef>
+            <a:fillRef idx="1">
+              <a:schemeClr val="accent1"/>
+            </a:fillRef>
+            <a:effectRef idx="0">
+              <a:schemeClr val="accent1"/>
+            </a:effectRef>
+            <a:fontRef idx="minor">
+              <a:schemeClr val="lt1"/>
+            </a:fontRef>
+          </p:style>
+          <p:txBody>
+            <a:bodyPr rtlCol="1" anchor="ctr"/>
+            <a:lstStyle/>
+            <a:p>
+              <a:pPr algn="ctr"/>
+              <a:endParaRPr lang="he-IL"/>
+            </a:p>
+          </p:txBody>
+        </p:sp>
+        <p:sp>
+          <p:nvSpPr>
+            <p:cNvPr id="87" name="TextBox 86">
+              <a:extLst>
+                <a:ext uri="{FF2B5EF4-FFF2-40B4-BE49-F238E27FC236}">
+                  <a16:creationId xmlns:a16="http://schemas.microsoft.com/office/drawing/2014/main" id="{BC4A4F4A-1FFE-4D8B-AEB9-DC2FA23CAF10}"/>
+                </a:ext>
+              </a:extLst>
+            </p:cNvPr>
+            <p:cNvSpPr txBox="1"/>
+            <p:nvPr/>
+          </p:nvSpPr>
+          <p:spPr>
+            <a:xfrm>
+              <a:off x="9569483" y="1005182"/>
+              <a:ext cx="1114141" cy="369332"/>
+            </a:xfrm>
+            <a:prstGeom prst="rect">
+              <a:avLst/>
+            </a:prstGeom>
+            <a:noFill/>
+          </p:spPr>
+          <p:txBody>
+            <a:bodyPr wrap="square" rtlCol="1">
+              <a:spAutoFit/>
+            </a:bodyPr>
+            <a:lstStyle/>
+            <a:p>
+              <a:r>
+                <a:rPr lang="en-US" dirty="0">
+                  <a:latin typeface="David" panose="020E0502060401010101" pitchFamily="34" charset="-79"/>
+                  <a:cs typeface="David" panose="020E0502060401010101" pitchFamily="34" charset="-79"/>
+                </a:rPr>
+                <a:t>MAX</a:t>
+              </a:r>
+              <a:endParaRPr lang="he-IL" dirty="0">
+                <a:latin typeface="David" panose="020E0502060401010101" pitchFamily="34" charset="-79"/>
+                <a:cs typeface="David" panose="020E0502060401010101" pitchFamily="34" charset="-79"/>
+              </a:endParaRPr>
+            </a:p>
+          </p:txBody>
+        </p:sp>
+      </p:grpSp>
+    </p:spTree>
+    <p:extLst>
+      <p:ext uri="{BB962C8B-B14F-4D97-AF65-F5344CB8AC3E}">
+        <p14:creationId xmlns:p14="http://schemas.microsoft.com/office/powerpoint/2010/main" val="1183226012"/>
+      </p:ext>
+    </p:extLst>
+  </p:cSld>
+  <p:clrMapOvr>
+    <a:masterClrMapping/>
+  </p:clrMapOvr>
+</p:sld>
+</file>
+
+<file path=ppt/slides/slide7.xml><?xml version="1.0" encoding="utf-8"?>
+<p:sld xmlns:a="http://schemas.openxmlformats.org/drawingml/2006/main" xmlns:r="http://schemas.openxmlformats.org/officeDocument/2006/relationships" xmlns:p="http://schemas.openxmlformats.org/presentationml/2006/main">
+  <p:cSld>
+    <p:spTree>
+      <p:nvGrpSpPr>
+        <p:cNvPr id="1" name=""/>
+        <p:cNvGrpSpPr/>
+        <p:nvPr/>
+      </p:nvGrpSpPr>
+      <p:grpSpPr>
+        <a:xfrm>
+          <a:off x="0" y="0"/>
+          <a:ext cx="0" cy="0"/>
+          <a:chOff x="0" y="0"/>
+          <a:chExt cx="0" cy="0"/>
+        </a:xfrm>
+      </p:grpSpPr>
+      <p:grpSp>
+        <p:nvGrpSpPr>
+          <p:cNvPr id="4" name="Group 3">
+            <a:extLst>
+              <a:ext uri="{FF2B5EF4-FFF2-40B4-BE49-F238E27FC236}">
+                <a16:creationId xmlns:a16="http://schemas.microsoft.com/office/drawing/2014/main" id="{4E259920-68B2-4FE5-8D99-280957EAD6C8}"/>
+              </a:ext>
+            </a:extLst>
+          </p:cNvPr>
+          <p:cNvGrpSpPr/>
+          <p:nvPr/>
+        </p:nvGrpSpPr>
+        <p:grpSpPr>
+          <a:xfrm>
+            <a:off x="2892859" y="754144"/>
+            <a:ext cx="7790765" cy="3590000"/>
+            <a:chOff x="2892859" y="754144"/>
+            <a:chExt cx="7790765" cy="3590000"/>
+          </a:xfrm>
+        </p:grpSpPr>
+        <p:sp>
+          <p:nvSpPr>
+            <p:cNvPr id="2" name="Isosceles Triangle 1">
+              <a:extLst>
+                <a:ext uri="{FF2B5EF4-FFF2-40B4-BE49-F238E27FC236}">
+                  <a16:creationId xmlns:a16="http://schemas.microsoft.com/office/drawing/2014/main" id="{6A11F797-F563-4CDE-8C3F-0450B16EF178}"/>
+                </a:ext>
+              </a:extLst>
+            </p:cNvPr>
+            <p:cNvSpPr/>
+            <p:nvPr/>
+          </p:nvSpPr>
+          <p:spPr>
+            <a:xfrm>
+              <a:off x="5587738" y="754144"/>
+              <a:ext cx="685800" cy="548640"/>
+            </a:xfrm>
+            <a:prstGeom prst="triangle">
+              <a:avLst/>
+            </a:prstGeom>
+            <a:solidFill>
+              <a:srgbClr val="0070C0"/>
+            </a:solidFill>
+            <a:ln w="25400">
+              <a:solidFill>
+                <a:schemeClr val="tx1"/>
+              </a:solidFill>
+            </a:ln>
+          </p:spPr>
+          <p:style>
+            <a:lnRef idx="2">
+              <a:schemeClr val="accent1">
+                <a:shade val="50000"/>
+              </a:schemeClr>
+            </a:lnRef>
+            <a:fillRef idx="1">
+              <a:schemeClr val="accent1"/>
+            </a:fillRef>
+            <a:effectRef idx="0">
+              <a:schemeClr val="accent1"/>
+            </a:effectRef>
+            <a:fontRef idx="minor">
+              <a:schemeClr val="lt1"/>
+            </a:fontRef>
+          </p:style>
+          <p:txBody>
+            <a:bodyPr rtlCol="1" anchor="ctr"/>
+            <a:lstStyle/>
+            <a:p>
+              <a:pPr algn="ctr"/>
+              <a:endParaRPr lang="he-IL"/>
+            </a:p>
+          </p:txBody>
+        </p:sp>
+        <p:sp>
+          <p:nvSpPr>
+            <p:cNvPr id="45" name="Isosceles Triangle 44">
+              <a:extLst>
+                <a:ext uri="{FF2B5EF4-FFF2-40B4-BE49-F238E27FC236}">
+                  <a16:creationId xmlns:a16="http://schemas.microsoft.com/office/drawing/2014/main" id="{7B38CEDB-81AE-4059-9326-93F8EBF308A6}"/>
+                </a:ext>
+              </a:extLst>
+            </p:cNvPr>
+            <p:cNvSpPr/>
+            <p:nvPr/>
+          </p:nvSpPr>
+          <p:spPr>
+            <a:xfrm rot="10800000">
+              <a:off x="4130697" y="1915213"/>
+              <a:ext cx="685800" cy="548640"/>
+            </a:xfrm>
+            <a:prstGeom prst="triangle">
+              <a:avLst/>
+            </a:prstGeom>
+            <a:solidFill>
+              <a:srgbClr val="FF0000"/>
+            </a:solidFill>
+            <a:ln w="25400">
+              <a:solidFill>
+                <a:schemeClr val="tx1"/>
+              </a:solidFill>
+            </a:ln>
+          </p:spPr>
+          <p:style>
+            <a:lnRef idx="2">
+              <a:schemeClr val="accent1">
+                <a:shade val="50000"/>
+              </a:schemeClr>
+            </a:lnRef>
+            <a:fillRef idx="1">
+              <a:schemeClr val="accent1"/>
+            </a:fillRef>
+            <a:effectRef idx="0">
+              <a:schemeClr val="accent1"/>
+            </a:effectRef>
+            <a:fontRef idx="minor">
+              <a:schemeClr val="lt1"/>
+            </a:fontRef>
+          </p:style>
+          <p:txBody>
+            <a:bodyPr rtlCol="1" anchor="ctr"/>
+            <a:lstStyle/>
+            <a:p>
+              <a:pPr algn="ctr"/>
+              <a:endParaRPr lang="he-IL"/>
+            </a:p>
+          </p:txBody>
+        </p:sp>
+        <p:sp>
+          <p:nvSpPr>
+            <p:cNvPr id="3" name="Rectangle 2">
+              <a:extLst>
+                <a:ext uri="{FF2B5EF4-FFF2-40B4-BE49-F238E27FC236}">
+                  <a16:creationId xmlns:a16="http://schemas.microsoft.com/office/drawing/2014/main" id="{38E38ED5-1B4D-417C-AA79-86E162D86376}"/>
+                </a:ext>
+              </a:extLst>
+            </p:cNvPr>
+            <p:cNvSpPr/>
+            <p:nvPr/>
+          </p:nvSpPr>
+          <p:spPr>
+            <a:xfrm>
+              <a:off x="3276052" y="3210268"/>
+              <a:ext cx="685800" cy="685800"/>
+            </a:xfrm>
+            <a:prstGeom prst="rect">
+              <a:avLst/>
+            </a:prstGeom>
+            <a:ln w="25400">
+              <a:solidFill>
+                <a:schemeClr val="tx1"/>
+              </a:solidFill>
+            </a:ln>
+          </p:spPr>
+          <p:style>
+            <a:lnRef idx="2">
+              <a:schemeClr val="accent1">
+                <a:shade val="50000"/>
+              </a:schemeClr>
+            </a:lnRef>
+            <a:fillRef idx="1">
+              <a:schemeClr val="accent1"/>
+            </a:fillRef>
+            <a:effectRef idx="0">
+              <a:schemeClr val="accent1"/>
+            </a:effectRef>
+            <a:fontRef idx="minor">
+              <a:schemeClr val="lt1"/>
+            </a:fontRef>
+          </p:style>
+          <p:txBody>
+            <a:bodyPr rtlCol="1" anchor="ctr"/>
+            <a:lstStyle/>
+            <a:p>
+              <a:pPr algn="ctr"/>
+              <a:endParaRPr lang="he-IL"/>
+            </a:p>
+          </p:txBody>
+        </p:sp>
+        <p:sp>
+          <p:nvSpPr>
+            <p:cNvPr id="48" name="Rectangle 47">
+              <a:extLst>
+                <a:ext uri="{FF2B5EF4-FFF2-40B4-BE49-F238E27FC236}">
+                  <a16:creationId xmlns:a16="http://schemas.microsoft.com/office/drawing/2014/main" id="{01A7C47E-586D-4C7B-8C6C-A2CEA0A6D830}"/>
+                </a:ext>
+              </a:extLst>
+            </p:cNvPr>
+            <p:cNvSpPr/>
+            <p:nvPr/>
+          </p:nvSpPr>
+          <p:spPr>
+            <a:xfrm>
+              <a:off x="4901938" y="3210268"/>
+              <a:ext cx="685800" cy="685800"/>
+            </a:xfrm>
+            <a:prstGeom prst="rect">
+              <a:avLst/>
+            </a:prstGeom>
+            <a:ln w="25400">
+              <a:solidFill>
+                <a:schemeClr val="tx1"/>
+              </a:solidFill>
+            </a:ln>
+          </p:spPr>
+          <p:style>
+            <a:lnRef idx="2">
+              <a:schemeClr val="accent1">
+                <a:shade val="50000"/>
+              </a:schemeClr>
+            </a:lnRef>
+            <a:fillRef idx="1">
+              <a:schemeClr val="accent1"/>
+            </a:fillRef>
+            <a:effectRef idx="0">
+              <a:schemeClr val="accent1"/>
+            </a:effectRef>
+            <a:fontRef idx="minor">
+              <a:schemeClr val="lt1"/>
+            </a:fontRef>
+          </p:style>
+          <p:txBody>
+            <a:bodyPr rtlCol="1" anchor="ctr"/>
+            <a:lstStyle/>
+            <a:p>
+              <a:pPr algn="ctr"/>
+              <a:endParaRPr lang="he-IL"/>
+            </a:p>
+          </p:txBody>
+        </p:sp>
+        <p:sp>
+          <p:nvSpPr>
+            <p:cNvPr id="50" name="Isosceles Triangle 49">
+              <a:extLst>
+                <a:ext uri="{FF2B5EF4-FFF2-40B4-BE49-F238E27FC236}">
+                  <a16:creationId xmlns:a16="http://schemas.microsoft.com/office/drawing/2014/main" id="{44CACD17-EB4B-487B-BF6B-026BCC73B346}"/>
+                </a:ext>
+              </a:extLst>
+            </p:cNvPr>
+            <p:cNvSpPr/>
+            <p:nvPr/>
+          </p:nvSpPr>
+          <p:spPr>
+            <a:xfrm rot="10800000">
+              <a:off x="7128183" y="1915214"/>
+              <a:ext cx="685800" cy="548640"/>
+            </a:xfrm>
+            <a:prstGeom prst="triangle">
+              <a:avLst/>
+            </a:prstGeom>
+            <a:solidFill>
+              <a:srgbClr val="FF0000"/>
+            </a:solidFill>
+            <a:ln w="25400">
+              <a:solidFill>
+                <a:schemeClr val="tx1"/>
+              </a:solidFill>
+            </a:ln>
+          </p:spPr>
+          <p:style>
+            <a:lnRef idx="2">
+              <a:schemeClr val="accent1">
+                <a:shade val="50000"/>
+              </a:schemeClr>
+            </a:lnRef>
+            <a:fillRef idx="1">
+              <a:schemeClr val="accent1"/>
+            </a:fillRef>
+            <a:effectRef idx="0">
+              <a:schemeClr val="accent1"/>
+            </a:effectRef>
+            <a:fontRef idx="minor">
+              <a:schemeClr val="lt1"/>
+            </a:fontRef>
+          </p:style>
+          <p:txBody>
+            <a:bodyPr rtlCol="1" anchor="ctr"/>
+            <a:lstStyle/>
+            <a:p>
+              <a:pPr algn="ctr"/>
+              <a:endParaRPr lang="he-IL"/>
+            </a:p>
+          </p:txBody>
+        </p:sp>
+        <p:sp>
+          <p:nvSpPr>
+            <p:cNvPr id="51" name="Rectangle 50">
+              <a:extLst>
+                <a:ext uri="{FF2B5EF4-FFF2-40B4-BE49-F238E27FC236}">
+                  <a16:creationId xmlns:a16="http://schemas.microsoft.com/office/drawing/2014/main" id="{9C60AA9D-660C-4993-AAF1-591ED97AA247}"/>
+                </a:ext>
+              </a:extLst>
+            </p:cNvPr>
+            <p:cNvSpPr/>
+            <p:nvPr/>
+          </p:nvSpPr>
+          <p:spPr>
+            <a:xfrm>
+              <a:off x="6273538" y="3210269"/>
+              <a:ext cx="685800" cy="685800"/>
+            </a:xfrm>
+            <a:prstGeom prst="rect">
+              <a:avLst/>
+            </a:prstGeom>
+            <a:ln w="25400">
+              <a:solidFill>
+                <a:schemeClr val="tx1"/>
+              </a:solidFill>
+            </a:ln>
+          </p:spPr>
+          <p:style>
+            <a:lnRef idx="2">
+              <a:schemeClr val="accent1">
+                <a:shade val="50000"/>
+              </a:schemeClr>
+            </a:lnRef>
+            <a:fillRef idx="1">
+              <a:schemeClr val="accent1"/>
+            </a:fillRef>
+            <a:effectRef idx="0">
+              <a:schemeClr val="accent1"/>
+            </a:effectRef>
+            <a:fontRef idx="minor">
+              <a:schemeClr val="lt1"/>
+            </a:fontRef>
+          </p:style>
+          <p:txBody>
+            <a:bodyPr rtlCol="1" anchor="ctr"/>
+            <a:lstStyle/>
+            <a:p>
+              <a:pPr algn="ctr"/>
+              <a:endParaRPr lang="he-IL"/>
+            </a:p>
+          </p:txBody>
+        </p:sp>
+        <p:sp>
+          <p:nvSpPr>
+            <p:cNvPr id="52" name="Rectangle 51">
+              <a:extLst>
+                <a:ext uri="{FF2B5EF4-FFF2-40B4-BE49-F238E27FC236}">
+                  <a16:creationId xmlns:a16="http://schemas.microsoft.com/office/drawing/2014/main" id="{333E295C-4C95-4C9A-98EB-A973C6E40A78}"/>
+                </a:ext>
+              </a:extLst>
+            </p:cNvPr>
+            <p:cNvSpPr/>
+            <p:nvPr/>
+          </p:nvSpPr>
+          <p:spPr>
+            <a:xfrm>
+              <a:off x="7899424" y="3210269"/>
+              <a:ext cx="685800" cy="685800"/>
+            </a:xfrm>
+            <a:prstGeom prst="rect">
+              <a:avLst/>
+            </a:prstGeom>
+            <a:ln w="25400">
+              <a:solidFill>
+                <a:schemeClr val="tx1"/>
+              </a:solidFill>
+            </a:ln>
+          </p:spPr>
+          <p:style>
+            <a:lnRef idx="2">
+              <a:schemeClr val="accent1">
+                <a:shade val="50000"/>
+              </a:schemeClr>
+            </a:lnRef>
+            <a:fillRef idx="1">
+              <a:schemeClr val="accent1"/>
+            </a:fillRef>
+            <a:effectRef idx="0">
+              <a:schemeClr val="accent1"/>
+            </a:effectRef>
+            <a:fontRef idx="minor">
+              <a:schemeClr val="lt1"/>
+            </a:fontRef>
+          </p:style>
+          <p:txBody>
+            <a:bodyPr rtlCol="1" anchor="ctr"/>
+            <a:lstStyle/>
+            <a:p>
+              <a:pPr algn="ctr"/>
+              <a:endParaRPr lang="he-IL"/>
+            </a:p>
+          </p:txBody>
+        </p:sp>
+        <p:cxnSp>
+          <p:nvCxnSpPr>
+            <p:cNvPr id="5" name="Straight Connector 4">
+              <a:extLst>
+                <a:ext uri="{FF2B5EF4-FFF2-40B4-BE49-F238E27FC236}">
+                  <a16:creationId xmlns:a16="http://schemas.microsoft.com/office/drawing/2014/main" id="{1925075F-8821-4439-8E38-6B77B1535AB1}"/>
+                </a:ext>
+              </a:extLst>
+            </p:cNvPr>
+            <p:cNvCxnSpPr>
+              <a:stCxn id="2" idx="2"/>
+              <a:endCxn id="45" idx="3"/>
+            </p:cNvCxnSpPr>
+            <p:nvPr/>
+          </p:nvCxnSpPr>
+          <p:spPr>
+            <a:xfrm flipH="1">
+              <a:off x="4473597" y="1302784"/>
+              <a:ext cx="1114141" cy="612429"/>
+            </a:xfrm>
+            <a:prstGeom prst="line">
+              <a:avLst/>
+            </a:prstGeom>
+            <a:ln w="57150">
+              <a:solidFill>
+                <a:schemeClr val="tx1"/>
+              </a:solidFill>
+              <a:tailEnd type="stealth"/>
+            </a:ln>
+          </p:spPr>
+          <p:style>
+            <a:lnRef idx="1">
+              <a:schemeClr val="accent1"/>
+            </a:lnRef>
+            <a:fillRef idx="0">
+              <a:schemeClr val="accent1"/>
+            </a:fillRef>
+            <a:effectRef idx="0">
+              <a:schemeClr val="accent1"/>
+            </a:effectRef>
+            <a:fontRef idx="minor">
+              <a:schemeClr val="tx1"/>
+            </a:fontRef>
+          </p:style>
+        </p:cxnSp>
+        <p:cxnSp>
+          <p:nvCxnSpPr>
+            <p:cNvPr id="55" name="Straight Connector 54">
+              <a:extLst>
+                <a:ext uri="{FF2B5EF4-FFF2-40B4-BE49-F238E27FC236}">
+                  <a16:creationId xmlns:a16="http://schemas.microsoft.com/office/drawing/2014/main" id="{84A9E243-4E39-4807-BFB4-F7E80E7237F7}"/>
+                </a:ext>
+              </a:extLst>
+            </p:cNvPr>
+            <p:cNvCxnSpPr>
+              <a:cxnSpLocks/>
+              <a:stCxn id="2" idx="4"/>
+              <a:endCxn id="50" idx="3"/>
+            </p:cNvCxnSpPr>
+            <p:nvPr/>
+          </p:nvCxnSpPr>
+          <p:spPr>
+            <a:xfrm>
+              <a:off x="6273538" y="1302784"/>
+              <a:ext cx="1197545" cy="612430"/>
+            </a:xfrm>
+            <a:prstGeom prst="line">
+              <a:avLst/>
+            </a:prstGeom>
+            <a:ln w="25400">
+              <a:solidFill>
+                <a:schemeClr val="tx1"/>
+              </a:solidFill>
+              <a:headEnd type="none"/>
+              <a:tailEnd type="none"/>
+            </a:ln>
+          </p:spPr>
+          <p:style>
+            <a:lnRef idx="1">
+              <a:schemeClr val="accent1"/>
+            </a:lnRef>
+            <a:fillRef idx="0">
+              <a:schemeClr val="accent1"/>
+            </a:fillRef>
+            <a:effectRef idx="0">
+              <a:schemeClr val="accent1"/>
+            </a:effectRef>
+            <a:fontRef idx="minor">
+              <a:schemeClr val="tx1"/>
+            </a:fontRef>
+          </p:style>
+        </p:cxnSp>
+        <p:cxnSp>
+          <p:nvCxnSpPr>
+            <p:cNvPr id="58" name="Straight Connector 57">
+              <a:extLst>
+                <a:ext uri="{FF2B5EF4-FFF2-40B4-BE49-F238E27FC236}">
+                  <a16:creationId xmlns:a16="http://schemas.microsoft.com/office/drawing/2014/main" id="{D8483294-A05D-43E0-BC66-B4A87DAC8315}"/>
+                </a:ext>
+              </a:extLst>
+            </p:cNvPr>
+            <p:cNvCxnSpPr>
+              <a:cxnSpLocks/>
+              <a:stCxn id="3" idx="0"/>
+              <a:endCxn id="45" idx="5"/>
+            </p:cNvCxnSpPr>
+            <p:nvPr/>
+          </p:nvCxnSpPr>
+          <p:spPr>
+            <a:xfrm flipV="1">
+              <a:off x="3618952" y="2189533"/>
+              <a:ext cx="683195" cy="1020735"/>
+            </a:xfrm>
+            <a:prstGeom prst="line">
+              <a:avLst/>
+            </a:prstGeom>
+            <a:ln w="25400">
+              <a:solidFill>
+                <a:schemeClr val="tx1"/>
+              </a:solidFill>
+            </a:ln>
+          </p:spPr>
+          <p:style>
+            <a:lnRef idx="1">
+              <a:schemeClr val="accent1"/>
+            </a:lnRef>
+            <a:fillRef idx="0">
+              <a:schemeClr val="accent1"/>
+            </a:fillRef>
+            <a:effectRef idx="0">
+              <a:schemeClr val="accent1"/>
+            </a:effectRef>
+            <a:fontRef idx="minor">
+              <a:schemeClr val="tx1"/>
+            </a:fontRef>
+          </p:style>
+        </p:cxnSp>
+        <p:cxnSp>
+          <p:nvCxnSpPr>
+            <p:cNvPr id="61" name="Straight Connector 60">
+              <a:extLst>
+                <a:ext uri="{FF2B5EF4-FFF2-40B4-BE49-F238E27FC236}">
+                  <a16:creationId xmlns:a16="http://schemas.microsoft.com/office/drawing/2014/main" id="{FCD45DA7-6941-48BA-9D89-9D34C903BE4C}"/>
+                </a:ext>
+              </a:extLst>
+            </p:cNvPr>
+            <p:cNvCxnSpPr>
+              <a:cxnSpLocks/>
+              <a:stCxn id="48" idx="0"/>
+              <a:endCxn id="45" idx="1"/>
+            </p:cNvCxnSpPr>
+            <p:nvPr/>
+          </p:nvCxnSpPr>
+          <p:spPr>
+            <a:xfrm flipH="1" flipV="1">
+              <a:off x="4645047" y="2189533"/>
+              <a:ext cx="599791" cy="1020735"/>
+            </a:xfrm>
+            <a:prstGeom prst="line">
+              <a:avLst/>
+            </a:prstGeom>
+            <a:ln w="25400">
+              <a:solidFill>
+                <a:schemeClr val="tx1"/>
+              </a:solidFill>
+            </a:ln>
+          </p:spPr>
+          <p:style>
+            <a:lnRef idx="1">
+              <a:schemeClr val="accent1"/>
+            </a:lnRef>
+            <a:fillRef idx="0">
+              <a:schemeClr val="accent1"/>
+            </a:fillRef>
+            <a:effectRef idx="0">
+              <a:schemeClr val="accent1"/>
+            </a:effectRef>
+            <a:fontRef idx="minor">
+              <a:schemeClr val="tx1"/>
+            </a:fontRef>
+          </p:style>
+        </p:cxnSp>
+        <p:cxnSp>
+          <p:nvCxnSpPr>
+            <p:cNvPr id="64" name="Straight Connector 63">
+              <a:extLst>
+                <a:ext uri="{FF2B5EF4-FFF2-40B4-BE49-F238E27FC236}">
+                  <a16:creationId xmlns:a16="http://schemas.microsoft.com/office/drawing/2014/main" id="{ABEE147E-B2E7-4C16-8B2B-6E1EFDBD6567}"/>
+                </a:ext>
+              </a:extLst>
+            </p:cNvPr>
+            <p:cNvCxnSpPr>
+              <a:cxnSpLocks/>
+              <a:stCxn id="51" idx="0"/>
+              <a:endCxn id="50" idx="5"/>
+            </p:cNvCxnSpPr>
+            <p:nvPr/>
+          </p:nvCxnSpPr>
+          <p:spPr>
+            <a:xfrm flipV="1">
+              <a:off x="6616438" y="2189534"/>
+              <a:ext cx="683195" cy="1020735"/>
+            </a:xfrm>
+            <a:prstGeom prst="line">
+              <a:avLst/>
+            </a:prstGeom>
+            <a:ln w="25400">
+              <a:solidFill>
+                <a:schemeClr val="tx1"/>
+              </a:solidFill>
+              <a:headEnd type="none"/>
+            </a:ln>
+          </p:spPr>
+          <p:style>
+            <a:lnRef idx="1">
+              <a:schemeClr val="accent1"/>
+            </a:lnRef>
+            <a:fillRef idx="0">
+              <a:schemeClr val="accent1"/>
+            </a:fillRef>
+            <a:effectRef idx="0">
+              <a:schemeClr val="accent1"/>
+            </a:effectRef>
+            <a:fontRef idx="minor">
+              <a:schemeClr val="tx1"/>
+            </a:fontRef>
+          </p:style>
+        </p:cxnSp>
+        <p:cxnSp>
+          <p:nvCxnSpPr>
+            <p:cNvPr id="67" name="Straight Connector 66">
+              <a:extLst>
+                <a:ext uri="{FF2B5EF4-FFF2-40B4-BE49-F238E27FC236}">
+                  <a16:creationId xmlns:a16="http://schemas.microsoft.com/office/drawing/2014/main" id="{85BB5E8E-008A-4BC4-B89A-DF90B4A77FA0}"/>
+                </a:ext>
+              </a:extLst>
+            </p:cNvPr>
+            <p:cNvCxnSpPr>
+              <a:cxnSpLocks/>
+              <a:stCxn id="52" idx="0"/>
+              <a:endCxn id="50" idx="1"/>
+            </p:cNvCxnSpPr>
+            <p:nvPr/>
+          </p:nvCxnSpPr>
+          <p:spPr>
+            <a:xfrm flipH="1" flipV="1">
+              <a:off x="7642533" y="2189534"/>
+              <a:ext cx="599791" cy="1020735"/>
+            </a:xfrm>
+            <a:prstGeom prst="line">
+              <a:avLst/>
+            </a:prstGeom>
+            <a:ln w="25400">
+              <a:solidFill>
+                <a:schemeClr val="tx1"/>
+              </a:solidFill>
+              <a:headEnd type="none"/>
+              <a:tailEnd type="none"/>
+            </a:ln>
+          </p:spPr>
+          <p:style>
+            <a:lnRef idx="1">
+              <a:schemeClr val="accent1"/>
+            </a:lnRef>
+            <a:fillRef idx="0">
+              <a:schemeClr val="accent1"/>
+            </a:fillRef>
+            <a:effectRef idx="0">
+              <a:schemeClr val="accent1"/>
+            </a:effectRef>
+            <a:fontRef idx="minor">
+              <a:schemeClr val="tx1"/>
+            </a:fontRef>
+          </p:style>
+        </p:cxnSp>
         <mc:AlternateContent xmlns:mc="http://schemas.openxmlformats.org/markup-compatibility/2006">
           <mc:Choice xmlns:a14="http://schemas.microsoft.com/office/drawing/2010/main" Requires="a14">
             <p:sp>
@@ -19123,6 +20621,7 @@
                 </a:bodyPr>
                 <a:lstStyle/>
                 <a:p>
+                  <a:pPr/>
                   <a14:m>
                     <m:oMathPara xmlns:m="http://schemas.openxmlformats.org/officeDocument/2006/math">
                       <m:oMathParaPr>
@@ -19139,13 +20638,50 @@
                           <a:rPr lang="en-US" b="0" i="1" smtClean="0">
                             <a:latin typeface="Cambria Math" panose="02040503050406030204" pitchFamily="18" charset="0"/>
                           </a:rPr>
+                          <m:t>(</m:t>
+                        </m:r>
+                        <m:sSub>
+                          <m:sSubPr>
+                            <m:ctrlPr>
+                              <a:rPr lang="en-US" b="0" i="1" smtClean="0">
+                                <a:latin typeface="Cambria Math" panose="02040503050406030204" pitchFamily="18" charset="0"/>
+                              </a:rPr>
+                            </m:ctrlPr>
+                          </m:sSubPr>
+                          <m:e>
+                            <m:r>
+                              <a:rPr lang="en-US" b="0" i="1" smtClean="0">
+                                <a:latin typeface="Cambria Math" panose="02040503050406030204" pitchFamily="18" charset="0"/>
+                              </a:rPr>
+                              <m:t>𝑠</m:t>
+                            </m:r>
+                          </m:e>
+                          <m:sub>
+                            <m:r>
+                              <a:rPr lang="en-US" b="0" i="1" smtClean="0">
+                                <a:latin typeface="Cambria Math" panose="02040503050406030204" pitchFamily="18" charset="0"/>
+                              </a:rPr>
+                              <m:t>1</m:t>
+                            </m:r>
+                          </m:sub>
+                        </m:sSub>
+                        <m:r>
+                          <a:rPr lang="en-US" b="0" i="1" smtClean="0">
+                            <a:latin typeface="Cambria Math" panose="02040503050406030204" pitchFamily="18" charset="0"/>
+                          </a:rPr>
+                          <m:t>)</m:t>
+                        </m:r>
+                        <m:r>
+                          <a:rPr lang="en-US" b="0" i="1" smtClean="0">
+                            <a:latin typeface="Cambria Math" panose="02040503050406030204" pitchFamily="18" charset="0"/>
+                          </a:rPr>
                           <m:t>=</m:t>
                         </m:r>
                         <m:r>
                           <a:rPr lang="en-US" b="0" i="1" smtClean="0">
                             <a:latin typeface="Cambria Math" panose="02040503050406030204" pitchFamily="18" charset="0"/>
                           </a:rPr>
-                          <m:t>5</m:t>
+                          <m:t>3</m:t>
                         </m:r>
                       </m:oMath>
                     </m:oMathPara>
@@ -19179,7 +20715,1857 @@
                   <a:avLst/>
                 </a:prstGeom>
                 <a:blipFill>
+                  <a:blip r:embed="rId2"/>
+                  <a:stretch>
+                    <a:fillRect b="-14754"/>
+                  </a:stretch>
+                </a:blipFill>
+              </p:spPr>
+              <p:txBody>
+                <a:bodyPr/>
+                <a:lstStyle/>
+                <a:p>
+                  <a:r>
+                    <a:rPr lang="he-IL">
+                      <a:noFill/>
+                    </a:rPr>
+                    <a:t> </a:t>
+                  </a:r>
+                </a:p>
+              </p:txBody>
+            </p:sp>
+          </mc:Fallback>
+        </mc:AlternateContent>
+        <mc:AlternateContent xmlns:mc="http://schemas.openxmlformats.org/markup-compatibility/2006">
+          <mc:Choice xmlns:a14="http://schemas.microsoft.com/office/drawing/2010/main" Requires="a14">
+            <p:sp>
+              <p:nvSpPr>
+                <p:cNvPr id="75" name="TextBox 74">
+                  <a:extLst>
+                    <a:ext uri="{FF2B5EF4-FFF2-40B4-BE49-F238E27FC236}">
+                      <a16:creationId xmlns:a16="http://schemas.microsoft.com/office/drawing/2014/main" id="{A607AD59-BD38-49E9-BB32-47745D6BD69A}"/>
+                    </a:ext>
+                  </a:extLst>
+                </p:cNvPr>
+                <p:cNvSpPr txBox="1"/>
+                <p:nvPr/>
+              </p:nvSpPr>
+              <p:spPr>
+                <a:xfrm>
+                  <a:off x="4556023" y="3974812"/>
+                  <a:ext cx="1371600" cy="369332"/>
+                </a:xfrm>
+                <a:prstGeom prst="rect">
+                  <a:avLst/>
+                </a:prstGeom>
+                <a:noFill/>
+              </p:spPr>
+              <p:txBody>
+                <a:bodyPr wrap="square" rtlCol="1">
+                  <a:spAutoFit/>
+                </a:bodyPr>
+                <a:lstStyle/>
+                <a:p>
+                  <a:pPr/>
+                  <a14:m>
+                    <m:oMathPara xmlns:m="http://schemas.openxmlformats.org/officeDocument/2006/math">
+                      <m:oMathParaPr>
+                        <m:jc m:val="centerGroup"/>
+                      </m:oMathParaPr>
+                      <m:oMath xmlns:m="http://schemas.openxmlformats.org/officeDocument/2006/math">
+                        <m:r>
+                          <a:rPr lang="en-US" b="0" i="1" smtClean="0">
+                            <a:latin typeface="Cambria Math" panose="02040503050406030204" pitchFamily="18" charset="0"/>
+                          </a:rPr>
+                          <m:t>𝑢</m:t>
+                        </m:r>
+                        <m:r>
+                          <a:rPr lang="en-US" b="0" i="1" smtClean="0">
+                            <a:latin typeface="Cambria Math" panose="02040503050406030204" pitchFamily="18" charset="0"/>
+                          </a:rPr>
+                          <m:t>(</m:t>
+                        </m:r>
+                        <m:sSub>
+                          <m:sSubPr>
+                            <m:ctrlPr>
+                              <a:rPr lang="en-US" b="0" i="1" smtClean="0">
+                                <a:latin typeface="Cambria Math" panose="02040503050406030204" pitchFamily="18" charset="0"/>
+                              </a:rPr>
+                            </m:ctrlPr>
+                          </m:sSubPr>
+                          <m:e>
+                            <m:r>
+                              <a:rPr lang="en-US" b="0" i="1" smtClean="0">
+                                <a:latin typeface="Cambria Math" panose="02040503050406030204" pitchFamily="18" charset="0"/>
+                              </a:rPr>
+                              <m:t>𝑠</m:t>
+                            </m:r>
+                          </m:e>
+                          <m:sub>
+                            <m:r>
+                              <a:rPr lang="en-US" b="0" i="1" smtClean="0">
+                                <a:latin typeface="Cambria Math" panose="02040503050406030204" pitchFamily="18" charset="0"/>
+                              </a:rPr>
+                              <m:t>2</m:t>
+                            </m:r>
+                          </m:sub>
+                        </m:sSub>
+                        <m:r>
+                          <a:rPr lang="en-US" b="0" i="1" smtClean="0">
+                            <a:latin typeface="Cambria Math" panose="02040503050406030204" pitchFamily="18" charset="0"/>
+                          </a:rPr>
+                          <m:t>)</m:t>
+                        </m:r>
+                        <m:r>
+                          <a:rPr lang="en-US" b="0" i="1" smtClean="0">
+                            <a:latin typeface="Cambria Math" panose="02040503050406030204" pitchFamily="18" charset="0"/>
+                          </a:rPr>
+                          <m:t>=</m:t>
+                        </m:r>
+                        <m:r>
+                          <a:rPr lang="en-US" b="0" i="1" smtClean="0">
+                            <a:latin typeface="Cambria Math" panose="02040503050406030204" pitchFamily="18" charset="0"/>
+                          </a:rPr>
+                          <m:t>2</m:t>
+                        </m:r>
+                      </m:oMath>
+                    </m:oMathPara>
+                  </a14:m>
+                  <a:endParaRPr lang="he-IL" dirty="0"/>
+                </a:p>
+              </p:txBody>
+            </p:sp>
+          </mc:Choice>
+          <mc:Fallback>
+            <p:sp>
+              <p:nvSpPr>
+                <p:cNvPr id="75" name="TextBox 74">
+                  <a:extLst>
+                    <a:ext uri="{FF2B5EF4-FFF2-40B4-BE49-F238E27FC236}">
+                      <a16:creationId xmlns:a16="http://schemas.microsoft.com/office/drawing/2014/main" id="{A607AD59-BD38-49E9-BB32-47745D6BD69A}"/>
+                    </a:ext>
+                  </a:extLst>
+                </p:cNvPr>
+                <p:cNvSpPr txBox="1">
+                  <a:spLocks noRot="1" noChangeAspect="1" noMove="1" noResize="1" noEditPoints="1" noAdjustHandles="1" noChangeArrowheads="1" noChangeShapeType="1" noTextEdit="1"/>
+                </p:cNvSpPr>
+                <p:nvPr/>
+              </p:nvSpPr>
+              <p:spPr>
+                <a:xfrm>
+                  <a:off x="4556023" y="3974812"/>
+                  <a:ext cx="1371600" cy="369332"/>
+                </a:xfrm>
+                <a:prstGeom prst="rect">
+                  <a:avLst/>
+                </a:prstGeom>
+                <a:blipFill>
+                  <a:blip r:embed="rId3"/>
+                  <a:stretch>
+                    <a:fillRect b="-14754"/>
+                  </a:stretch>
+                </a:blipFill>
+              </p:spPr>
+              <p:txBody>
+                <a:bodyPr/>
+                <a:lstStyle/>
+                <a:p>
+                  <a:r>
+                    <a:rPr lang="he-IL">
+                      <a:noFill/>
+                    </a:rPr>
+                    <a:t> </a:t>
+                  </a:r>
+                </a:p>
+              </p:txBody>
+            </p:sp>
+          </mc:Fallback>
+        </mc:AlternateContent>
+        <mc:AlternateContent xmlns:mc="http://schemas.openxmlformats.org/markup-compatibility/2006">
+          <mc:Choice xmlns:a14="http://schemas.microsoft.com/office/drawing/2010/main" Requires="a14">
+            <p:sp>
+              <p:nvSpPr>
+                <p:cNvPr id="76" name="TextBox 75">
+                  <a:extLst>
+                    <a:ext uri="{FF2B5EF4-FFF2-40B4-BE49-F238E27FC236}">
+                      <a16:creationId xmlns:a16="http://schemas.microsoft.com/office/drawing/2014/main" id="{1085024F-EA78-4321-91BB-60E0AF025C3E}"/>
+                    </a:ext>
+                  </a:extLst>
+                </p:cNvPr>
+                <p:cNvSpPr txBox="1"/>
+                <p:nvPr/>
+              </p:nvSpPr>
+              <p:spPr>
+                <a:xfrm>
+                  <a:off x="5927623" y="3974812"/>
+                  <a:ext cx="1371600" cy="369332"/>
+                </a:xfrm>
+                <a:prstGeom prst="rect">
+                  <a:avLst/>
+                </a:prstGeom>
+                <a:noFill/>
+              </p:spPr>
+              <p:txBody>
+                <a:bodyPr wrap="square" rtlCol="1">
+                  <a:spAutoFit/>
+                </a:bodyPr>
+                <a:lstStyle/>
+                <a:p>
+                  <a:pPr/>
+                  <a14:m>
+                    <m:oMathPara xmlns:m="http://schemas.openxmlformats.org/officeDocument/2006/math">
+                      <m:oMathParaPr>
+                        <m:jc m:val="centerGroup"/>
+                      </m:oMathParaPr>
+                      <m:oMath xmlns:m="http://schemas.openxmlformats.org/officeDocument/2006/math">
+                        <m:r>
+                          <a:rPr lang="en-US" b="0" i="1" smtClean="0">
+                            <a:latin typeface="Cambria Math" panose="02040503050406030204" pitchFamily="18" charset="0"/>
+                          </a:rPr>
+                          <m:t>𝑢</m:t>
+                        </m:r>
+                        <m:r>
+                          <a:rPr lang="en-US" b="0" i="1" smtClean="0">
+                            <a:latin typeface="Cambria Math" panose="02040503050406030204" pitchFamily="18" charset="0"/>
+                          </a:rPr>
+                          <m:t>(</m:t>
+                        </m:r>
+                        <m:sSub>
+                          <m:sSubPr>
+                            <m:ctrlPr>
+                              <a:rPr lang="en-US" b="0" i="1" smtClean="0">
+                                <a:latin typeface="Cambria Math" panose="02040503050406030204" pitchFamily="18" charset="0"/>
+                              </a:rPr>
+                            </m:ctrlPr>
+                          </m:sSubPr>
+                          <m:e>
+                            <m:r>
+                              <a:rPr lang="en-US" b="0" i="1" smtClean="0">
+                                <a:latin typeface="Cambria Math" panose="02040503050406030204" pitchFamily="18" charset="0"/>
+                              </a:rPr>
+                              <m:t>𝑠</m:t>
+                            </m:r>
+                          </m:e>
+                          <m:sub>
+                            <m:r>
+                              <a:rPr lang="en-US" b="0" i="1" smtClean="0">
+                                <a:latin typeface="Cambria Math" panose="02040503050406030204" pitchFamily="18" charset="0"/>
+                              </a:rPr>
+                              <m:t>3</m:t>
+                            </m:r>
+                          </m:sub>
+                        </m:sSub>
+                        <m:r>
+                          <a:rPr lang="en-US" b="0" i="1" smtClean="0">
+                            <a:latin typeface="Cambria Math" panose="02040503050406030204" pitchFamily="18" charset="0"/>
+                          </a:rPr>
+                          <m:t>)</m:t>
+                        </m:r>
+                        <m:r>
+                          <a:rPr lang="en-US" b="0" i="1" smtClean="0">
+                            <a:latin typeface="Cambria Math" panose="02040503050406030204" pitchFamily="18" charset="0"/>
+                          </a:rPr>
+                          <m:t>=</m:t>
+                        </m:r>
+                        <m:r>
+                          <a:rPr lang="en-US" b="0" i="1" smtClean="0">
+                            <a:latin typeface="Cambria Math" panose="02040503050406030204" pitchFamily="18" charset="0"/>
+                          </a:rPr>
+                          <m:t>1</m:t>
+                        </m:r>
+                      </m:oMath>
+                    </m:oMathPara>
+                  </a14:m>
+                  <a:endParaRPr lang="he-IL" dirty="0"/>
+                </a:p>
+              </p:txBody>
+            </p:sp>
+          </mc:Choice>
+          <mc:Fallback>
+            <p:sp>
+              <p:nvSpPr>
+                <p:cNvPr id="76" name="TextBox 75">
+                  <a:extLst>
+                    <a:ext uri="{FF2B5EF4-FFF2-40B4-BE49-F238E27FC236}">
+                      <a16:creationId xmlns:a16="http://schemas.microsoft.com/office/drawing/2014/main" id="{1085024F-EA78-4321-91BB-60E0AF025C3E}"/>
+                    </a:ext>
+                  </a:extLst>
+                </p:cNvPr>
+                <p:cNvSpPr txBox="1">
+                  <a:spLocks noRot="1" noChangeAspect="1" noMove="1" noResize="1" noEditPoints="1" noAdjustHandles="1" noChangeArrowheads="1" noChangeShapeType="1" noTextEdit="1"/>
+                </p:cNvSpPr>
+                <p:nvPr/>
+              </p:nvSpPr>
+              <p:spPr>
+                <a:xfrm>
+                  <a:off x="5927623" y="3974812"/>
+                  <a:ext cx="1371600" cy="369332"/>
+                </a:xfrm>
+                <a:prstGeom prst="rect">
+                  <a:avLst/>
+                </a:prstGeom>
+                <a:blipFill>
                   <a:blip r:embed="rId4"/>
+                  <a:stretch>
+                    <a:fillRect b="-14754"/>
+                  </a:stretch>
+                </a:blipFill>
+              </p:spPr>
+              <p:txBody>
+                <a:bodyPr/>
+                <a:lstStyle/>
+                <a:p>
+                  <a:r>
+                    <a:rPr lang="he-IL">
+                      <a:noFill/>
+                    </a:rPr>
+                    <a:t> </a:t>
+                  </a:r>
+                </a:p>
+              </p:txBody>
+            </p:sp>
+          </mc:Fallback>
+        </mc:AlternateContent>
+        <mc:AlternateContent xmlns:mc="http://schemas.openxmlformats.org/markup-compatibility/2006">
+          <mc:Choice xmlns:a14="http://schemas.microsoft.com/office/drawing/2010/main" Requires="a14">
+            <p:sp>
+              <p:nvSpPr>
+                <p:cNvPr id="77" name="TextBox 76">
+                  <a:extLst>
+                    <a:ext uri="{FF2B5EF4-FFF2-40B4-BE49-F238E27FC236}">
+                      <a16:creationId xmlns:a16="http://schemas.microsoft.com/office/drawing/2014/main" id="{FC4FE4AA-61E3-404A-ABEA-9E6864F2A155}"/>
+                    </a:ext>
+                  </a:extLst>
+                </p:cNvPr>
+                <p:cNvSpPr txBox="1"/>
+                <p:nvPr/>
+              </p:nvSpPr>
+              <p:spPr>
+                <a:xfrm>
+                  <a:off x="7556524" y="3974812"/>
+                  <a:ext cx="1371600" cy="369332"/>
+                </a:xfrm>
+                <a:prstGeom prst="rect">
+                  <a:avLst/>
+                </a:prstGeom>
+                <a:noFill/>
+              </p:spPr>
+              <p:txBody>
+                <a:bodyPr wrap="square" rtlCol="1">
+                  <a:spAutoFit/>
+                </a:bodyPr>
+                <a:lstStyle/>
+                <a:p>
+                  <a:pPr/>
+                  <a14:m>
+                    <m:oMathPara xmlns:m="http://schemas.openxmlformats.org/officeDocument/2006/math">
+                      <m:oMathParaPr>
+                        <m:jc m:val="centerGroup"/>
+                      </m:oMathParaPr>
+                      <m:oMath xmlns:m="http://schemas.openxmlformats.org/officeDocument/2006/math">
+                        <m:r>
+                          <a:rPr lang="en-US" b="0" i="1" smtClean="0">
+                            <a:latin typeface="Cambria Math" panose="02040503050406030204" pitchFamily="18" charset="0"/>
+                          </a:rPr>
+                          <m:t>𝑢</m:t>
+                        </m:r>
+                        <m:r>
+                          <a:rPr lang="en-US" b="0" i="1" smtClean="0">
+                            <a:latin typeface="Cambria Math" panose="02040503050406030204" pitchFamily="18" charset="0"/>
+                          </a:rPr>
+                          <m:t>(</m:t>
+                        </m:r>
+                        <m:sSub>
+                          <m:sSubPr>
+                            <m:ctrlPr>
+                              <a:rPr lang="en-US" b="0" i="1" smtClean="0">
+                                <a:latin typeface="Cambria Math" panose="02040503050406030204" pitchFamily="18" charset="0"/>
+                              </a:rPr>
+                            </m:ctrlPr>
+                          </m:sSubPr>
+                          <m:e>
+                            <m:r>
+                              <a:rPr lang="en-US" b="0" i="1" smtClean="0">
+                                <a:latin typeface="Cambria Math" panose="02040503050406030204" pitchFamily="18" charset="0"/>
+                              </a:rPr>
+                              <m:t>𝑠</m:t>
+                            </m:r>
+                          </m:e>
+                          <m:sub>
+                            <m:r>
+                              <a:rPr lang="en-US" b="0" i="1" smtClean="0">
+                                <a:latin typeface="Cambria Math" panose="02040503050406030204" pitchFamily="18" charset="0"/>
+                              </a:rPr>
+                              <m:t>4</m:t>
+                            </m:r>
+                          </m:sub>
+                        </m:sSub>
+                        <m:r>
+                          <a:rPr lang="en-US" b="0" i="1" smtClean="0">
+                            <a:latin typeface="Cambria Math" panose="02040503050406030204" pitchFamily="18" charset="0"/>
+                          </a:rPr>
+                          <m:t>)</m:t>
+                        </m:r>
+                        <m:r>
+                          <a:rPr lang="en-US" b="0" i="1" smtClean="0">
+                            <a:latin typeface="Cambria Math" panose="02040503050406030204" pitchFamily="18" charset="0"/>
+                          </a:rPr>
+                          <m:t>=</m:t>
+                        </m:r>
+                        <m:r>
+                          <a:rPr lang="en-US" b="0" i="1" smtClean="0">
+                            <a:latin typeface="Cambria Math" panose="02040503050406030204" pitchFamily="18" charset="0"/>
+                          </a:rPr>
+                          <m:t>4</m:t>
+                        </m:r>
+                      </m:oMath>
+                    </m:oMathPara>
+                  </a14:m>
+                  <a:endParaRPr lang="he-IL" dirty="0"/>
+                </a:p>
+              </p:txBody>
+            </p:sp>
+          </mc:Choice>
+          <mc:Fallback>
+            <p:sp>
+              <p:nvSpPr>
+                <p:cNvPr id="77" name="TextBox 76">
+                  <a:extLst>
+                    <a:ext uri="{FF2B5EF4-FFF2-40B4-BE49-F238E27FC236}">
+                      <a16:creationId xmlns:a16="http://schemas.microsoft.com/office/drawing/2014/main" id="{FC4FE4AA-61E3-404A-ABEA-9E6864F2A155}"/>
+                    </a:ext>
+                  </a:extLst>
+                </p:cNvPr>
+                <p:cNvSpPr txBox="1">
+                  <a:spLocks noRot="1" noChangeAspect="1" noMove="1" noResize="1" noEditPoints="1" noAdjustHandles="1" noChangeArrowheads="1" noChangeShapeType="1" noTextEdit="1"/>
+                </p:cNvSpPr>
+                <p:nvPr/>
+              </p:nvSpPr>
+              <p:spPr>
+                <a:xfrm>
+                  <a:off x="7556524" y="3974812"/>
+                  <a:ext cx="1371600" cy="369332"/>
+                </a:xfrm>
+                <a:prstGeom prst="rect">
+                  <a:avLst/>
+                </a:prstGeom>
+                <a:blipFill>
+                  <a:blip r:embed="rId5"/>
+                  <a:stretch>
+                    <a:fillRect b="-14754"/>
+                  </a:stretch>
+                </a:blipFill>
+              </p:spPr>
+              <p:txBody>
+                <a:bodyPr/>
+                <a:lstStyle/>
+                <a:p>
+                  <a:r>
+                    <a:rPr lang="he-IL">
+                      <a:noFill/>
+                    </a:rPr>
+                    <a:t> </a:t>
+                  </a:r>
+                </a:p>
+              </p:txBody>
+            </p:sp>
+          </mc:Fallback>
+        </mc:AlternateContent>
+        <p:sp>
+          <p:nvSpPr>
+            <p:cNvPr id="19" name="TextBox 18">
+              <a:extLst>
+                <a:ext uri="{FF2B5EF4-FFF2-40B4-BE49-F238E27FC236}">
+                  <a16:creationId xmlns:a16="http://schemas.microsoft.com/office/drawing/2014/main" id="{F5D4EAF9-6850-439D-A061-9416AB5D49B7}"/>
+                </a:ext>
+              </a:extLst>
+            </p:cNvPr>
+            <p:cNvSpPr txBox="1"/>
+            <p:nvPr/>
+          </p:nvSpPr>
+          <p:spPr>
+            <a:xfrm>
+              <a:off x="9569483" y="2598945"/>
+              <a:ext cx="1114141" cy="369332"/>
+            </a:xfrm>
+            <a:prstGeom prst="rect">
+              <a:avLst/>
+            </a:prstGeom>
+            <a:noFill/>
+          </p:spPr>
+          <p:txBody>
+            <a:bodyPr wrap="square" rtlCol="1">
+              <a:spAutoFit/>
+            </a:bodyPr>
+            <a:lstStyle/>
+            <a:p>
+              <a:r>
+                <a:rPr lang="en-US" dirty="0">
+                  <a:latin typeface="David" panose="020E0502060401010101" pitchFamily="34" charset="-79"/>
+                  <a:cs typeface="David" panose="020E0502060401010101" pitchFamily="34" charset="-79"/>
+                </a:rPr>
+                <a:t>LEAF</a:t>
+              </a:r>
+              <a:endParaRPr lang="he-IL" dirty="0">
+                <a:latin typeface="David" panose="020E0502060401010101" pitchFamily="34" charset="-79"/>
+                <a:cs typeface="David" panose="020E0502060401010101" pitchFamily="34" charset="-79"/>
+              </a:endParaRPr>
+            </a:p>
+          </p:txBody>
+        </p:sp>
+        <p:sp>
+          <p:nvSpPr>
+            <p:cNvPr id="79" name="TextBox 78">
+              <a:extLst>
+                <a:ext uri="{FF2B5EF4-FFF2-40B4-BE49-F238E27FC236}">
+                  <a16:creationId xmlns:a16="http://schemas.microsoft.com/office/drawing/2014/main" id="{6E0BEF9F-9D59-4EB7-8CA3-CD5F7CB75F72}"/>
+                </a:ext>
+              </a:extLst>
+            </p:cNvPr>
+            <p:cNvSpPr txBox="1"/>
+            <p:nvPr/>
+          </p:nvSpPr>
+          <p:spPr>
+            <a:xfrm>
+              <a:off x="9569483" y="1730547"/>
+              <a:ext cx="1114141" cy="369332"/>
+            </a:xfrm>
+            <a:prstGeom prst="rect">
+              <a:avLst/>
+            </a:prstGeom>
+            <a:noFill/>
+          </p:spPr>
+          <p:txBody>
+            <a:bodyPr wrap="square" rtlCol="1">
+              <a:spAutoFit/>
+            </a:bodyPr>
+            <a:lstStyle/>
+            <a:p>
+              <a:r>
+                <a:rPr lang="en-US" dirty="0">
+                  <a:latin typeface="David" panose="020E0502060401010101" pitchFamily="34" charset="-79"/>
+                  <a:cs typeface="David" panose="020E0502060401010101" pitchFamily="34" charset="-79"/>
+                </a:rPr>
+                <a:t>MIN</a:t>
+              </a:r>
+              <a:endParaRPr lang="he-IL" dirty="0">
+                <a:latin typeface="David" panose="020E0502060401010101" pitchFamily="34" charset="-79"/>
+                <a:cs typeface="David" panose="020E0502060401010101" pitchFamily="34" charset="-79"/>
+              </a:endParaRPr>
+            </a:p>
+          </p:txBody>
+        </p:sp>
+        <p:sp>
+          <p:nvSpPr>
+            <p:cNvPr id="83" name="Isosceles Triangle 82">
+              <a:extLst>
+                <a:ext uri="{FF2B5EF4-FFF2-40B4-BE49-F238E27FC236}">
+                  <a16:creationId xmlns:a16="http://schemas.microsoft.com/office/drawing/2014/main" id="{4FAC92D0-6C15-4479-B0F0-5E4B4CEADFA3}"/>
+                </a:ext>
+              </a:extLst>
+            </p:cNvPr>
+            <p:cNvSpPr/>
+            <p:nvPr/>
+          </p:nvSpPr>
+          <p:spPr>
+            <a:xfrm>
+              <a:off x="8680690" y="915528"/>
+              <a:ext cx="685800" cy="548640"/>
+            </a:xfrm>
+            <a:prstGeom prst="triangle">
+              <a:avLst/>
+            </a:prstGeom>
+            <a:solidFill>
+              <a:srgbClr val="0070C0"/>
+            </a:solidFill>
+            <a:ln w="25400">
+              <a:solidFill>
+                <a:schemeClr val="tx1"/>
+              </a:solidFill>
+            </a:ln>
+          </p:spPr>
+          <p:style>
+            <a:lnRef idx="2">
+              <a:schemeClr val="accent1">
+                <a:shade val="50000"/>
+              </a:schemeClr>
+            </a:lnRef>
+            <a:fillRef idx="1">
+              <a:schemeClr val="accent1"/>
+            </a:fillRef>
+            <a:effectRef idx="0">
+              <a:schemeClr val="accent1"/>
+            </a:effectRef>
+            <a:fontRef idx="minor">
+              <a:schemeClr val="lt1"/>
+            </a:fontRef>
+          </p:style>
+          <p:txBody>
+            <a:bodyPr rtlCol="1" anchor="ctr"/>
+            <a:lstStyle/>
+            <a:p>
+              <a:pPr algn="ctr"/>
+              <a:endParaRPr lang="he-IL"/>
+            </a:p>
+          </p:txBody>
+        </p:sp>
+        <p:sp>
+          <p:nvSpPr>
+            <p:cNvPr id="85" name="Isosceles Triangle 84">
+              <a:extLst>
+                <a:ext uri="{FF2B5EF4-FFF2-40B4-BE49-F238E27FC236}">
+                  <a16:creationId xmlns:a16="http://schemas.microsoft.com/office/drawing/2014/main" id="{793C3994-8A68-4663-960C-3CF9EE5F7F2A}"/>
+                </a:ext>
+              </a:extLst>
+            </p:cNvPr>
+            <p:cNvSpPr/>
+            <p:nvPr/>
+          </p:nvSpPr>
+          <p:spPr>
+            <a:xfrm rot="10800000">
+              <a:off x="8680690" y="1732392"/>
+              <a:ext cx="685800" cy="548640"/>
+            </a:xfrm>
+            <a:prstGeom prst="triangle">
+              <a:avLst/>
+            </a:prstGeom>
+            <a:solidFill>
+              <a:srgbClr val="FF0000"/>
+            </a:solidFill>
+            <a:ln w="25400">
+              <a:solidFill>
+                <a:schemeClr val="tx1"/>
+              </a:solidFill>
+            </a:ln>
+          </p:spPr>
+          <p:style>
+            <a:lnRef idx="2">
+              <a:schemeClr val="accent1">
+                <a:shade val="50000"/>
+              </a:schemeClr>
+            </a:lnRef>
+            <a:fillRef idx="1">
+              <a:schemeClr val="accent1"/>
+            </a:fillRef>
+            <a:effectRef idx="0">
+              <a:schemeClr val="accent1"/>
+            </a:effectRef>
+            <a:fontRef idx="minor">
+              <a:schemeClr val="lt1"/>
+            </a:fontRef>
+          </p:style>
+          <p:txBody>
+            <a:bodyPr rtlCol="1" anchor="ctr"/>
+            <a:lstStyle/>
+            <a:p>
+              <a:pPr algn="ctr"/>
+              <a:endParaRPr lang="he-IL"/>
+            </a:p>
+          </p:txBody>
+        </p:sp>
+        <p:sp>
+          <p:nvSpPr>
+            <p:cNvPr id="86" name="Rectangle 85">
+              <a:extLst>
+                <a:ext uri="{FF2B5EF4-FFF2-40B4-BE49-F238E27FC236}">
+                  <a16:creationId xmlns:a16="http://schemas.microsoft.com/office/drawing/2014/main" id="{A02E479A-0575-4438-A0FC-797389076E2B}"/>
+                </a:ext>
+              </a:extLst>
+            </p:cNvPr>
+            <p:cNvSpPr/>
+            <p:nvPr/>
+          </p:nvSpPr>
+          <p:spPr>
+            <a:xfrm>
+              <a:off x="8680690" y="2510702"/>
+              <a:ext cx="685800" cy="685800"/>
+            </a:xfrm>
+            <a:prstGeom prst="rect">
+              <a:avLst/>
+            </a:prstGeom>
+            <a:ln w="25400">
+              <a:solidFill>
+                <a:schemeClr val="tx1"/>
+              </a:solidFill>
+            </a:ln>
+          </p:spPr>
+          <p:style>
+            <a:lnRef idx="2">
+              <a:schemeClr val="accent1">
+                <a:shade val="50000"/>
+              </a:schemeClr>
+            </a:lnRef>
+            <a:fillRef idx="1">
+              <a:schemeClr val="accent1"/>
+            </a:fillRef>
+            <a:effectRef idx="0">
+              <a:schemeClr val="accent1"/>
+            </a:effectRef>
+            <a:fontRef idx="minor">
+              <a:schemeClr val="lt1"/>
+            </a:fontRef>
+          </p:style>
+          <p:txBody>
+            <a:bodyPr rtlCol="1" anchor="ctr"/>
+            <a:lstStyle/>
+            <a:p>
+              <a:pPr algn="ctr"/>
+              <a:endParaRPr lang="he-IL"/>
+            </a:p>
+          </p:txBody>
+        </p:sp>
+        <p:sp>
+          <p:nvSpPr>
+            <p:cNvPr id="87" name="TextBox 86">
+              <a:extLst>
+                <a:ext uri="{FF2B5EF4-FFF2-40B4-BE49-F238E27FC236}">
+                  <a16:creationId xmlns:a16="http://schemas.microsoft.com/office/drawing/2014/main" id="{BC4A4F4A-1FFE-4D8B-AEB9-DC2FA23CAF10}"/>
+                </a:ext>
+              </a:extLst>
+            </p:cNvPr>
+            <p:cNvSpPr txBox="1"/>
+            <p:nvPr/>
+          </p:nvSpPr>
+          <p:spPr>
+            <a:xfrm>
+              <a:off x="9569483" y="1005182"/>
+              <a:ext cx="1114141" cy="369332"/>
+            </a:xfrm>
+            <a:prstGeom prst="rect">
+              <a:avLst/>
+            </a:prstGeom>
+            <a:noFill/>
+          </p:spPr>
+          <p:txBody>
+            <a:bodyPr wrap="square" rtlCol="1">
+              <a:spAutoFit/>
+            </a:bodyPr>
+            <a:lstStyle/>
+            <a:p>
+              <a:r>
+                <a:rPr lang="en-US" dirty="0">
+                  <a:latin typeface="David" panose="020E0502060401010101" pitchFamily="34" charset="-79"/>
+                  <a:cs typeface="David" panose="020E0502060401010101" pitchFamily="34" charset="-79"/>
+                </a:rPr>
+                <a:t>MAX</a:t>
+              </a:r>
+              <a:endParaRPr lang="he-IL" dirty="0">
+                <a:latin typeface="David" panose="020E0502060401010101" pitchFamily="34" charset="-79"/>
+                <a:cs typeface="David" panose="020E0502060401010101" pitchFamily="34" charset="-79"/>
+              </a:endParaRPr>
+            </a:p>
+          </p:txBody>
+        </p:sp>
+        <mc:AlternateContent xmlns:mc="http://schemas.openxmlformats.org/markup-compatibility/2006">
+          <mc:Choice xmlns:a14="http://schemas.microsoft.com/office/drawing/2010/main" Requires="a14">
+            <p:sp>
+              <p:nvSpPr>
+                <p:cNvPr id="30" name="TextBox 29">
+                  <a:extLst>
+                    <a:ext uri="{FF2B5EF4-FFF2-40B4-BE49-F238E27FC236}">
+                      <a16:creationId xmlns:a16="http://schemas.microsoft.com/office/drawing/2014/main" id="{23AA8570-0E92-4CDA-B2E7-4CB7BFA39B77}"/>
+                    </a:ext>
+                  </a:extLst>
+                </p:cNvPr>
+                <p:cNvSpPr txBox="1"/>
+                <p:nvPr/>
+              </p:nvSpPr>
+              <p:spPr>
+                <a:xfrm>
+                  <a:off x="2930547" y="1911700"/>
+                  <a:ext cx="1371600" cy="369332"/>
+                </a:xfrm>
+                <a:prstGeom prst="rect">
+                  <a:avLst/>
+                </a:prstGeom>
+                <a:noFill/>
+              </p:spPr>
+              <p:txBody>
+                <a:bodyPr wrap="square" rtlCol="1">
+                  <a:spAutoFit/>
+                </a:bodyPr>
+                <a:lstStyle/>
+                <a:p>
+                  <a:pPr/>
+                  <a14:m>
+                    <m:oMathPara xmlns:m="http://schemas.openxmlformats.org/officeDocument/2006/math">
+                      <m:oMathParaPr>
+                        <m:jc m:val="centerGroup"/>
+                      </m:oMathParaPr>
+                      <m:oMath xmlns:m="http://schemas.openxmlformats.org/officeDocument/2006/math">
+                        <m:r>
+                          <a:rPr lang="en-US" b="0" i="1" smtClean="0">
+                            <a:latin typeface="Cambria Math" panose="02040503050406030204" pitchFamily="18" charset="0"/>
+                          </a:rPr>
+                          <m:t>𝑢</m:t>
+                        </m:r>
+                        <m:r>
+                          <a:rPr lang="en-US" b="0" i="1" smtClean="0">
+                            <a:latin typeface="Cambria Math" panose="02040503050406030204" pitchFamily="18" charset="0"/>
+                          </a:rPr>
+                          <m:t>=</m:t>
+                        </m:r>
+                        <m:r>
+                          <a:rPr lang="en-US" b="0" i="1" smtClean="0">
+                            <a:latin typeface="Cambria Math" panose="02040503050406030204" pitchFamily="18" charset="0"/>
+                          </a:rPr>
+                          <m:t>2</m:t>
+                        </m:r>
+                      </m:oMath>
+                    </m:oMathPara>
+                  </a14:m>
+                  <a:endParaRPr lang="he-IL" dirty="0"/>
+                </a:p>
+              </p:txBody>
+            </p:sp>
+          </mc:Choice>
+          <mc:Fallback>
+            <p:sp>
+              <p:nvSpPr>
+                <p:cNvPr id="30" name="TextBox 29">
+                  <a:extLst>
+                    <a:ext uri="{FF2B5EF4-FFF2-40B4-BE49-F238E27FC236}">
+                      <a16:creationId xmlns:a16="http://schemas.microsoft.com/office/drawing/2014/main" id="{23AA8570-0E92-4CDA-B2E7-4CB7BFA39B77}"/>
+                    </a:ext>
+                  </a:extLst>
+                </p:cNvPr>
+                <p:cNvSpPr txBox="1">
+                  <a:spLocks noRot="1" noChangeAspect="1" noMove="1" noResize="1" noEditPoints="1" noAdjustHandles="1" noChangeArrowheads="1" noChangeShapeType="1" noTextEdit="1"/>
+                </p:cNvSpPr>
+                <p:nvPr/>
+              </p:nvSpPr>
+              <p:spPr>
+                <a:xfrm>
+                  <a:off x="2930547" y="1911700"/>
+                  <a:ext cx="1371600" cy="369332"/>
+                </a:xfrm>
+                <a:prstGeom prst="rect">
+                  <a:avLst/>
+                </a:prstGeom>
+                <a:blipFill>
+                  <a:blip r:embed="rId6"/>
+                  <a:stretch>
+                    <a:fillRect/>
+                  </a:stretch>
+                </a:blipFill>
+              </p:spPr>
+              <p:txBody>
+                <a:bodyPr/>
+                <a:lstStyle/>
+                <a:p>
+                  <a:r>
+                    <a:rPr lang="he-IL">
+                      <a:noFill/>
+                    </a:rPr>
+                    <a:t> </a:t>
+                  </a:r>
+                </a:p>
+              </p:txBody>
+            </p:sp>
+          </mc:Fallback>
+        </mc:AlternateContent>
+        <mc:AlternateContent xmlns:mc="http://schemas.openxmlformats.org/markup-compatibility/2006">
+          <mc:Choice xmlns:a14="http://schemas.microsoft.com/office/drawing/2010/main" Requires="a14">
+            <p:sp>
+              <p:nvSpPr>
+                <p:cNvPr id="31" name="TextBox 30">
+                  <a:extLst>
+                    <a:ext uri="{FF2B5EF4-FFF2-40B4-BE49-F238E27FC236}">
+                      <a16:creationId xmlns:a16="http://schemas.microsoft.com/office/drawing/2014/main" id="{6751D289-9FEF-4303-891C-854FF6A60995}"/>
+                    </a:ext>
+                  </a:extLst>
+                </p:cNvPr>
+                <p:cNvSpPr txBox="1"/>
+                <p:nvPr/>
+              </p:nvSpPr>
+              <p:spPr>
+                <a:xfrm>
+                  <a:off x="5907533" y="1945470"/>
+                  <a:ext cx="1371600" cy="369332"/>
+                </a:xfrm>
+                <a:prstGeom prst="rect">
+                  <a:avLst/>
+                </a:prstGeom>
+                <a:noFill/>
+              </p:spPr>
+              <p:txBody>
+                <a:bodyPr wrap="square" rtlCol="1">
+                  <a:spAutoFit/>
+                </a:bodyPr>
+                <a:lstStyle/>
+                <a:p>
+                  <a:pPr/>
+                  <a14:m>
+                    <m:oMathPara xmlns:m="http://schemas.openxmlformats.org/officeDocument/2006/math">
+                      <m:oMathParaPr>
+                        <m:jc m:val="centerGroup"/>
+                      </m:oMathParaPr>
+                      <m:oMath xmlns:m="http://schemas.openxmlformats.org/officeDocument/2006/math">
+                        <m:r>
+                          <a:rPr lang="en-US" b="0" i="1" smtClean="0">
+                            <a:latin typeface="Cambria Math" panose="02040503050406030204" pitchFamily="18" charset="0"/>
+                          </a:rPr>
+                          <m:t>𝑢</m:t>
+                        </m:r>
+                        <m:r>
+                          <a:rPr lang="en-US" b="0" i="1" smtClean="0">
+                            <a:latin typeface="Cambria Math" panose="02040503050406030204" pitchFamily="18" charset="0"/>
+                          </a:rPr>
+                          <m:t>=</m:t>
+                        </m:r>
+                        <m:r>
+                          <a:rPr lang="en-US" b="0" i="1" smtClean="0">
+                            <a:latin typeface="Cambria Math" panose="02040503050406030204" pitchFamily="18" charset="0"/>
+                          </a:rPr>
+                          <m:t>1</m:t>
+                        </m:r>
+                      </m:oMath>
+                    </m:oMathPara>
+                  </a14:m>
+                  <a:endParaRPr lang="he-IL" dirty="0"/>
+                </a:p>
+              </p:txBody>
+            </p:sp>
+          </mc:Choice>
+          <mc:Fallback>
+            <p:sp>
+              <p:nvSpPr>
+                <p:cNvPr id="31" name="TextBox 30">
+                  <a:extLst>
+                    <a:ext uri="{FF2B5EF4-FFF2-40B4-BE49-F238E27FC236}">
+                      <a16:creationId xmlns:a16="http://schemas.microsoft.com/office/drawing/2014/main" id="{6751D289-9FEF-4303-891C-854FF6A60995}"/>
+                    </a:ext>
+                  </a:extLst>
+                </p:cNvPr>
+                <p:cNvSpPr txBox="1">
+                  <a:spLocks noRot="1" noChangeAspect="1" noMove="1" noResize="1" noEditPoints="1" noAdjustHandles="1" noChangeArrowheads="1" noChangeShapeType="1" noTextEdit="1"/>
+                </p:cNvSpPr>
+                <p:nvPr/>
+              </p:nvSpPr>
+              <p:spPr>
+                <a:xfrm>
+                  <a:off x="5907533" y="1945470"/>
+                  <a:ext cx="1371600" cy="369332"/>
+                </a:xfrm>
+                <a:prstGeom prst="rect">
+                  <a:avLst/>
+                </a:prstGeom>
+                <a:blipFill>
+                  <a:blip r:embed="rId7"/>
+                  <a:stretch>
+                    <a:fillRect/>
+                  </a:stretch>
+                </a:blipFill>
+              </p:spPr>
+              <p:txBody>
+                <a:bodyPr/>
+                <a:lstStyle/>
+                <a:p>
+                  <a:r>
+                    <a:rPr lang="he-IL">
+                      <a:noFill/>
+                    </a:rPr>
+                    <a:t> </a:t>
+                  </a:r>
+                </a:p>
+              </p:txBody>
+            </p:sp>
+          </mc:Fallback>
+        </mc:AlternateContent>
+        <mc:AlternateContent xmlns:mc="http://schemas.openxmlformats.org/markup-compatibility/2006">
+          <mc:Choice xmlns:a14="http://schemas.microsoft.com/office/drawing/2010/main" Requires="a14">
+            <p:sp>
+              <p:nvSpPr>
+                <p:cNvPr id="32" name="TextBox 31">
+                  <a:extLst>
+                    <a:ext uri="{FF2B5EF4-FFF2-40B4-BE49-F238E27FC236}">
+                      <a16:creationId xmlns:a16="http://schemas.microsoft.com/office/drawing/2014/main" id="{4AC0FB76-6D95-4D05-987D-60D0669D9F93}"/>
+                    </a:ext>
+                  </a:extLst>
+                </p:cNvPr>
+                <p:cNvSpPr txBox="1"/>
+                <p:nvPr/>
+              </p:nvSpPr>
+              <p:spPr>
+                <a:xfrm>
+                  <a:off x="6059448" y="796292"/>
+                  <a:ext cx="1371600" cy="369332"/>
+                </a:xfrm>
+                <a:prstGeom prst="rect">
+                  <a:avLst/>
+                </a:prstGeom>
+                <a:noFill/>
+              </p:spPr>
+              <p:txBody>
+                <a:bodyPr wrap="square" rtlCol="1">
+                  <a:spAutoFit/>
+                </a:bodyPr>
+                <a:lstStyle/>
+                <a:p>
+                  <a:pPr/>
+                  <a14:m>
+                    <m:oMathPara xmlns:m="http://schemas.openxmlformats.org/officeDocument/2006/math">
+                      <m:oMathParaPr>
+                        <m:jc m:val="centerGroup"/>
+                      </m:oMathParaPr>
+                      <m:oMath xmlns:m="http://schemas.openxmlformats.org/officeDocument/2006/math">
+                        <m:r>
+                          <a:rPr lang="en-US" b="0" i="1" smtClean="0">
+                            <a:latin typeface="Cambria Math" panose="02040503050406030204" pitchFamily="18" charset="0"/>
+                          </a:rPr>
+                          <m:t>𝑢</m:t>
+                        </m:r>
+                        <m:r>
+                          <a:rPr lang="en-US" b="0" i="1" smtClean="0">
+                            <a:latin typeface="Cambria Math" panose="02040503050406030204" pitchFamily="18" charset="0"/>
+                          </a:rPr>
+                          <m:t>=</m:t>
+                        </m:r>
+                        <m:r>
+                          <a:rPr lang="en-US" b="0" i="1" smtClean="0">
+                            <a:latin typeface="Cambria Math" panose="02040503050406030204" pitchFamily="18" charset="0"/>
+                          </a:rPr>
+                          <m:t>2</m:t>
+                        </m:r>
+                      </m:oMath>
+                    </m:oMathPara>
+                  </a14:m>
+                  <a:endParaRPr lang="he-IL" dirty="0"/>
+                </a:p>
+              </p:txBody>
+            </p:sp>
+          </mc:Choice>
+          <mc:Fallback>
+            <p:sp>
+              <p:nvSpPr>
+                <p:cNvPr id="32" name="TextBox 31">
+                  <a:extLst>
+                    <a:ext uri="{FF2B5EF4-FFF2-40B4-BE49-F238E27FC236}">
+                      <a16:creationId xmlns:a16="http://schemas.microsoft.com/office/drawing/2014/main" id="{4AC0FB76-6D95-4D05-987D-60D0669D9F93}"/>
+                    </a:ext>
+                  </a:extLst>
+                </p:cNvPr>
+                <p:cNvSpPr txBox="1">
+                  <a:spLocks noRot="1" noChangeAspect="1" noMove="1" noResize="1" noEditPoints="1" noAdjustHandles="1" noChangeArrowheads="1" noChangeShapeType="1" noTextEdit="1"/>
+                </p:cNvSpPr>
+                <p:nvPr/>
+              </p:nvSpPr>
+              <p:spPr>
+                <a:xfrm>
+                  <a:off x="6059448" y="796292"/>
+                  <a:ext cx="1371600" cy="369332"/>
+                </a:xfrm>
+                <a:prstGeom prst="rect">
+                  <a:avLst/>
+                </a:prstGeom>
+                <a:blipFill>
+                  <a:blip r:embed="rId8"/>
+                  <a:stretch>
+                    <a:fillRect/>
+                  </a:stretch>
+                </a:blipFill>
+              </p:spPr>
+              <p:txBody>
+                <a:bodyPr/>
+                <a:lstStyle/>
+                <a:p>
+                  <a:r>
+                    <a:rPr lang="he-IL">
+                      <a:noFill/>
+                    </a:rPr>
+                    <a:t> </a:t>
+                  </a:r>
+                </a:p>
+              </p:txBody>
+            </p:sp>
+          </mc:Fallback>
+        </mc:AlternateContent>
+      </p:grpSp>
+    </p:spTree>
+    <p:extLst>
+      <p:ext uri="{BB962C8B-B14F-4D97-AF65-F5344CB8AC3E}">
+        <p14:creationId xmlns:p14="http://schemas.microsoft.com/office/powerpoint/2010/main" val="158902362"/>
+      </p:ext>
+    </p:extLst>
+  </p:cSld>
+  <p:clrMapOvr>
+    <a:masterClrMapping/>
+  </p:clrMapOvr>
+</p:sld>
+</file>
+
+<file path=ppt/slides/slide8.xml><?xml version="1.0" encoding="utf-8"?>
+<p:sld xmlns:a="http://schemas.openxmlformats.org/drawingml/2006/main" xmlns:r="http://schemas.openxmlformats.org/officeDocument/2006/relationships" xmlns:p="http://schemas.openxmlformats.org/presentationml/2006/main">
+  <p:cSld>
+    <p:spTree>
+      <p:nvGrpSpPr>
+        <p:cNvPr id="1" name=""/>
+        <p:cNvGrpSpPr/>
+        <p:nvPr/>
+      </p:nvGrpSpPr>
+      <p:grpSpPr>
+        <a:xfrm>
+          <a:off x="0" y="0"/>
+          <a:ext cx="0" cy="0"/>
+          <a:chOff x="0" y="0"/>
+          <a:chExt cx="0" cy="0"/>
+        </a:xfrm>
+      </p:grpSpPr>
+      <p:grpSp>
+        <p:nvGrpSpPr>
+          <p:cNvPr id="4" name="Group 3">
+            <a:extLst>
+              <a:ext uri="{FF2B5EF4-FFF2-40B4-BE49-F238E27FC236}">
+                <a16:creationId xmlns:a16="http://schemas.microsoft.com/office/drawing/2014/main" id="{4E259920-68B2-4FE5-8D99-280957EAD6C8}"/>
+              </a:ext>
+            </a:extLst>
+          </p:cNvPr>
+          <p:cNvGrpSpPr/>
+          <p:nvPr/>
+        </p:nvGrpSpPr>
+        <p:grpSpPr>
+          <a:xfrm>
+            <a:off x="2892859" y="696313"/>
+            <a:ext cx="7790765" cy="3647831"/>
+            <a:chOff x="2892859" y="696313"/>
+            <a:chExt cx="7790765" cy="3647831"/>
+          </a:xfrm>
+        </p:grpSpPr>
+        <p:sp>
+          <p:nvSpPr>
+            <p:cNvPr id="2" name="Isosceles Triangle 1">
+              <a:extLst>
+                <a:ext uri="{FF2B5EF4-FFF2-40B4-BE49-F238E27FC236}">
+                  <a16:creationId xmlns:a16="http://schemas.microsoft.com/office/drawing/2014/main" id="{6A11F797-F563-4CDE-8C3F-0450B16EF178}"/>
+                </a:ext>
+              </a:extLst>
+            </p:cNvPr>
+            <p:cNvSpPr/>
+            <p:nvPr/>
+          </p:nvSpPr>
+          <p:spPr>
+            <a:xfrm>
+              <a:off x="5587738" y="754144"/>
+              <a:ext cx="685800" cy="548640"/>
+            </a:xfrm>
+            <a:prstGeom prst="triangle">
+              <a:avLst/>
+            </a:prstGeom>
+            <a:solidFill>
+              <a:srgbClr val="0070C0"/>
+            </a:solidFill>
+            <a:ln w="25400">
+              <a:solidFill>
+                <a:schemeClr val="tx1"/>
+              </a:solidFill>
+            </a:ln>
+          </p:spPr>
+          <p:style>
+            <a:lnRef idx="2">
+              <a:schemeClr val="accent1">
+                <a:shade val="50000"/>
+              </a:schemeClr>
+            </a:lnRef>
+            <a:fillRef idx="1">
+              <a:schemeClr val="accent1"/>
+            </a:fillRef>
+            <a:effectRef idx="0">
+              <a:schemeClr val="accent1"/>
+            </a:effectRef>
+            <a:fontRef idx="minor">
+              <a:schemeClr val="lt1"/>
+            </a:fontRef>
+          </p:style>
+          <p:txBody>
+            <a:bodyPr rtlCol="1" anchor="ctr"/>
+            <a:lstStyle/>
+            <a:p>
+              <a:pPr algn="ctr"/>
+              <a:endParaRPr lang="he-IL"/>
+            </a:p>
+          </p:txBody>
+        </p:sp>
+        <p:sp>
+          <p:nvSpPr>
+            <p:cNvPr id="45" name="Isosceles Triangle 44">
+              <a:extLst>
+                <a:ext uri="{FF2B5EF4-FFF2-40B4-BE49-F238E27FC236}">
+                  <a16:creationId xmlns:a16="http://schemas.microsoft.com/office/drawing/2014/main" id="{7B38CEDB-81AE-4059-9326-93F8EBF308A6}"/>
+                </a:ext>
+              </a:extLst>
+            </p:cNvPr>
+            <p:cNvSpPr/>
+            <p:nvPr/>
+          </p:nvSpPr>
+          <p:spPr>
+            <a:xfrm rot="10800000">
+              <a:off x="4130697" y="1915213"/>
+              <a:ext cx="685800" cy="548640"/>
+            </a:xfrm>
+            <a:prstGeom prst="triangle">
+              <a:avLst/>
+            </a:prstGeom>
+            <a:solidFill>
+              <a:srgbClr val="FF0000"/>
+            </a:solidFill>
+            <a:ln w="25400">
+              <a:solidFill>
+                <a:schemeClr val="tx1"/>
+              </a:solidFill>
+            </a:ln>
+          </p:spPr>
+          <p:style>
+            <a:lnRef idx="2">
+              <a:schemeClr val="accent1">
+                <a:shade val="50000"/>
+              </a:schemeClr>
+            </a:lnRef>
+            <a:fillRef idx="1">
+              <a:schemeClr val="accent1"/>
+            </a:fillRef>
+            <a:effectRef idx="0">
+              <a:schemeClr val="accent1"/>
+            </a:effectRef>
+            <a:fontRef idx="minor">
+              <a:schemeClr val="lt1"/>
+            </a:fontRef>
+          </p:style>
+          <p:txBody>
+            <a:bodyPr rtlCol="1" anchor="ctr"/>
+            <a:lstStyle/>
+            <a:p>
+              <a:pPr algn="ctr"/>
+              <a:endParaRPr lang="he-IL"/>
+            </a:p>
+          </p:txBody>
+        </p:sp>
+        <p:sp>
+          <p:nvSpPr>
+            <p:cNvPr id="3" name="Rectangle 2">
+              <a:extLst>
+                <a:ext uri="{FF2B5EF4-FFF2-40B4-BE49-F238E27FC236}">
+                  <a16:creationId xmlns:a16="http://schemas.microsoft.com/office/drawing/2014/main" id="{38E38ED5-1B4D-417C-AA79-86E162D86376}"/>
+                </a:ext>
+              </a:extLst>
+            </p:cNvPr>
+            <p:cNvSpPr/>
+            <p:nvPr/>
+          </p:nvSpPr>
+          <p:spPr>
+            <a:xfrm>
+              <a:off x="3276052" y="3210268"/>
+              <a:ext cx="685800" cy="685800"/>
+            </a:xfrm>
+            <a:prstGeom prst="rect">
+              <a:avLst/>
+            </a:prstGeom>
+            <a:ln w="25400">
+              <a:solidFill>
+                <a:schemeClr val="tx1"/>
+              </a:solidFill>
+            </a:ln>
+          </p:spPr>
+          <p:style>
+            <a:lnRef idx="2">
+              <a:schemeClr val="accent1">
+                <a:shade val="50000"/>
+              </a:schemeClr>
+            </a:lnRef>
+            <a:fillRef idx="1">
+              <a:schemeClr val="accent1"/>
+            </a:fillRef>
+            <a:effectRef idx="0">
+              <a:schemeClr val="accent1"/>
+            </a:effectRef>
+            <a:fontRef idx="minor">
+              <a:schemeClr val="lt1"/>
+            </a:fontRef>
+          </p:style>
+          <p:txBody>
+            <a:bodyPr rtlCol="1" anchor="ctr"/>
+            <a:lstStyle/>
+            <a:p>
+              <a:pPr algn="ctr"/>
+              <a:endParaRPr lang="he-IL"/>
+            </a:p>
+          </p:txBody>
+        </p:sp>
+        <p:sp>
+          <p:nvSpPr>
+            <p:cNvPr id="48" name="Rectangle 47">
+              <a:extLst>
+                <a:ext uri="{FF2B5EF4-FFF2-40B4-BE49-F238E27FC236}">
+                  <a16:creationId xmlns:a16="http://schemas.microsoft.com/office/drawing/2014/main" id="{01A7C47E-586D-4C7B-8C6C-A2CEA0A6D830}"/>
+                </a:ext>
+              </a:extLst>
+            </p:cNvPr>
+            <p:cNvSpPr/>
+            <p:nvPr/>
+          </p:nvSpPr>
+          <p:spPr>
+            <a:xfrm>
+              <a:off x="4901938" y="3210268"/>
+              <a:ext cx="685800" cy="685800"/>
+            </a:xfrm>
+            <a:prstGeom prst="rect">
+              <a:avLst/>
+            </a:prstGeom>
+            <a:ln w="25400">
+              <a:solidFill>
+                <a:schemeClr val="tx1"/>
+              </a:solidFill>
+            </a:ln>
+          </p:spPr>
+          <p:style>
+            <a:lnRef idx="2">
+              <a:schemeClr val="accent1">
+                <a:shade val="50000"/>
+              </a:schemeClr>
+            </a:lnRef>
+            <a:fillRef idx="1">
+              <a:schemeClr val="accent1"/>
+            </a:fillRef>
+            <a:effectRef idx="0">
+              <a:schemeClr val="accent1"/>
+            </a:effectRef>
+            <a:fontRef idx="minor">
+              <a:schemeClr val="lt1"/>
+            </a:fontRef>
+          </p:style>
+          <p:txBody>
+            <a:bodyPr rtlCol="1" anchor="ctr"/>
+            <a:lstStyle/>
+            <a:p>
+              <a:pPr algn="ctr"/>
+              <a:endParaRPr lang="he-IL"/>
+            </a:p>
+          </p:txBody>
+        </p:sp>
+        <p:sp>
+          <p:nvSpPr>
+            <p:cNvPr id="50" name="Isosceles Triangle 49">
+              <a:extLst>
+                <a:ext uri="{FF2B5EF4-FFF2-40B4-BE49-F238E27FC236}">
+                  <a16:creationId xmlns:a16="http://schemas.microsoft.com/office/drawing/2014/main" id="{44CACD17-EB4B-487B-BF6B-026BCC73B346}"/>
+                </a:ext>
+              </a:extLst>
+            </p:cNvPr>
+            <p:cNvSpPr/>
+            <p:nvPr/>
+          </p:nvSpPr>
+          <p:spPr>
+            <a:xfrm rot="10800000">
+              <a:off x="7128183" y="1915214"/>
+              <a:ext cx="685800" cy="548640"/>
+            </a:xfrm>
+            <a:prstGeom prst="triangle">
+              <a:avLst/>
+            </a:prstGeom>
+            <a:solidFill>
+              <a:srgbClr val="FF0000"/>
+            </a:solidFill>
+            <a:ln w="25400">
+              <a:solidFill>
+                <a:schemeClr val="tx1"/>
+              </a:solidFill>
+            </a:ln>
+          </p:spPr>
+          <p:style>
+            <a:lnRef idx="2">
+              <a:schemeClr val="accent1">
+                <a:shade val="50000"/>
+              </a:schemeClr>
+            </a:lnRef>
+            <a:fillRef idx="1">
+              <a:schemeClr val="accent1"/>
+            </a:fillRef>
+            <a:effectRef idx="0">
+              <a:schemeClr val="accent1"/>
+            </a:effectRef>
+            <a:fontRef idx="minor">
+              <a:schemeClr val="lt1"/>
+            </a:fontRef>
+          </p:style>
+          <p:txBody>
+            <a:bodyPr rtlCol="1" anchor="ctr"/>
+            <a:lstStyle/>
+            <a:p>
+              <a:pPr algn="ctr"/>
+              <a:endParaRPr lang="he-IL"/>
+            </a:p>
+          </p:txBody>
+        </p:sp>
+        <p:sp>
+          <p:nvSpPr>
+            <p:cNvPr id="51" name="Rectangle 50">
+              <a:extLst>
+                <a:ext uri="{FF2B5EF4-FFF2-40B4-BE49-F238E27FC236}">
+                  <a16:creationId xmlns:a16="http://schemas.microsoft.com/office/drawing/2014/main" id="{9C60AA9D-660C-4993-AAF1-591ED97AA247}"/>
+                </a:ext>
+              </a:extLst>
+            </p:cNvPr>
+            <p:cNvSpPr/>
+            <p:nvPr/>
+          </p:nvSpPr>
+          <p:spPr>
+            <a:xfrm>
+              <a:off x="6273538" y="3210269"/>
+              <a:ext cx="685800" cy="685800"/>
+            </a:xfrm>
+            <a:prstGeom prst="rect">
+              <a:avLst/>
+            </a:prstGeom>
+            <a:ln w="25400">
+              <a:solidFill>
+                <a:schemeClr val="tx1"/>
+              </a:solidFill>
+            </a:ln>
+          </p:spPr>
+          <p:style>
+            <a:lnRef idx="2">
+              <a:schemeClr val="accent1">
+                <a:shade val="50000"/>
+              </a:schemeClr>
+            </a:lnRef>
+            <a:fillRef idx="1">
+              <a:schemeClr val="accent1"/>
+            </a:fillRef>
+            <a:effectRef idx="0">
+              <a:schemeClr val="accent1"/>
+            </a:effectRef>
+            <a:fontRef idx="minor">
+              <a:schemeClr val="lt1"/>
+            </a:fontRef>
+          </p:style>
+          <p:txBody>
+            <a:bodyPr rtlCol="1" anchor="ctr"/>
+            <a:lstStyle/>
+            <a:p>
+              <a:pPr algn="ctr"/>
+              <a:endParaRPr lang="he-IL"/>
+            </a:p>
+          </p:txBody>
+        </p:sp>
+        <p:sp>
+          <p:nvSpPr>
+            <p:cNvPr id="52" name="Rectangle 51">
+              <a:extLst>
+                <a:ext uri="{FF2B5EF4-FFF2-40B4-BE49-F238E27FC236}">
+                  <a16:creationId xmlns:a16="http://schemas.microsoft.com/office/drawing/2014/main" id="{333E295C-4C95-4C9A-98EB-A973C6E40A78}"/>
+                </a:ext>
+              </a:extLst>
+            </p:cNvPr>
+            <p:cNvSpPr/>
+            <p:nvPr/>
+          </p:nvSpPr>
+          <p:spPr>
+            <a:xfrm>
+              <a:off x="7899424" y="3210269"/>
+              <a:ext cx="685800" cy="685800"/>
+            </a:xfrm>
+            <a:prstGeom prst="rect">
+              <a:avLst/>
+            </a:prstGeom>
+            <a:ln w="25400">
+              <a:solidFill>
+                <a:schemeClr val="tx1"/>
+              </a:solidFill>
+            </a:ln>
+          </p:spPr>
+          <p:style>
+            <a:lnRef idx="2">
+              <a:schemeClr val="accent1">
+                <a:shade val="50000"/>
+              </a:schemeClr>
+            </a:lnRef>
+            <a:fillRef idx="1">
+              <a:schemeClr val="accent1"/>
+            </a:fillRef>
+            <a:effectRef idx="0">
+              <a:schemeClr val="accent1"/>
+            </a:effectRef>
+            <a:fontRef idx="minor">
+              <a:schemeClr val="lt1"/>
+            </a:fontRef>
+          </p:style>
+          <p:txBody>
+            <a:bodyPr rtlCol="1" anchor="ctr"/>
+            <a:lstStyle/>
+            <a:p>
+              <a:pPr algn="ctr"/>
+              <a:endParaRPr lang="he-IL"/>
+            </a:p>
+          </p:txBody>
+        </p:sp>
+        <p:cxnSp>
+          <p:nvCxnSpPr>
+            <p:cNvPr id="5" name="Straight Connector 4">
+              <a:extLst>
+                <a:ext uri="{FF2B5EF4-FFF2-40B4-BE49-F238E27FC236}">
+                  <a16:creationId xmlns:a16="http://schemas.microsoft.com/office/drawing/2014/main" id="{1925075F-8821-4439-8E38-6B77B1535AB1}"/>
+                </a:ext>
+              </a:extLst>
+            </p:cNvPr>
+            <p:cNvCxnSpPr>
+              <a:stCxn id="2" idx="2"/>
+              <a:endCxn id="45" idx="3"/>
+            </p:cNvCxnSpPr>
+            <p:nvPr/>
+          </p:nvCxnSpPr>
+          <p:spPr>
+            <a:xfrm flipH="1">
+              <a:off x="4473597" y="1302784"/>
+              <a:ext cx="1114141" cy="612429"/>
+            </a:xfrm>
+            <a:prstGeom prst="line">
+              <a:avLst/>
+            </a:prstGeom>
+            <a:ln w="25400">
+              <a:solidFill>
+                <a:schemeClr val="tx1"/>
+              </a:solidFill>
+              <a:tailEnd type="none"/>
+            </a:ln>
+          </p:spPr>
+          <p:style>
+            <a:lnRef idx="1">
+              <a:schemeClr val="accent1"/>
+            </a:lnRef>
+            <a:fillRef idx="0">
+              <a:schemeClr val="accent1"/>
+            </a:fillRef>
+            <a:effectRef idx="0">
+              <a:schemeClr val="accent1"/>
+            </a:effectRef>
+            <a:fontRef idx="minor">
+              <a:schemeClr val="tx1"/>
+            </a:fontRef>
+          </p:style>
+        </p:cxnSp>
+        <p:cxnSp>
+          <p:nvCxnSpPr>
+            <p:cNvPr id="55" name="Straight Connector 54">
+              <a:extLst>
+                <a:ext uri="{FF2B5EF4-FFF2-40B4-BE49-F238E27FC236}">
+                  <a16:creationId xmlns:a16="http://schemas.microsoft.com/office/drawing/2014/main" id="{84A9E243-4E39-4807-BFB4-F7E80E7237F7}"/>
+                </a:ext>
+              </a:extLst>
+            </p:cNvPr>
+            <p:cNvCxnSpPr>
+              <a:cxnSpLocks/>
+              <a:stCxn id="2" idx="4"/>
+              <a:endCxn id="50" idx="3"/>
+            </p:cNvCxnSpPr>
+            <p:nvPr/>
+          </p:nvCxnSpPr>
+          <p:spPr>
+            <a:xfrm>
+              <a:off x="6273538" y="1302784"/>
+              <a:ext cx="1197545" cy="612430"/>
+            </a:xfrm>
+            <a:prstGeom prst="line">
+              <a:avLst/>
+            </a:prstGeom>
+            <a:ln w="25400">
+              <a:solidFill>
+                <a:schemeClr val="tx1"/>
+              </a:solidFill>
+              <a:headEnd type="none"/>
+              <a:tailEnd type="none"/>
+            </a:ln>
+          </p:spPr>
+          <p:style>
+            <a:lnRef idx="1">
+              <a:schemeClr val="accent1"/>
+            </a:lnRef>
+            <a:fillRef idx="0">
+              <a:schemeClr val="accent1"/>
+            </a:fillRef>
+            <a:effectRef idx="0">
+              <a:schemeClr val="accent1"/>
+            </a:effectRef>
+            <a:fontRef idx="minor">
+              <a:schemeClr val="tx1"/>
+            </a:fontRef>
+          </p:style>
+        </p:cxnSp>
+        <p:cxnSp>
+          <p:nvCxnSpPr>
+            <p:cNvPr id="58" name="Straight Connector 57">
+              <a:extLst>
+                <a:ext uri="{FF2B5EF4-FFF2-40B4-BE49-F238E27FC236}">
+                  <a16:creationId xmlns:a16="http://schemas.microsoft.com/office/drawing/2014/main" id="{D8483294-A05D-43E0-BC66-B4A87DAC8315}"/>
+                </a:ext>
+              </a:extLst>
+            </p:cNvPr>
+            <p:cNvCxnSpPr>
+              <a:cxnSpLocks/>
+              <a:stCxn id="3" idx="0"/>
+              <a:endCxn id="45" idx="5"/>
+            </p:cNvCxnSpPr>
+            <p:nvPr/>
+          </p:nvCxnSpPr>
+          <p:spPr>
+            <a:xfrm flipV="1">
+              <a:off x="3618952" y="2189533"/>
+              <a:ext cx="683195" cy="1020735"/>
+            </a:xfrm>
+            <a:prstGeom prst="line">
+              <a:avLst/>
+            </a:prstGeom>
+            <a:ln w="25400">
+              <a:solidFill>
+                <a:schemeClr val="tx1"/>
+              </a:solidFill>
+            </a:ln>
+          </p:spPr>
+          <p:style>
+            <a:lnRef idx="1">
+              <a:schemeClr val="accent1"/>
+            </a:lnRef>
+            <a:fillRef idx="0">
+              <a:schemeClr val="accent1"/>
+            </a:fillRef>
+            <a:effectRef idx="0">
+              <a:schemeClr val="accent1"/>
+            </a:effectRef>
+            <a:fontRef idx="minor">
+              <a:schemeClr val="tx1"/>
+            </a:fontRef>
+          </p:style>
+        </p:cxnSp>
+        <p:cxnSp>
+          <p:nvCxnSpPr>
+            <p:cNvPr id="61" name="Straight Connector 60">
+              <a:extLst>
+                <a:ext uri="{FF2B5EF4-FFF2-40B4-BE49-F238E27FC236}">
+                  <a16:creationId xmlns:a16="http://schemas.microsoft.com/office/drawing/2014/main" id="{FCD45DA7-6941-48BA-9D89-9D34C903BE4C}"/>
+                </a:ext>
+              </a:extLst>
+            </p:cNvPr>
+            <p:cNvCxnSpPr>
+              <a:cxnSpLocks/>
+              <a:stCxn id="48" idx="0"/>
+              <a:endCxn id="45" idx="1"/>
+            </p:cNvCxnSpPr>
+            <p:nvPr/>
+          </p:nvCxnSpPr>
+          <p:spPr>
+            <a:xfrm flipH="1" flipV="1">
+              <a:off x="4645047" y="2189533"/>
+              <a:ext cx="599791" cy="1020735"/>
+            </a:xfrm>
+            <a:prstGeom prst="line">
+              <a:avLst/>
+            </a:prstGeom>
+            <a:ln w="25400">
+              <a:solidFill>
+                <a:schemeClr val="tx1"/>
+              </a:solidFill>
+            </a:ln>
+          </p:spPr>
+          <p:style>
+            <a:lnRef idx="1">
+              <a:schemeClr val="accent1"/>
+            </a:lnRef>
+            <a:fillRef idx="0">
+              <a:schemeClr val="accent1"/>
+            </a:fillRef>
+            <a:effectRef idx="0">
+              <a:schemeClr val="accent1"/>
+            </a:effectRef>
+            <a:fontRef idx="minor">
+              <a:schemeClr val="tx1"/>
+            </a:fontRef>
+          </p:style>
+        </p:cxnSp>
+        <p:cxnSp>
+          <p:nvCxnSpPr>
+            <p:cNvPr id="64" name="Straight Connector 63">
+              <a:extLst>
+                <a:ext uri="{FF2B5EF4-FFF2-40B4-BE49-F238E27FC236}">
+                  <a16:creationId xmlns:a16="http://schemas.microsoft.com/office/drawing/2014/main" id="{ABEE147E-B2E7-4C16-8B2B-6E1EFDBD6567}"/>
+                </a:ext>
+              </a:extLst>
+            </p:cNvPr>
+            <p:cNvCxnSpPr>
+              <a:cxnSpLocks/>
+              <a:stCxn id="51" idx="0"/>
+              <a:endCxn id="50" idx="5"/>
+            </p:cNvCxnSpPr>
+            <p:nvPr/>
+          </p:nvCxnSpPr>
+          <p:spPr>
+            <a:xfrm flipV="1">
+              <a:off x="6616438" y="2189534"/>
+              <a:ext cx="683195" cy="1020735"/>
+            </a:xfrm>
+            <a:prstGeom prst="line">
+              <a:avLst/>
+            </a:prstGeom>
+            <a:ln w="25400">
+              <a:solidFill>
+                <a:schemeClr val="tx1"/>
+              </a:solidFill>
+              <a:headEnd type="none"/>
+            </a:ln>
+          </p:spPr>
+          <p:style>
+            <a:lnRef idx="1">
+              <a:schemeClr val="accent1"/>
+            </a:lnRef>
+            <a:fillRef idx="0">
+              <a:schemeClr val="accent1"/>
+            </a:fillRef>
+            <a:effectRef idx="0">
+              <a:schemeClr val="accent1"/>
+            </a:effectRef>
+            <a:fontRef idx="minor">
+              <a:schemeClr val="tx1"/>
+            </a:fontRef>
+          </p:style>
+        </p:cxnSp>
+        <p:cxnSp>
+          <p:nvCxnSpPr>
+            <p:cNvPr id="67" name="Straight Connector 66">
+              <a:extLst>
+                <a:ext uri="{FF2B5EF4-FFF2-40B4-BE49-F238E27FC236}">
+                  <a16:creationId xmlns:a16="http://schemas.microsoft.com/office/drawing/2014/main" id="{85BB5E8E-008A-4BC4-B89A-DF90B4A77FA0}"/>
+                </a:ext>
+              </a:extLst>
+            </p:cNvPr>
+            <p:cNvCxnSpPr>
+              <a:cxnSpLocks/>
+              <a:stCxn id="52" idx="0"/>
+              <a:endCxn id="50" idx="1"/>
+            </p:cNvCxnSpPr>
+            <p:nvPr/>
+          </p:nvCxnSpPr>
+          <p:spPr>
+            <a:xfrm flipH="1" flipV="1">
+              <a:off x="7642533" y="2189534"/>
+              <a:ext cx="599791" cy="1020735"/>
+            </a:xfrm>
+            <a:prstGeom prst="line">
+              <a:avLst/>
+            </a:prstGeom>
+            <a:ln w="25400">
+              <a:solidFill>
+                <a:schemeClr val="tx1"/>
+              </a:solidFill>
+              <a:headEnd type="none"/>
+              <a:tailEnd type="none"/>
+            </a:ln>
+          </p:spPr>
+          <p:style>
+            <a:lnRef idx="1">
+              <a:schemeClr val="accent1"/>
+            </a:lnRef>
+            <a:fillRef idx="0">
+              <a:schemeClr val="accent1"/>
+            </a:fillRef>
+            <a:effectRef idx="0">
+              <a:schemeClr val="accent1"/>
+            </a:effectRef>
+            <a:fontRef idx="minor">
+              <a:schemeClr val="tx1"/>
+            </a:fontRef>
+          </p:style>
+        </p:cxnSp>
+        <mc:AlternateContent xmlns:mc="http://schemas.openxmlformats.org/markup-compatibility/2006">
+          <mc:Choice xmlns:a14="http://schemas.microsoft.com/office/drawing/2010/main" Requires="a14">
+            <p:sp>
+              <p:nvSpPr>
+                <p:cNvPr id="74" name="TextBox 73">
+                  <a:extLst>
+                    <a:ext uri="{FF2B5EF4-FFF2-40B4-BE49-F238E27FC236}">
+                      <a16:creationId xmlns:a16="http://schemas.microsoft.com/office/drawing/2014/main" id="{6B14C8CB-D491-4730-896F-18D39250ACFB}"/>
+                    </a:ext>
+                  </a:extLst>
+                </p:cNvPr>
+                <p:cNvSpPr txBox="1"/>
+                <p:nvPr/>
+              </p:nvSpPr>
+              <p:spPr>
+                <a:xfrm>
+                  <a:off x="2892859" y="3974812"/>
+                  <a:ext cx="1371600" cy="369332"/>
+                </a:xfrm>
+                <a:prstGeom prst="rect">
+                  <a:avLst/>
+                </a:prstGeom>
+                <a:noFill/>
+              </p:spPr>
+              <p:txBody>
+                <a:bodyPr wrap="square" rtlCol="1">
+                  <a:spAutoFit/>
+                </a:bodyPr>
+                <a:lstStyle/>
+                <a:p>
+                  <a:pPr/>
+                  <a14:m>
+                    <m:oMathPara xmlns:m="http://schemas.openxmlformats.org/officeDocument/2006/math">
+                      <m:oMathParaPr>
+                        <m:jc m:val="centerGroup"/>
+                      </m:oMathParaPr>
+                      <m:oMath xmlns:m="http://schemas.openxmlformats.org/officeDocument/2006/math">
+                        <m:r>
+                          <a:rPr lang="en-US" b="0" i="1" smtClean="0">
+                            <a:latin typeface="Cambria Math" panose="02040503050406030204" pitchFamily="18" charset="0"/>
+                          </a:rPr>
+                          <m:t>h</m:t>
+                        </m:r>
+                        <m:r>
+                          <a:rPr lang="en-US" b="0" i="1" smtClean="0">
+                            <a:latin typeface="Cambria Math" panose="02040503050406030204" pitchFamily="18" charset="0"/>
+                          </a:rPr>
+                          <m:t>=</m:t>
+                        </m:r>
+                        <m:r>
+                          <a:rPr lang="en-US" b="0" i="1" smtClean="0">
+                            <a:latin typeface="Cambria Math" panose="02040503050406030204" pitchFamily="18" charset="0"/>
+                          </a:rPr>
+                          <m:t>−</m:t>
+                        </m:r>
+                        <m:r>
+                          <a:rPr lang="en-US" b="0" i="1" smtClean="0">
+                            <a:latin typeface="Cambria Math" panose="02040503050406030204" pitchFamily="18" charset="0"/>
+                          </a:rPr>
+                          <m:t>3</m:t>
+                        </m:r>
+                      </m:oMath>
+                    </m:oMathPara>
+                  </a14:m>
+                  <a:endParaRPr lang="he-IL" dirty="0"/>
+                </a:p>
+              </p:txBody>
+            </p:sp>
+          </mc:Choice>
+          <mc:Fallback>
+            <p:sp>
+              <p:nvSpPr>
+                <p:cNvPr id="74" name="TextBox 73">
+                  <a:extLst>
+                    <a:ext uri="{FF2B5EF4-FFF2-40B4-BE49-F238E27FC236}">
+                      <a16:creationId xmlns:a16="http://schemas.microsoft.com/office/drawing/2014/main" id="{6B14C8CB-D491-4730-896F-18D39250ACFB}"/>
+                    </a:ext>
+                  </a:extLst>
+                </p:cNvPr>
+                <p:cNvSpPr txBox="1">
+                  <a:spLocks noRot="1" noChangeAspect="1" noMove="1" noResize="1" noEditPoints="1" noAdjustHandles="1" noChangeArrowheads="1" noChangeShapeType="1" noTextEdit="1"/>
+                </p:cNvSpPr>
+                <p:nvPr/>
+              </p:nvSpPr>
+              <p:spPr>
+                <a:xfrm>
+                  <a:off x="2892859" y="3974812"/>
+                  <a:ext cx="1371600" cy="369332"/>
+                </a:xfrm>
+                <a:prstGeom prst="rect">
+                  <a:avLst/>
+                </a:prstGeom>
+                <a:blipFill>
+                  <a:blip r:embed="rId2"/>
                   <a:stretch>
                     <a:fillRect/>
                   </a:stretch>
@@ -19230,6 +22616,7 @@
                 </a:bodyPr>
                 <a:lstStyle/>
                 <a:p>
+                  <a:pPr/>
                   <a14:m>
                     <m:oMathPara xmlns:m="http://schemas.openxmlformats.org/officeDocument/2006/math">
                       <m:oMathParaPr>
@@ -19240,7 +22627,7 @@
                           <a:rPr lang="en-US" b="0" i="1" smtClean="0">
                             <a:latin typeface="Cambria Math" panose="02040503050406030204" pitchFamily="18" charset="0"/>
                           </a:rPr>
-                          <m:t>𝑢</m:t>
+                          <m:t>h</m:t>
                         </m:r>
                         <m:r>
                           <a:rPr lang="en-US" b="0" i="1" smtClean="0">
@@ -19252,7 +22639,7 @@
                           <a:rPr lang="en-US" b="0" i="1" smtClean="0">
                             <a:latin typeface="Cambria Math" panose="02040503050406030204" pitchFamily="18" charset="0"/>
                           </a:rPr>
-                          <m:t>6</m:t>
+                          <m:t>2</m:t>
                         </m:r>
                       </m:oMath>
                     </m:oMathPara>
@@ -19286,7 +22673,7 @@
                   <a:avLst/>
                 </a:prstGeom>
                 <a:blipFill>
-                  <a:blip r:embed="rId5"/>
+                  <a:blip r:embed="rId3"/>
                   <a:stretch>
                     <a:fillRect/>
                   </a:stretch>
@@ -19337,6 +22724,7 @@
                 </a:bodyPr>
                 <a:lstStyle/>
                 <a:p>
+                  <a:pPr/>
                   <a14:m>
                     <m:oMathPara xmlns:m="http://schemas.openxmlformats.org/officeDocument/2006/math">
                       <m:oMathParaPr>
@@ -19347,7 +22735,7 @@
                           <a:rPr lang="en-US" b="0" i="1" smtClean="0">
                             <a:latin typeface="Cambria Math" panose="02040503050406030204" pitchFamily="18" charset="0"/>
                           </a:rPr>
-                          <m:t>𝑢</m:t>
+                          <m:t>h</m:t>
                         </m:r>
                         <m:r>
                           <a:rPr lang="en-US" b="0" i="1" smtClean="0">
@@ -19359,7 +22747,7 @@
                           <a:rPr lang="en-US" b="0" i="1" smtClean="0">
                             <a:latin typeface="Cambria Math" panose="02040503050406030204" pitchFamily="18" charset="0"/>
                           </a:rPr>
-                          <m:t>4</m:t>
+                          <m:t>1</m:t>
                         </m:r>
                       </m:oMath>
                     </m:oMathPara>
@@ -19393,7 +22781,7 @@
                   <a:avLst/>
                 </a:prstGeom>
                 <a:blipFill>
-                  <a:blip r:embed="rId6"/>
+                  <a:blip r:embed="rId4"/>
                   <a:stretch>
                     <a:fillRect/>
                   </a:stretch>
@@ -19444,6 +22832,7 @@
                 </a:bodyPr>
                 <a:lstStyle/>
                 <a:p>
+                  <a:pPr/>
                   <a14:m>
                     <m:oMathPara xmlns:m="http://schemas.openxmlformats.org/officeDocument/2006/math">
                       <m:oMathParaPr>
@@ -19466,7 +22855,13 @@
                           <a:rPr lang="en-US" b="0" i="1" smtClean="0">
                             <a:latin typeface="Cambria Math" panose="02040503050406030204" pitchFamily="18" charset="0"/>
                           </a:rPr>
-                          <m:t>10</m:t>
+                          <m:t>−</m:t>
+                        </m:r>
+                        <m:r>
+                          <a:rPr lang="en-US" b="0" i="1" smtClean="0">
+                            <a:latin typeface="Cambria Math" panose="02040503050406030204" pitchFamily="18" charset="0"/>
+                          </a:rPr>
+                          <m:t>1</m:t>
                         </m:r>
                       </m:oMath>
                     </m:oMathPara>
@@ -19500,7 +22895,7 @@
                   <a:avLst/>
                 </a:prstGeom>
                 <a:blipFill>
-                  <a:blip r:embed="rId7"/>
+                  <a:blip r:embed="rId5"/>
                   <a:stretch>
                     <a:fillRect/>
                   </a:stretch>
@@ -19607,90 +23002,6 @@
         </p:sp>
         <p:sp>
           <p:nvSpPr>
-            <p:cNvPr id="80" name="TextBox 79">
-              <a:extLst>
-                <a:ext uri="{FF2B5EF4-FFF2-40B4-BE49-F238E27FC236}">
-                  <a16:creationId xmlns:a16="http://schemas.microsoft.com/office/drawing/2014/main" id="{93053EE3-93C8-4B06-BD13-71AB70229196}"/>
-                </a:ext>
-              </a:extLst>
-            </p:cNvPr>
-            <p:cNvSpPr txBox="1"/>
-            <p:nvPr/>
-          </p:nvSpPr>
-          <p:spPr>
-            <a:xfrm>
-              <a:off x="4388156" y="1209254"/>
-              <a:ext cx="1114141" cy="369332"/>
-            </a:xfrm>
-            <a:prstGeom prst="rect">
-              <a:avLst/>
-            </a:prstGeom>
-            <a:noFill/>
-          </p:spPr>
-          <p:txBody>
-            <a:bodyPr wrap="square" rtlCol="1">
-              <a:spAutoFit/>
-            </a:bodyPr>
-            <a:lstStyle/>
-            <a:p>
-              <a:r>
-                <a:rPr lang="en-US" dirty="0">
-                  <a:latin typeface="David" panose="020E0502060401010101" pitchFamily="34" charset="-79"/>
-                  <a:cs typeface="David" panose="020E0502060401010101" pitchFamily="34" charset="-79"/>
-                </a:rPr>
-                <a:t>I</a:t>
-              </a:r>
-              <a:endParaRPr lang="he-IL" dirty="0">
-                <a:latin typeface="David" panose="020E0502060401010101" pitchFamily="34" charset="-79"/>
-                <a:cs typeface="David" panose="020E0502060401010101" pitchFamily="34" charset="-79"/>
-              </a:endParaRPr>
-            </a:p>
-          </p:txBody>
-        </p:sp>
-        <p:sp>
-          <p:nvSpPr>
-            <p:cNvPr id="81" name="TextBox 80">
-              <a:extLst>
-                <a:ext uri="{FF2B5EF4-FFF2-40B4-BE49-F238E27FC236}">
-                  <a16:creationId xmlns:a16="http://schemas.microsoft.com/office/drawing/2014/main" id="{7FE79392-B14B-46ED-BA59-DF8898DC7632}"/>
-                </a:ext>
-              </a:extLst>
-            </p:cNvPr>
-            <p:cNvSpPr txBox="1"/>
-            <p:nvPr/>
-          </p:nvSpPr>
-          <p:spPr>
-            <a:xfrm>
-              <a:off x="6999453" y="1189848"/>
-              <a:ext cx="1114141" cy="369332"/>
-            </a:xfrm>
-            <a:prstGeom prst="rect">
-              <a:avLst/>
-            </a:prstGeom>
-            <a:noFill/>
-          </p:spPr>
-          <p:txBody>
-            <a:bodyPr wrap="square" rtlCol="1">
-              <a:spAutoFit/>
-            </a:bodyPr>
-            <a:lstStyle/>
-            <a:p>
-              <a:r>
-                <a:rPr lang="en-US" dirty="0">
-                  <a:latin typeface="David" panose="020E0502060401010101" pitchFamily="34" charset="-79"/>
-                  <a:cs typeface="David" panose="020E0502060401010101" pitchFamily="34" charset="-79"/>
-                </a:rPr>
-                <a:t>II</a:t>
-              </a:r>
-              <a:endParaRPr lang="he-IL" dirty="0">
-                <a:latin typeface="David" panose="020E0502060401010101" pitchFamily="34" charset="-79"/>
-                <a:cs typeface="David" panose="020E0502060401010101" pitchFamily="34" charset="-79"/>
-              </a:endParaRPr>
-            </a:p>
-          </p:txBody>
-        </p:sp>
-        <p:sp>
-          <p:nvSpPr>
             <p:cNvPr id="83" name="Isosceles Triangle 82">
               <a:extLst>
                 <a:ext uri="{FF2B5EF4-FFF2-40B4-BE49-F238E27FC236}">
@@ -19890,11 +23201,2020 @@
             </a:p>
           </p:txBody>
         </p:sp>
+        <mc:AlternateContent xmlns:mc="http://schemas.openxmlformats.org/markup-compatibility/2006">
+          <mc:Choice xmlns:a14="http://schemas.microsoft.com/office/drawing/2010/main" Requires="a14">
+            <p:sp>
+              <p:nvSpPr>
+                <p:cNvPr id="32" name="TextBox 31">
+                  <a:extLst>
+                    <a:ext uri="{FF2B5EF4-FFF2-40B4-BE49-F238E27FC236}">
+                      <a16:creationId xmlns:a16="http://schemas.microsoft.com/office/drawing/2014/main" id="{4AC0FB76-6D95-4D05-987D-60D0669D9F93}"/>
+                    </a:ext>
+                  </a:extLst>
+                </p:cNvPr>
+                <p:cNvSpPr txBox="1"/>
+                <p:nvPr/>
+              </p:nvSpPr>
+              <p:spPr>
+                <a:xfrm>
+                  <a:off x="6404573" y="696313"/>
+                  <a:ext cx="1371600" cy="646331"/>
+                </a:xfrm>
+                <a:prstGeom prst="rect">
+                  <a:avLst/>
+                </a:prstGeom>
+                <a:noFill/>
+              </p:spPr>
+              <p:txBody>
+                <a:bodyPr wrap="square" rtlCol="1">
+                  <a:spAutoFit/>
+                </a:bodyPr>
+                <a:lstStyle/>
+                <a:p>
+                  <a:pPr/>
+                  <a:r>
+                    <a:rPr lang="en-US" b="0" dirty="0">
+                      <a:latin typeface="David" panose="020E0502060401010101" pitchFamily="34" charset="-79"/>
+                      <a:cs typeface="David" panose="020E0502060401010101" pitchFamily="34" charset="-79"/>
+                    </a:rPr>
+                    <a:t>Alpha:</a:t>
+                  </a:r>
+                  <a14:m>
+                    <m:oMath xmlns:m="http://schemas.openxmlformats.org/officeDocument/2006/math">
+                      <m:r>
+                        <a:rPr lang="en-US" b="0" i="1" smtClean="0">
+                          <a:latin typeface="Cambria Math" panose="02040503050406030204" pitchFamily="18" charset="0"/>
+                          <a:cs typeface="David" panose="020E0502060401010101" pitchFamily="34" charset="-79"/>
+                        </a:rPr>
+                        <m:t>−</m:t>
+                      </m:r>
+                      <m:r>
+                        <a:rPr lang="en-US" b="0" i="1" smtClean="0">
+                          <a:latin typeface="Cambria Math" panose="02040503050406030204" pitchFamily="18" charset="0"/>
+                          <a:ea typeface="Cambria Math" panose="02040503050406030204" pitchFamily="18" charset="0"/>
+                          <a:cs typeface="David" panose="020E0502060401010101" pitchFamily="34" charset="-79"/>
+                        </a:rPr>
+                        <m:t>∞</m:t>
+                      </m:r>
+                    </m:oMath>
+                  </a14:m>
+                  <a:endParaRPr lang="en-US" b="0" dirty="0">
+                    <a:latin typeface="David" panose="020E0502060401010101" pitchFamily="34" charset="-79"/>
+                    <a:cs typeface="David" panose="020E0502060401010101" pitchFamily="34" charset="-79"/>
+                  </a:endParaRPr>
+                </a:p>
+                <a:p>
+                  <a:pPr/>
+                  <a:r>
+                    <a:rPr lang="en-US" dirty="0">
+                      <a:latin typeface="David" panose="020E0502060401010101" pitchFamily="34" charset="-79"/>
+                      <a:cs typeface="David" panose="020E0502060401010101" pitchFamily="34" charset="-79"/>
+                    </a:rPr>
+                    <a:t>Beta:-3</a:t>
+                  </a:r>
+                  <a:endParaRPr lang="en-US" b="0" dirty="0">
+                    <a:latin typeface="David" panose="020E0502060401010101" pitchFamily="34" charset="-79"/>
+                    <a:cs typeface="David" panose="020E0502060401010101" pitchFamily="34" charset="-79"/>
+                  </a:endParaRPr>
+                </a:p>
+              </p:txBody>
+            </p:sp>
+          </mc:Choice>
+          <mc:Fallback>
+            <p:sp>
+              <p:nvSpPr>
+                <p:cNvPr id="32" name="TextBox 31">
+                  <a:extLst>
+                    <a:ext uri="{FF2B5EF4-FFF2-40B4-BE49-F238E27FC236}">
+                      <a16:creationId xmlns:a16="http://schemas.microsoft.com/office/drawing/2014/main" id="{4AC0FB76-6D95-4D05-987D-60D0669D9F93}"/>
+                    </a:ext>
+                  </a:extLst>
+                </p:cNvPr>
+                <p:cNvSpPr txBox="1">
+                  <a:spLocks noRot="1" noChangeAspect="1" noMove="1" noResize="1" noEditPoints="1" noAdjustHandles="1" noChangeArrowheads="1" noChangeShapeType="1" noTextEdit="1"/>
+                </p:cNvSpPr>
+                <p:nvPr/>
+              </p:nvSpPr>
+              <p:spPr>
+                <a:xfrm>
+                  <a:off x="6404573" y="696313"/>
+                  <a:ext cx="1371600" cy="646331"/>
+                </a:xfrm>
+                <a:prstGeom prst="rect">
+                  <a:avLst/>
+                </a:prstGeom>
+                <a:blipFill>
+                  <a:blip r:embed="rId6"/>
+                  <a:stretch>
+                    <a:fillRect l="-4000" t="-4717" b="-14151"/>
+                  </a:stretch>
+                </a:blipFill>
+              </p:spPr>
+              <p:txBody>
+                <a:bodyPr/>
+                <a:lstStyle/>
+                <a:p>
+                  <a:r>
+                    <a:rPr lang="he-IL">
+                      <a:noFill/>
+                    </a:rPr>
+                    <a:t> </a:t>
+                  </a:r>
+                </a:p>
+              </p:txBody>
+            </p:sp>
+          </mc:Fallback>
+        </mc:AlternateContent>
+      </p:grpSp>
+      <mc:AlternateContent xmlns:mc="http://schemas.openxmlformats.org/markup-compatibility/2006">
+        <mc:Choice xmlns:a14="http://schemas.microsoft.com/office/drawing/2010/main" Requires="a14">
+          <p:sp>
+            <p:nvSpPr>
+              <p:cNvPr id="29" name="TextBox 28">
+                <a:extLst>
+                  <a:ext uri="{FF2B5EF4-FFF2-40B4-BE49-F238E27FC236}">
+                    <a16:creationId xmlns:a16="http://schemas.microsoft.com/office/drawing/2014/main" id="{869F3E15-FF86-4A52-A182-7BEC5D1FCBA3}"/>
+                  </a:ext>
+                </a:extLst>
+              </p:cNvPr>
+              <p:cNvSpPr txBox="1"/>
+              <p:nvPr/>
+            </p:nvSpPr>
+            <p:spPr>
+              <a:xfrm>
+                <a:off x="4800442" y="1817522"/>
+                <a:ext cx="1371600" cy="646331"/>
+              </a:xfrm>
+              <a:prstGeom prst="rect">
+                <a:avLst/>
+              </a:prstGeom>
+              <a:noFill/>
+            </p:spPr>
+            <p:txBody>
+              <a:bodyPr wrap="square" rtlCol="1">
+                <a:spAutoFit/>
+              </a:bodyPr>
+              <a:lstStyle/>
+              <a:p>
+                <a:pPr/>
+                <a:r>
+                  <a:rPr lang="en-US" b="0" dirty="0">
+                    <a:latin typeface="David" panose="020E0502060401010101" pitchFamily="34" charset="-79"/>
+                    <a:cs typeface="David" panose="020E0502060401010101" pitchFamily="34" charset="-79"/>
+                  </a:rPr>
+                  <a:t>Alpha:</a:t>
+                </a:r>
+                <a14:m>
+                  <m:oMath xmlns:m="http://schemas.openxmlformats.org/officeDocument/2006/math">
+                    <m:r>
+                      <a:rPr lang="en-US" b="0" i="1" smtClean="0">
+                        <a:latin typeface="Cambria Math" panose="02040503050406030204" pitchFamily="18" charset="0"/>
+                        <a:cs typeface="David" panose="020E0502060401010101" pitchFamily="34" charset="-79"/>
+                      </a:rPr>
+                      <m:t>−</m:t>
+                    </m:r>
+                    <m:r>
+                      <a:rPr lang="en-US" b="0" i="1" smtClean="0">
+                        <a:latin typeface="Cambria Math" panose="02040503050406030204" pitchFamily="18" charset="0"/>
+                        <a:ea typeface="Cambria Math" panose="02040503050406030204" pitchFamily="18" charset="0"/>
+                        <a:cs typeface="David" panose="020E0502060401010101" pitchFamily="34" charset="-79"/>
+                      </a:rPr>
+                      <m:t>∞</m:t>
+                    </m:r>
+                  </m:oMath>
+                </a14:m>
+                <a:endParaRPr lang="en-US" b="0" dirty="0">
+                  <a:latin typeface="David" panose="020E0502060401010101" pitchFamily="34" charset="-79"/>
+                  <a:cs typeface="David" panose="020E0502060401010101" pitchFamily="34" charset="-79"/>
+                </a:endParaRPr>
+              </a:p>
+              <a:p>
+                <a:pPr/>
+                <a:r>
+                  <a:rPr lang="en-US" dirty="0">
+                    <a:latin typeface="David" panose="020E0502060401010101" pitchFamily="34" charset="-79"/>
+                    <a:cs typeface="David" panose="020E0502060401010101" pitchFamily="34" charset="-79"/>
+                  </a:rPr>
+                  <a:t>Beta:-3</a:t>
+                </a:r>
+                <a:endParaRPr lang="en-US" b="0" dirty="0">
+                  <a:latin typeface="David" panose="020E0502060401010101" pitchFamily="34" charset="-79"/>
+                  <a:cs typeface="David" panose="020E0502060401010101" pitchFamily="34" charset="-79"/>
+                </a:endParaRPr>
+              </a:p>
+            </p:txBody>
+          </p:sp>
+        </mc:Choice>
+        <mc:Fallback>
+          <p:sp>
+            <p:nvSpPr>
+              <p:cNvPr id="29" name="TextBox 28">
+                <a:extLst>
+                  <a:ext uri="{FF2B5EF4-FFF2-40B4-BE49-F238E27FC236}">
+                    <a16:creationId xmlns:a16="http://schemas.microsoft.com/office/drawing/2014/main" id="{869F3E15-FF86-4A52-A182-7BEC5D1FCBA3}"/>
+                  </a:ext>
+                </a:extLst>
+              </p:cNvPr>
+              <p:cNvSpPr txBox="1">
+                <a:spLocks noRot="1" noChangeAspect="1" noMove="1" noResize="1" noEditPoints="1" noAdjustHandles="1" noChangeArrowheads="1" noChangeShapeType="1" noTextEdit="1"/>
+              </p:cNvSpPr>
+              <p:nvPr/>
+            </p:nvSpPr>
+            <p:spPr>
+              <a:xfrm>
+                <a:off x="4800442" y="1817522"/>
+                <a:ext cx="1371600" cy="646331"/>
+              </a:xfrm>
+              <a:prstGeom prst="rect">
+                <a:avLst/>
+              </a:prstGeom>
+              <a:blipFill>
+                <a:blip r:embed="rId7"/>
+                <a:stretch>
+                  <a:fillRect l="-3556" t="-4717" b="-14151"/>
+                </a:stretch>
+              </a:blipFill>
+            </p:spPr>
+            <p:txBody>
+              <a:bodyPr/>
+              <a:lstStyle/>
+              <a:p>
+                <a:r>
+                  <a:rPr lang="he-IL">
+                    <a:noFill/>
+                  </a:rPr>
+                  <a:t> </a:t>
+                </a:r>
+              </a:p>
+            </p:txBody>
+          </p:sp>
+        </mc:Fallback>
+      </mc:AlternateContent>
+    </p:spTree>
+    <p:extLst>
+      <p:ext uri="{BB962C8B-B14F-4D97-AF65-F5344CB8AC3E}">
+        <p14:creationId xmlns:p14="http://schemas.microsoft.com/office/powerpoint/2010/main" val="3692877893"/>
+      </p:ext>
+    </p:extLst>
+  </p:cSld>
+  <p:clrMapOvr>
+    <a:masterClrMapping/>
+  </p:clrMapOvr>
+</p:sld>
+</file>
+
+<file path=ppt/slides/slide9.xml><?xml version="1.0" encoding="utf-8"?>
+<p:sld xmlns:a="http://schemas.openxmlformats.org/drawingml/2006/main" xmlns:r="http://schemas.openxmlformats.org/officeDocument/2006/relationships" xmlns:p="http://schemas.openxmlformats.org/presentationml/2006/main">
+  <p:cSld>
+    <p:spTree>
+      <p:nvGrpSpPr>
+        <p:cNvPr id="1" name=""/>
+        <p:cNvGrpSpPr/>
+        <p:nvPr/>
+      </p:nvGrpSpPr>
+      <p:grpSpPr>
+        <a:xfrm>
+          <a:off x="0" y="0"/>
+          <a:ext cx="0" cy="0"/>
+          <a:chOff x="0" y="0"/>
+          <a:chExt cx="0" cy="0"/>
+        </a:xfrm>
+      </p:grpSpPr>
+      <p:grpSp>
+        <p:nvGrpSpPr>
+          <p:cNvPr id="16" name="Group 15">
+            <a:extLst>
+              <a:ext uri="{FF2B5EF4-FFF2-40B4-BE49-F238E27FC236}">
+                <a16:creationId xmlns:a16="http://schemas.microsoft.com/office/drawing/2014/main" id="{9719600C-63F3-4012-97E8-A9A5FBDF3D9F}"/>
+              </a:ext>
+            </a:extLst>
+          </p:cNvPr>
+          <p:cNvGrpSpPr/>
+          <p:nvPr/>
+        </p:nvGrpSpPr>
+        <p:grpSpPr>
+          <a:xfrm>
+            <a:off x="-1324405" y="457710"/>
+            <a:ext cx="15367819" cy="6380344"/>
+            <a:chOff x="1651919" y="1386346"/>
+            <a:chExt cx="8855851" cy="3076610"/>
+          </a:xfrm>
+        </p:grpSpPr>
+        <p:sp>
+          <p:nvSpPr>
+            <p:cNvPr id="108" name="Oval 107">
+              <a:extLst>
+                <a:ext uri="{FF2B5EF4-FFF2-40B4-BE49-F238E27FC236}">
+                  <a16:creationId xmlns:a16="http://schemas.microsoft.com/office/drawing/2014/main" id="{178E2A64-9B3A-4CB7-A7A6-F9A3CCE1A315}"/>
+                </a:ext>
+              </a:extLst>
+            </p:cNvPr>
+            <p:cNvSpPr/>
+            <p:nvPr/>
+          </p:nvSpPr>
+          <p:spPr>
+            <a:xfrm>
+              <a:off x="6033938" y="1386346"/>
+              <a:ext cx="685011" cy="573202"/>
+            </a:xfrm>
+            <a:prstGeom prst="ellipse">
+              <a:avLst/>
+            </a:prstGeom>
+            <a:solidFill>
+              <a:srgbClr val="0070C0"/>
+            </a:solidFill>
+            <a:ln w="25400">
+              <a:solidFill>
+                <a:schemeClr val="tx1"/>
+              </a:solidFill>
+            </a:ln>
+          </p:spPr>
+          <p:style>
+            <a:lnRef idx="2">
+              <a:schemeClr val="accent1">
+                <a:shade val="50000"/>
+              </a:schemeClr>
+            </a:lnRef>
+            <a:fillRef idx="1">
+              <a:schemeClr val="accent1"/>
+            </a:fillRef>
+            <a:effectRef idx="0">
+              <a:schemeClr val="accent1"/>
+            </a:effectRef>
+            <a:fontRef idx="minor">
+              <a:schemeClr val="lt1"/>
+            </a:fontRef>
+          </p:style>
+          <p:txBody>
+            <a:bodyPr rtlCol="1" anchor="ctr"/>
+            <a:lstStyle/>
+            <a:p>
+              <a:pPr algn="ctr"/>
+              <a:r>
+                <a:rPr lang="en-US" dirty="0">
+                  <a:latin typeface="David" panose="020E0502060401010101" pitchFamily="34" charset="-79"/>
+                  <a:cs typeface="David" panose="020E0502060401010101" pitchFamily="34" charset="-79"/>
+                </a:rPr>
+                <a:t>A</a:t>
+              </a:r>
+              <a:endParaRPr lang="he-IL" dirty="0">
+                <a:latin typeface="David" panose="020E0502060401010101" pitchFamily="34" charset="-79"/>
+                <a:cs typeface="David" panose="020E0502060401010101" pitchFamily="34" charset="-79"/>
+              </a:endParaRPr>
+            </a:p>
+          </p:txBody>
+        </p:sp>
+        <p:sp>
+          <p:nvSpPr>
+            <p:cNvPr id="109" name="Oval 108">
+              <a:extLst>
+                <a:ext uri="{FF2B5EF4-FFF2-40B4-BE49-F238E27FC236}">
+                  <a16:creationId xmlns:a16="http://schemas.microsoft.com/office/drawing/2014/main" id="{665AC7F7-407D-4AB4-A17E-D4C6A457F841}"/>
+                </a:ext>
+              </a:extLst>
+            </p:cNvPr>
+            <p:cNvSpPr/>
+            <p:nvPr/>
+          </p:nvSpPr>
+          <p:spPr>
+            <a:xfrm>
+              <a:off x="9114401" y="2909986"/>
+              <a:ext cx="685011" cy="573202"/>
+            </a:xfrm>
+            <a:prstGeom prst="ellipse">
+              <a:avLst/>
+            </a:prstGeom>
+            <a:solidFill>
+              <a:srgbClr val="0070C0"/>
+            </a:solidFill>
+            <a:ln w="25400">
+              <a:solidFill>
+                <a:schemeClr val="tx1"/>
+              </a:solidFill>
+            </a:ln>
+          </p:spPr>
+          <p:style>
+            <a:lnRef idx="2">
+              <a:schemeClr val="accent1">
+                <a:shade val="50000"/>
+              </a:schemeClr>
+            </a:lnRef>
+            <a:fillRef idx="1">
+              <a:schemeClr val="accent1"/>
+            </a:fillRef>
+            <a:effectRef idx="0">
+              <a:schemeClr val="accent1"/>
+            </a:effectRef>
+            <a:fontRef idx="minor">
+              <a:schemeClr val="lt1"/>
+            </a:fontRef>
+          </p:style>
+          <p:txBody>
+            <a:bodyPr rtlCol="1" anchor="ctr"/>
+            <a:lstStyle/>
+            <a:p>
+              <a:pPr algn="ctr"/>
+              <a:r>
+                <a:rPr lang="en-US" dirty="0">
+                  <a:latin typeface="David" panose="020E0502060401010101" pitchFamily="34" charset="-79"/>
+                  <a:cs typeface="David" panose="020E0502060401010101" pitchFamily="34" charset="-79"/>
+                </a:rPr>
+                <a:t>D=6.7</a:t>
+              </a:r>
+              <a:endParaRPr lang="he-IL" dirty="0">
+                <a:latin typeface="David" panose="020E0502060401010101" pitchFamily="34" charset="-79"/>
+                <a:cs typeface="David" panose="020E0502060401010101" pitchFamily="34" charset="-79"/>
+              </a:endParaRPr>
+            </a:p>
+          </p:txBody>
+        </p:sp>
+        <p:sp>
+          <p:nvSpPr>
+            <p:cNvPr id="111" name="Oval 110">
+              <a:extLst>
+                <a:ext uri="{FF2B5EF4-FFF2-40B4-BE49-F238E27FC236}">
+                  <a16:creationId xmlns:a16="http://schemas.microsoft.com/office/drawing/2014/main" id="{B3AD5CE9-4859-4EC3-9308-32F1617C2769}"/>
+                </a:ext>
+              </a:extLst>
+            </p:cNvPr>
+            <p:cNvSpPr/>
+            <p:nvPr/>
+          </p:nvSpPr>
+          <p:spPr>
+            <a:xfrm>
+              <a:off x="3010643" y="2909986"/>
+              <a:ext cx="685011" cy="573202"/>
+            </a:xfrm>
+            <a:prstGeom prst="ellipse">
+              <a:avLst/>
+            </a:prstGeom>
+            <a:solidFill>
+              <a:srgbClr val="0070C0"/>
+            </a:solidFill>
+            <a:ln w="25400">
+              <a:solidFill>
+                <a:schemeClr val="tx1"/>
+              </a:solidFill>
+            </a:ln>
+          </p:spPr>
+          <p:style>
+            <a:lnRef idx="2">
+              <a:schemeClr val="accent1">
+                <a:shade val="50000"/>
+              </a:schemeClr>
+            </a:lnRef>
+            <a:fillRef idx="1">
+              <a:schemeClr val="accent1"/>
+            </a:fillRef>
+            <a:effectRef idx="0">
+              <a:schemeClr val="accent1"/>
+            </a:effectRef>
+            <a:fontRef idx="minor">
+              <a:schemeClr val="lt1"/>
+            </a:fontRef>
+          </p:style>
+          <p:txBody>
+            <a:bodyPr rtlCol="1" anchor="ctr"/>
+            <a:lstStyle/>
+            <a:p>
+              <a:pPr algn="ctr"/>
+              <a:r>
+                <a:rPr lang="en-US" dirty="0">
+                  <a:latin typeface="David" panose="020E0502060401010101" pitchFamily="34" charset="-79"/>
+                  <a:cs typeface="David" panose="020E0502060401010101" pitchFamily="34" charset="-79"/>
+                </a:rPr>
+                <a:t>B=2.2</a:t>
+              </a:r>
+              <a:endParaRPr lang="he-IL" dirty="0">
+                <a:latin typeface="David" panose="020E0502060401010101" pitchFamily="34" charset="-79"/>
+                <a:cs typeface="David" panose="020E0502060401010101" pitchFamily="34" charset="-79"/>
+              </a:endParaRPr>
+            </a:p>
+          </p:txBody>
+        </p:sp>
+        <mc:AlternateContent xmlns:mc="http://schemas.openxmlformats.org/markup-compatibility/2006">
+          <mc:Choice xmlns:a14="http://schemas.microsoft.com/office/drawing/2010/main" Requires="a14">
+            <p:sp>
+              <p:nvSpPr>
+                <p:cNvPr id="126" name="Oval 125">
+                  <a:extLst>
+                    <a:ext uri="{FF2B5EF4-FFF2-40B4-BE49-F238E27FC236}">
+                      <a16:creationId xmlns:a16="http://schemas.microsoft.com/office/drawing/2014/main" id="{25A2ED36-6595-4D40-8D12-8FF2ED705550}"/>
+                    </a:ext>
+                  </a:extLst>
+                </p:cNvPr>
+                <p:cNvSpPr/>
+                <p:nvPr/>
+              </p:nvSpPr>
+              <p:spPr>
+                <a:xfrm>
+                  <a:off x="9490688" y="3889754"/>
+                  <a:ext cx="685011" cy="573202"/>
+                </a:xfrm>
+                <a:prstGeom prst="ellipse">
+                  <a:avLst/>
+                </a:prstGeom>
+                <a:solidFill>
+                  <a:srgbClr val="0070C0"/>
+                </a:solidFill>
+                <a:ln w="25400">
+                  <a:solidFill>
+                    <a:schemeClr val="tx1"/>
+                  </a:solidFill>
+                </a:ln>
+              </p:spPr>
+              <p:style>
+                <a:lnRef idx="2">
+                  <a:schemeClr val="accent1">
+                    <a:shade val="50000"/>
+                  </a:schemeClr>
+                </a:lnRef>
+                <a:fillRef idx="1">
+                  <a:schemeClr val="accent1"/>
+                </a:fillRef>
+                <a:effectRef idx="0">
+                  <a:schemeClr val="accent1"/>
+                </a:effectRef>
+                <a:fontRef idx="minor">
+                  <a:schemeClr val="lt1"/>
+                </a:fontRef>
+              </p:style>
+              <p:txBody>
+                <a:bodyPr rtlCol="1" anchor="ctr"/>
+                <a:lstStyle/>
+                <a:p>
+                  <a:pPr algn="ctr"/>
+                  <a14:m>
+                    <m:oMathPara xmlns:m="http://schemas.openxmlformats.org/officeDocument/2006/math">
+                      <m:oMathParaPr>
+                        <m:jc m:val="centerGroup"/>
+                      </m:oMathParaPr>
+                      <m:oMath xmlns:m="http://schemas.openxmlformats.org/officeDocument/2006/math">
+                        <m:r>
+                          <a:rPr lang="en-US" b="0" i="1" dirty="0" smtClean="0">
+                            <a:latin typeface="Cambria Math" panose="02040503050406030204" pitchFamily="18" charset="0"/>
+                            <a:ea typeface="Cambria Math" panose="02040503050406030204" pitchFamily="18" charset="0"/>
+                          </a:rPr>
+                          <m:t>7</m:t>
+                        </m:r>
+                      </m:oMath>
+                    </m:oMathPara>
+                  </a14:m>
+                  <a:endParaRPr lang="he-IL" dirty="0">
+                    <a:latin typeface="David" panose="020E0502060401010101" pitchFamily="34" charset="-79"/>
+                    <a:cs typeface="David" panose="020E0502060401010101" pitchFamily="34" charset="-79"/>
+                  </a:endParaRPr>
+                </a:p>
+              </p:txBody>
+            </p:sp>
+          </mc:Choice>
+          <mc:Fallback>
+            <p:sp>
+              <p:nvSpPr>
+                <p:cNvPr id="126" name="Oval 125">
+                  <a:extLst>
+                    <a:ext uri="{FF2B5EF4-FFF2-40B4-BE49-F238E27FC236}">
+                      <a16:creationId xmlns:a16="http://schemas.microsoft.com/office/drawing/2014/main" id="{25A2ED36-6595-4D40-8D12-8FF2ED705550}"/>
+                    </a:ext>
+                  </a:extLst>
+                </p:cNvPr>
+                <p:cNvSpPr>
+                  <a:spLocks noRot="1" noChangeAspect="1" noMove="1" noResize="1" noEditPoints="1" noAdjustHandles="1" noChangeArrowheads="1" noChangeShapeType="1" noTextEdit="1"/>
+                </p:cNvSpPr>
+                <p:nvPr/>
+              </p:nvSpPr>
+              <p:spPr>
+                <a:xfrm>
+                  <a:off x="9490688" y="3889754"/>
+                  <a:ext cx="685011" cy="573202"/>
+                </a:xfrm>
+                <a:prstGeom prst="ellipse">
+                  <a:avLst/>
+                </a:prstGeom>
+                <a:blipFill>
+                  <a:blip r:embed="rId2"/>
+                  <a:stretch>
+                    <a:fillRect/>
+                  </a:stretch>
+                </a:blipFill>
+                <a:ln w="25400">
+                  <a:solidFill>
+                    <a:schemeClr val="tx1"/>
+                  </a:solidFill>
+                </a:ln>
+              </p:spPr>
+              <p:txBody>
+                <a:bodyPr/>
+                <a:lstStyle/>
+                <a:p>
+                  <a:r>
+                    <a:rPr lang="he-IL">
+                      <a:noFill/>
+                    </a:rPr>
+                    <a:t> </a:t>
+                  </a:r>
+                </a:p>
+              </p:txBody>
+            </p:sp>
+          </mc:Fallback>
+        </mc:AlternateContent>
+        <p:sp>
+          <p:nvSpPr>
+            <p:cNvPr id="128" name="Oval 127">
+              <a:extLst>
+                <a:ext uri="{FF2B5EF4-FFF2-40B4-BE49-F238E27FC236}">
+                  <a16:creationId xmlns:a16="http://schemas.microsoft.com/office/drawing/2014/main" id="{C62CFACF-71E1-4122-872A-750C7713E768}"/>
+                </a:ext>
+              </a:extLst>
+            </p:cNvPr>
+            <p:cNvSpPr/>
+            <p:nvPr/>
+          </p:nvSpPr>
+          <p:spPr>
+            <a:xfrm>
+              <a:off x="2530567" y="3889754"/>
+              <a:ext cx="685011" cy="573202"/>
+            </a:xfrm>
+            <a:prstGeom prst="ellipse">
+              <a:avLst/>
+            </a:prstGeom>
+            <a:solidFill>
+              <a:srgbClr val="0070C0"/>
+            </a:solidFill>
+            <a:ln w="25400">
+              <a:solidFill>
+                <a:schemeClr val="tx1"/>
+              </a:solidFill>
+            </a:ln>
+          </p:spPr>
+          <p:style>
+            <a:lnRef idx="2">
+              <a:schemeClr val="accent1">
+                <a:shade val="50000"/>
+              </a:schemeClr>
+            </a:lnRef>
+            <a:fillRef idx="1">
+              <a:schemeClr val="accent1"/>
+            </a:fillRef>
+            <a:effectRef idx="0">
+              <a:schemeClr val="accent1"/>
+            </a:effectRef>
+            <a:fontRef idx="minor">
+              <a:schemeClr val="lt1"/>
+            </a:fontRef>
+          </p:style>
+          <p:txBody>
+            <a:bodyPr rtlCol="1" anchor="ctr"/>
+            <a:lstStyle/>
+            <a:p>
+              <a:pPr algn="ctr"/>
+              <a:r>
+                <a:rPr lang="en-US" dirty="0">
+                  <a:latin typeface="David" panose="020E0502060401010101" pitchFamily="34" charset="-79"/>
+                  <a:cs typeface="David" panose="020E0502060401010101" pitchFamily="34" charset="-79"/>
+                </a:rPr>
+                <a:t>5</a:t>
+              </a:r>
+              <a:endParaRPr lang="he-IL" dirty="0">
+                <a:latin typeface="David" panose="020E0502060401010101" pitchFamily="34" charset="-79"/>
+                <a:cs typeface="David" panose="020E0502060401010101" pitchFamily="34" charset="-79"/>
+              </a:endParaRPr>
+            </a:p>
+          </p:txBody>
+        </p:sp>
+        <p:sp>
+          <p:nvSpPr>
+            <p:cNvPr id="130" name="Oval 129">
+              <a:extLst>
+                <a:ext uri="{FF2B5EF4-FFF2-40B4-BE49-F238E27FC236}">
+                  <a16:creationId xmlns:a16="http://schemas.microsoft.com/office/drawing/2014/main" id="{3C2B41D3-0480-434A-9147-1C41CBEAF029}"/>
+                </a:ext>
+              </a:extLst>
+            </p:cNvPr>
+            <p:cNvSpPr/>
+            <p:nvPr/>
+          </p:nvSpPr>
+          <p:spPr>
+            <a:xfrm>
+              <a:off x="3690587" y="3889754"/>
+              <a:ext cx="685011" cy="573202"/>
+            </a:xfrm>
+            <a:prstGeom prst="ellipse">
+              <a:avLst/>
+            </a:prstGeom>
+            <a:solidFill>
+              <a:srgbClr val="0070C0"/>
+            </a:solidFill>
+            <a:ln w="25400">
+              <a:solidFill>
+                <a:schemeClr val="tx1"/>
+              </a:solidFill>
+            </a:ln>
+          </p:spPr>
+          <p:style>
+            <a:lnRef idx="2">
+              <a:schemeClr val="accent1">
+                <a:shade val="50000"/>
+              </a:schemeClr>
+            </a:lnRef>
+            <a:fillRef idx="1">
+              <a:schemeClr val="accent1"/>
+            </a:fillRef>
+            <a:effectRef idx="0">
+              <a:schemeClr val="accent1"/>
+            </a:effectRef>
+            <a:fontRef idx="minor">
+              <a:schemeClr val="lt1"/>
+            </a:fontRef>
+          </p:style>
+          <p:txBody>
+            <a:bodyPr rtlCol="1" anchor="ctr"/>
+            <a:lstStyle/>
+            <a:p>
+              <a:pPr algn="ctr"/>
+              <a:r>
+                <a:rPr lang="en-US" dirty="0">
+                  <a:latin typeface="David" panose="020E0502060401010101" pitchFamily="34" charset="-79"/>
+                  <a:cs typeface="David" panose="020E0502060401010101" pitchFamily="34" charset="-79"/>
+                </a:rPr>
+                <a:t>1</a:t>
+              </a:r>
+              <a:endParaRPr lang="he-IL" dirty="0">
+                <a:latin typeface="David" panose="020E0502060401010101" pitchFamily="34" charset="-79"/>
+                <a:cs typeface="David" panose="020E0502060401010101" pitchFamily="34" charset="-79"/>
+              </a:endParaRPr>
+            </a:p>
+          </p:txBody>
+        </p:sp>
+        <p:sp>
+          <p:nvSpPr>
+            <p:cNvPr id="134" name="Oval 133">
+              <a:extLst>
+                <a:ext uri="{FF2B5EF4-FFF2-40B4-BE49-F238E27FC236}">
+                  <a16:creationId xmlns:a16="http://schemas.microsoft.com/office/drawing/2014/main" id="{A2C78425-3571-48DE-8633-911650A3C6A9}"/>
+                </a:ext>
+              </a:extLst>
+            </p:cNvPr>
+            <p:cNvSpPr/>
+            <p:nvPr/>
+          </p:nvSpPr>
+          <p:spPr>
+            <a:xfrm>
+              <a:off x="8330668" y="3889754"/>
+              <a:ext cx="685011" cy="573202"/>
+            </a:xfrm>
+            <a:prstGeom prst="ellipse">
+              <a:avLst/>
+            </a:prstGeom>
+            <a:solidFill>
+              <a:srgbClr val="0070C0"/>
+            </a:solidFill>
+            <a:ln w="25400">
+              <a:solidFill>
+                <a:schemeClr val="tx1"/>
+              </a:solidFill>
+            </a:ln>
+          </p:spPr>
+          <p:style>
+            <a:lnRef idx="2">
+              <a:schemeClr val="accent1">
+                <a:shade val="50000"/>
+              </a:schemeClr>
+            </a:lnRef>
+            <a:fillRef idx="1">
+              <a:schemeClr val="accent1"/>
+            </a:fillRef>
+            <a:effectRef idx="0">
+              <a:schemeClr val="accent1"/>
+            </a:effectRef>
+            <a:fontRef idx="minor">
+              <a:schemeClr val="lt1"/>
+            </a:fontRef>
+          </p:style>
+          <p:txBody>
+            <a:bodyPr rtlCol="1" anchor="ctr"/>
+            <a:lstStyle/>
+            <a:p>
+              <a:pPr algn="ctr"/>
+              <a:r>
+                <a:rPr lang="en-US" dirty="0">
+                  <a:latin typeface="David" panose="020E0502060401010101" pitchFamily="34" charset="-79"/>
+                  <a:cs typeface="David" panose="020E0502060401010101" pitchFamily="34" charset="-79"/>
+                </a:rPr>
+                <a:t>4</a:t>
+              </a:r>
+              <a:endParaRPr lang="he-IL" dirty="0">
+                <a:latin typeface="David" panose="020E0502060401010101" pitchFamily="34" charset="-79"/>
+                <a:cs typeface="David" panose="020E0502060401010101" pitchFamily="34" charset="-79"/>
+              </a:endParaRPr>
+            </a:p>
+          </p:txBody>
+        </p:sp>
+        <p:cxnSp>
+          <p:nvCxnSpPr>
+            <p:cNvPr id="84" name="Straight Connector 83">
+              <a:extLst>
+                <a:ext uri="{FF2B5EF4-FFF2-40B4-BE49-F238E27FC236}">
+                  <a16:creationId xmlns:a16="http://schemas.microsoft.com/office/drawing/2014/main" id="{B7B8A5AB-BDC7-4DC5-8695-359D110C021D}"/>
+                </a:ext>
+              </a:extLst>
+            </p:cNvPr>
+            <p:cNvCxnSpPr>
+              <a:stCxn id="108" idx="2"/>
+              <a:endCxn id="111" idx="7"/>
+            </p:cNvCxnSpPr>
+            <p:nvPr/>
+          </p:nvCxnSpPr>
+          <p:spPr>
+            <a:xfrm flipH="1">
+              <a:off x="3595337" y="1672947"/>
+              <a:ext cx="2438602" cy="1320983"/>
+            </a:xfrm>
+            <a:prstGeom prst="line">
+              <a:avLst/>
+            </a:prstGeom>
+          </p:spPr>
+          <p:style>
+            <a:lnRef idx="1">
+              <a:schemeClr val="accent1"/>
+            </a:lnRef>
+            <a:fillRef idx="0">
+              <a:schemeClr val="accent1"/>
+            </a:fillRef>
+            <a:effectRef idx="0">
+              <a:schemeClr val="accent1"/>
+            </a:effectRef>
+            <a:fontRef idx="minor">
+              <a:schemeClr val="tx1"/>
+            </a:fontRef>
+          </p:style>
+        </p:cxnSp>
+        <p:cxnSp>
+          <p:nvCxnSpPr>
+            <p:cNvPr id="136" name="Straight Connector 135">
+              <a:extLst>
+                <a:ext uri="{FF2B5EF4-FFF2-40B4-BE49-F238E27FC236}">
+                  <a16:creationId xmlns:a16="http://schemas.microsoft.com/office/drawing/2014/main" id="{D4B75C70-5CD2-45F3-B3E1-B2C9E0F2D520}"/>
+                </a:ext>
+              </a:extLst>
+            </p:cNvPr>
+            <p:cNvCxnSpPr>
+              <a:cxnSpLocks/>
+              <a:stCxn id="111" idx="3"/>
+              <a:endCxn id="128" idx="0"/>
+            </p:cNvCxnSpPr>
+            <p:nvPr/>
+          </p:nvCxnSpPr>
+          <p:spPr>
+            <a:xfrm flipH="1">
+              <a:off x="2873073" y="3399244"/>
+              <a:ext cx="237888" cy="490510"/>
+            </a:xfrm>
+            <a:prstGeom prst="line">
+              <a:avLst/>
+            </a:prstGeom>
+          </p:spPr>
+          <p:style>
+            <a:lnRef idx="1">
+              <a:schemeClr val="accent1"/>
+            </a:lnRef>
+            <a:fillRef idx="0">
+              <a:schemeClr val="accent1"/>
+            </a:fillRef>
+            <a:effectRef idx="0">
+              <a:schemeClr val="accent1"/>
+            </a:effectRef>
+            <a:fontRef idx="minor">
+              <a:schemeClr val="tx1"/>
+            </a:fontRef>
+          </p:style>
+        </p:cxnSp>
+        <p:cxnSp>
+          <p:nvCxnSpPr>
+            <p:cNvPr id="140" name="Straight Connector 139">
+              <a:extLst>
+                <a:ext uri="{FF2B5EF4-FFF2-40B4-BE49-F238E27FC236}">
+                  <a16:creationId xmlns:a16="http://schemas.microsoft.com/office/drawing/2014/main" id="{69AE9094-E9C2-4135-BDF0-F5EEA998D838}"/>
+                </a:ext>
+              </a:extLst>
+            </p:cNvPr>
+            <p:cNvCxnSpPr>
+              <a:cxnSpLocks/>
+              <a:stCxn id="111" idx="5"/>
+              <a:endCxn id="130" idx="0"/>
+            </p:cNvCxnSpPr>
+            <p:nvPr/>
+          </p:nvCxnSpPr>
+          <p:spPr>
+            <a:xfrm>
+              <a:off x="3595337" y="3399244"/>
+              <a:ext cx="437756" cy="490510"/>
+            </a:xfrm>
+            <a:prstGeom prst="line">
+              <a:avLst/>
+            </a:prstGeom>
+          </p:spPr>
+          <p:style>
+            <a:lnRef idx="1">
+              <a:schemeClr val="accent1"/>
+            </a:lnRef>
+            <a:fillRef idx="0">
+              <a:schemeClr val="accent1"/>
+            </a:fillRef>
+            <a:effectRef idx="0">
+              <a:schemeClr val="accent1"/>
+            </a:effectRef>
+            <a:fontRef idx="minor">
+              <a:schemeClr val="tx1"/>
+            </a:fontRef>
+          </p:style>
+        </p:cxnSp>
+        <p:cxnSp>
+          <p:nvCxnSpPr>
+            <p:cNvPr id="153" name="Straight Connector 152">
+              <a:extLst>
+                <a:ext uri="{FF2B5EF4-FFF2-40B4-BE49-F238E27FC236}">
+                  <a16:creationId xmlns:a16="http://schemas.microsoft.com/office/drawing/2014/main" id="{85213545-9ECB-4C25-BD4F-9862CAC66184}"/>
+                </a:ext>
+              </a:extLst>
+            </p:cNvPr>
+            <p:cNvCxnSpPr>
+              <a:cxnSpLocks/>
+              <a:stCxn id="108" idx="6"/>
+              <a:endCxn id="109" idx="1"/>
+            </p:cNvCxnSpPr>
+            <p:nvPr/>
+          </p:nvCxnSpPr>
+          <p:spPr>
+            <a:xfrm>
+              <a:off x="6718949" y="1672947"/>
+              <a:ext cx="2495769" cy="1320983"/>
+            </a:xfrm>
+            <a:prstGeom prst="line">
+              <a:avLst/>
+            </a:prstGeom>
+            <a:ln w="57150">
+              <a:headEnd type="none"/>
+              <a:tailEnd type="stealth"/>
+            </a:ln>
+          </p:spPr>
+          <p:style>
+            <a:lnRef idx="1">
+              <a:schemeClr val="accent1"/>
+            </a:lnRef>
+            <a:fillRef idx="0">
+              <a:schemeClr val="accent1"/>
+            </a:fillRef>
+            <a:effectRef idx="0">
+              <a:schemeClr val="accent1"/>
+            </a:effectRef>
+            <a:fontRef idx="minor">
+              <a:schemeClr val="tx1"/>
+            </a:fontRef>
+          </p:style>
+        </p:cxnSp>
+        <p:cxnSp>
+          <p:nvCxnSpPr>
+            <p:cNvPr id="154" name="Straight Connector 153">
+              <a:extLst>
+                <a:ext uri="{FF2B5EF4-FFF2-40B4-BE49-F238E27FC236}">
+                  <a16:creationId xmlns:a16="http://schemas.microsoft.com/office/drawing/2014/main" id="{46BCECC7-DB6F-44EE-A766-AFE4CBC7B980}"/>
+                </a:ext>
+              </a:extLst>
+            </p:cNvPr>
+            <p:cNvCxnSpPr>
+              <a:cxnSpLocks/>
+              <a:stCxn id="134" idx="0"/>
+              <a:endCxn id="109" idx="3"/>
+            </p:cNvCxnSpPr>
+            <p:nvPr/>
+          </p:nvCxnSpPr>
+          <p:spPr>
+            <a:xfrm flipV="1">
+              <a:off x="8673174" y="3399244"/>
+              <a:ext cx="541545" cy="490510"/>
+            </a:xfrm>
+            <a:prstGeom prst="line">
+              <a:avLst/>
+            </a:prstGeom>
+            <a:ln w="6350">
+              <a:headEnd type="none"/>
+              <a:tailEnd type="none"/>
+            </a:ln>
+          </p:spPr>
+          <p:style>
+            <a:lnRef idx="1">
+              <a:schemeClr val="accent1"/>
+            </a:lnRef>
+            <a:fillRef idx="0">
+              <a:schemeClr val="accent1"/>
+            </a:fillRef>
+            <a:effectRef idx="0">
+              <a:schemeClr val="accent1"/>
+            </a:effectRef>
+            <a:fontRef idx="minor">
+              <a:schemeClr val="tx1"/>
+            </a:fontRef>
+          </p:style>
+        </p:cxnSp>
+        <p:cxnSp>
+          <p:nvCxnSpPr>
+            <p:cNvPr id="160" name="Straight Connector 159">
+              <a:extLst>
+                <a:ext uri="{FF2B5EF4-FFF2-40B4-BE49-F238E27FC236}">
+                  <a16:creationId xmlns:a16="http://schemas.microsoft.com/office/drawing/2014/main" id="{536A9D08-1AC6-407E-94E7-89F7090110AC}"/>
+                </a:ext>
+              </a:extLst>
+            </p:cNvPr>
+            <p:cNvCxnSpPr>
+              <a:cxnSpLocks/>
+              <a:stCxn id="126" idx="0"/>
+              <a:endCxn id="109" idx="5"/>
+            </p:cNvCxnSpPr>
+            <p:nvPr/>
+          </p:nvCxnSpPr>
+          <p:spPr>
+            <a:xfrm flipH="1" flipV="1">
+              <a:off x="9699095" y="3399244"/>
+              <a:ext cx="134099" cy="490510"/>
+            </a:xfrm>
+            <a:prstGeom prst="line">
+              <a:avLst/>
+            </a:prstGeom>
+          </p:spPr>
+          <p:style>
+            <a:lnRef idx="1">
+              <a:schemeClr val="accent1"/>
+            </a:lnRef>
+            <a:fillRef idx="0">
+              <a:schemeClr val="accent1"/>
+            </a:fillRef>
+            <a:effectRef idx="0">
+              <a:schemeClr val="accent1"/>
+            </a:effectRef>
+            <a:fontRef idx="minor">
+              <a:schemeClr val="tx1"/>
+            </a:fontRef>
+          </p:style>
+        </p:cxnSp>
+        <p:sp>
+          <p:nvSpPr>
+            <p:cNvPr id="179" name="TextBox 178">
+              <a:extLst>
+                <a:ext uri="{FF2B5EF4-FFF2-40B4-BE49-F238E27FC236}">
+                  <a16:creationId xmlns:a16="http://schemas.microsoft.com/office/drawing/2014/main" id="{60696730-069F-4131-8CD9-C36EDD5AE16A}"/>
+                </a:ext>
+              </a:extLst>
+            </p:cNvPr>
+            <p:cNvSpPr txBox="1"/>
+            <p:nvPr/>
+          </p:nvSpPr>
+          <p:spPr>
+            <a:xfrm>
+              <a:off x="1651919" y="1484444"/>
+              <a:ext cx="1456683" cy="369332"/>
+            </a:xfrm>
+            <a:prstGeom prst="rect">
+              <a:avLst/>
+            </a:prstGeom>
+            <a:noFill/>
+          </p:spPr>
+          <p:txBody>
+            <a:bodyPr wrap="square" rtlCol="1">
+              <a:spAutoFit/>
+            </a:bodyPr>
+            <a:lstStyle/>
+            <a:p>
+              <a:r>
+                <a:rPr lang="en-US" dirty="0">
+                  <a:latin typeface="David" panose="020E0502060401010101" pitchFamily="34" charset="-79"/>
+                  <a:cs typeface="David" panose="020E0502060401010101" pitchFamily="34" charset="-79"/>
+                </a:rPr>
+                <a:t>MAX:</a:t>
+              </a:r>
+              <a:endParaRPr lang="he-IL" dirty="0">
+                <a:latin typeface="David" panose="020E0502060401010101" pitchFamily="34" charset="-79"/>
+                <a:cs typeface="David" panose="020E0502060401010101" pitchFamily="34" charset="-79"/>
+              </a:endParaRPr>
+            </a:p>
+          </p:txBody>
+        </p:sp>
+        <p:sp>
+          <p:nvSpPr>
+            <p:cNvPr id="180" name="TextBox 179">
+              <a:extLst>
+                <a:ext uri="{FF2B5EF4-FFF2-40B4-BE49-F238E27FC236}">
+                  <a16:creationId xmlns:a16="http://schemas.microsoft.com/office/drawing/2014/main" id="{DC1DFEE9-E1AA-4E54-8A44-B19690725357}"/>
+                </a:ext>
+              </a:extLst>
+            </p:cNvPr>
+            <p:cNvSpPr txBox="1"/>
+            <p:nvPr/>
+          </p:nvSpPr>
+          <p:spPr>
+            <a:xfrm>
+              <a:off x="1653050" y="2964152"/>
+              <a:ext cx="1456683" cy="369332"/>
+            </a:xfrm>
+            <a:prstGeom prst="rect">
+              <a:avLst/>
+            </a:prstGeom>
+            <a:noFill/>
+          </p:spPr>
+          <p:txBody>
+            <a:bodyPr wrap="square" rtlCol="1">
+              <a:spAutoFit/>
+            </a:bodyPr>
+            <a:lstStyle/>
+            <a:p>
+              <a:r>
+                <a:rPr lang="en-US" dirty="0">
+                  <a:latin typeface="David" panose="020E0502060401010101" pitchFamily="34" charset="-79"/>
+                  <a:cs typeface="David" panose="020E0502060401010101" pitchFamily="34" charset="-79"/>
+                </a:rPr>
+                <a:t>CHANCE:</a:t>
+              </a:r>
+              <a:endParaRPr lang="he-IL" dirty="0">
+                <a:latin typeface="David" panose="020E0502060401010101" pitchFamily="34" charset="-79"/>
+                <a:cs typeface="David" panose="020E0502060401010101" pitchFamily="34" charset="-79"/>
+              </a:endParaRPr>
+            </a:p>
+          </p:txBody>
+        </p:sp>
+        <p:sp>
+          <p:nvSpPr>
+            <p:cNvPr id="181" name="TextBox 180">
+              <a:extLst>
+                <a:ext uri="{FF2B5EF4-FFF2-40B4-BE49-F238E27FC236}">
+                  <a16:creationId xmlns:a16="http://schemas.microsoft.com/office/drawing/2014/main" id="{19BEE4C3-7A28-4505-B276-FD80D55E30FE}"/>
+                </a:ext>
+              </a:extLst>
+            </p:cNvPr>
+            <p:cNvSpPr txBox="1"/>
+            <p:nvPr/>
+          </p:nvSpPr>
+          <p:spPr>
+            <a:xfrm>
+              <a:off x="1651920" y="3966346"/>
+              <a:ext cx="1456683" cy="369332"/>
+            </a:xfrm>
+            <a:prstGeom prst="rect">
+              <a:avLst/>
+            </a:prstGeom>
+            <a:noFill/>
+          </p:spPr>
+          <p:txBody>
+            <a:bodyPr wrap="square" rtlCol="1">
+              <a:spAutoFit/>
+            </a:bodyPr>
+            <a:lstStyle/>
+            <a:p>
+              <a:r>
+                <a:rPr lang="en-US" dirty="0">
+                  <a:latin typeface="David" panose="020E0502060401010101" pitchFamily="34" charset="-79"/>
+                  <a:cs typeface="David" panose="020E0502060401010101" pitchFamily="34" charset="-79"/>
+                </a:rPr>
+                <a:t>MIN:</a:t>
+              </a:r>
+              <a:endParaRPr lang="he-IL" dirty="0">
+                <a:latin typeface="David" panose="020E0502060401010101" pitchFamily="34" charset="-79"/>
+                <a:cs typeface="David" panose="020E0502060401010101" pitchFamily="34" charset="-79"/>
+              </a:endParaRPr>
+            </a:p>
+          </p:txBody>
+        </p:sp>
+        <p:sp>
+          <p:nvSpPr>
+            <p:cNvPr id="2" name="TextBox 1">
+              <a:extLst>
+                <a:ext uri="{FF2B5EF4-FFF2-40B4-BE49-F238E27FC236}">
+                  <a16:creationId xmlns:a16="http://schemas.microsoft.com/office/drawing/2014/main" id="{0AFC5321-F8A5-441C-A6FB-C0B7205E9CD1}"/>
+                </a:ext>
+              </a:extLst>
+            </p:cNvPr>
+            <p:cNvSpPr txBox="1"/>
+            <p:nvPr/>
+          </p:nvSpPr>
+          <p:spPr>
+            <a:xfrm>
+              <a:off x="4448895" y="2148772"/>
+              <a:ext cx="947654" cy="369332"/>
+            </a:xfrm>
+            <a:prstGeom prst="rect">
+              <a:avLst/>
+            </a:prstGeom>
+            <a:noFill/>
+          </p:spPr>
+          <p:txBody>
+            <a:bodyPr wrap="square" rtlCol="1">
+              <a:spAutoFit/>
+            </a:bodyPr>
+            <a:lstStyle/>
+            <a:p>
+              <a:r>
+                <a:rPr lang="en-US" dirty="0">
+                  <a:latin typeface="David" panose="020E0502060401010101" pitchFamily="34" charset="-79"/>
+                  <a:cs typeface="David" panose="020E0502060401010101" pitchFamily="34" charset="-79"/>
+                </a:rPr>
+                <a:t>a1</a:t>
+              </a:r>
+              <a:endParaRPr lang="he-IL" dirty="0">
+                <a:latin typeface="David" panose="020E0502060401010101" pitchFamily="34" charset="-79"/>
+                <a:cs typeface="David" panose="020E0502060401010101" pitchFamily="34" charset="-79"/>
+              </a:endParaRPr>
+            </a:p>
+          </p:txBody>
+        </p:sp>
+        <p:sp>
+          <p:nvSpPr>
+            <p:cNvPr id="45" name="TextBox 44">
+              <a:extLst>
+                <a:ext uri="{FF2B5EF4-FFF2-40B4-BE49-F238E27FC236}">
+                  <a16:creationId xmlns:a16="http://schemas.microsoft.com/office/drawing/2014/main" id="{3CE30F47-A5C4-438C-A03B-6D02683366B0}"/>
+                </a:ext>
+              </a:extLst>
+            </p:cNvPr>
+            <p:cNvSpPr txBox="1"/>
+            <p:nvPr/>
+          </p:nvSpPr>
+          <p:spPr>
+            <a:xfrm>
+              <a:off x="7846088" y="1995192"/>
+              <a:ext cx="947654" cy="369332"/>
+            </a:xfrm>
+            <a:prstGeom prst="rect">
+              <a:avLst/>
+            </a:prstGeom>
+            <a:noFill/>
+          </p:spPr>
+          <p:txBody>
+            <a:bodyPr wrap="square" rtlCol="1">
+              <a:spAutoFit/>
+            </a:bodyPr>
+            <a:lstStyle/>
+            <a:p>
+              <a:r>
+                <a:rPr lang="en-US" dirty="0">
+                  <a:latin typeface="David" panose="020E0502060401010101" pitchFamily="34" charset="-79"/>
+                  <a:cs typeface="David" panose="020E0502060401010101" pitchFamily="34" charset="-79"/>
+                </a:rPr>
+                <a:t>a3</a:t>
+              </a:r>
+              <a:endParaRPr lang="he-IL" dirty="0">
+                <a:latin typeface="David" panose="020E0502060401010101" pitchFamily="34" charset="-79"/>
+                <a:cs typeface="David" panose="020E0502060401010101" pitchFamily="34" charset="-79"/>
+              </a:endParaRPr>
+            </a:p>
+          </p:txBody>
+        </p:sp>
+        <p:sp>
+          <p:nvSpPr>
+            <p:cNvPr id="48" name="Oval 47">
+              <a:extLst>
+                <a:ext uri="{FF2B5EF4-FFF2-40B4-BE49-F238E27FC236}">
+                  <a16:creationId xmlns:a16="http://schemas.microsoft.com/office/drawing/2014/main" id="{FF4A0343-B63C-4222-8A1D-699D021500A2}"/>
+                </a:ext>
+              </a:extLst>
+            </p:cNvPr>
+            <p:cNvSpPr/>
+            <p:nvPr/>
+          </p:nvSpPr>
+          <p:spPr>
+            <a:xfrm>
+              <a:off x="4850607" y="3889754"/>
+              <a:ext cx="685011" cy="573202"/>
+            </a:xfrm>
+            <a:prstGeom prst="ellipse">
+              <a:avLst/>
+            </a:prstGeom>
+            <a:solidFill>
+              <a:srgbClr val="0070C0"/>
+            </a:solidFill>
+            <a:ln w="25400">
+              <a:solidFill>
+                <a:schemeClr val="tx1"/>
+              </a:solidFill>
+            </a:ln>
+          </p:spPr>
+          <p:style>
+            <a:lnRef idx="2">
+              <a:schemeClr val="accent1">
+                <a:shade val="50000"/>
+              </a:schemeClr>
+            </a:lnRef>
+            <a:fillRef idx="1">
+              <a:schemeClr val="accent1"/>
+            </a:fillRef>
+            <a:effectRef idx="0">
+              <a:schemeClr val="accent1"/>
+            </a:effectRef>
+            <a:fontRef idx="minor">
+              <a:schemeClr val="lt1"/>
+            </a:fontRef>
+          </p:style>
+          <p:txBody>
+            <a:bodyPr rtlCol="1" anchor="ctr"/>
+            <a:lstStyle/>
+            <a:p>
+              <a:pPr algn="ctr"/>
+              <a:r>
+                <a:rPr lang="he-IL" dirty="0">
+                  <a:latin typeface="David" panose="020E0502060401010101" pitchFamily="34" charset="-79"/>
+                  <a:cs typeface="David" panose="020E0502060401010101" pitchFamily="34" charset="-79"/>
+                </a:rPr>
+                <a:t>2</a:t>
+              </a:r>
+            </a:p>
+          </p:txBody>
+        </p:sp>
+        <p:sp>
+          <p:nvSpPr>
+            <p:cNvPr id="49" name="Oval 48">
+              <a:extLst>
+                <a:ext uri="{FF2B5EF4-FFF2-40B4-BE49-F238E27FC236}">
+                  <a16:creationId xmlns:a16="http://schemas.microsoft.com/office/drawing/2014/main" id="{17721B4E-F851-4936-82AB-5AD08CD84D9E}"/>
+                </a:ext>
+              </a:extLst>
+            </p:cNvPr>
+            <p:cNvSpPr/>
+            <p:nvPr/>
+          </p:nvSpPr>
+          <p:spPr>
+            <a:xfrm>
+              <a:off x="7170647" y="3889754"/>
+              <a:ext cx="685011" cy="573202"/>
+            </a:xfrm>
+            <a:prstGeom prst="ellipse">
+              <a:avLst/>
+            </a:prstGeom>
+            <a:solidFill>
+              <a:srgbClr val="0070C0"/>
+            </a:solidFill>
+            <a:ln w="25400">
+              <a:solidFill>
+                <a:schemeClr val="tx1"/>
+              </a:solidFill>
+            </a:ln>
+          </p:spPr>
+          <p:style>
+            <a:lnRef idx="2">
+              <a:schemeClr val="accent1">
+                <a:shade val="50000"/>
+              </a:schemeClr>
+            </a:lnRef>
+            <a:fillRef idx="1">
+              <a:schemeClr val="accent1"/>
+            </a:fillRef>
+            <a:effectRef idx="0">
+              <a:schemeClr val="accent1"/>
+            </a:effectRef>
+            <a:fontRef idx="minor">
+              <a:schemeClr val="lt1"/>
+            </a:fontRef>
+          </p:style>
+          <p:txBody>
+            <a:bodyPr rtlCol="1" anchor="ctr"/>
+            <a:lstStyle/>
+            <a:p>
+              <a:pPr algn="ctr"/>
+              <a:r>
+                <a:rPr lang="he-IL" dirty="0">
+                  <a:latin typeface="David" panose="020E0502060401010101" pitchFamily="34" charset="-79"/>
+                  <a:cs typeface="David" panose="020E0502060401010101" pitchFamily="34" charset="-79"/>
+                </a:rPr>
+                <a:t>9</a:t>
+              </a:r>
+            </a:p>
+          </p:txBody>
+        </p:sp>
+        <p:sp>
+          <p:nvSpPr>
+            <p:cNvPr id="50" name="Oval 49">
+              <a:extLst>
+                <a:ext uri="{FF2B5EF4-FFF2-40B4-BE49-F238E27FC236}">
+                  <a16:creationId xmlns:a16="http://schemas.microsoft.com/office/drawing/2014/main" id="{089C9CAD-B667-4C6A-96D7-487CCCEBBD1C}"/>
+                </a:ext>
+              </a:extLst>
+            </p:cNvPr>
+            <p:cNvSpPr/>
+            <p:nvPr/>
+          </p:nvSpPr>
+          <p:spPr>
+            <a:xfrm>
+              <a:off x="6014805" y="2814867"/>
+              <a:ext cx="685011" cy="573202"/>
+            </a:xfrm>
+            <a:prstGeom prst="ellipse">
+              <a:avLst/>
+            </a:prstGeom>
+            <a:solidFill>
+              <a:srgbClr val="0070C0"/>
+            </a:solidFill>
+            <a:ln w="25400">
+              <a:solidFill>
+                <a:schemeClr val="tx1"/>
+              </a:solidFill>
+            </a:ln>
+          </p:spPr>
+          <p:style>
+            <a:lnRef idx="2">
+              <a:schemeClr val="accent1">
+                <a:shade val="50000"/>
+              </a:schemeClr>
+            </a:lnRef>
+            <a:fillRef idx="1">
+              <a:schemeClr val="accent1"/>
+            </a:fillRef>
+            <a:effectRef idx="0">
+              <a:schemeClr val="accent1"/>
+            </a:effectRef>
+            <a:fontRef idx="minor">
+              <a:schemeClr val="lt1"/>
+            </a:fontRef>
+          </p:style>
+          <p:txBody>
+            <a:bodyPr rtlCol="1" anchor="ctr"/>
+            <a:lstStyle/>
+            <a:p>
+              <a:pPr algn="ctr"/>
+              <a:r>
+                <a:rPr lang="en-US" dirty="0">
+                  <a:latin typeface="David" panose="020E0502060401010101" pitchFamily="34" charset="-79"/>
+                  <a:cs typeface="David" panose="020E0502060401010101" pitchFamily="34" charset="-79"/>
+                </a:rPr>
+                <a:t>C=5</a:t>
+              </a:r>
+              <a:endParaRPr lang="he-IL" dirty="0">
+                <a:latin typeface="David" panose="020E0502060401010101" pitchFamily="34" charset="-79"/>
+                <a:cs typeface="David" panose="020E0502060401010101" pitchFamily="34" charset="-79"/>
+              </a:endParaRPr>
+            </a:p>
+          </p:txBody>
+        </p:sp>
+        <p:cxnSp>
+          <p:nvCxnSpPr>
+            <p:cNvPr id="51" name="Straight Connector 50">
+              <a:extLst>
+                <a:ext uri="{FF2B5EF4-FFF2-40B4-BE49-F238E27FC236}">
+                  <a16:creationId xmlns:a16="http://schemas.microsoft.com/office/drawing/2014/main" id="{540F217B-C21D-4F5F-9848-EE2E4032A9B0}"/>
+                </a:ext>
+              </a:extLst>
+            </p:cNvPr>
+            <p:cNvCxnSpPr>
+              <a:cxnSpLocks/>
+              <a:stCxn id="50" idx="3"/>
+              <a:endCxn id="48" idx="0"/>
+            </p:cNvCxnSpPr>
+            <p:nvPr/>
+          </p:nvCxnSpPr>
+          <p:spPr>
+            <a:xfrm flipH="1">
+              <a:off x="5193112" y="3304125"/>
+              <a:ext cx="922011" cy="585629"/>
+            </a:xfrm>
+            <a:prstGeom prst="line">
+              <a:avLst/>
+            </a:prstGeom>
+          </p:spPr>
+          <p:style>
+            <a:lnRef idx="1">
+              <a:schemeClr val="accent1"/>
+            </a:lnRef>
+            <a:fillRef idx="0">
+              <a:schemeClr val="accent1"/>
+            </a:fillRef>
+            <a:effectRef idx="0">
+              <a:schemeClr val="accent1"/>
+            </a:effectRef>
+            <a:fontRef idx="minor">
+              <a:schemeClr val="tx1"/>
+            </a:fontRef>
+          </p:style>
+        </p:cxnSp>
+        <p:cxnSp>
+          <p:nvCxnSpPr>
+            <p:cNvPr id="52" name="Straight Connector 51">
+              <a:extLst>
+                <a:ext uri="{FF2B5EF4-FFF2-40B4-BE49-F238E27FC236}">
+                  <a16:creationId xmlns:a16="http://schemas.microsoft.com/office/drawing/2014/main" id="{2B02B706-0DAF-4CF8-928F-B92AD89A25B1}"/>
+                </a:ext>
+              </a:extLst>
+            </p:cNvPr>
+            <p:cNvCxnSpPr>
+              <a:cxnSpLocks/>
+              <a:stCxn id="50" idx="5"/>
+              <a:endCxn id="49" idx="0"/>
+            </p:cNvCxnSpPr>
+            <p:nvPr/>
+          </p:nvCxnSpPr>
+          <p:spPr>
+            <a:xfrm>
+              <a:off x="6599499" y="3304125"/>
+              <a:ext cx="913654" cy="585629"/>
+            </a:xfrm>
+            <a:prstGeom prst="line">
+              <a:avLst/>
+            </a:prstGeom>
+            <a:ln w="6350">
+              <a:headEnd type="none"/>
+            </a:ln>
+          </p:spPr>
+          <p:style>
+            <a:lnRef idx="1">
+              <a:schemeClr val="accent1"/>
+            </a:lnRef>
+            <a:fillRef idx="0">
+              <a:schemeClr val="accent1"/>
+            </a:fillRef>
+            <a:effectRef idx="0">
+              <a:schemeClr val="accent1"/>
+            </a:effectRef>
+            <a:fontRef idx="minor">
+              <a:schemeClr val="tx1"/>
+            </a:fontRef>
+          </p:style>
+        </p:cxnSp>
+        <p:cxnSp>
+          <p:nvCxnSpPr>
+            <p:cNvPr id="55" name="Straight Connector 54">
+              <a:extLst>
+                <a:ext uri="{FF2B5EF4-FFF2-40B4-BE49-F238E27FC236}">
+                  <a16:creationId xmlns:a16="http://schemas.microsoft.com/office/drawing/2014/main" id="{2728A652-03CE-4CA2-829F-226FB3F60630}"/>
+                </a:ext>
+              </a:extLst>
+            </p:cNvPr>
+            <p:cNvCxnSpPr>
+              <a:cxnSpLocks/>
+              <a:stCxn id="108" idx="4"/>
+              <a:endCxn id="50" idx="0"/>
+            </p:cNvCxnSpPr>
+            <p:nvPr/>
+          </p:nvCxnSpPr>
+          <p:spPr>
+            <a:xfrm flipH="1">
+              <a:off x="6357311" y="1959548"/>
+              <a:ext cx="19133" cy="855319"/>
+            </a:xfrm>
+            <a:prstGeom prst="line">
+              <a:avLst/>
+            </a:prstGeom>
+          </p:spPr>
+          <p:style>
+            <a:lnRef idx="1">
+              <a:schemeClr val="accent1"/>
+            </a:lnRef>
+            <a:fillRef idx="0">
+              <a:schemeClr val="accent1"/>
+            </a:fillRef>
+            <a:effectRef idx="0">
+              <a:schemeClr val="accent1"/>
+            </a:effectRef>
+            <a:fontRef idx="minor">
+              <a:schemeClr val="tx1"/>
+            </a:fontRef>
+          </p:style>
+        </p:cxnSp>
+        <p:sp>
+          <p:nvSpPr>
+            <p:cNvPr id="62" name="Oval 61">
+              <a:extLst>
+                <a:ext uri="{FF2B5EF4-FFF2-40B4-BE49-F238E27FC236}">
+                  <a16:creationId xmlns:a16="http://schemas.microsoft.com/office/drawing/2014/main" id="{0A6D9110-E1DD-4D43-8BEE-2C68F86D8C45}"/>
+                </a:ext>
+              </a:extLst>
+            </p:cNvPr>
+            <p:cNvSpPr/>
+            <p:nvPr/>
+          </p:nvSpPr>
+          <p:spPr>
+            <a:xfrm>
+              <a:off x="6010627" y="3889754"/>
+              <a:ext cx="685011" cy="573202"/>
+            </a:xfrm>
+            <a:prstGeom prst="ellipse">
+              <a:avLst/>
+            </a:prstGeom>
+            <a:solidFill>
+              <a:srgbClr val="0070C0"/>
+            </a:solidFill>
+            <a:ln w="25400">
+              <a:solidFill>
+                <a:schemeClr val="tx1"/>
+              </a:solidFill>
+            </a:ln>
+          </p:spPr>
+          <p:style>
+            <a:lnRef idx="2">
+              <a:schemeClr val="accent1">
+                <a:shade val="50000"/>
+              </a:schemeClr>
+            </a:lnRef>
+            <a:fillRef idx="1">
+              <a:schemeClr val="accent1"/>
+            </a:fillRef>
+            <a:effectRef idx="0">
+              <a:schemeClr val="accent1"/>
+            </a:effectRef>
+            <a:fontRef idx="minor">
+              <a:schemeClr val="lt1"/>
+            </a:fontRef>
+          </p:style>
+          <p:txBody>
+            <a:bodyPr rtlCol="1" anchor="ctr"/>
+            <a:lstStyle/>
+            <a:p>
+              <a:pPr algn="ctr"/>
+              <a:r>
+                <a:rPr lang="he-IL" dirty="0">
+                  <a:latin typeface="David" panose="020E0502060401010101" pitchFamily="34" charset="-79"/>
+                  <a:cs typeface="David" panose="020E0502060401010101" pitchFamily="34" charset="-79"/>
+                </a:rPr>
+                <a:t>3</a:t>
+              </a:r>
+            </a:p>
+          </p:txBody>
+        </p:sp>
+        <p:cxnSp>
+          <p:nvCxnSpPr>
+            <p:cNvPr id="63" name="Straight Connector 62">
+              <a:extLst>
+                <a:ext uri="{FF2B5EF4-FFF2-40B4-BE49-F238E27FC236}">
+                  <a16:creationId xmlns:a16="http://schemas.microsoft.com/office/drawing/2014/main" id="{C164E296-B13A-4C54-B1ED-C82B98A2454A}"/>
+                </a:ext>
+              </a:extLst>
+            </p:cNvPr>
+            <p:cNvCxnSpPr>
+              <a:cxnSpLocks/>
+              <a:stCxn id="50" idx="4"/>
+              <a:endCxn id="62" idx="0"/>
+            </p:cNvCxnSpPr>
+            <p:nvPr/>
+          </p:nvCxnSpPr>
+          <p:spPr>
+            <a:xfrm flipH="1">
+              <a:off x="6353132" y="3388069"/>
+              <a:ext cx="4178" cy="501686"/>
+            </a:xfrm>
+            <a:prstGeom prst="line">
+              <a:avLst/>
+            </a:prstGeom>
+          </p:spPr>
+          <p:style>
+            <a:lnRef idx="1">
+              <a:schemeClr val="accent1"/>
+            </a:lnRef>
+            <a:fillRef idx="0">
+              <a:schemeClr val="accent1"/>
+            </a:fillRef>
+            <a:effectRef idx="0">
+              <a:schemeClr val="accent1"/>
+            </a:effectRef>
+            <a:fontRef idx="minor">
+              <a:schemeClr val="tx1"/>
+            </a:fontRef>
+          </p:style>
+        </p:cxnSp>
+        <p:sp>
+          <p:nvSpPr>
+            <p:cNvPr id="67" name="TextBox 66">
+              <a:extLst>
+                <a:ext uri="{FF2B5EF4-FFF2-40B4-BE49-F238E27FC236}">
+                  <a16:creationId xmlns:a16="http://schemas.microsoft.com/office/drawing/2014/main" id="{DD919625-3199-403C-878B-71261BA76A8E}"/>
+                </a:ext>
+              </a:extLst>
+            </p:cNvPr>
+            <p:cNvSpPr txBox="1"/>
+            <p:nvPr/>
+          </p:nvSpPr>
+          <p:spPr>
+            <a:xfrm>
+              <a:off x="6053253" y="2190764"/>
+              <a:ext cx="947654" cy="369332"/>
+            </a:xfrm>
+            <a:prstGeom prst="rect">
+              <a:avLst/>
+            </a:prstGeom>
+            <a:noFill/>
+          </p:spPr>
+          <p:txBody>
+            <a:bodyPr wrap="square" rtlCol="1">
+              <a:spAutoFit/>
+            </a:bodyPr>
+            <a:lstStyle/>
+            <a:p>
+              <a:r>
+                <a:rPr lang="en-US" dirty="0">
+                  <a:latin typeface="David" panose="020E0502060401010101" pitchFamily="34" charset="-79"/>
+                  <a:cs typeface="David" panose="020E0502060401010101" pitchFamily="34" charset="-79"/>
+                </a:rPr>
+                <a:t>a2</a:t>
+              </a:r>
+              <a:endParaRPr lang="he-IL" dirty="0">
+                <a:latin typeface="David" panose="020E0502060401010101" pitchFamily="34" charset="-79"/>
+                <a:cs typeface="David" panose="020E0502060401010101" pitchFamily="34" charset="-79"/>
+              </a:endParaRPr>
+            </a:p>
+          </p:txBody>
+        </p:sp>
+        <p:sp>
+          <p:nvSpPr>
+            <p:cNvPr id="68" name="TextBox 67">
+              <a:extLst>
+                <a:ext uri="{FF2B5EF4-FFF2-40B4-BE49-F238E27FC236}">
+                  <a16:creationId xmlns:a16="http://schemas.microsoft.com/office/drawing/2014/main" id="{4A7645F0-6CF7-4B61-A548-F269F8E35F27}"/>
+                </a:ext>
+              </a:extLst>
+            </p:cNvPr>
+            <p:cNvSpPr txBox="1"/>
+            <p:nvPr/>
+          </p:nvSpPr>
+          <p:spPr>
+            <a:xfrm>
+              <a:off x="2522652" y="3236873"/>
+              <a:ext cx="947654" cy="369332"/>
+            </a:xfrm>
+            <a:prstGeom prst="rect">
+              <a:avLst/>
+            </a:prstGeom>
+            <a:noFill/>
+          </p:spPr>
+          <p:txBody>
+            <a:bodyPr wrap="square" rtlCol="1">
+              <a:spAutoFit/>
+            </a:bodyPr>
+            <a:lstStyle/>
+            <a:p>
+              <a:r>
+                <a:rPr lang="en-US" dirty="0">
+                  <a:latin typeface="David" panose="020E0502060401010101" pitchFamily="34" charset="-79"/>
+                  <a:cs typeface="David" panose="020E0502060401010101" pitchFamily="34" charset="-79"/>
+                </a:rPr>
+                <a:t>0.3</a:t>
+              </a:r>
+              <a:endParaRPr lang="he-IL" dirty="0">
+                <a:latin typeface="David" panose="020E0502060401010101" pitchFamily="34" charset="-79"/>
+                <a:cs typeface="David" panose="020E0502060401010101" pitchFamily="34" charset="-79"/>
+              </a:endParaRPr>
+            </a:p>
+          </p:txBody>
+        </p:sp>
+        <p:sp>
+          <p:nvSpPr>
+            <p:cNvPr id="69" name="TextBox 68">
+              <a:extLst>
+                <a:ext uri="{FF2B5EF4-FFF2-40B4-BE49-F238E27FC236}">
+                  <a16:creationId xmlns:a16="http://schemas.microsoft.com/office/drawing/2014/main" id="{C61A6D08-4CEC-4D9C-8239-6F3C9EFB5B2E}"/>
+                </a:ext>
+              </a:extLst>
+            </p:cNvPr>
+            <p:cNvSpPr txBox="1"/>
+            <p:nvPr/>
+          </p:nvSpPr>
+          <p:spPr>
+            <a:xfrm>
+              <a:off x="3726424" y="3332684"/>
+              <a:ext cx="947654" cy="369332"/>
+            </a:xfrm>
+            <a:prstGeom prst="rect">
+              <a:avLst/>
+            </a:prstGeom>
+            <a:noFill/>
+          </p:spPr>
+          <p:txBody>
+            <a:bodyPr wrap="square" rtlCol="1">
+              <a:spAutoFit/>
+            </a:bodyPr>
+            <a:lstStyle/>
+            <a:p>
+              <a:r>
+                <a:rPr lang="en-US" dirty="0">
+                  <a:latin typeface="David" panose="020E0502060401010101" pitchFamily="34" charset="-79"/>
+                  <a:cs typeface="David" panose="020E0502060401010101" pitchFamily="34" charset="-79"/>
+                </a:rPr>
+                <a:t>0.7</a:t>
+              </a:r>
+              <a:endParaRPr lang="he-IL" dirty="0">
+                <a:latin typeface="David" panose="020E0502060401010101" pitchFamily="34" charset="-79"/>
+                <a:cs typeface="David" panose="020E0502060401010101" pitchFamily="34" charset="-79"/>
+              </a:endParaRPr>
+            </a:p>
+          </p:txBody>
+        </p:sp>
+        <p:sp>
+          <p:nvSpPr>
+            <p:cNvPr id="70" name="TextBox 69">
+              <a:extLst>
+                <a:ext uri="{FF2B5EF4-FFF2-40B4-BE49-F238E27FC236}">
+                  <a16:creationId xmlns:a16="http://schemas.microsoft.com/office/drawing/2014/main" id="{F4F1AA00-E727-4E8C-8192-13297E7CA814}"/>
+                </a:ext>
+              </a:extLst>
+            </p:cNvPr>
+            <p:cNvSpPr txBox="1"/>
+            <p:nvPr/>
+          </p:nvSpPr>
+          <p:spPr>
+            <a:xfrm>
+              <a:off x="5488331" y="3316879"/>
+              <a:ext cx="749361" cy="369332"/>
+            </a:xfrm>
+            <a:prstGeom prst="rect">
+              <a:avLst/>
+            </a:prstGeom>
+            <a:noFill/>
+          </p:spPr>
+          <p:txBody>
+            <a:bodyPr wrap="square" rtlCol="1">
+              <a:spAutoFit/>
+            </a:bodyPr>
+            <a:lstStyle/>
+            <a:p>
+              <a:r>
+                <a:rPr lang="en-US" dirty="0">
+                  <a:latin typeface="David" panose="020E0502060401010101" pitchFamily="34" charset="-79"/>
+                  <a:cs typeface="David" panose="020E0502060401010101" pitchFamily="34" charset="-79"/>
+                </a:rPr>
+                <a:t>0.4</a:t>
+              </a:r>
+              <a:endParaRPr lang="he-IL" dirty="0">
+                <a:latin typeface="David" panose="020E0502060401010101" pitchFamily="34" charset="-79"/>
+                <a:cs typeface="David" panose="020E0502060401010101" pitchFamily="34" charset="-79"/>
+              </a:endParaRPr>
+            </a:p>
+          </p:txBody>
+        </p:sp>
+        <p:sp>
+          <p:nvSpPr>
+            <p:cNvPr id="71" name="TextBox 70">
+              <a:extLst>
+                <a:ext uri="{FF2B5EF4-FFF2-40B4-BE49-F238E27FC236}">
+                  <a16:creationId xmlns:a16="http://schemas.microsoft.com/office/drawing/2014/main" id="{49488731-2072-4202-8A3D-0AC621D249F3}"/>
+                </a:ext>
+              </a:extLst>
+            </p:cNvPr>
+            <p:cNvSpPr txBox="1"/>
+            <p:nvPr/>
+          </p:nvSpPr>
+          <p:spPr>
+            <a:xfrm>
+              <a:off x="6905979" y="3232158"/>
+              <a:ext cx="749361" cy="369332"/>
+            </a:xfrm>
+            <a:prstGeom prst="rect">
+              <a:avLst/>
+            </a:prstGeom>
+            <a:noFill/>
+          </p:spPr>
+          <p:txBody>
+            <a:bodyPr wrap="square" rtlCol="1">
+              <a:spAutoFit/>
+            </a:bodyPr>
+            <a:lstStyle/>
+            <a:p>
+              <a:r>
+                <a:rPr lang="en-US" dirty="0">
+                  <a:latin typeface="David" panose="020E0502060401010101" pitchFamily="34" charset="-79"/>
+                  <a:cs typeface="David" panose="020E0502060401010101" pitchFamily="34" charset="-79"/>
+                </a:rPr>
+                <a:t>0.4</a:t>
+              </a:r>
+              <a:endParaRPr lang="he-IL" dirty="0">
+                <a:latin typeface="David" panose="020E0502060401010101" pitchFamily="34" charset="-79"/>
+                <a:cs typeface="David" panose="020E0502060401010101" pitchFamily="34" charset="-79"/>
+              </a:endParaRPr>
+            </a:p>
+          </p:txBody>
+        </p:sp>
+        <p:sp>
+          <p:nvSpPr>
+            <p:cNvPr id="72" name="TextBox 71">
+              <a:extLst>
+                <a:ext uri="{FF2B5EF4-FFF2-40B4-BE49-F238E27FC236}">
+                  <a16:creationId xmlns:a16="http://schemas.microsoft.com/office/drawing/2014/main" id="{34F1978C-C296-498C-8A80-6BCDF5CB60E5}"/>
+                </a:ext>
+              </a:extLst>
+            </p:cNvPr>
+            <p:cNvSpPr txBox="1"/>
+            <p:nvPr/>
+          </p:nvSpPr>
+          <p:spPr>
+            <a:xfrm>
+              <a:off x="6390364" y="3517350"/>
+              <a:ext cx="749361" cy="369332"/>
+            </a:xfrm>
+            <a:prstGeom prst="rect">
+              <a:avLst/>
+            </a:prstGeom>
+            <a:noFill/>
+          </p:spPr>
+          <p:txBody>
+            <a:bodyPr wrap="square" rtlCol="1">
+              <a:spAutoFit/>
+            </a:bodyPr>
+            <a:lstStyle/>
+            <a:p>
+              <a:r>
+                <a:rPr lang="en-US" dirty="0">
+                  <a:latin typeface="David" panose="020E0502060401010101" pitchFamily="34" charset="-79"/>
+                  <a:cs typeface="David" panose="020E0502060401010101" pitchFamily="34" charset="-79"/>
+                </a:rPr>
+                <a:t>0.2</a:t>
+              </a:r>
+              <a:endParaRPr lang="he-IL" dirty="0">
+                <a:latin typeface="David" panose="020E0502060401010101" pitchFamily="34" charset="-79"/>
+                <a:cs typeface="David" panose="020E0502060401010101" pitchFamily="34" charset="-79"/>
+              </a:endParaRPr>
+            </a:p>
+          </p:txBody>
+        </p:sp>
+        <p:sp>
+          <p:nvSpPr>
+            <p:cNvPr id="73" name="TextBox 72">
+              <a:extLst>
+                <a:ext uri="{FF2B5EF4-FFF2-40B4-BE49-F238E27FC236}">
+                  <a16:creationId xmlns:a16="http://schemas.microsoft.com/office/drawing/2014/main" id="{B6FC97DC-6E40-4D8E-9082-385E89D2BC25}"/>
+                </a:ext>
+              </a:extLst>
+            </p:cNvPr>
+            <p:cNvSpPr txBox="1"/>
+            <p:nvPr/>
+          </p:nvSpPr>
+          <p:spPr>
+            <a:xfrm>
+              <a:off x="8649838" y="3496227"/>
+              <a:ext cx="749361" cy="369332"/>
+            </a:xfrm>
+            <a:prstGeom prst="rect">
+              <a:avLst/>
+            </a:prstGeom>
+            <a:noFill/>
+          </p:spPr>
+          <p:txBody>
+            <a:bodyPr wrap="square" rtlCol="1">
+              <a:spAutoFit/>
+            </a:bodyPr>
+            <a:lstStyle/>
+            <a:p>
+              <a:r>
+                <a:rPr lang="en-US" dirty="0">
+                  <a:latin typeface="David" panose="020E0502060401010101" pitchFamily="34" charset="-79"/>
+                  <a:cs typeface="David" panose="020E0502060401010101" pitchFamily="34" charset="-79"/>
+                </a:rPr>
+                <a:t>0.1</a:t>
+              </a:r>
+              <a:endParaRPr lang="he-IL" dirty="0">
+                <a:latin typeface="David" panose="020E0502060401010101" pitchFamily="34" charset="-79"/>
+                <a:cs typeface="David" panose="020E0502060401010101" pitchFamily="34" charset="-79"/>
+              </a:endParaRPr>
+            </a:p>
+          </p:txBody>
+        </p:sp>
+        <p:sp>
+          <p:nvSpPr>
+            <p:cNvPr id="74" name="TextBox 73">
+              <a:extLst>
+                <a:ext uri="{FF2B5EF4-FFF2-40B4-BE49-F238E27FC236}">
+                  <a16:creationId xmlns:a16="http://schemas.microsoft.com/office/drawing/2014/main" id="{54D3936A-DD96-4C5C-AC7A-1D68ED7EABEF}"/>
+                </a:ext>
+              </a:extLst>
+            </p:cNvPr>
+            <p:cNvSpPr txBox="1"/>
+            <p:nvPr/>
+          </p:nvSpPr>
+          <p:spPr>
+            <a:xfrm>
+              <a:off x="9758409" y="3496227"/>
+              <a:ext cx="749361" cy="369332"/>
+            </a:xfrm>
+            <a:prstGeom prst="rect">
+              <a:avLst/>
+            </a:prstGeom>
+            <a:noFill/>
+          </p:spPr>
+          <p:txBody>
+            <a:bodyPr wrap="square" rtlCol="1">
+              <a:spAutoFit/>
+            </a:bodyPr>
+            <a:lstStyle/>
+            <a:p>
+              <a:r>
+                <a:rPr lang="en-US" dirty="0">
+                  <a:latin typeface="David" panose="020E0502060401010101" pitchFamily="34" charset="-79"/>
+                  <a:cs typeface="David" panose="020E0502060401010101" pitchFamily="34" charset="-79"/>
+                </a:rPr>
+                <a:t>0.9</a:t>
+              </a:r>
+              <a:endParaRPr lang="he-IL" dirty="0">
+                <a:latin typeface="David" panose="020E0502060401010101" pitchFamily="34" charset="-79"/>
+                <a:cs typeface="David" panose="020E0502060401010101" pitchFamily="34" charset="-79"/>
+              </a:endParaRPr>
+            </a:p>
+          </p:txBody>
+        </p:sp>
       </p:grpSp>
     </p:spTree>
     <p:extLst>
       <p:ext uri="{BB962C8B-B14F-4D97-AF65-F5344CB8AC3E}">
-        <p14:creationId xmlns:p14="http://schemas.microsoft.com/office/powerpoint/2010/main" val="1183226012"/>
+        <p14:creationId xmlns:p14="http://schemas.microsoft.com/office/powerpoint/2010/main" val="2128170757"/>
       </p:ext>
     </p:extLst>
   </p:cSld>

--- a/hw2-examples.pptx
+++ b/hw2-examples.pptx
@@ -12,8 +12,8 @@
     <p:sldId id="260" r:id="rId6"/>
     <p:sldId id="261" r:id="rId7"/>
     <p:sldId id="262" r:id="rId8"/>
-    <p:sldId id="263" r:id="rId9"/>
-    <p:sldId id="264" r:id="rId10"/>
+    <p:sldId id="264" r:id="rId9"/>
+    <p:sldId id="263" r:id="rId10"/>
   </p:sldIdLst>
   <p:sldSz cx="12192000" cy="6858000"/>
   <p:notesSz cx="6858000" cy="9144000"/>
@@ -269,7 +269,7 @@
           <a:p>
             <a:fld id="{609C88DF-570F-4829-B751-3E93E7A10B2F}" type="datetimeFigureOut">
               <a:rPr lang="he-IL" smtClean="0"/>
-              <a:t>כ"ג/טבת/תשפ"ב</a:t>
+              <a:t>כ"ד/טבת/תשפ"ב</a:t>
             </a:fld>
             <a:endParaRPr lang="he-IL"/>
           </a:p>
@@ -469,7 +469,7 @@
           <a:p>
             <a:fld id="{609C88DF-570F-4829-B751-3E93E7A10B2F}" type="datetimeFigureOut">
               <a:rPr lang="he-IL" smtClean="0"/>
-              <a:t>כ"ג/טבת/תשפ"ב</a:t>
+              <a:t>כ"ד/טבת/תשפ"ב</a:t>
             </a:fld>
             <a:endParaRPr lang="he-IL"/>
           </a:p>
@@ -679,7 +679,7 @@
           <a:p>
             <a:fld id="{609C88DF-570F-4829-B751-3E93E7A10B2F}" type="datetimeFigureOut">
               <a:rPr lang="he-IL" smtClean="0"/>
-              <a:t>כ"ג/טבת/תשפ"ב</a:t>
+              <a:t>כ"ד/טבת/תשפ"ב</a:t>
             </a:fld>
             <a:endParaRPr lang="he-IL"/>
           </a:p>
@@ -879,7 +879,7 @@
           <a:p>
             <a:fld id="{609C88DF-570F-4829-B751-3E93E7A10B2F}" type="datetimeFigureOut">
               <a:rPr lang="he-IL" smtClean="0"/>
-              <a:t>כ"ג/טבת/תשפ"ב</a:t>
+              <a:t>כ"ד/טבת/תשפ"ב</a:t>
             </a:fld>
             <a:endParaRPr lang="he-IL"/>
           </a:p>
@@ -1155,7 +1155,7 @@
           <a:p>
             <a:fld id="{609C88DF-570F-4829-B751-3E93E7A10B2F}" type="datetimeFigureOut">
               <a:rPr lang="he-IL" smtClean="0"/>
-              <a:t>כ"ג/טבת/תשפ"ב</a:t>
+              <a:t>כ"ד/טבת/תשפ"ב</a:t>
             </a:fld>
             <a:endParaRPr lang="he-IL"/>
           </a:p>
@@ -1423,7 +1423,7 @@
           <a:p>
             <a:fld id="{609C88DF-570F-4829-B751-3E93E7A10B2F}" type="datetimeFigureOut">
               <a:rPr lang="he-IL" smtClean="0"/>
-              <a:t>כ"ג/טבת/תשפ"ב</a:t>
+              <a:t>כ"ד/טבת/תשפ"ב</a:t>
             </a:fld>
             <a:endParaRPr lang="he-IL"/>
           </a:p>
@@ -1838,7 +1838,7 @@
           <a:p>
             <a:fld id="{609C88DF-570F-4829-B751-3E93E7A10B2F}" type="datetimeFigureOut">
               <a:rPr lang="he-IL" smtClean="0"/>
-              <a:t>כ"ג/טבת/תשפ"ב</a:t>
+              <a:t>כ"ד/טבת/תשפ"ב</a:t>
             </a:fld>
             <a:endParaRPr lang="he-IL"/>
           </a:p>
@@ -1980,7 +1980,7 @@
           <a:p>
             <a:fld id="{609C88DF-570F-4829-B751-3E93E7A10B2F}" type="datetimeFigureOut">
               <a:rPr lang="he-IL" smtClean="0"/>
-              <a:t>כ"ג/טבת/תשפ"ב</a:t>
+              <a:t>כ"ד/טבת/תשפ"ב</a:t>
             </a:fld>
             <a:endParaRPr lang="he-IL"/>
           </a:p>
@@ -2093,7 +2093,7 @@
           <a:p>
             <a:fld id="{609C88DF-570F-4829-B751-3E93E7A10B2F}" type="datetimeFigureOut">
               <a:rPr lang="he-IL" smtClean="0"/>
-              <a:t>כ"ג/טבת/תשפ"ב</a:t>
+              <a:t>כ"ד/טבת/תשפ"ב</a:t>
             </a:fld>
             <a:endParaRPr lang="he-IL"/>
           </a:p>
@@ -2406,7 +2406,7 @@
           <a:p>
             <a:fld id="{609C88DF-570F-4829-B751-3E93E7A10B2F}" type="datetimeFigureOut">
               <a:rPr lang="he-IL" smtClean="0"/>
-              <a:t>כ"ג/טבת/תשפ"ב</a:t>
+              <a:t>כ"ד/טבת/תשפ"ב</a:t>
             </a:fld>
             <a:endParaRPr lang="he-IL"/>
           </a:p>
@@ -2695,7 +2695,7 @@
           <a:p>
             <a:fld id="{609C88DF-570F-4829-B751-3E93E7A10B2F}" type="datetimeFigureOut">
               <a:rPr lang="he-IL" smtClean="0"/>
-              <a:t>כ"ג/טבת/תשפ"ב</a:t>
+              <a:t>כ"ד/טבת/תשפ"ב</a:t>
             </a:fld>
             <a:endParaRPr lang="he-IL"/>
           </a:p>
@@ -2938,7 +2938,7 @@
           <a:p>
             <a:fld id="{609C88DF-570F-4829-B751-3E93E7A10B2F}" type="datetimeFigureOut">
               <a:rPr lang="he-IL" smtClean="0"/>
-              <a:t>כ"ג/טבת/תשפ"ב</a:t>
+              <a:t>כ"ד/טבת/תשפ"ב</a:t>
             </a:fld>
             <a:endParaRPr lang="he-IL"/>
           </a:p>
@@ -20591,8 +20591,8 @@
             </a:fontRef>
           </p:style>
         </p:cxnSp>
-        <mc:AlternateContent xmlns:mc="http://schemas.openxmlformats.org/markup-compatibility/2006">
-          <mc:Choice xmlns:a14="http://schemas.microsoft.com/office/drawing/2010/main" Requires="a14">
+        <mc:AlternateContent xmlns:mc="http://schemas.openxmlformats.org/markup-compatibility/2006" xmlns:a14="http://schemas.microsoft.com/office/drawing/2010/main">
+          <mc:Choice Requires="a14">
             <p:sp>
               <p:nvSpPr>
                 <p:cNvPr id="74" name="TextBox 73">
@@ -20669,13 +20669,7 @@
                           <a:rPr lang="en-US" b="0" i="1" smtClean="0">
                             <a:latin typeface="Cambria Math" panose="02040503050406030204" pitchFamily="18" charset="0"/>
                           </a:rPr>
-                          <m:t>)</m:t>
-                        </m:r>
-                        <m:r>
-                          <a:rPr lang="en-US" b="0" i="1" smtClean="0">
-                            <a:latin typeface="Cambria Math" panose="02040503050406030204" pitchFamily="18" charset="0"/>
-                          </a:rPr>
-                          <m:t>=</m:t>
+                          <m:t>)=</m:t>
                         </m:r>
                         <m:r>
                           <a:rPr lang="en-US" b="0" i="1" smtClean="0">
@@ -20691,7 +20685,7 @@
               </p:txBody>
             </p:sp>
           </mc:Choice>
-          <mc:Fallback>
+          <mc:Fallback xmlns="">
             <p:sp>
               <p:nvSpPr>
                 <p:cNvPr id="74" name="TextBox 73">
@@ -20736,8 +20730,8 @@
             </p:sp>
           </mc:Fallback>
         </mc:AlternateContent>
-        <mc:AlternateContent xmlns:mc="http://schemas.openxmlformats.org/markup-compatibility/2006">
-          <mc:Choice xmlns:a14="http://schemas.microsoft.com/office/drawing/2010/main" Requires="a14">
+        <mc:AlternateContent xmlns:mc="http://schemas.openxmlformats.org/markup-compatibility/2006" xmlns:a14="http://schemas.microsoft.com/office/drawing/2010/main">
+          <mc:Choice Requires="a14">
             <p:sp>
               <p:nvSpPr>
                 <p:cNvPr id="75" name="TextBox 74">
@@ -20814,13 +20808,7 @@
                           <a:rPr lang="en-US" b="0" i="1" smtClean="0">
                             <a:latin typeface="Cambria Math" panose="02040503050406030204" pitchFamily="18" charset="0"/>
                           </a:rPr>
-                          <m:t>)</m:t>
-                        </m:r>
-                        <m:r>
-                          <a:rPr lang="en-US" b="0" i="1" smtClean="0">
-                            <a:latin typeface="Cambria Math" panose="02040503050406030204" pitchFamily="18" charset="0"/>
-                          </a:rPr>
-                          <m:t>=</m:t>
+                          <m:t>)=</m:t>
                         </m:r>
                         <m:r>
                           <a:rPr lang="en-US" b="0" i="1" smtClean="0">
@@ -20836,7 +20824,7 @@
               </p:txBody>
             </p:sp>
           </mc:Choice>
-          <mc:Fallback>
+          <mc:Fallback xmlns="">
             <p:sp>
               <p:nvSpPr>
                 <p:cNvPr id="75" name="TextBox 74">
@@ -20881,8 +20869,8 @@
             </p:sp>
           </mc:Fallback>
         </mc:AlternateContent>
-        <mc:AlternateContent xmlns:mc="http://schemas.openxmlformats.org/markup-compatibility/2006">
-          <mc:Choice xmlns:a14="http://schemas.microsoft.com/office/drawing/2010/main" Requires="a14">
+        <mc:AlternateContent xmlns:mc="http://schemas.openxmlformats.org/markup-compatibility/2006" xmlns:a14="http://schemas.microsoft.com/office/drawing/2010/main">
+          <mc:Choice Requires="a14">
             <p:sp>
               <p:nvSpPr>
                 <p:cNvPr id="76" name="TextBox 75">
@@ -20959,13 +20947,7 @@
                           <a:rPr lang="en-US" b="0" i="1" smtClean="0">
                             <a:latin typeface="Cambria Math" panose="02040503050406030204" pitchFamily="18" charset="0"/>
                           </a:rPr>
-                          <m:t>)</m:t>
-                        </m:r>
-                        <m:r>
-                          <a:rPr lang="en-US" b="0" i="1" smtClean="0">
-                            <a:latin typeface="Cambria Math" panose="02040503050406030204" pitchFamily="18" charset="0"/>
-                          </a:rPr>
-                          <m:t>=</m:t>
+                          <m:t>)=</m:t>
                         </m:r>
                         <m:r>
                           <a:rPr lang="en-US" b="0" i="1" smtClean="0">
@@ -20981,7 +20963,7 @@
               </p:txBody>
             </p:sp>
           </mc:Choice>
-          <mc:Fallback>
+          <mc:Fallback xmlns="">
             <p:sp>
               <p:nvSpPr>
                 <p:cNvPr id="76" name="TextBox 75">
@@ -21026,8 +21008,8 @@
             </p:sp>
           </mc:Fallback>
         </mc:AlternateContent>
-        <mc:AlternateContent xmlns:mc="http://schemas.openxmlformats.org/markup-compatibility/2006">
-          <mc:Choice xmlns:a14="http://schemas.microsoft.com/office/drawing/2010/main" Requires="a14">
+        <mc:AlternateContent xmlns:mc="http://schemas.openxmlformats.org/markup-compatibility/2006" xmlns:a14="http://schemas.microsoft.com/office/drawing/2010/main">
+          <mc:Choice Requires="a14">
             <p:sp>
               <p:nvSpPr>
                 <p:cNvPr id="77" name="TextBox 76">
@@ -21104,13 +21086,7 @@
                           <a:rPr lang="en-US" b="0" i="1" smtClean="0">
                             <a:latin typeface="Cambria Math" panose="02040503050406030204" pitchFamily="18" charset="0"/>
                           </a:rPr>
-                          <m:t>)</m:t>
-                        </m:r>
-                        <m:r>
-                          <a:rPr lang="en-US" b="0" i="1" smtClean="0">
-                            <a:latin typeface="Cambria Math" panose="02040503050406030204" pitchFamily="18" charset="0"/>
-                          </a:rPr>
-                          <m:t>=</m:t>
+                          <m:t>)=</m:t>
                         </m:r>
                         <m:r>
                           <a:rPr lang="en-US" b="0" i="1" smtClean="0">
@@ -21126,7 +21102,7 @@
               </p:txBody>
             </p:sp>
           </mc:Choice>
-          <mc:Fallback>
+          <mc:Fallback xmlns="">
             <p:sp>
               <p:nvSpPr>
                 <p:cNvPr id="77" name="TextBox 76">
@@ -21456,8 +21432,8 @@
             </a:p>
           </p:txBody>
         </p:sp>
-        <mc:AlternateContent xmlns:mc="http://schemas.openxmlformats.org/markup-compatibility/2006">
-          <mc:Choice xmlns:a14="http://schemas.microsoft.com/office/drawing/2010/main" Requires="a14">
+        <mc:AlternateContent xmlns:mc="http://schemas.openxmlformats.org/markup-compatibility/2006" xmlns:a14="http://schemas.microsoft.com/office/drawing/2010/main">
+          <mc:Choice Requires="a14">
             <p:sp>
               <p:nvSpPr>
                 <p:cNvPr id="30" name="TextBox 29">
@@ -21519,7 +21495,7 @@
               </p:txBody>
             </p:sp>
           </mc:Choice>
-          <mc:Fallback>
+          <mc:Fallback xmlns="">
             <p:sp>
               <p:nvSpPr>
                 <p:cNvPr id="30" name="TextBox 29">
@@ -21564,8 +21540,8 @@
             </p:sp>
           </mc:Fallback>
         </mc:AlternateContent>
-        <mc:AlternateContent xmlns:mc="http://schemas.openxmlformats.org/markup-compatibility/2006">
-          <mc:Choice xmlns:a14="http://schemas.microsoft.com/office/drawing/2010/main" Requires="a14">
+        <mc:AlternateContent xmlns:mc="http://schemas.openxmlformats.org/markup-compatibility/2006" xmlns:a14="http://schemas.microsoft.com/office/drawing/2010/main">
+          <mc:Choice Requires="a14">
             <p:sp>
               <p:nvSpPr>
                 <p:cNvPr id="31" name="TextBox 30">
@@ -21627,7 +21603,7 @@
               </p:txBody>
             </p:sp>
           </mc:Choice>
-          <mc:Fallback>
+          <mc:Fallback xmlns="">
             <p:sp>
               <p:nvSpPr>
                 <p:cNvPr id="31" name="TextBox 30">
@@ -21672,8 +21648,8 @@
             </p:sp>
           </mc:Fallback>
         </mc:AlternateContent>
-        <mc:AlternateContent xmlns:mc="http://schemas.openxmlformats.org/markup-compatibility/2006">
-          <mc:Choice xmlns:a14="http://schemas.microsoft.com/office/drawing/2010/main" Requires="a14">
+        <mc:AlternateContent xmlns:mc="http://schemas.openxmlformats.org/markup-compatibility/2006" xmlns:a14="http://schemas.microsoft.com/office/drawing/2010/main">
+          <mc:Choice Requires="a14">
             <p:sp>
               <p:nvSpPr>
                 <p:cNvPr id="32" name="TextBox 31">
@@ -21735,7 +21711,7 @@
               </p:txBody>
             </p:sp>
           </mc:Choice>
-          <mc:Fallback>
+          <mc:Fallback xmlns="">
             <p:sp>
               <p:nvSpPr>
                 <p:cNvPr id="32" name="TextBox 31">
@@ -21813,1675 +21789,6 @@
       </p:grpSpPr>
       <p:grpSp>
         <p:nvGrpSpPr>
-          <p:cNvPr id="4" name="Group 3">
-            <a:extLst>
-              <a:ext uri="{FF2B5EF4-FFF2-40B4-BE49-F238E27FC236}">
-                <a16:creationId xmlns:a16="http://schemas.microsoft.com/office/drawing/2014/main" id="{4E259920-68B2-4FE5-8D99-280957EAD6C8}"/>
-              </a:ext>
-            </a:extLst>
-          </p:cNvPr>
-          <p:cNvGrpSpPr/>
-          <p:nvPr/>
-        </p:nvGrpSpPr>
-        <p:grpSpPr>
-          <a:xfrm>
-            <a:off x="2892859" y="696313"/>
-            <a:ext cx="7790765" cy="3647831"/>
-            <a:chOff x="2892859" y="696313"/>
-            <a:chExt cx="7790765" cy="3647831"/>
-          </a:xfrm>
-        </p:grpSpPr>
-        <p:sp>
-          <p:nvSpPr>
-            <p:cNvPr id="2" name="Isosceles Triangle 1">
-              <a:extLst>
-                <a:ext uri="{FF2B5EF4-FFF2-40B4-BE49-F238E27FC236}">
-                  <a16:creationId xmlns:a16="http://schemas.microsoft.com/office/drawing/2014/main" id="{6A11F797-F563-4CDE-8C3F-0450B16EF178}"/>
-                </a:ext>
-              </a:extLst>
-            </p:cNvPr>
-            <p:cNvSpPr/>
-            <p:nvPr/>
-          </p:nvSpPr>
-          <p:spPr>
-            <a:xfrm>
-              <a:off x="5587738" y="754144"/>
-              <a:ext cx="685800" cy="548640"/>
-            </a:xfrm>
-            <a:prstGeom prst="triangle">
-              <a:avLst/>
-            </a:prstGeom>
-            <a:solidFill>
-              <a:srgbClr val="0070C0"/>
-            </a:solidFill>
-            <a:ln w="25400">
-              <a:solidFill>
-                <a:schemeClr val="tx1"/>
-              </a:solidFill>
-            </a:ln>
-          </p:spPr>
-          <p:style>
-            <a:lnRef idx="2">
-              <a:schemeClr val="accent1">
-                <a:shade val="50000"/>
-              </a:schemeClr>
-            </a:lnRef>
-            <a:fillRef idx="1">
-              <a:schemeClr val="accent1"/>
-            </a:fillRef>
-            <a:effectRef idx="0">
-              <a:schemeClr val="accent1"/>
-            </a:effectRef>
-            <a:fontRef idx="minor">
-              <a:schemeClr val="lt1"/>
-            </a:fontRef>
-          </p:style>
-          <p:txBody>
-            <a:bodyPr rtlCol="1" anchor="ctr"/>
-            <a:lstStyle/>
-            <a:p>
-              <a:pPr algn="ctr"/>
-              <a:endParaRPr lang="he-IL"/>
-            </a:p>
-          </p:txBody>
-        </p:sp>
-        <p:sp>
-          <p:nvSpPr>
-            <p:cNvPr id="45" name="Isosceles Triangle 44">
-              <a:extLst>
-                <a:ext uri="{FF2B5EF4-FFF2-40B4-BE49-F238E27FC236}">
-                  <a16:creationId xmlns:a16="http://schemas.microsoft.com/office/drawing/2014/main" id="{7B38CEDB-81AE-4059-9326-93F8EBF308A6}"/>
-                </a:ext>
-              </a:extLst>
-            </p:cNvPr>
-            <p:cNvSpPr/>
-            <p:nvPr/>
-          </p:nvSpPr>
-          <p:spPr>
-            <a:xfrm rot="10800000">
-              <a:off x="4130697" y="1915213"/>
-              <a:ext cx="685800" cy="548640"/>
-            </a:xfrm>
-            <a:prstGeom prst="triangle">
-              <a:avLst/>
-            </a:prstGeom>
-            <a:solidFill>
-              <a:srgbClr val="FF0000"/>
-            </a:solidFill>
-            <a:ln w="25400">
-              <a:solidFill>
-                <a:schemeClr val="tx1"/>
-              </a:solidFill>
-            </a:ln>
-          </p:spPr>
-          <p:style>
-            <a:lnRef idx="2">
-              <a:schemeClr val="accent1">
-                <a:shade val="50000"/>
-              </a:schemeClr>
-            </a:lnRef>
-            <a:fillRef idx="1">
-              <a:schemeClr val="accent1"/>
-            </a:fillRef>
-            <a:effectRef idx="0">
-              <a:schemeClr val="accent1"/>
-            </a:effectRef>
-            <a:fontRef idx="minor">
-              <a:schemeClr val="lt1"/>
-            </a:fontRef>
-          </p:style>
-          <p:txBody>
-            <a:bodyPr rtlCol="1" anchor="ctr"/>
-            <a:lstStyle/>
-            <a:p>
-              <a:pPr algn="ctr"/>
-              <a:endParaRPr lang="he-IL"/>
-            </a:p>
-          </p:txBody>
-        </p:sp>
-        <p:sp>
-          <p:nvSpPr>
-            <p:cNvPr id="3" name="Rectangle 2">
-              <a:extLst>
-                <a:ext uri="{FF2B5EF4-FFF2-40B4-BE49-F238E27FC236}">
-                  <a16:creationId xmlns:a16="http://schemas.microsoft.com/office/drawing/2014/main" id="{38E38ED5-1B4D-417C-AA79-86E162D86376}"/>
-                </a:ext>
-              </a:extLst>
-            </p:cNvPr>
-            <p:cNvSpPr/>
-            <p:nvPr/>
-          </p:nvSpPr>
-          <p:spPr>
-            <a:xfrm>
-              <a:off x="3276052" y="3210268"/>
-              <a:ext cx="685800" cy="685800"/>
-            </a:xfrm>
-            <a:prstGeom prst="rect">
-              <a:avLst/>
-            </a:prstGeom>
-            <a:ln w="25400">
-              <a:solidFill>
-                <a:schemeClr val="tx1"/>
-              </a:solidFill>
-            </a:ln>
-          </p:spPr>
-          <p:style>
-            <a:lnRef idx="2">
-              <a:schemeClr val="accent1">
-                <a:shade val="50000"/>
-              </a:schemeClr>
-            </a:lnRef>
-            <a:fillRef idx="1">
-              <a:schemeClr val="accent1"/>
-            </a:fillRef>
-            <a:effectRef idx="0">
-              <a:schemeClr val="accent1"/>
-            </a:effectRef>
-            <a:fontRef idx="minor">
-              <a:schemeClr val="lt1"/>
-            </a:fontRef>
-          </p:style>
-          <p:txBody>
-            <a:bodyPr rtlCol="1" anchor="ctr"/>
-            <a:lstStyle/>
-            <a:p>
-              <a:pPr algn="ctr"/>
-              <a:endParaRPr lang="he-IL"/>
-            </a:p>
-          </p:txBody>
-        </p:sp>
-        <p:sp>
-          <p:nvSpPr>
-            <p:cNvPr id="48" name="Rectangle 47">
-              <a:extLst>
-                <a:ext uri="{FF2B5EF4-FFF2-40B4-BE49-F238E27FC236}">
-                  <a16:creationId xmlns:a16="http://schemas.microsoft.com/office/drawing/2014/main" id="{01A7C47E-586D-4C7B-8C6C-A2CEA0A6D830}"/>
-                </a:ext>
-              </a:extLst>
-            </p:cNvPr>
-            <p:cNvSpPr/>
-            <p:nvPr/>
-          </p:nvSpPr>
-          <p:spPr>
-            <a:xfrm>
-              <a:off x="4901938" y="3210268"/>
-              <a:ext cx="685800" cy="685800"/>
-            </a:xfrm>
-            <a:prstGeom prst="rect">
-              <a:avLst/>
-            </a:prstGeom>
-            <a:ln w="25400">
-              <a:solidFill>
-                <a:schemeClr val="tx1"/>
-              </a:solidFill>
-            </a:ln>
-          </p:spPr>
-          <p:style>
-            <a:lnRef idx="2">
-              <a:schemeClr val="accent1">
-                <a:shade val="50000"/>
-              </a:schemeClr>
-            </a:lnRef>
-            <a:fillRef idx="1">
-              <a:schemeClr val="accent1"/>
-            </a:fillRef>
-            <a:effectRef idx="0">
-              <a:schemeClr val="accent1"/>
-            </a:effectRef>
-            <a:fontRef idx="minor">
-              <a:schemeClr val="lt1"/>
-            </a:fontRef>
-          </p:style>
-          <p:txBody>
-            <a:bodyPr rtlCol="1" anchor="ctr"/>
-            <a:lstStyle/>
-            <a:p>
-              <a:pPr algn="ctr"/>
-              <a:endParaRPr lang="he-IL"/>
-            </a:p>
-          </p:txBody>
-        </p:sp>
-        <p:sp>
-          <p:nvSpPr>
-            <p:cNvPr id="50" name="Isosceles Triangle 49">
-              <a:extLst>
-                <a:ext uri="{FF2B5EF4-FFF2-40B4-BE49-F238E27FC236}">
-                  <a16:creationId xmlns:a16="http://schemas.microsoft.com/office/drawing/2014/main" id="{44CACD17-EB4B-487B-BF6B-026BCC73B346}"/>
-                </a:ext>
-              </a:extLst>
-            </p:cNvPr>
-            <p:cNvSpPr/>
-            <p:nvPr/>
-          </p:nvSpPr>
-          <p:spPr>
-            <a:xfrm rot="10800000">
-              <a:off x="7128183" y="1915214"/>
-              <a:ext cx="685800" cy="548640"/>
-            </a:xfrm>
-            <a:prstGeom prst="triangle">
-              <a:avLst/>
-            </a:prstGeom>
-            <a:solidFill>
-              <a:srgbClr val="FF0000"/>
-            </a:solidFill>
-            <a:ln w="25400">
-              <a:solidFill>
-                <a:schemeClr val="tx1"/>
-              </a:solidFill>
-            </a:ln>
-          </p:spPr>
-          <p:style>
-            <a:lnRef idx="2">
-              <a:schemeClr val="accent1">
-                <a:shade val="50000"/>
-              </a:schemeClr>
-            </a:lnRef>
-            <a:fillRef idx="1">
-              <a:schemeClr val="accent1"/>
-            </a:fillRef>
-            <a:effectRef idx="0">
-              <a:schemeClr val="accent1"/>
-            </a:effectRef>
-            <a:fontRef idx="minor">
-              <a:schemeClr val="lt1"/>
-            </a:fontRef>
-          </p:style>
-          <p:txBody>
-            <a:bodyPr rtlCol="1" anchor="ctr"/>
-            <a:lstStyle/>
-            <a:p>
-              <a:pPr algn="ctr"/>
-              <a:endParaRPr lang="he-IL"/>
-            </a:p>
-          </p:txBody>
-        </p:sp>
-        <p:sp>
-          <p:nvSpPr>
-            <p:cNvPr id="51" name="Rectangle 50">
-              <a:extLst>
-                <a:ext uri="{FF2B5EF4-FFF2-40B4-BE49-F238E27FC236}">
-                  <a16:creationId xmlns:a16="http://schemas.microsoft.com/office/drawing/2014/main" id="{9C60AA9D-660C-4993-AAF1-591ED97AA247}"/>
-                </a:ext>
-              </a:extLst>
-            </p:cNvPr>
-            <p:cNvSpPr/>
-            <p:nvPr/>
-          </p:nvSpPr>
-          <p:spPr>
-            <a:xfrm>
-              <a:off x="6273538" y="3210269"/>
-              <a:ext cx="685800" cy="685800"/>
-            </a:xfrm>
-            <a:prstGeom prst="rect">
-              <a:avLst/>
-            </a:prstGeom>
-            <a:ln w="25400">
-              <a:solidFill>
-                <a:schemeClr val="tx1"/>
-              </a:solidFill>
-            </a:ln>
-          </p:spPr>
-          <p:style>
-            <a:lnRef idx="2">
-              <a:schemeClr val="accent1">
-                <a:shade val="50000"/>
-              </a:schemeClr>
-            </a:lnRef>
-            <a:fillRef idx="1">
-              <a:schemeClr val="accent1"/>
-            </a:fillRef>
-            <a:effectRef idx="0">
-              <a:schemeClr val="accent1"/>
-            </a:effectRef>
-            <a:fontRef idx="minor">
-              <a:schemeClr val="lt1"/>
-            </a:fontRef>
-          </p:style>
-          <p:txBody>
-            <a:bodyPr rtlCol="1" anchor="ctr"/>
-            <a:lstStyle/>
-            <a:p>
-              <a:pPr algn="ctr"/>
-              <a:endParaRPr lang="he-IL"/>
-            </a:p>
-          </p:txBody>
-        </p:sp>
-        <p:sp>
-          <p:nvSpPr>
-            <p:cNvPr id="52" name="Rectangle 51">
-              <a:extLst>
-                <a:ext uri="{FF2B5EF4-FFF2-40B4-BE49-F238E27FC236}">
-                  <a16:creationId xmlns:a16="http://schemas.microsoft.com/office/drawing/2014/main" id="{333E295C-4C95-4C9A-98EB-A973C6E40A78}"/>
-                </a:ext>
-              </a:extLst>
-            </p:cNvPr>
-            <p:cNvSpPr/>
-            <p:nvPr/>
-          </p:nvSpPr>
-          <p:spPr>
-            <a:xfrm>
-              <a:off x="7899424" y="3210269"/>
-              <a:ext cx="685800" cy="685800"/>
-            </a:xfrm>
-            <a:prstGeom prst="rect">
-              <a:avLst/>
-            </a:prstGeom>
-            <a:ln w="25400">
-              <a:solidFill>
-                <a:schemeClr val="tx1"/>
-              </a:solidFill>
-            </a:ln>
-          </p:spPr>
-          <p:style>
-            <a:lnRef idx="2">
-              <a:schemeClr val="accent1">
-                <a:shade val="50000"/>
-              </a:schemeClr>
-            </a:lnRef>
-            <a:fillRef idx="1">
-              <a:schemeClr val="accent1"/>
-            </a:fillRef>
-            <a:effectRef idx="0">
-              <a:schemeClr val="accent1"/>
-            </a:effectRef>
-            <a:fontRef idx="minor">
-              <a:schemeClr val="lt1"/>
-            </a:fontRef>
-          </p:style>
-          <p:txBody>
-            <a:bodyPr rtlCol="1" anchor="ctr"/>
-            <a:lstStyle/>
-            <a:p>
-              <a:pPr algn="ctr"/>
-              <a:endParaRPr lang="he-IL"/>
-            </a:p>
-          </p:txBody>
-        </p:sp>
-        <p:cxnSp>
-          <p:nvCxnSpPr>
-            <p:cNvPr id="5" name="Straight Connector 4">
-              <a:extLst>
-                <a:ext uri="{FF2B5EF4-FFF2-40B4-BE49-F238E27FC236}">
-                  <a16:creationId xmlns:a16="http://schemas.microsoft.com/office/drawing/2014/main" id="{1925075F-8821-4439-8E38-6B77B1535AB1}"/>
-                </a:ext>
-              </a:extLst>
-            </p:cNvPr>
-            <p:cNvCxnSpPr>
-              <a:stCxn id="2" idx="2"/>
-              <a:endCxn id="45" idx="3"/>
-            </p:cNvCxnSpPr>
-            <p:nvPr/>
-          </p:nvCxnSpPr>
-          <p:spPr>
-            <a:xfrm flipH="1">
-              <a:off x="4473597" y="1302784"/>
-              <a:ext cx="1114141" cy="612429"/>
-            </a:xfrm>
-            <a:prstGeom prst="line">
-              <a:avLst/>
-            </a:prstGeom>
-            <a:ln w="25400">
-              <a:solidFill>
-                <a:schemeClr val="tx1"/>
-              </a:solidFill>
-              <a:tailEnd type="none"/>
-            </a:ln>
-          </p:spPr>
-          <p:style>
-            <a:lnRef idx="1">
-              <a:schemeClr val="accent1"/>
-            </a:lnRef>
-            <a:fillRef idx="0">
-              <a:schemeClr val="accent1"/>
-            </a:fillRef>
-            <a:effectRef idx="0">
-              <a:schemeClr val="accent1"/>
-            </a:effectRef>
-            <a:fontRef idx="minor">
-              <a:schemeClr val="tx1"/>
-            </a:fontRef>
-          </p:style>
-        </p:cxnSp>
-        <p:cxnSp>
-          <p:nvCxnSpPr>
-            <p:cNvPr id="55" name="Straight Connector 54">
-              <a:extLst>
-                <a:ext uri="{FF2B5EF4-FFF2-40B4-BE49-F238E27FC236}">
-                  <a16:creationId xmlns:a16="http://schemas.microsoft.com/office/drawing/2014/main" id="{84A9E243-4E39-4807-BFB4-F7E80E7237F7}"/>
-                </a:ext>
-              </a:extLst>
-            </p:cNvPr>
-            <p:cNvCxnSpPr>
-              <a:cxnSpLocks/>
-              <a:stCxn id="2" idx="4"/>
-              <a:endCxn id="50" idx="3"/>
-            </p:cNvCxnSpPr>
-            <p:nvPr/>
-          </p:nvCxnSpPr>
-          <p:spPr>
-            <a:xfrm>
-              <a:off x="6273538" y="1302784"/>
-              <a:ext cx="1197545" cy="612430"/>
-            </a:xfrm>
-            <a:prstGeom prst="line">
-              <a:avLst/>
-            </a:prstGeom>
-            <a:ln w="25400">
-              <a:solidFill>
-                <a:schemeClr val="tx1"/>
-              </a:solidFill>
-              <a:headEnd type="none"/>
-              <a:tailEnd type="none"/>
-            </a:ln>
-          </p:spPr>
-          <p:style>
-            <a:lnRef idx="1">
-              <a:schemeClr val="accent1"/>
-            </a:lnRef>
-            <a:fillRef idx="0">
-              <a:schemeClr val="accent1"/>
-            </a:fillRef>
-            <a:effectRef idx="0">
-              <a:schemeClr val="accent1"/>
-            </a:effectRef>
-            <a:fontRef idx="minor">
-              <a:schemeClr val="tx1"/>
-            </a:fontRef>
-          </p:style>
-        </p:cxnSp>
-        <p:cxnSp>
-          <p:nvCxnSpPr>
-            <p:cNvPr id="58" name="Straight Connector 57">
-              <a:extLst>
-                <a:ext uri="{FF2B5EF4-FFF2-40B4-BE49-F238E27FC236}">
-                  <a16:creationId xmlns:a16="http://schemas.microsoft.com/office/drawing/2014/main" id="{D8483294-A05D-43E0-BC66-B4A87DAC8315}"/>
-                </a:ext>
-              </a:extLst>
-            </p:cNvPr>
-            <p:cNvCxnSpPr>
-              <a:cxnSpLocks/>
-              <a:stCxn id="3" idx="0"/>
-              <a:endCxn id="45" idx="5"/>
-            </p:cNvCxnSpPr>
-            <p:nvPr/>
-          </p:nvCxnSpPr>
-          <p:spPr>
-            <a:xfrm flipV="1">
-              <a:off x="3618952" y="2189533"/>
-              <a:ext cx="683195" cy="1020735"/>
-            </a:xfrm>
-            <a:prstGeom prst="line">
-              <a:avLst/>
-            </a:prstGeom>
-            <a:ln w="25400">
-              <a:solidFill>
-                <a:schemeClr val="tx1"/>
-              </a:solidFill>
-            </a:ln>
-          </p:spPr>
-          <p:style>
-            <a:lnRef idx="1">
-              <a:schemeClr val="accent1"/>
-            </a:lnRef>
-            <a:fillRef idx="0">
-              <a:schemeClr val="accent1"/>
-            </a:fillRef>
-            <a:effectRef idx="0">
-              <a:schemeClr val="accent1"/>
-            </a:effectRef>
-            <a:fontRef idx="minor">
-              <a:schemeClr val="tx1"/>
-            </a:fontRef>
-          </p:style>
-        </p:cxnSp>
-        <p:cxnSp>
-          <p:nvCxnSpPr>
-            <p:cNvPr id="61" name="Straight Connector 60">
-              <a:extLst>
-                <a:ext uri="{FF2B5EF4-FFF2-40B4-BE49-F238E27FC236}">
-                  <a16:creationId xmlns:a16="http://schemas.microsoft.com/office/drawing/2014/main" id="{FCD45DA7-6941-48BA-9D89-9D34C903BE4C}"/>
-                </a:ext>
-              </a:extLst>
-            </p:cNvPr>
-            <p:cNvCxnSpPr>
-              <a:cxnSpLocks/>
-              <a:stCxn id="48" idx="0"/>
-              <a:endCxn id="45" idx="1"/>
-            </p:cNvCxnSpPr>
-            <p:nvPr/>
-          </p:nvCxnSpPr>
-          <p:spPr>
-            <a:xfrm flipH="1" flipV="1">
-              <a:off x="4645047" y="2189533"/>
-              <a:ext cx="599791" cy="1020735"/>
-            </a:xfrm>
-            <a:prstGeom prst="line">
-              <a:avLst/>
-            </a:prstGeom>
-            <a:ln w="25400">
-              <a:solidFill>
-                <a:schemeClr val="tx1"/>
-              </a:solidFill>
-            </a:ln>
-          </p:spPr>
-          <p:style>
-            <a:lnRef idx="1">
-              <a:schemeClr val="accent1"/>
-            </a:lnRef>
-            <a:fillRef idx="0">
-              <a:schemeClr val="accent1"/>
-            </a:fillRef>
-            <a:effectRef idx="0">
-              <a:schemeClr val="accent1"/>
-            </a:effectRef>
-            <a:fontRef idx="minor">
-              <a:schemeClr val="tx1"/>
-            </a:fontRef>
-          </p:style>
-        </p:cxnSp>
-        <p:cxnSp>
-          <p:nvCxnSpPr>
-            <p:cNvPr id="64" name="Straight Connector 63">
-              <a:extLst>
-                <a:ext uri="{FF2B5EF4-FFF2-40B4-BE49-F238E27FC236}">
-                  <a16:creationId xmlns:a16="http://schemas.microsoft.com/office/drawing/2014/main" id="{ABEE147E-B2E7-4C16-8B2B-6E1EFDBD6567}"/>
-                </a:ext>
-              </a:extLst>
-            </p:cNvPr>
-            <p:cNvCxnSpPr>
-              <a:cxnSpLocks/>
-              <a:stCxn id="51" idx="0"/>
-              <a:endCxn id="50" idx="5"/>
-            </p:cNvCxnSpPr>
-            <p:nvPr/>
-          </p:nvCxnSpPr>
-          <p:spPr>
-            <a:xfrm flipV="1">
-              <a:off x="6616438" y="2189534"/>
-              <a:ext cx="683195" cy="1020735"/>
-            </a:xfrm>
-            <a:prstGeom prst="line">
-              <a:avLst/>
-            </a:prstGeom>
-            <a:ln w="25400">
-              <a:solidFill>
-                <a:schemeClr val="tx1"/>
-              </a:solidFill>
-              <a:headEnd type="none"/>
-            </a:ln>
-          </p:spPr>
-          <p:style>
-            <a:lnRef idx="1">
-              <a:schemeClr val="accent1"/>
-            </a:lnRef>
-            <a:fillRef idx="0">
-              <a:schemeClr val="accent1"/>
-            </a:fillRef>
-            <a:effectRef idx="0">
-              <a:schemeClr val="accent1"/>
-            </a:effectRef>
-            <a:fontRef idx="minor">
-              <a:schemeClr val="tx1"/>
-            </a:fontRef>
-          </p:style>
-        </p:cxnSp>
-        <p:cxnSp>
-          <p:nvCxnSpPr>
-            <p:cNvPr id="67" name="Straight Connector 66">
-              <a:extLst>
-                <a:ext uri="{FF2B5EF4-FFF2-40B4-BE49-F238E27FC236}">
-                  <a16:creationId xmlns:a16="http://schemas.microsoft.com/office/drawing/2014/main" id="{85BB5E8E-008A-4BC4-B89A-DF90B4A77FA0}"/>
-                </a:ext>
-              </a:extLst>
-            </p:cNvPr>
-            <p:cNvCxnSpPr>
-              <a:cxnSpLocks/>
-              <a:stCxn id="52" idx="0"/>
-              <a:endCxn id="50" idx="1"/>
-            </p:cNvCxnSpPr>
-            <p:nvPr/>
-          </p:nvCxnSpPr>
-          <p:spPr>
-            <a:xfrm flipH="1" flipV="1">
-              <a:off x="7642533" y="2189534"/>
-              <a:ext cx="599791" cy="1020735"/>
-            </a:xfrm>
-            <a:prstGeom prst="line">
-              <a:avLst/>
-            </a:prstGeom>
-            <a:ln w="25400">
-              <a:solidFill>
-                <a:schemeClr val="tx1"/>
-              </a:solidFill>
-              <a:headEnd type="none"/>
-              <a:tailEnd type="none"/>
-            </a:ln>
-          </p:spPr>
-          <p:style>
-            <a:lnRef idx="1">
-              <a:schemeClr val="accent1"/>
-            </a:lnRef>
-            <a:fillRef idx="0">
-              <a:schemeClr val="accent1"/>
-            </a:fillRef>
-            <a:effectRef idx="0">
-              <a:schemeClr val="accent1"/>
-            </a:effectRef>
-            <a:fontRef idx="minor">
-              <a:schemeClr val="tx1"/>
-            </a:fontRef>
-          </p:style>
-        </p:cxnSp>
-        <mc:AlternateContent xmlns:mc="http://schemas.openxmlformats.org/markup-compatibility/2006">
-          <mc:Choice xmlns:a14="http://schemas.microsoft.com/office/drawing/2010/main" Requires="a14">
-            <p:sp>
-              <p:nvSpPr>
-                <p:cNvPr id="74" name="TextBox 73">
-                  <a:extLst>
-                    <a:ext uri="{FF2B5EF4-FFF2-40B4-BE49-F238E27FC236}">
-                      <a16:creationId xmlns:a16="http://schemas.microsoft.com/office/drawing/2014/main" id="{6B14C8CB-D491-4730-896F-18D39250ACFB}"/>
-                    </a:ext>
-                  </a:extLst>
-                </p:cNvPr>
-                <p:cNvSpPr txBox="1"/>
-                <p:nvPr/>
-              </p:nvSpPr>
-              <p:spPr>
-                <a:xfrm>
-                  <a:off x="2892859" y="3974812"/>
-                  <a:ext cx="1371600" cy="369332"/>
-                </a:xfrm>
-                <a:prstGeom prst="rect">
-                  <a:avLst/>
-                </a:prstGeom>
-                <a:noFill/>
-              </p:spPr>
-              <p:txBody>
-                <a:bodyPr wrap="square" rtlCol="1">
-                  <a:spAutoFit/>
-                </a:bodyPr>
-                <a:lstStyle/>
-                <a:p>
-                  <a:pPr/>
-                  <a14:m>
-                    <m:oMathPara xmlns:m="http://schemas.openxmlformats.org/officeDocument/2006/math">
-                      <m:oMathParaPr>
-                        <m:jc m:val="centerGroup"/>
-                      </m:oMathParaPr>
-                      <m:oMath xmlns:m="http://schemas.openxmlformats.org/officeDocument/2006/math">
-                        <m:r>
-                          <a:rPr lang="en-US" b="0" i="1" smtClean="0">
-                            <a:latin typeface="Cambria Math" panose="02040503050406030204" pitchFamily="18" charset="0"/>
-                          </a:rPr>
-                          <m:t>h</m:t>
-                        </m:r>
-                        <m:r>
-                          <a:rPr lang="en-US" b="0" i="1" smtClean="0">
-                            <a:latin typeface="Cambria Math" panose="02040503050406030204" pitchFamily="18" charset="0"/>
-                          </a:rPr>
-                          <m:t>=</m:t>
-                        </m:r>
-                        <m:r>
-                          <a:rPr lang="en-US" b="0" i="1" smtClean="0">
-                            <a:latin typeface="Cambria Math" panose="02040503050406030204" pitchFamily="18" charset="0"/>
-                          </a:rPr>
-                          <m:t>−</m:t>
-                        </m:r>
-                        <m:r>
-                          <a:rPr lang="en-US" b="0" i="1" smtClean="0">
-                            <a:latin typeface="Cambria Math" panose="02040503050406030204" pitchFamily="18" charset="0"/>
-                          </a:rPr>
-                          <m:t>3</m:t>
-                        </m:r>
-                      </m:oMath>
-                    </m:oMathPara>
-                  </a14:m>
-                  <a:endParaRPr lang="he-IL" dirty="0"/>
-                </a:p>
-              </p:txBody>
-            </p:sp>
-          </mc:Choice>
-          <mc:Fallback>
-            <p:sp>
-              <p:nvSpPr>
-                <p:cNvPr id="74" name="TextBox 73">
-                  <a:extLst>
-                    <a:ext uri="{FF2B5EF4-FFF2-40B4-BE49-F238E27FC236}">
-                      <a16:creationId xmlns:a16="http://schemas.microsoft.com/office/drawing/2014/main" id="{6B14C8CB-D491-4730-896F-18D39250ACFB}"/>
-                    </a:ext>
-                  </a:extLst>
-                </p:cNvPr>
-                <p:cNvSpPr txBox="1">
-                  <a:spLocks noRot="1" noChangeAspect="1" noMove="1" noResize="1" noEditPoints="1" noAdjustHandles="1" noChangeArrowheads="1" noChangeShapeType="1" noTextEdit="1"/>
-                </p:cNvSpPr>
-                <p:nvPr/>
-              </p:nvSpPr>
-              <p:spPr>
-                <a:xfrm>
-                  <a:off x="2892859" y="3974812"/>
-                  <a:ext cx="1371600" cy="369332"/>
-                </a:xfrm>
-                <a:prstGeom prst="rect">
-                  <a:avLst/>
-                </a:prstGeom>
-                <a:blipFill>
-                  <a:blip r:embed="rId2"/>
-                  <a:stretch>
-                    <a:fillRect/>
-                  </a:stretch>
-                </a:blipFill>
-              </p:spPr>
-              <p:txBody>
-                <a:bodyPr/>
-                <a:lstStyle/>
-                <a:p>
-                  <a:r>
-                    <a:rPr lang="he-IL">
-                      <a:noFill/>
-                    </a:rPr>
-                    <a:t> </a:t>
-                  </a:r>
-                </a:p>
-              </p:txBody>
-            </p:sp>
-          </mc:Fallback>
-        </mc:AlternateContent>
-        <mc:AlternateContent xmlns:mc="http://schemas.openxmlformats.org/markup-compatibility/2006">
-          <mc:Choice xmlns:a14="http://schemas.microsoft.com/office/drawing/2010/main" Requires="a14">
-            <p:sp>
-              <p:nvSpPr>
-                <p:cNvPr id="75" name="TextBox 74">
-                  <a:extLst>
-                    <a:ext uri="{FF2B5EF4-FFF2-40B4-BE49-F238E27FC236}">
-                      <a16:creationId xmlns:a16="http://schemas.microsoft.com/office/drawing/2014/main" id="{A607AD59-BD38-49E9-BB32-47745D6BD69A}"/>
-                    </a:ext>
-                  </a:extLst>
-                </p:cNvPr>
-                <p:cNvSpPr txBox="1"/>
-                <p:nvPr/>
-              </p:nvSpPr>
-              <p:spPr>
-                <a:xfrm>
-                  <a:off x="4556023" y="3974812"/>
-                  <a:ext cx="1371600" cy="369332"/>
-                </a:xfrm>
-                <a:prstGeom prst="rect">
-                  <a:avLst/>
-                </a:prstGeom>
-                <a:noFill/>
-              </p:spPr>
-              <p:txBody>
-                <a:bodyPr wrap="square" rtlCol="1">
-                  <a:spAutoFit/>
-                </a:bodyPr>
-                <a:lstStyle/>
-                <a:p>
-                  <a:pPr/>
-                  <a14:m>
-                    <m:oMathPara xmlns:m="http://schemas.openxmlformats.org/officeDocument/2006/math">
-                      <m:oMathParaPr>
-                        <m:jc m:val="centerGroup"/>
-                      </m:oMathParaPr>
-                      <m:oMath xmlns:m="http://schemas.openxmlformats.org/officeDocument/2006/math">
-                        <m:r>
-                          <a:rPr lang="en-US" b="0" i="1" smtClean="0">
-                            <a:latin typeface="Cambria Math" panose="02040503050406030204" pitchFamily="18" charset="0"/>
-                          </a:rPr>
-                          <m:t>h</m:t>
-                        </m:r>
-                        <m:r>
-                          <a:rPr lang="en-US" b="0" i="1" smtClean="0">
-                            <a:latin typeface="Cambria Math" panose="02040503050406030204" pitchFamily="18" charset="0"/>
-                          </a:rPr>
-                          <m:t>=</m:t>
-                        </m:r>
-                        <m:r>
-                          <a:rPr lang="en-US" b="0" i="1" smtClean="0">
-                            <a:latin typeface="Cambria Math" panose="02040503050406030204" pitchFamily="18" charset="0"/>
-                          </a:rPr>
-                          <m:t>2</m:t>
-                        </m:r>
-                      </m:oMath>
-                    </m:oMathPara>
-                  </a14:m>
-                  <a:endParaRPr lang="he-IL" dirty="0"/>
-                </a:p>
-              </p:txBody>
-            </p:sp>
-          </mc:Choice>
-          <mc:Fallback>
-            <p:sp>
-              <p:nvSpPr>
-                <p:cNvPr id="75" name="TextBox 74">
-                  <a:extLst>
-                    <a:ext uri="{FF2B5EF4-FFF2-40B4-BE49-F238E27FC236}">
-                      <a16:creationId xmlns:a16="http://schemas.microsoft.com/office/drawing/2014/main" id="{A607AD59-BD38-49E9-BB32-47745D6BD69A}"/>
-                    </a:ext>
-                  </a:extLst>
-                </p:cNvPr>
-                <p:cNvSpPr txBox="1">
-                  <a:spLocks noRot="1" noChangeAspect="1" noMove="1" noResize="1" noEditPoints="1" noAdjustHandles="1" noChangeArrowheads="1" noChangeShapeType="1" noTextEdit="1"/>
-                </p:cNvSpPr>
-                <p:nvPr/>
-              </p:nvSpPr>
-              <p:spPr>
-                <a:xfrm>
-                  <a:off x="4556023" y="3974812"/>
-                  <a:ext cx="1371600" cy="369332"/>
-                </a:xfrm>
-                <a:prstGeom prst="rect">
-                  <a:avLst/>
-                </a:prstGeom>
-                <a:blipFill>
-                  <a:blip r:embed="rId3"/>
-                  <a:stretch>
-                    <a:fillRect/>
-                  </a:stretch>
-                </a:blipFill>
-              </p:spPr>
-              <p:txBody>
-                <a:bodyPr/>
-                <a:lstStyle/>
-                <a:p>
-                  <a:r>
-                    <a:rPr lang="he-IL">
-                      <a:noFill/>
-                    </a:rPr>
-                    <a:t> </a:t>
-                  </a:r>
-                </a:p>
-              </p:txBody>
-            </p:sp>
-          </mc:Fallback>
-        </mc:AlternateContent>
-        <mc:AlternateContent xmlns:mc="http://schemas.openxmlformats.org/markup-compatibility/2006">
-          <mc:Choice xmlns:a14="http://schemas.microsoft.com/office/drawing/2010/main" Requires="a14">
-            <p:sp>
-              <p:nvSpPr>
-                <p:cNvPr id="76" name="TextBox 75">
-                  <a:extLst>
-                    <a:ext uri="{FF2B5EF4-FFF2-40B4-BE49-F238E27FC236}">
-                      <a16:creationId xmlns:a16="http://schemas.microsoft.com/office/drawing/2014/main" id="{1085024F-EA78-4321-91BB-60E0AF025C3E}"/>
-                    </a:ext>
-                  </a:extLst>
-                </p:cNvPr>
-                <p:cNvSpPr txBox="1"/>
-                <p:nvPr/>
-              </p:nvSpPr>
-              <p:spPr>
-                <a:xfrm>
-                  <a:off x="5927623" y="3974812"/>
-                  <a:ext cx="1371600" cy="369332"/>
-                </a:xfrm>
-                <a:prstGeom prst="rect">
-                  <a:avLst/>
-                </a:prstGeom>
-                <a:noFill/>
-              </p:spPr>
-              <p:txBody>
-                <a:bodyPr wrap="square" rtlCol="1">
-                  <a:spAutoFit/>
-                </a:bodyPr>
-                <a:lstStyle/>
-                <a:p>
-                  <a:pPr/>
-                  <a14:m>
-                    <m:oMathPara xmlns:m="http://schemas.openxmlformats.org/officeDocument/2006/math">
-                      <m:oMathParaPr>
-                        <m:jc m:val="centerGroup"/>
-                      </m:oMathParaPr>
-                      <m:oMath xmlns:m="http://schemas.openxmlformats.org/officeDocument/2006/math">
-                        <m:r>
-                          <a:rPr lang="en-US" b="0" i="1" smtClean="0">
-                            <a:latin typeface="Cambria Math" panose="02040503050406030204" pitchFamily="18" charset="0"/>
-                          </a:rPr>
-                          <m:t>h</m:t>
-                        </m:r>
-                        <m:r>
-                          <a:rPr lang="en-US" b="0" i="1" smtClean="0">
-                            <a:latin typeface="Cambria Math" panose="02040503050406030204" pitchFamily="18" charset="0"/>
-                          </a:rPr>
-                          <m:t>=</m:t>
-                        </m:r>
-                        <m:r>
-                          <a:rPr lang="en-US" b="0" i="1" smtClean="0">
-                            <a:latin typeface="Cambria Math" panose="02040503050406030204" pitchFamily="18" charset="0"/>
-                          </a:rPr>
-                          <m:t>1</m:t>
-                        </m:r>
-                      </m:oMath>
-                    </m:oMathPara>
-                  </a14:m>
-                  <a:endParaRPr lang="he-IL" dirty="0"/>
-                </a:p>
-              </p:txBody>
-            </p:sp>
-          </mc:Choice>
-          <mc:Fallback>
-            <p:sp>
-              <p:nvSpPr>
-                <p:cNvPr id="76" name="TextBox 75">
-                  <a:extLst>
-                    <a:ext uri="{FF2B5EF4-FFF2-40B4-BE49-F238E27FC236}">
-                      <a16:creationId xmlns:a16="http://schemas.microsoft.com/office/drawing/2014/main" id="{1085024F-EA78-4321-91BB-60E0AF025C3E}"/>
-                    </a:ext>
-                  </a:extLst>
-                </p:cNvPr>
-                <p:cNvSpPr txBox="1">
-                  <a:spLocks noRot="1" noChangeAspect="1" noMove="1" noResize="1" noEditPoints="1" noAdjustHandles="1" noChangeArrowheads="1" noChangeShapeType="1" noTextEdit="1"/>
-                </p:cNvSpPr>
-                <p:nvPr/>
-              </p:nvSpPr>
-              <p:spPr>
-                <a:xfrm>
-                  <a:off x="5927623" y="3974812"/>
-                  <a:ext cx="1371600" cy="369332"/>
-                </a:xfrm>
-                <a:prstGeom prst="rect">
-                  <a:avLst/>
-                </a:prstGeom>
-                <a:blipFill>
-                  <a:blip r:embed="rId4"/>
-                  <a:stretch>
-                    <a:fillRect/>
-                  </a:stretch>
-                </a:blipFill>
-              </p:spPr>
-              <p:txBody>
-                <a:bodyPr/>
-                <a:lstStyle/>
-                <a:p>
-                  <a:r>
-                    <a:rPr lang="he-IL">
-                      <a:noFill/>
-                    </a:rPr>
-                    <a:t> </a:t>
-                  </a:r>
-                </a:p>
-              </p:txBody>
-            </p:sp>
-          </mc:Fallback>
-        </mc:AlternateContent>
-        <mc:AlternateContent xmlns:mc="http://schemas.openxmlformats.org/markup-compatibility/2006">
-          <mc:Choice xmlns:a14="http://schemas.microsoft.com/office/drawing/2010/main" Requires="a14">
-            <p:sp>
-              <p:nvSpPr>
-                <p:cNvPr id="77" name="TextBox 76">
-                  <a:extLst>
-                    <a:ext uri="{FF2B5EF4-FFF2-40B4-BE49-F238E27FC236}">
-                      <a16:creationId xmlns:a16="http://schemas.microsoft.com/office/drawing/2014/main" id="{FC4FE4AA-61E3-404A-ABEA-9E6864F2A155}"/>
-                    </a:ext>
-                  </a:extLst>
-                </p:cNvPr>
-                <p:cNvSpPr txBox="1"/>
-                <p:nvPr/>
-              </p:nvSpPr>
-              <p:spPr>
-                <a:xfrm>
-                  <a:off x="7556524" y="3974812"/>
-                  <a:ext cx="1371600" cy="369332"/>
-                </a:xfrm>
-                <a:prstGeom prst="rect">
-                  <a:avLst/>
-                </a:prstGeom>
-                <a:noFill/>
-              </p:spPr>
-              <p:txBody>
-                <a:bodyPr wrap="square" rtlCol="1">
-                  <a:spAutoFit/>
-                </a:bodyPr>
-                <a:lstStyle/>
-                <a:p>
-                  <a:pPr/>
-                  <a14:m>
-                    <m:oMathPara xmlns:m="http://schemas.openxmlformats.org/officeDocument/2006/math">
-                      <m:oMathParaPr>
-                        <m:jc m:val="centerGroup"/>
-                      </m:oMathParaPr>
-                      <m:oMath xmlns:m="http://schemas.openxmlformats.org/officeDocument/2006/math">
-                        <m:r>
-                          <a:rPr lang="en-US" b="0" i="1" smtClean="0">
-                            <a:latin typeface="Cambria Math" panose="02040503050406030204" pitchFamily="18" charset="0"/>
-                          </a:rPr>
-                          <m:t>𝑢</m:t>
-                        </m:r>
-                        <m:r>
-                          <a:rPr lang="en-US" b="0" i="1" smtClean="0">
-                            <a:latin typeface="Cambria Math" panose="02040503050406030204" pitchFamily="18" charset="0"/>
-                          </a:rPr>
-                          <m:t>=</m:t>
-                        </m:r>
-                        <m:r>
-                          <a:rPr lang="en-US" b="0" i="1" smtClean="0">
-                            <a:latin typeface="Cambria Math" panose="02040503050406030204" pitchFamily="18" charset="0"/>
-                          </a:rPr>
-                          <m:t>−</m:t>
-                        </m:r>
-                        <m:r>
-                          <a:rPr lang="en-US" b="0" i="1" smtClean="0">
-                            <a:latin typeface="Cambria Math" panose="02040503050406030204" pitchFamily="18" charset="0"/>
-                          </a:rPr>
-                          <m:t>1</m:t>
-                        </m:r>
-                      </m:oMath>
-                    </m:oMathPara>
-                  </a14:m>
-                  <a:endParaRPr lang="he-IL" dirty="0"/>
-                </a:p>
-              </p:txBody>
-            </p:sp>
-          </mc:Choice>
-          <mc:Fallback>
-            <p:sp>
-              <p:nvSpPr>
-                <p:cNvPr id="77" name="TextBox 76">
-                  <a:extLst>
-                    <a:ext uri="{FF2B5EF4-FFF2-40B4-BE49-F238E27FC236}">
-                      <a16:creationId xmlns:a16="http://schemas.microsoft.com/office/drawing/2014/main" id="{FC4FE4AA-61E3-404A-ABEA-9E6864F2A155}"/>
-                    </a:ext>
-                  </a:extLst>
-                </p:cNvPr>
-                <p:cNvSpPr txBox="1">
-                  <a:spLocks noRot="1" noChangeAspect="1" noMove="1" noResize="1" noEditPoints="1" noAdjustHandles="1" noChangeArrowheads="1" noChangeShapeType="1" noTextEdit="1"/>
-                </p:cNvSpPr>
-                <p:nvPr/>
-              </p:nvSpPr>
-              <p:spPr>
-                <a:xfrm>
-                  <a:off x="7556524" y="3974812"/>
-                  <a:ext cx="1371600" cy="369332"/>
-                </a:xfrm>
-                <a:prstGeom prst="rect">
-                  <a:avLst/>
-                </a:prstGeom>
-                <a:blipFill>
-                  <a:blip r:embed="rId5"/>
-                  <a:stretch>
-                    <a:fillRect/>
-                  </a:stretch>
-                </a:blipFill>
-              </p:spPr>
-              <p:txBody>
-                <a:bodyPr/>
-                <a:lstStyle/>
-                <a:p>
-                  <a:r>
-                    <a:rPr lang="he-IL">
-                      <a:noFill/>
-                    </a:rPr>
-                    <a:t> </a:t>
-                  </a:r>
-                </a:p>
-              </p:txBody>
-            </p:sp>
-          </mc:Fallback>
-        </mc:AlternateContent>
-        <p:sp>
-          <p:nvSpPr>
-            <p:cNvPr id="19" name="TextBox 18">
-              <a:extLst>
-                <a:ext uri="{FF2B5EF4-FFF2-40B4-BE49-F238E27FC236}">
-                  <a16:creationId xmlns:a16="http://schemas.microsoft.com/office/drawing/2014/main" id="{F5D4EAF9-6850-439D-A061-9416AB5D49B7}"/>
-                </a:ext>
-              </a:extLst>
-            </p:cNvPr>
-            <p:cNvSpPr txBox="1"/>
-            <p:nvPr/>
-          </p:nvSpPr>
-          <p:spPr>
-            <a:xfrm>
-              <a:off x="9569483" y="2598945"/>
-              <a:ext cx="1114141" cy="369332"/>
-            </a:xfrm>
-            <a:prstGeom prst="rect">
-              <a:avLst/>
-            </a:prstGeom>
-            <a:noFill/>
-          </p:spPr>
-          <p:txBody>
-            <a:bodyPr wrap="square" rtlCol="1">
-              <a:spAutoFit/>
-            </a:bodyPr>
-            <a:lstStyle/>
-            <a:p>
-              <a:r>
-                <a:rPr lang="en-US" dirty="0">
-                  <a:latin typeface="David" panose="020E0502060401010101" pitchFamily="34" charset="-79"/>
-                  <a:cs typeface="David" panose="020E0502060401010101" pitchFamily="34" charset="-79"/>
-                </a:rPr>
-                <a:t>LEAF</a:t>
-              </a:r>
-              <a:endParaRPr lang="he-IL" dirty="0">
-                <a:latin typeface="David" panose="020E0502060401010101" pitchFamily="34" charset="-79"/>
-                <a:cs typeface="David" panose="020E0502060401010101" pitchFamily="34" charset="-79"/>
-              </a:endParaRPr>
-            </a:p>
-          </p:txBody>
-        </p:sp>
-        <p:sp>
-          <p:nvSpPr>
-            <p:cNvPr id="79" name="TextBox 78">
-              <a:extLst>
-                <a:ext uri="{FF2B5EF4-FFF2-40B4-BE49-F238E27FC236}">
-                  <a16:creationId xmlns:a16="http://schemas.microsoft.com/office/drawing/2014/main" id="{6E0BEF9F-9D59-4EB7-8CA3-CD5F7CB75F72}"/>
-                </a:ext>
-              </a:extLst>
-            </p:cNvPr>
-            <p:cNvSpPr txBox="1"/>
-            <p:nvPr/>
-          </p:nvSpPr>
-          <p:spPr>
-            <a:xfrm>
-              <a:off x="9569483" y="1730547"/>
-              <a:ext cx="1114141" cy="369332"/>
-            </a:xfrm>
-            <a:prstGeom prst="rect">
-              <a:avLst/>
-            </a:prstGeom>
-            <a:noFill/>
-          </p:spPr>
-          <p:txBody>
-            <a:bodyPr wrap="square" rtlCol="1">
-              <a:spAutoFit/>
-            </a:bodyPr>
-            <a:lstStyle/>
-            <a:p>
-              <a:r>
-                <a:rPr lang="en-US" dirty="0">
-                  <a:latin typeface="David" panose="020E0502060401010101" pitchFamily="34" charset="-79"/>
-                  <a:cs typeface="David" panose="020E0502060401010101" pitchFamily="34" charset="-79"/>
-                </a:rPr>
-                <a:t>MIN</a:t>
-              </a:r>
-              <a:endParaRPr lang="he-IL" dirty="0">
-                <a:latin typeface="David" panose="020E0502060401010101" pitchFamily="34" charset="-79"/>
-                <a:cs typeface="David" panose="020E0502060401010101" pitchFamily="34" charset="-79"/>
-              </a:endParaRPr>
-            </a:p>
-          </p:txBody>
-        </p:sp>
-        <p:sp>
-          <p:nvSpPr>
-            <p:cNvPr id="83" name="Isosceles Triangle 82">
-              <a:extLst>
-                <a:ext uri="{FF2B5EF4-FFF2-40B4-BE49-F238E27FC236}">
-                  <a16:creationId xmlns:a16="http://schemas.microsoft.com/office/drawing/2014/main" id="{4FAC92D0-6C15-4479-B0F0-5E4B4CEADFA3}"/>
-                </a:ext>
-              </a:extLst>
-            </p:cNvPr>
-            <p:cNvSpPr/>
-            <p:nvPr/>
-          </p:nvSpPr>
-          <p:spPr>
-            <a:xfrm>
-              <a:off x="8680690" y="915528"/>
-              <a:ext cx="685800" cy="548640"/>
-            </a:xfrm>
-            <a:prstGeom prst="triangle">
-              <a:avLst/>
-            </a:prstGeom>
-            <a:solidFill>
-              <a:srgbClr val="0070C0"/>
-            </a:solidFill>
-            <a:ln w="25400">
-              <a:solidFill>
-                <a:schemeClr val="tx1"/>
-              </a:solidFill>
-            </a:ln>
-          </p:spPr>
-          <p:style>
-            <a:lnRef idx="2">
-              <a:schemeClr val="accent1">
-                <a:shade val="50000"/>
-              </a:schemeClr>
-            </a:lnRef>
-            <a:fillRef idx="1">
-              <a:schemeClr val="accent1"/>
-            </a:fillRef>
-            <a:effectRef idx="0">
-              <a:schemeClr val="accent1"/>
-            </a:effectRef>
-            <a:fontRef idx="minor">
-              <a:schemeClr val="lt1"/>
-            </a:fontRef>
-          </p:style>
-          <p:txBody>
-            <a:bodyPr rtlCol="1" anchor="ctr"/>
-            <a:lstStyle/>
-            <a:p>
-              <a:pPr algn="ctr"/>
-              <a:endParaRPr lang="he-IL"/>
-            </a:p>
-          </p:txBody>
-        </p:sp>
-        <p:sp>
-          <p:nvSpPr>
-            <p:cNvPr id="85" name="Isosceles Triangle 84">
-              <a:extLst>
-                <a:ext uri="{FF2B5EF4-FFF2-40B4-BE49-F238E27FC236}">
-                  <a16:creationId xmlns:a16="http://schemas.microsoft.com/office/drawing/2014/main" id="{793C3994-8A68-4663-960C-3CF9EE5F7F2A}"/>
-                </a:ext>
-              </a:extLst>
-            </p:cNvPr>
-            <p:cNvSpPr/>
-            <p:nvPr/>
-          </p:nvSpPr>
-          <p:spPr>
-            <a:xfrm rot="10800000">
-              <a:off x="8680690" y="1732392"/>
-              <a:ext cx="685800" cy="548640"/>
-            </a:xfrm>
-            <a:prstGeom prst="triangle">
-              <a:avLst/>
-            </a:prstGeom>
-            <a:solidFill>
-              <a:srgbClr val="FF0000"/>
-            </a:solidFill>
-            <a:ln w="25400">
-              <a:solidFill>
-                <a:schemeClr val="tx1"/>
-              </a:solidFill>
-            </a:ln>
-          </p:spPr>
-          <p:style>
-            <a:lnRef idx="2">
-              <a:schemeClr val="accent1">
-                <a:shade val="50000"/>
-              </a:schemeClr>
-            </a:lnRef>
-            <a:fillRef idx="1">
-              <a:schemeClr val="accent1"/>
-            </a:fillRef>
-            <a:effectRef idx="0">
-              <a:schemeClr val="accent1"/>
-            </a:effectRef>
-            <a:fontRef idx="minor">
-              <a:schemeClr val="lt1"/>
-            </a:fontRef>
-          </p:style>
-          <p:txBody>
-            <a:bodyPr rtlCol="1" anchor="ctr"/>
-            <a:lstStyle/>
-            <a:p>
-              <a:pPr algn="ctr"/>
-              <a:endParaRPr lang="he-IL"/>
-            </a:p>
-          </p:txBody>
-        </p:sp>
-        <p:sp>
-          <p:nvSpPr>
-            <p:cNvPr id="86" name="Rectangle 85">
-              <a:extLst>
-                <a:ext uri="{FF2B5EF4-FFF2-40B4-BE49-F238E27FC236}">
-                  <a16:creationId xmlns:a16="http://schemas.microsoft.com/office/drawing/2014/main" id="{A02E479A-0575-4438-A0FC-797389076E2B}"/>
-                </a:ext>
-              </a:extLst>
-            </p:cNvPr>
-            <p:cNvSpPr/>
-            <p:nvPr/>
-          </p:nvSpPr>
-          <p:spPr>
-            <a:xfrm>
-              <a:off x="8680690" y="2510702"/>
-              <a:ext cx="685800" cy="685800"/>
-            </a:xfrm>
-            <a:prstGeom prst="rect">
-              <a:avLst/>
-            </a:prstGeom>
-            <a:ln w="25400">
-              <a:solidFill>
-                <a:schemeClr val="tx1"/>
-              </a:solidFill>
-            </a:ln>
-          </p:spPr>
-          <p:style>
-            <a:lnRef idx="2">
-              <a:schemeClr val="accent1">
-                <a:shade val="50000"/>
-              </a:schemeClr>
-            </a:lnRef>
-            <a:fillRef idx="1">
-              <a:schemeClr val="accent1"/>
-            </a:fillRef>
-            <a:effectRef idx="0">
-              <a:schemeClr val="accent1"/>
-            </a:effectRef>
-            <a:fontRef idx="minor">
-              <a:schemeClr val="lt1"/>
-            </a:fontRef>
-          </p:style>
-          <p:txBody>
-            <a:bodyPr rtlCol="1" anchor="ctr"/>
-            <a:lstStyle/>
-            <a:p>
-              <a:pPr algn="ctr"/>
-              <a:endParaRPr lang="he-IL"/>
-            </a:p>
-          </p:txBody>
-        </p:sp>
-        <p:sp>
-          <p:nvSpPr>
-            <p:cNvPr id="87" name="TextBox 86">
-              <a:extLst>
-                <a:ext uri="{FF2B5EF4-FFF2-40B4-BE49-F238E27FC236}">
-                  <a16:creationId xmlns:a16="http://schemas.microsoft.com/office/drawing/2014/main" id="{BC4A4F4A-1FFE-4D8B-AEB9-DC2FA23CAF10}"/>
-                </a:ext>
-              </a:extLst>
-            </p:cNvPr>
-            <p:cNvSpPr txBox="1"/>
-            <p:nvPr/>
-          </p:nvSpPr>
-          <p:spPr>
-            <a:xfrm>
-              <a:off x="9569483" y="1005182"/>
-              <a:ext cx="1114141" cy="369332"/>
-            </a:xfrm>
-            <a:prstGeom prst="rect">
-              <a:avLst/>
-            </a:prstGeom>
-            <a:noFill/>
-          </p:spPr>
-          <p:txBody>
-            <a:bodyPr wrap="square" rtlCol="1">
-              <a:spAutoFit/>
-            </a:bodyPr>
-            <a:lstStyle/>
-            <a:p>
-              <a:r>
-                <a:rPr lang="en-US" dirty="0">
-                  <a:latin typeface="David" panose="020E0502060401010101" pitchFamily="34" charset="-79"/>
-                  <a:cs typeface="David" panose="020E0502060401010101" pitchFamily="34" charset="-79"/>
-                </a:rPr>
-                <a:t>MAX</a:t>
-              </a:r>
-              <a:endParaRPr lang="he-IL" dirty="0">
-                <a:latin typeface="David" panose="020E0502060401010101" pitchFamily="34" charset="-79"/>
-                <a:cs typeface="David" panose="020E0502060401010101" pitchFamily="34" charset="-79"/>
-              </a:endParaRPr>
-            </a:p>
-          </p:txBody>
-        </p:sp>
-        <mc:AlternateContent xmlns:mc="http://schemas.openxmlformats.org/markup-compatibility/2006">
-          <mc:Choice xmlns:a14="http://schemas.microsoft.com/office/drawing/2010/main" Requires="a14">
-            <p:sp>
-              <p:nvSpPr>
-                <p:cNvPr id="32" name="TextBox 31">
-                  <a:extLst>
-                    <a:ext uri="{FF2B5EF4-FFF2-40B4-BE49-F238E27FC236}">
-                      <a16:creationId xmlns:a16="http://schemas.microsoft.com/office/drawing/2014/main" id="{4AC0FB76-6D95-4D05-987D-60D0669D9F93}"/>
-                    </a:ext>
-                  </a:extLst>
-                </p:cNvPr>
-                <p:cNvSpPr txBox="1"/>
-                <p:nvPr/>
-              </p:nvSpPr>
-              <p:spPr>
-                <a:xfrm>
-                  <a:off x="6404573" y="696313"/>
-                  <a:ext cx="1371600" cy="646331"/>
-                </a:xfrm>
-                <a:prstGeom prst="rect">
-                  <a:avLst/>
-                </a:prstGeom>
-                <a:noFill/>
-              </p:spPr>
-              <p:txBody>
-                <a:bodyPr wrap="square" rtlCol="1">
-                  <a:spAutoFit/>
-                </a:bodyPr>
-                <a:lstStyle/>
-                <a:p>
-                  <a:pPr/>
-                  <a:r>
-                    <a:rPr lang="en-US" b="0" dirty="0">
-                      <a:latin typeface="David" panose="020E0502060401010101" pitchFamily="34" charset="-79"/>
-                      <a:cs typeface="David" panose="020E0502060401010101" pitchFamily="34" charset="-79"/>
-                    </a:rPr>
-                    <a:t>Alpha:</a:t>
-                  </a:r>
-                  <a14:m>
-                    <m:oMath xmlns:m="http://schemas.openxmlformats.org/officeDocument/2006/math">
-                      <m:r>
-                        <a:rPr lang="en-US" b="0" i="1" smtClean="0">
-                          <a:latin typeface="Cambria Math" panose="02040503050406030204" pitchFamily="18" charset="0"/>
-                          <a:cs typeface="David" panose="020E0502060401010101" pitchFamily="34" charset="-79"/>
-                        </a:rPr>
-                        <m:t>−</m:t>
-                      </m:r>
-                      <m:r>
-                        <a:rPr lang="en-US" b="0" i="1" smtClean="0">
-                          <a:latin typeface="Cambria Math" panose="02040503050406030204" pitchFamily="18" charset="0"/>
-                          <a:ea typeface="Cambria Math" panose="02040503050406030204" pitchFamily="18" charset="0"/>
-                          <a:cs typeface="David" panose="020E0502060401010101" pitchFamily="34" charset="-79"/>
-                        </a:rPr>
-                        <m:t>∞</m:t>
-                      </m:r>
-                    </m:oMath>
-                  </a14:m>
-                  <a:endParaRPr lang="en-US" b="0" dirty="0">
-                    <a:latin typeface="David" panose="020E0502060401010101" pitchFamily="34" charset="-79"/>
-                    <a:cs typeface="David" panose="020E0502060401010101" pitchFamily="34" charset="-79"/>
-                  </a:endParaRPr>
-                </a:p>
-                <a:p>
-                  <a:pPr/>
-                  <a:r>
-                    <a:rPr lang="en-US" dirty="0">
-                      <a:latin typeface="David" panose="020E0502060401010101" pitchFamily="34" charset="-79"/>
-                      <a:cs typeface="David" panose="020E0502060401010101" pitchFamily="34" charset="-79"/>
-                    </a:rPr>
-                    <a:t>Beta:-3</a:t>
-                  </a:r>
-                  <a:endParaRPr lang="en-US" b="0" dirty="0">
-                    <a:latin typeface="David" panose="020E0502060401010101" pitchFamily="34" charset="-79"/>
-                    <a:cs typeface="David" panose="020E0502060401010101" pitchFamily="34" charset="-79"/>
-                  </a:endParaRPr>
-                </a:p>
-              </p:txBody>
-            </p:sp>
-          </mc:Choice>
-          <mc:Fallback>
-            <p:sp>
-              <p:nvSpPr>
-                <p:cNvPr id="32" name="TextBox 31">
-                  <a:extLst>
-                    <a:ext uri="{FF2B5EF4-FFF2-40B4-BE49-F238E27FC236}">
-                      <a16:creationId xmlns:a16="http://schemas.microsoft.com/office/drawing/2014/main" id="{4AC0FB76-6D95-4D05-987D-60D0669D9F93}"/>
-                    </a:ext>
-                  </a:extLst>
-                </p:cNvPr>
-                <p:cNvSpPr txBox="1">
-                  <a:spLocks noRot="1" noChangeAspect="1" noMove="1" noResize="1" noEditPoints="1" noAdjustHandles="1" noChangeArrowheads="1" noChangeShapeType="1" noTextEdit="1"/>
-                </p:cNvSpPr>
-                <p:nvPr/>
-              </p:nvSpPr>
-              <p:spPr>
-                <a:xfrm>
-                  <a:off x="6404573" y="696313"/>
-                  <a:ext cx="1371600" cy="646331"/>
-                </a:xfrm>
-                <a:prstGeom prst="rect">
-                  <a:avLst/>
-                </a:prstGeom>
-                <a:blipFill>
-                  <a:blip r:embed="rId6"/>
-                  <a:stretch>
-                    <a:fillRect l="-4000" t="-4717" b="-14151"/>
-                  </a:stretch>
-                </a:blipFill>
-              </p:spPr>
-              <p:txBody>
-                <a:bodyPr/>
-                <a:lstStyle/>
-                <a:p>
-                  <a:r>
-                    <a:rPr lang="he-IL">
-                      <a:noFill/>
-                    </a:rPr>
-                    <a:t> </a:t>
-                  </a:r>
-                </a:p>
-              </p:txBody>
-            </p:sp>
-          </mc:Fallback>
-        </mc:AlternateContent>
-      </p:grpSp>
-      <mc:AlternateContent xmlns:mc="http://schemas.openxmlformats.org/markup-compatibility/2006">
-        <mc:Choice xmlns:a14="http://schemas.microsoft.com/office/drawing/2010/main" Requires="a14">
-          <p:sp>
-            <p:nvSpPr>
-              <p:cNvPr id="29" name="TextBox 28">
-                <a:extLst>
-                  <a:ext uri="{FF2B5EF4-FFF2-40B4-BE49-F238E27FC236}">
-                    <a16:creationId xmlns:a16="http://schemas.microsoft.com/office/drawing/2014/main" id="{869F3E15-FF86-4A52-A182-7BEC5D1FCBA3}"/>
-                  </a:ext>
-                </a:extLst>
-              </p:cNvPr>
-              <p:cNvSpPr txBox="1"/>
-              <p:nvPr/>
-            </p:nvSpPr>
-            <p:spPr>
-              <a:xfrm>
-                <a:off x="4800442" y="1817522"/>
-                <a:ext cx="1371600" cy="646331"/>
-              </a:xfrm>
-              <a:prstGeom prst="rect">
-                <a:avLst/>
-              </a:prstGeom>
-              <a:noFill/>
-            </p:spPr>
-            <p:txBody>
-              <a:bodyPr wrap="square" rtlCol="1">
-                <a:spAutoFit/>
-              </a:bodyPr>
-              <a:lstStyle/>
-              <a:p>
-                <a:pPr/>
-                <a:r>
-                  <a:rPr lang="en-US" b="0" dirty="0">
-                    <a:latin typeface="David" panose="020E0502060401010101" pitchFamily="34" charset="-79"/>
-                    <a:cs typeface="David" panose="020E0502060401010101" pitchFamily="34" charset="-79"/>
-                  </a:rPr>
-                  <a:t>Alpha:</a:t>
-                </a:r>
-                <a14:m>
-                  <m:oMath xmlns:m="http://schemas.openxmlformats.org/officeDocument/2006/math">
-                    <m:r>
-                      <a:rPr lang="en-US" b="0" i="1" smtClean="0">
-                        <a:latin typeface="Cambria Math" panose="02040503050406030204" pitchFamily="18" charset="0"/>
-                        <a:cs typeface="David" panose="020E0502060401010101" pitchFamily="34" charset="-79"/>
-                      </a:rPr>
-                      <m:t>−</m:t>
-                    </m:r>
-                    <m:r>
-                      <a:rPr lang="en-US" b="0" i="1" smtClean="0">
-                        <a:latin typeface="Cambria Math" panose="02040503050406030204" pitchFamily="18" charset="0"/>
-                        <a:ea typeface="Cambria Math" panose="02040503050406030204" pitchFamily="18" charset="0"/>
-                        <a:cs typeface="David" panose="020E0502060401010101" pitchFamily="34" charset="-79"/>
-                      </a:rPr>
-                      <m:t>∞</m:t>
-                    </m:r>
-                  </m:oMath>
-                </a14:m>
-                <a:endParaRPr lang="en-US" b="0" dirty="0">
-                  <a:latin typeface="David" panose="020E0502060401010101" pitchFamily="34" charset="-79"/>
-                  <a:cs typeface="David" panose="020E0502060401010101" pitchFamily="34" charset="-79"/>
-                </a:endParaRPr>
-              </a:p>
-              <a:p>
-                <a:pPr/>
-                <a:r>
-                  <a:rPr lang="en-US" dirty="0">
-                    <a:latin typeface="David" panose="020E0502060401010101" pitchFamily="34" charset="-79"/>
-                    <a:cs typeface="David" panose="020E0502060401010101" pitchFamily="34" charset="-79"/>
-                  </a:rPr>
-                  <a:t>Beta:-3</a:t>
-                </a:r>
-                <a:endParaRPr lang="en-US" b="0" dirty="0">
-                  <a:latin typeface="David" panose="020E0502060401010101" pitchFamily="34" charset="-79"/>
-                  <a:cs typeface="David" panose="020E0502060401010101" pitchFamily="34" charset="-79"/>
-                </a:endParaRPr>
-              </a:p>
-            </p:txBody>
-          </p:sp>
-        </mc:Choice>
-        <mc:Fallback>
-          <p:sp>
-            <p:nvSpPr>
-              <p:cNvPr id="29" name="TextBox 28">
-                <a:extLst>
-                  <a:ext uri="{FF2B5EF4-FFF2-40B4-BE49-F238E27FC236}">
-                    <a16:creationId xmlns:a16="http://schemas.microsoft.com/office/drawing/2014/main" id="{869F3E15-FF86-4A52-A182-7BEC5D1FCBA3}"/>
-                  </a:ext>
-                </a:extLst>
-              </p:cNvPr>
-              <p:cNvSpPr txBox="1">
-                <a:spLocks noRot="1" noChangeAspect="1" noMove="1" noResize="1" noEditPoints="1" noAdjustHandles="1" noChangeArrowheads="1" noChangeShapeType="1" noTextEdit="1"/>
-              </p:cNvSpPr>
-              <p:nvPr/>
-            </p:nvSpPr>
-            <p:spPr>
-              <a:xfrm>
-                <a:off x="4800442" y="1817522"/>
-                <a:ext cx="1371600" cy="646331"/>
-              </a:xfrm>
-              <a:prstGeom prst="rect">
-                <a:avLst/>
-              </a:prstGeom>
-              <a:blipFill>
-                <a:blip r:embed="rId7"/>
-                <a:stretch>
-                  <a:fillRect l="-3556" t="-4717" b="-14151"/>
-                </a:stretch>
-              </a:blipFill>
-            </p:spPr>
-            <p:txBody>
-              <a:bodyPr/>
-              <a:lstStyle/>
-              <a:p>
-                <a:r>
-                  <a:rPr lang="he-IL">
-                    <a:noFill/>
-                  </a:rPr>
-                  <a:t> </a:t>
-                </a:r>
-              </a:p>
-            </p:txBody>
-          </p:sp>
-        </mc:Fallback>
-      </mc:AlternateContent>
-    </p:spTree>
-    <p:extLst>
-      <p:ext uri="{BB962C8B-B14F-4D97-AF65-F5344CB8AC3E}">
-        <p14:creationId xmlns:p14="http://schemas.microsoft.com/office/powerpoint/2010/main" val="3692877893"/>
-      </p:ext>
-    </p:extLst>
-  </p:cSld>
-  <p:clrMapOvr>
-    <a:masterClrMapping/>
-  </p:clrMapOvr>
-</p:sld>
-</file>
-
-<file path=ppt/slides/slide9.xml><?xml version="1.0" encoding="utf-8"?>
-<p:sld xmlns:a="http://schemas.openxmlformats.org/drawingml/2006/main" xmlns:r="http://schemas.openxmlformats.org/officeDocument/2006/relationships" xmlns:p="http://schemas.openxmlformats.org/presentationml/2006/main">
-  <p:cSld>
-    <p:spTree>
-      <p:nvGrpSpPr>
-        <p:cNvPr id="1" name=""/>
-        <p:cNvGrpSpPr/>
-        <p:nvPr/>
-      </p:nvGrpSpPr>
-      <p:grpSpPr>
-        <a:xfrm>
-          <a:off x="0" y="0"/>
-          <a:ext cx="0" cy="0"/>
-          <a:chOff x="0" y="0"/>
-          <a:chExt cx="0" cy="0"/>
-        </a:xfrm>
-      </p:grpSpPr>
-      <p:grpSp>
-        <p:nvGrpSpPr>
           <p:cNvPr id="16" name="Group 15">
             <a:extLst>
               <a:ext uri="{FF2B5EF4-FFF2-40B4-BE49-F238E27FC236}">
@@ -23692,8 +21999,8 @@
             </a:p>
           </p:txBody>
         </p:sp>
-        <mc:AlternateContent xmlns:mc="http://schemas.openxmlformats.org/markup-compatibility/2006">
-          <mc:Choice xmlns:a14="http://schemas.microsoft.com/office/drawing/2010/main" Requires="a14">
+        <mc:AlternateContent xmlns:mc="http://schemas.openxmlformats.org/markup-compatibility/2006" xmlns:a14="http://schemas.microsoft.com/office/drawing/2010/main">
+          <mc:Choice Requires="a14">
             <p:sp>
               <p:nvSpPr>
                 <p:cNvPr id="126" name="Oval 125">
@@ -23768,7 +22075,7 @@
               </p:txBody>
             </p:sp>
           </mc:Choice>
-          <mc:Fallback>
+          <mc:Fallback xmlns="">
             <p:sp>
               <p:nvSpPr>
                 <p:cNvPr id="126" name="Oval 125">
@@ -25215,6 +23522,1565 @@
     <p:extLst>
       <p:ext uri="{BB962C8B-B14F-4D97-AF65-F5344CB8AC3E}">
         <p14:creationId xmlns:p14="http://schemas.microsoft.com/office/powerpoint/2010/main" val="2128170757"/>
+      </p:ext>
+    </p:extLst>
+  </p:cSld>
+  <p:clrMapOvr>
+    <a:masterClrMapping/>
+  </p:clrMapOvr>
+</p:sld>
+</file>
+
+<file path=ppt/slides/slide9.xml><?xml version="1.0" encoding="utf-8"?>
+<p:sld xmlns:a="http://schemas.openxmlformats.org/drawingml/2006/main" xmlns:r="http://schemas.openxmlformats.org/officeDocument/2006/relationships" xmlns:p="http://schemas.openxmlformats.org/presentationml/2006/main">
+  <p:cSld>
+    <p:spTree>
+      <p:nvGrpSpPr>
+        <p:cNvPr id="1" name=""/>
+        <p:cNvGrpSpPr/>
+        <p:nvPr/>
+      </p:nvGrpSpPr>
+      <p:grpSpPr>
+        <a:xfrm>
+          <a:off x="0" y="0"/>
+          <a:ext cx="0" cy="0"/>
+          <a:chOff x="0" y="0"/>
+          <a:chExt cx="0" cy="0"/>
+        </a:xfrm>
+      </p:grpSpPr>
+      <p:grpSp>
+        <p:nvGrpSpPr>
+          <p:cNvPr id="113" name="Group 112">
+            <a:extLst>
+              <a:ext uri="{FF2B5EF4-FFF2-40B4-BE49-F238E27FC236}">
+                <a16:creationId xmlns:a16="http://schemas.microsoft.com/office/drawing/2014/main" id="{46072241-626A-4116-9D5F-45C071DECAAB}"/>
+              </a:ext>
+            </a:extLst>
+          </p:cNvPr>
+          <p:cNvGrpSpPr/>
+          <p:nvPr/>
+        </p:nvGrpSpPr>
+        <p:grpSpPr>
+          <a:xfrm>
+            <a:off x="1487592" y="1083325"/>
+            <a:ext cx="9216816" cy="4691350"/>
+            <a:chOff x="1487592" y="1083325"/>
+            <a:chExt cx="9216816" cy="4691350"/>
+          </a:xfrm>
+        </p:grpSpPr>
+        <p:grpSp>
+          <p:nvGrpSpPr>
+            <p:cNvPr id="111" name="Group 110">
+              <a:extLst>
+                <a:ext uri="{FF2B5EF4-FFF2-40B4-BE49-F238E27FC236}">
+                  <a16:creationId xmlns:a16="http://schemas.microsoft.com/office/drawing/2014/main" id="{AA419B5D-7D5B-46E3-A210-81E44968CB4E}"/>
+                </a:ext>
+              </a:extLst>
+            </p:cNvPr>
+            <p:cNvGrpSpPr/>
+            <p:nvPr/>
+          </p:nvGrpSpPr>
+          <p:grpSpPr>
+            <a:xfrm>
+              <a:off x="1487592" y="1083325"/>
+              <a:ext cx="9216816" cy="4691350"/>
+              <a:chOff x="2820647" y="676703"/>
+              <a:chExt cx="9216816" cy="4691350"/>
+            </a:xfrm>
+          </p:grpSpPr>
+          <p:sp>
+            <p:nvSpPr>
+              <p:cNvPr id="2" name="Isosceles Triangle 1">
+                <a:extLst>
+                  <a:ext uri="{FF2B5EF4-FFF2-40B4-BE49-F238E27FC236}">
+                    <a16:creationId xmlns:a16="http://schemas.microsoft.com/office/drawing/2014/main" id="{6A11F797-F563-4CDE-8C3F-0450B16EF178}"/>
+                  </a:ext>
+                </a:extLst>
+              </p:cNvPr>
+              <p:cNvSpPr/>
+              <p:nvPr/>
+            </p:nvSpPr>
+            <p:spPr>
+              <a:xfrm>
+                <a:off x="5587738" y="754144"/>
+                <a:ext cx="685800" cy="548640"/>
+              </a:xfrm>
+              <a:prstGeom prst="triangle">
+                <a:avLst/>
+              </a:prstGeom>
+              <a:solidFill>
+                <a:srgbClr val="0070C0"/>
+              </a:solidFill>
+              <a:ln w="25400">
+                <a:solidFill>
+                  <a:schemeClr val="tx1"/>
+                </a:solidFill>
+              </a:ln>
+            </p:spPr>
+            <p:style>
+              <a:lnRef idx="2">
+                <a:schemeClr val="accent1">
+                  <a:shade val="50000"/>
+                </a:schemeClr>
+              </a:lnRef>
+              <a:fillRef idx="1">
+                <a:schemeClr val="accent1"/>
+              </a:fillRef>
+              <a:effectRef idx="0">
+                <a:schemeClr val="accent1"/>
+              </a:effectRef>
+              <a:fontRef idx="minor">
+                <a:schemeClr val="lt1"/>
+              </a:fontRef>
+            </p:style>
+            <p:txBody>
+              <a:bodyPr rtlCol="1" anchor="ctr"/>
+              <a:lstStyle/>
+              <a:p>
+                <a:pPr algn="ctr"/>
+                <a:endParaRPr lang="he-IL"/>
+              </a:p>
+            </p:txBody>
+          </p:sp>
+          <p:sp>
+            <p:nvSpPr>
+              <p:cNvPr id="50" name="Isosceles Triangle 49">
+                <a:extLst>
+                  <a:ext uri="{FF2B5EF4-FFF2-40B4-BE49-F238E27FC236}">
+                    <a16:creationId xmlns:a16="http://schemas.microsoft.com/office/drawing/2014/main" id="{44CACD17-EB4B-487B-BF6B-026BCC73B346}"/>
+                  </a:ext>
+                </a:extLst>
+              </p:cNvPr>
+              <p:cNvSpPr/>
+              <p:nvPr/>
+            </p:nvSpPr>
+            <p:spPr>
+              <a:xfrm rot="10800000">
+                <a:off x="7799001" y="2042208"/>
+                <a:ext cx="685800" cy="548640"/>
+              </a:xfrm>
+              <a:prstGeom prst="triangle">
+                <a:avLst/>
+              </a:prstGeom>
+              <a:solidFill>
+                <a:srgbClr val="FF0000"/>
+              </a:solidFill>
+              <a:ln w="25400">
+                <a:solidFill>
+                  <a:schemeClr val="tx1"/>
+                </a:solidFill>
+              </a:ln>
+            </p:spPr>
+            <p:style>
+              <a:lnRef idx="2">
+                <a:schemeClr val="accent1">
+                  <a:shade val="50000"/>
+                </a:schemeClr>
+              </a:lnRef>
+              <a:fillRef idx="1">
+                <a:schemeClr val="accent1"/>
+              </a:fillRef>
+              <a:effectRef idx="0">
+                <a:schemeClr val="accent1"/>
+              </a:effectRef>
+              <a:fontRef idx="minor">
+                <a:schemeClr val="lt1"/>
+              </a:fontRef>
+            </p:style>
+            <p:txBody>
+              <a:bodyPr rtlCol="1" anchor="ctr"/>
+              <a:lstStyle/>
+              <a:p>
+                <a:pPr algn="ctr"/>
+                <a:endParaRPr lang="he-IL"/>
+              </a:p>
+            </p:txBody>
+          </p:sp>
+          <p:sp>
+            <p:nvSpPr>
+              <p:cNvPr id="52" name="Rectangle 51">
+                <a:extLst>
+                  <a:ext uri="{FF2B5EF4-FFF2-40B4-BE49-F238E27FC236}">
+                    <a16:creationId xmlns:a16="http://schemas.microsoft.com/office/drawing/2014/main" id="{333E295C-4C95-4C9A-98EB-A973C6E40A78}"/>
+                  </a:ext>
+                </a:extLst>
+              </p:cNvPr>
+              <p:cNvSpPr/>
+              <p:nvPr/>
+            </p:nvSpPr>
+            <p:spPr>
+              <a:xfrm>
+                <a:off x="6637612" y="4312921"/>
+                <a:ext cx="685800" cy="685800"/>
+              </a:xfrm>
+              <a:prstGeom prst="rect">
+                <a:avLst/>
+              </a:prstGeom>
+              <a:ln w="25400">
+                <a:solidFill>
+                  <a:schemeClr val="tx1"/>
+                </a:solidFill>
+              </a:ln>
+            </p:spPr>
+            <p:style>
+              <a:lnRef idx="2">
+                <a:schemeClr val="accent1">
+                  <a:shade val="50000"/>
+                </a:schemeClr>
+              </a:lnRef>
+              <a:fillRef idx="1">
+                <a:schemeClr val="accent1"/>
+              </a:fillRef>
+              <a:effectRef idx="0">
+                <a:schemeClr val="accent1"/>
+              </a:effectRef>
+              <a:fontRef idx="minor">
+                <a:schemeClr val="lt1"/>
+              </a:fontRef>
+            </p:style>
+            <p:txBody>
+              <a:bodyPr rtlCol="1" anchor="ctr"/>
+              <a:lstStyle/>
+              <a:p>
+                <a:pPr algn="ctr"/>
+                <a:endParaRPr lang="he-IL"/>
+              </a:p>
+            </p:txBody>
+          </p:sp>
+          <p:cxnSp>
+            <p:nvCxnSpPr>
+              <p:cNvPr id="5" name="Straight Connector 4">
+                <a:extLst>
+                  <a:ext uri="{FF2B5EF4-FFF2-40B4-BE49-F238E27FC236}">
+                    <a16:creationId xmlns:a16="http://schemas.microsoft.com/office/drawing/2014/main" id="{1925075F-8821-4439-8E38-6B77B1535AB1}"/>
+                  </a:ext>
+                </a:extLst>
+              </p:cNvPr>
+              <p:cNvCxnSpPr>
+                <a:cxnSpLocks/>
+                <a:stCxn id="2" idx="2"/>
+              </p:cNvCxnSpPr>
+              <p:nvPr/>
+            </p:nvCxnSpPr>
+            <p:spPr>
+              <a:xfrm flipH="1">
+                <a:off x="3619988" y="1302784"/>
+                <a:ext cx="1967750" cy="632673"/>
+              </a:xfrm>
+              <a:prstGeom prst="line">
+                <a:avLst/>
+              </a:prstGeom>
+              <a:ln w="25400">
+                <a:solidFill>
+                  <a:schemeClr val="tx1"/>
+                </a:solidFill>
+                <a:tailEnd type="none"/>
+              </a:ln>
+            </p:spPr>
+            <p:style>
+              <a:lnRef idx="1">
+                <a:schemeClr val="accent1"/>
+              </a:lnRef>
+              <a:fillRef idx="0">
+                <a:schemeClr val="accent1"/>
+              </a:fillRef>
+              <a:effectRef idx="0">
+                <a:schemeClr val="accent1"/>
+              </a:effectRef>
+              <a:fontRef idx="minor">
+                <a:schemeClr val="tx1"/>
+              </a:fontRef>
+            </p:style>
+          </p:cxnSp>
+          <p:cxnSp>
+            <p:nvCxnSpPr>
+              <p:cNvPr id="55" name="Straight Connector 54">
+                <a:extLst>
+                  <a:ext uri="{FF2B5EF4-FFF2-40B4-BE49-F238E27FC236}">
+                    <a16:creationId xmlns:a16="http://schemas.microsoft.com/office/drawing/2014/main" id="{84A9E243-4E39-4807-BFB4-F7E80E7237F7}"/>
+                  </a:ext>
+                </a:extLst>
+              </p:cNvPr>
+              <p:cNvCxnSpPr>
+                <a:cxnSpLocks/>
+                <a:stCxn id="2" idx="4"/>
+                <a:endCxn id="50" idx="3"/>
+              </p:cNvCxnSpPr>
+              <p:nvPr/>
+            </p:nvCxnSpPr>
+            <p:spPr>
+              <a:xfrm>
+                <a:off x="6273538" y="1302784"/>
+                <a:ext cx="1868363" cy="739424"/>
+              </a:xfrm>
+              <a:prstGeom prst="line">
+                <a:avLst/>
+              </a:prstGeom>
+              <a:ln w="25400">
+                <a:solidFill>
+                  <a:schemeClr val="tx1"/>
+                </a:solidFill>
+                <a:headEnd type="none"/>
+                <a:tailEnd type="none"/>
+              </a:ln>
+            </p:spPr>
+            <p:style>
+              <a:lnRef idx="1">
+                <a:schemeClr val="accent1"/>
+              </a:lnRef>
+              <a:fillRef idx="0">
+                <a:schemeClr val="accent1"/>
+              </a:fillRef>
+              <a:effectRef idx="0">
+                <a:schemeClr val="accent1"/>
+              </a:effectRef>
+              <a:fontRef idx="minor">
+                <a:schemeClr val="tx1"/>
+              </a:fontRef>
+            </p:style>
+          </p:cxnSp>
+          <p:cxnSp>
+            <p:nvCxnSpPr>
+              <p:cNvPr id="64" name="Straight Connector 63">
+                <a:extLst>
+                  <a:ext uri="{FF2B5EF4-FFF2-40B4-BE49-F238E27FC236}">
+                    <a16:creationId xmlns:a16="http://schemas.microsoft.com/office/drawing/2014/main" id="{ABEE147E-B2E7-4C16-8B2B-6E1EFDBD6567}"/>
+                  </a:ext>
+                </a:extLst>
+              </p:cNvPr>
+              <p:cNvCxnSpPr>
+                <a:cxnSpLocks/>
+                <a:stCxn id="44" idx="0"/>
+                <a:endCxn id="50" idx="5"/>
+              </p:cNvCxnSpPr>
+              <p:nvPr/>
+            </p:nvCxnSpPr>
+            <p:spPr>
+              <a:xfrm flipV="1">
+                <a:off x="6980512" y="2316528"/>
+                <a:ext cx="989939" cy="702540"/>
+              </a:xfrm>
+              <a:prstGeom prst="line">
+                <a:avLst/>
+              </a:prstGeom>
+              <a:ln w="25400">
+                <a:solidFill>
+                  <a:schemeClr val="tx1"/>
+                </a:solidFill>
+                <a:headEnd type="none"/>
+              </a:ln>
+            </p:spPr>
+            <p:style>
+              <a:lnRef idx="1">
+                <a:schemeClr val="accent1"/>
+              </a:lnRef>
+              <a:fillRef idx="0">
+                <a:schemeClr val="accent1"/>
+              </a:fillRef>
+              <a:effectRef idx="0">
+                <a:schemeClr val="accent1"/>
+              </a:effectRef>
+              <a:fontRef idx="minor">
+                <a:schemeClr val="tx1"/>
+              </a:fontRef>
+            </p:style>
+          </p:cxnSp>
+          <p:cxnSp>
+            <p:nvCxnSpPr>
+              <p:cNvPr id="67" name="Straight Connector 66">
+                <a:extLst>
+                  <a:ext uri="{FF2B5EF4-FFF2-40B4-BE49-F238E27FC236}">
+                    <a16:creationId xmlns:a16="http://schemas.microsoft.com/office/drawing/2014/main" id="{85BB5E8E-008A-4BC4-B89A-DF90B4A77FA0}"/>
+                  </a:ext>
+                </a:extLst>
+              </p:cNvPr>
+              <p:cNvCxnSpPr>
+                <a:cxnSpLocks/>
+                <a:endCxn id="50" idx="1"/>
+              </p:cNvCxnSpPr>
+              <p:nvPr/>
+            </p:nvCxnSpPr>
+            <p:spPr>
+              <a:xfrm flipH="1" flipV="1">
+                <a:off x="8313351" y="2316528"/>
+                <a:ext cx="980802" cy="665498"/>
+              </a:xfrm>
+              <a:prstGeom prst="line">
+                <a:avLst/>
+              </a:prstGeom>
+              <a:ln w="25400">
+                <a:solidFill>
+                  <a:schemeClr val="tx1"/>
+                </a:solidFill>
+                <a:headEnd type="none"/>
+                <a:tailEnd type="none"/>
+              </a:ln>
+            </p:spPr>
+            <p:style>
+              <a:lnRef idx="1">
+                <a:schemeClr val="accent1"/>
+              </a:lnRef>
+              <a:fillRef idx="0">
+                <a:schemeClr val="accent1"/>
+              </a:fillRef>
+              <a:effectRef idx="0">
+                <a:schemeClr val="accent1"/>
+              </a:effectRef>
+              <a:fontRef idx="minor">
+                <a:schemeClr val="tx1"/>
+              </a:fontRef>
+            </p:style>
+          </p:cxnSp>
+          <p:sp>
+            <p:nvSpPr>
+              <p:cNvPr id="19" name="TextBox 18">
+                <a:extLst>
+                  <a:ext uri="{FF2B5EF4-FFF2-40B4-BE49-F238E27FC236}">
+                    <a16:creationId xmlns:a16="http://schemas.microsoft.com/office/drawing/2014/main" id="{F5D4EAF9-6850-439D-A061-9416AB5D49B7}"/>
+                  </a:ext>
+                </a:extLst>
+              </p:cNvPr>
+              <p:cNvSpPr txBox="1"/>
+              <p:nvPr/>
+            </p:nvSpPr>
+            <p:spPr>
+              <a:xfrm>
+                <a:off x="10923322" y="2360120"/>
+                <a:ext cx="1114141" cy="369332"/>
+              </a:xfrm>
+              <a:prstGeom prst="rect">
+                <a:avLst/>
+              </a:prstGeom>
+              <a:noFill/>
+            </p:spPr>
+            <p:txBody>
+              <a:bodyPr wrap="square" rtlCol="1">
+                <a:spAutoFit/>
+              </a:bodyPr>
+              <a:lstStyle/>
+              <a:p>
+                <a:r>
+                  <a:rPr lang="en-US" dirty="0">
+                    <a:latin typeface="David" panose="020E0502060401010101" pitchFamily="34" charset="-79"/>
+                    <a:cs typeface="David" panose="020E0502060401010101" pitchFamily="34" charset="-79"/>
+                  </a:rPr>
+                  <a:t>LEAF</a:t>
+                </a:r>
+                <a:endParaRPr lang="he-IL" dirty="0">
+                  <a:latin typeface="David" panose="020E0502060401010101" pitchFamily="34" charset="-79"/>
+                  <a:cs typeface="David" panose="020E0502060401010101" pitchFamily="34" charset="-79"/>
+                </a:endParaRPr>
+              </a:p>
+            </p:txBody>
+          </p:sp>
+          <p:sp>
+            <p:nvSpPr>
+              <p:cNvPr id="79" name="TextBox 78">
+                <a:extLst>
+                  <a:ext uri="{FF2B5EF4-FFF2-40B4-BE49-F238E27FC236}">
+                    <a16:creationId xmlns:a16="http://schemas.microsoft.com/office/drawing/2014/main" id="{6E0BEF9F-9D59-4EB7-8CA3-CD5F7CB75F72}"/>
+                  </a:ext>
+                </a:extLst>
+              </p:cNvPr>
+              <p:cNvSpPr txBox="1"/>
+              <p:nvPr/>
+            </p:nvSpPr>
+            <p:spPr>
+              <a:xfrm>
+                <a:off x="10923322" y="1491722"/>
+                <a:ext cx="1114141" cy="369332"/>
+              </a:xfrm>
+              <a:prstGeom prst="rect">
+                <a:avLst/>
+              </a:prstGeom>
+              <a:noFill/>
+            </p:spPr>
+            <p:txBody>
+              <a:bodyPr wrap="square" rtlCol="1">
+                <a:spAutoFit/>
+              </a:bodyPr>
+              <a:lstStyle/>
+              <a:p>
+                <a:r>
+                  <a:rPr lang="en-US" dirty="0">
+                    <a:latin typeface="David" panose="020E0502060401010101" pitchFamily="34" charset="-79"/>
+                    <a:cs typeface="David" panose="020E0502060401010101" pitchFamily="34" charset="-79"/>
+                  </a:rPr>
+                  <a:t>MIN</a:t>
+                </a:r>
+                <a:endParaRPr lang="he-IL" dirty="0">
+                  <a:latin typeface="David" panose="020E0502060401010101" pitchFamily="34" charset="-79"/>
+                  <a:cs typeface="David" panose="020E0502060401010101" pitchFamily="34" charset="-79"/>
+                </a:endParaRPr>
+              </a:p>
+            </p:txBody>
+          </p:sp>
+          <p:sp>
+            <p:nvSpPr>
+              <p:cNvPr id="83" name="Isosceles Triangle 82">
+                <a:extLst>
+                  <a:ext uri="{FF2B5EF4-FFF2-40B4-BE49-F238E27FC236}">
+                    <a16:creationId xmlns:a16="http://schemas.microsoft.com/office/drawing/2014/main" id="{4FAC92D0-6C15-4479-B0F0-5E4B4CEADFA3}"/>
+                  </a:ext>
+                </a:extLst>
+              </p:cNvPr>
+              <p:cNvSpPr/>
+              <p:nvPr/>
+            </p:nvSpPr>
+            <p:spPr>
+              <a:xfrm>
+                <a:off x="10034529" y="676703"/>
+                <a:ext cx="685800" cy="548640"/>
+              </a:xfrm>
+              <a:prstGeom prst="triangle">
+                <a:avLst/>
+              </a:prstGeom>
+              <a:solidFill>
+                <a:srgbClr val="0070C0"/>
+              </a:solidFill>
+              <a:ln w="25400">
+                <a:solidFill>
+                  <a:schemeClr val="tx1"/>
+                </a:solidFill>
+              </a:ln>
+            </p:spPr>
+            <p:style>
+              <a:lnRef idx="2">
+                <a:schemeClr val="accent1">
+                  <a:shade val="50000"/>
+                </a:schemeClr>
+              </a:lnRef>
+              <a:fillRef idx="1">
+                <a:schemeClr val="accent1"/>
+              </a:fillRef>
+              <a:effectRef idx="0">
+                <a:schemeClr val="accent1"/>
+              </a:effectRef>
+              <a:fontRef idx="minor">
+                <a:schemeClr val="lt1"/>
+              </a:fontRef>
+            </p:style>
+            <p:txBody>
+              <a:bodyPr rtlCol="1" anchor="ctr"/>
+              <a:lstStyle/>
+              <a:p>
+                <a:pPr algn="ctr"/>
+                <a:endParaRPr lang="he-IL"/>
+              </a:p>
+            </p:txBody>
+          </p:sp>
+          <p:sp>
+            <p:nvSpPr>
+              <p:cNvPr id="85" name="Isosceles Triangle 84">
+                <a:extLst>
+                  <a:ext uri="{FF2B5EF4-FFF2-40B4-BE49-F238E27FC236}">
+                    <a16:creationId xmlns:a16="http://schemas.microsoft.com/office/drawing/2014/main" id="{793C3994-8A68-4663-960C-3CF9EE5F7F2A}"/>
+                  </a:ext>
+                </a:extLst>
+              </p:cNvPr>
+              <p:cNvSpPr/>
+              <p:nvPr/>
+            </p:nvSpPr>
+            <p:spPr>
+              <a:xfrm rot="10800000">
+                <a:off x="10034529" y="1493567"/>
+                <a:ext cx="685800" cy="548640"/>
+              </a:xfrm>
+              <a:prstGeom prst="triangle">
+                <a:avLst/>
+              </a:prstGeom>
+              <a:solidFill>
+                <a:srgbClr val="FF0000"/>
+              </a:solidFill>
+              <a:ln w="25400">
+                <a:solidFill>
+                  <a:schemeClr val="tx1"/>
+                </a:solidFill>
+              </a:ln>
+            </p:spPr>
+            <p:style>
+              <a:lnRef idx="2">
+                <a:schemeClr val="accent1">
+                  <a:shade val="50000"/>
+                </a:schemeClr>
+              </a:lnRef>
+              <a:fillRef idx="1">
+                <a:schemeClr val="accent1"/>
+              </a:fillRef>
+              <a:effectRef idx="0">
+                <a:schemeClr val="accent1"/>
+              </a:effectRef>
+              <a:fontRef idx="minor">
+                <a:schemeClr val="lt1"/>
+              </a:fontRef>
+            </p:style>
+            <p:txBody>
+              <a:bodyPr rtlCol="1" anchor="ctr"/>
+              <a:lstStyle/>
+              <a:p>
+                <a:pPr algn="ctr"/>
+                <a:endParaRPr lang="he-IL"/>
+              </a:p>
+            </p:txBody>
+          </p:sp>
+          <p:sp>
+            <p:nvSpPr>
+              <p:cNvPr id="86" name="Rectangle 85">
+                <a:extLst>
+                  <a:ext uri="{FF2B5EF4-FFF2-40B4-BE49-F238E27FC236}">
+                    <a16:creationId xmlns:a16="http://schemas.microsoft.com/office/drawing/2014/main" id="{A02E479A-0575-4438-A0FC-797389076E2B}"/>
+                  </a:ext>
+                </a:extLst>
+              </p:cNvPr>
+              <p:cNvSpPr/>
+              <p:nvPr/>
+            </p:nvSpPr>
+            <p:spPr>
+              <a:xfrm>
+                <a:off x="10034529" y="2271877"/>
+                <a:ext cx="685800" cy="685800"/>
+              </a:xfrm>
+              <a:prstGeom prst="rect">
+                <a:avLst/>
+              </a:prstGeom>
+              <a:ln w="25400">
+                <a:solidFill>
+                  <a:schemeClr val="tx1"/>
+                </a:solidFill>
+              </a:ln>
+            </p:spPr>
+            <p:style>
+              <a:lnRef idx="2">
+                <a:schemeClr val="accent1">
+                  <a:shade val="50000"/>
+                </a:schemeClr>
+              </a:lnRef>
+              <a:fillRef idx="1">
+                <a:schemeClr val="accent1"/>
+              </a:fillRef>
+              <a:effectRef idx="0">
+                <a:schemeClr val="accent1"/>
+              </a:effectRef>
+              <a:fontRef idx="minor">
+                <a:schemeClr val="lt1"/>
+              </a:fontRef>
+            </p:style>
+            <p:txBody>
+              <a:bodyPr rtlCol="1" anchor="ctr"/>
+              <a:lstStyle/>
+              <a:p>
+                <a:pPr algn="ctr"/>
+                <a:endParaRPr lang="he-IL"/>
+              </a:p>
+            </p:txBody>
+          </p:sp>
+          <p:sp>
+            <p:nvSpPr>
+              <p:cNvPr id="87" name="TextBox 86">
+                <a:extLst>
+                  <a:ext uri="{FF2B5EF4-FFF2-40B4-BE49-F238E27FC236}">
+                    <a16:creationId xmlns:a16="http://schemas.microsoft.com/office/drawing/2014/main" id="{BC4A4F4A-1FFE-4D8B-AEB9-DC2FA23CAF10}"/>
+                  </a:ext>
+                </a:extLst>
+              </p:cNvPr>
+              <p:cNvSpPr txBox="1"/>
+              <p:nvPr/>
+            </p:nvSpPr>
+            <p:spPr>
+              <a:xfrm>
+                <a:off x="10923322" y="766357"/>
+                <a:ext cx="1114141" cy="369332"/>
+              </a:xfrm>
+              <a:prstGeom prst="rect">
+                <a:avLst/>
+              </a:prstGeom>
+              <a:noFill/>
+            </p:spPr>
+            <p:txBody>
+              <a:bodyPr wrap="square" rtlCol="1">
+                <a:spAutoFit/>
+              </a:bodyPr>
+              <a:lstStyle/>
+              <a:p>
+                <a:r>
+                  <a:rPr lang="en-US" dirty="0">
+                    <a:latin typeface="David" panose="020E0502060401010101" pitchFamily="34" charset="-79"/>
+                    <a:cs typeface="David" panose="020E0502060401010101" pitchFamily="34" charset="-79"/>
+                  </a:rPr>
+                  <a:t>MAX</a:t>
+                </a:r>
+                <a:endParaRPr lang="he-IL" dirty="0">
+                  <a:latin typeface="David" panose="020E0502060401010101" pitchFamily="34" charset="-79"/>
+                  <a:cs typeface="David" panose="020E0502060401010101" pitchFamily="34" charset="-79"/>
+                </a:endParaRPr>
+              </a:p>
+            </p:txBody>
+          </p:sp>
+          <mc:AlternateContent xmlns:mc="http://schemas.openxmlformats.org/markup-compatibility/2006">
+            <mc:Choice xmlns:a14="http://schemas.microsoft.com/office/drawing/2010/main" Requires="a14">
+              <p:sp>
+                <p:nvSpPr>
+                  <p:cNvPr id="32" name="TextBox 31">
+                    <a:extLst>
+                      <a:ext uri="{FF2B5EF4-FFF2-40B4-BE49-F238E27FC236}">
+                        <a16:creationId xmlns:a16="http://schemas.microsoft.com/office/drawing/2014/main" id="{4AC0FB76-6D95-4D05-987D-60D0669D9F93}"/>
+                      </a:ext>
+                    </a:extLst>
+                  </p:cNvPr>
+                  <p:cNvSpPr txBox="1"/>
+                  <p:nvPr/>
+                </p:nvSpPr>
+                <p:spPr>
+                  <a:xfrm>
+                    <a:off x="6404573" y="696313"/>
+                    <a:ext cx="1371600" cy="646331"/>
+                  </a:xfrm>
+                  <a:prstGeom prst="rect">
+                    <a:avLst/>
+                  </a:prstGeom>
+                  <a:noFill/>
+                </p:spPr>
+                <p:txBody>
+                  <a:bodyPr wrap="square" rtlCol="1">
+                    <a:spAutoFit/>
+                  </a:bodyPr>
+                  <a:lstStyle/>
+                  <a:p>
+                    <a:r>
+                      <a:rPr lang="en-US" b="0" dirty="0">
+                        <a:latin typeface="David" panose="020E0502060401010101" pitchFamily="34" charset="-79"/>
+                        <a:cs typeface="David" panose="020E0502060401010101" pitchFamily="34" charset="-79"/>
+                      </a:rPr>
+                      <a:t>Alpha:6</a:t>
+                    </a:r>
+                  </a:p>
+                  <a:p>
+                    <a:r>
+                      <a:rPr lang="en-US" dirty="0">
+                        <a:latin typeface="David" panose="020E0502060401010101" pitchFamily="34" charset="-79"/>
+                        <a:cs typeface="David" panose="020E0502060401010101" pitchFamily="34" charset="-79"/>
+                      </a:rPr>
+                      <a:t>Beta:</a:t>
+                    </a:r>
+                    <a14:m>
+                      <m:oMath xmlns:m="http://schemas.openxmlformats.org/officeDocument/2006/math">
+                        <m:r>
+                          <a:rPr lang="en-US" b="0" i="1" dirty="0" smtClean="0">
+                            <a:latin typeface="Cambria Math" panose="02040503050406030204" pitchFamily="18" charset="0"/>
+                            <a:ea typeface="Cambria Math" panose="02040503050406030204" pitchFamily="18" charset="0"/>
+                            <a:cs typeface="David" panose="020E0502060401010101" pitchFamily="34" charset="-79"/>
+                          </a:rPr>
+                          <m:t>∞</m:t>
+                        </m:r>
+                      </m:oMath>
+                    </a14:m>
+                    <a:endParaRPr lang="en-US" b="0" dirty="0">
+                      <a:latin typeface="David" panose="020E0502060401010101" pitchFamily="34" charset="-79"/>
+                      <a:cs typeface="David" panose="020E0502060401010101" pitchFamily="34" charset="-79"/>
+                    </a:endParaRPr>
+                  </a:p>
+                </p:txBody>
+              </p:sp>
+            </mc:Choice>
+            <mc:Fallback>
+              <p:sp>
+                <p:nvSpPr>
+                  <p:cNvPr id="32" name="TextBox 31">
+                    <a:extLst>
+                      <a:ext uri="{FF2B5EF4-FFF2-40B4-BE49-F238E27FC236}">
+                        <a16:creationId xmlns:a16="http://schemas.microsoft.com/office/drawing/2014/main" id="{4AC0FB76-6D95-4D05-987D-60D0669D9F93}"/>
+                      </a:ext>
+                    </a:extLst>
+                  </p:cNvPr>
+                  <p:cNvSpPr txBox="1">
+                    <a:spLocks noRot="1" noChangeAspect="1" noMove="1" noResize="1" noEditPoints="1" noAdjustHandles="1" noChangeArrowheads="1" noChangeShapeType="1" noTextEdit="1"/>
+                  </p:cNvSpPr>
+                  <p:nvPr/>
+                </p:nvSpPr>
+                <p:spPr>
+                  <a:xfrm>
+                    <a:off x="6404573" y="696313"/>
+                    <a:ext cx="1371600" cy="646331"/>
+                  </a:xfrm>
+                  <a:prstGeom prst="rect">
+                    <a:avLst/>
+                  </a:prstGeom>
+                  <a:blipFill>
+                    <a:blip r:embed="rId2"/>
+                    <a:stretch>
+                      <a:fillRect l="-4000" t="-5660" b="-14151"/>
+                    </a:stretch>
+                  </a:blipFill>
+                </p:spPr>
+                <p:txBody>
+                  <a:bodyPr/>
+                  <a:lstStyle/>
+                  <a:p>
+                    <a:r>
+                      <a:rPr lang="he-IL">
+                        <a:noFill/>
+                      </a:rPr>
+                      <a:t> </a:t>
+                    </a:r>
+                  </a:p>
+                </p:txBody>
+              </p:sp>
+            </mc:Fallback>
+          </mc:AlternateContent>
+          <p:sp>
+            <p:nvSpPr>
+              <p:cNvPr id="28" name="TextBox 27">
+                <a:extLst>
+                  <a:ext uri="{FF2B5EF4-FFF2-40B4-BE49-F238E27FC236}">
+                    <a16:creationId xmlns:a16="http://schemas.microsoft.com/office/drawing/2014/main" id="{1D14802D-4425-48EB-8356-0DECD2D03464}"/>
+                  </a:ext>
+                </a:extLst>
+              </p:cNvPr>
+              <p:cNvSpPr txBox="1"/>
+              <p:nvPr/>
+            </p:nvSpPr>
+            <p:spPr>
+              <a:xfrm>
+                <a:off x="8539377" y="1857706"/>
+                <a:ext cx="1371600" cy="646331"/>
+              </a:xfrm>
+              <a:prstGeom prst="rect">
+                <a:avLst/>
+              </a:prstGeom>
+              <a:noFill/>
+            </p:spPr>
+            <p:txBody>
+              <a:bodyPr wrap="square" rtlCol="1">
+                <a:spAutoFit/>
+              </a:bodyPr>
+              <a:lstStyle/>
+              <a:p>
+                <a:r>
+                  <a:rPr lang="en-US" b="0" dirty="0">
+                    <a:latin typeface="David" panose="020E0502060401010101" pitchFamily="34" charset="-79"/>
+                    <a:cs typeface="David" panose="020E0502060401010101" pitchFamily="34" charset="-79"/>
+                  </a:rPr>
+                  <a:t>Alpha:6</a:t>
+                </a:r>
+              </a:p>
+              <a:p>
+                <a:r>
+                  <a:rPr lang="en-US" dirty="0">
+                    <a:latin typeface="David" panose="020E0502060401010101" pitchFamily="34" charset="-79"/>
+                    <a:cs typeface="David" panose="020E0502060401010101" pitchFamily="34" charset="-79"/>
+                  </a:rPr>
+                  <a:t>Beta:6</a:t>
+                </a:r>
+                <a:endParaRPr lang="en-US" b="0" dirty="0">
+                  <a:latin typeface="David" panose="020E0502060401010101" pitchFamily="34" charset="-79"/>
+                  <a:cs typeface="David" panose="020E0502060401010101" pitchFamily="34" charset="-79"/>
+                </a:endParaRPr>
+              </a:p>
+            </p:txBody>
+          </p:sp>
+          <p:cxnSp>
+            <p:nvCxnSpPr>
+              <p:cNvPr id="30" name="Straight Connector 29">
+                <a:extLst>
+                  <a:ext uri="{FF2B5EF4-FFF2-40B4-BE49-F238E27FC236}">
+                    <a16:creationId xmlns:a16="http://schemas.microsoft.com/office/drawing/2014/main" id="{B1ECC9EA-6A0F-4669-A589-E3645ED152F5}"/>
+                  </a:ext>
+                </a:extLst>
+              </p:cNvPr>
+              <p:cNvCxnSpPr>
+                <a:cxnSpLocks/>
+              </p:cNvCxnSpPr>
+              <p:nvPr/>
+            </p:nvCxnSpPr>
+            <p:spPr>
+              <a:xfrm flipV="1">
+                <a:off x="8595792" y="2429319"/>
+                <a:ext cx="568737" cy="665493"/>
+              </a:xfrm>
+              <a:prstGeom prst="line">
+                <a:avLst/>
+              </a:prstGeom>
+              <a:ln w="63500">
+                <a:solidFill>
+                  <a:srgbClr val="FF0000"/>
+                </a:solidFill>
+              </a:ln>
+            </p:spPr>
+            <p:style>
+              <a:lnRef idx="1">
+                <a:schemeClr val="accent1"/>
+              </a:lnRef>
+              <a:fillRef idx="0">
+                <a:schemeClr val="accent1"/>
+              </a:fillRef>
+              <a:effectRef idx="0">
+                <a:schemeClr val="accent1"/>
+              </a:effectRef>
+              <a:fontRef idx="minor">
+                <a:schemeClr val="tx1"/>
+              </a:fontRef>
+            </p:style>
+          </p:cxnSp>
+          <p:sp>
+            <p:nvSpPr>
+              <p:cNvPr id="44" name="Isosceles Triangle 43">
+                <a:extLst>
+                  <a:ext uri="{FF2B5EF4-FFF2-40B4-BE49-F238E27FC236}">
+                    <a16:creationId xmlns:a16="http://schemas.microsoft.com/office/drawing/2014/main" id="{EB4062B8-B2BC-4645-8054-4F7DA7872922}"/>
+                  </a:ext>
+                </a:extLst>
+              </p:cNvPr>
+              <p:cNvSpPr/>
+              <p:nvPr/>
+            </p:nvSpPr>
+            <p:spPr>
+              <a:xfrm>
+                <a:off x="6637612" y="3019068"/>
+                <a:ext cx="685800" cy="548640"/>
+              </a:xfrm>
+              <a:prstGeom prst="triangle">
+                <a:avLst/>
+              </a:prstGeom>
+              <a:solidFill>
+                <a:srgbClr val="0070C0"/>
+              </a:solidFill>
+              <a:ln w="25400">
+                <a:solidFill>
+                  <a:schemeClr val="tx1"/>
+                </a:solidFill>
+              </a:ln>
+            </p:spPr>
+            <p:style>
+              <a:lnRef idx="2">
+                <a:schemeClr val="accent1">
+                  <a:shade val="50000"/>
+                </a:schemeClr>
+              </a:lnRef>
+              <a:fillRef idx="1">
+                <a:schemeClr val="accent1"/>
+              </a:fillRef>
+              <a:effectRef idx="0">
+                <a:schemeClr val="accent1"/>
+              </a:effectRef>
+              <a:fontRef idx="minor">
+                <a:schemeClr val="lt1"/>
+              </a:fontRef>
+            </p:style>
+            <p:txBody>
+              <a:bodyPr rtlCol="1" anchor="ctr"/>
+              <a:lstStyle/>
+              <a:p>
+                <a:pPr algn="ctr"/>
+                <a:endParaRPr lang="he-IL"/>
+              </a:p>
+            </p:txBody>
+          </p:sp>
+          <p:cxnSp>
+            <p:nvCxnSpPr>
+              <p:cNvPr id="73" name="Straight Connector 72">
+                <a:extLst>
+                  <a:ext uri="{FF2B5EF4-FFF2-40B4-BE49-F238E27FC236}">
+                    <a16:creationId xmlns:a16="http://schemas.microsoft.com/office/drawing/2014/main" id="{1453DA4C-9F08-42E7-93D2-FDA6CC9D103C}"/>
+                  </a:ext>
+                </a:extLst>
+              </p:cNvPr>
+              <p:cNvCxnSpPr>
+                <a:cxnSpLocks/>
+                <a:stCxn id="52" idx="0"/>
+                <a:endCxn id="97" idx="2"/>
+              </p:cNvCxnSpPr>
+              <p:nvPr/>
+            </p:nvCxnSpPr>
+            <p:spPr>
+              <a:xfrm flipH="1" flipV="1">
+                <a:off x="6975727" y="3530666"/>
+                <a:ext cx="4785" cy="782255"/>
+              </a:xfrm>
+              <a:prstGeom prst="line">
+                <a:avLst/>
+              </a:prstGeom>
+              <a:ln w="25400">
+                <a:solidFill>
+                  <a:schemeClr val="tx1"/>
+                </a:solidFill>
+              </a:ln>
+            </p:spPr>
+            <p:style>
+              <a:lnRef idx="1">
+                <a:schemeClr val="accent1"/>
+              </a:lnRef>
+              <a:fillRef idx="0">
+                <a:schemeClr val="accent1"/>
+              </a:fillRef>
+              <a:effectRef idx="0">
+                <a:schemeClr val="accent1"/>
+              </a:effectRef>
+              <a:fontRef idx="minor">
+                <a:schemeClr val="tx1"/>
+              </a:fontRef>
+            </p:style>
+          </p:cxnSp>
+          <mc:AlternateContent xmlns:mc="http://schemas.openxmlformats.org/markup-compatibility/2006">
+            <mc:Choice xmlns:a14="http://schemas.microsoft.com/office/drawing/2010/main" Requires="a14">
+              <p:sp>
+                <p:nvSpPr>
+                  <p:cNvPr id="90" name="TextBox 89">
+                    <a:extLst>
+                      <a:ext uri="{FF2B5EF4-FFF2-40B4-BE49-F238E27FC236}">
+                        <a16:creationId xmlns:a16="http://schemas.microsoft.com/office/drawing/2014/main" id="{F8C9AD82-3C3A-494D-9BA4-A283AEE4C996}"/>
+                      </a:ext>
+                    </a:extLst>
+                  </p:cNvPr>
+                  <p:cNvSpPr txBox="1"/>
+                  <p:nvPr/>
+                </p:nvSpPr>
+                <p:spPr>
+                  <a:xfrm>
+                    <a:off x="6289926" y="4998721"/>
+                    <a:ext cx="1371600" cy="369332"/>
+                  </a:xfrm>
+                  <a:prstGeom prst="rect">
+                    <a:avLst/>
+                  </a:prstGeom>
+                  <a:noFill/>
+                </p:spPr>
+                <p:txBody>
+                  <a:bodyPr wrap="square" rtlCol="1">
+                    <a:spAutoFit/>
+                  </a:bodyPr>
+                  <a:lstStyle/>
+                  <a:p>
+                    <a:pPr/>
+                    <a14:m>
+                      <m:oMathPara xmlns:m="http://schemas.openxmlformats.org/officeDocument/2006/math">
+                        <m:oMathParaPr>
+                          <m:jc m:val="centerGroup"/>
+                        </m:oMathParaPr>
+                        <m:oMath xmlns:m="http://schemas.openxmlformats.org/officeDocument/2006/math">
+                          <m:r>
+                            <a:rPr lang="en-US" b="0" i="1" smtClean="0">
+                              <a:latin typeface="Cambria Math" panose="02040503050406030204" pitchFamily="18" charset="0"/>
+                            </a:rPr>
+                            <m:t>𝑢</m:t>
+                          </m:r>
+                          <m:r>
+                            <a:rPr lang="en-US" b="0" i="1" smtClean="0">
+                              <a:latin typeface="Cambria Math" panose="02040503050406030204" pitchFamily="18" charset="0"/>
+                            </a:rPr>
+                            <m:t>=</m:t>
+                          </m:r>
+                          <m:r>
+                            <a:rPr lang="en-US" b="0" i="1" smtClean="0">
+                              <a:latin typeface="Cambria Math" panose="02040503050406030204" pitchFamily="18" charset="0"/>
+                            </a:rPr>
+                            <m:t>6</m:t>
+                          </m:r>
+                        </m:oMath>
+                      </m:oMathPara>
+                    </a14:m>
+                    <a:endParaRPr lang="he-IL" dirty="0"/>
+                  </a:p>
+                </p:txBody>
+              </p:sp>
+            </mc:Choice>
+            <mc:Fallback>
+              <p:sp>
+                <p:nvSpPr>
+                  <p:cNvPr id="90" name="TextBox 89">
+                    <a:extLst>
+                      <a:ext uri="{FF2B5EF4-FFF2-40B4-BE49-F238E27FC236}">
+                        <a16:creationId xmlns:a16="http://schemas.microsoft.com/office/drawing/2014/main" id="{F8C9AD82-3C3A-494D-9BA4-A283AEE4C996}"/>
+                      </a:ext>
+                    </a:extLst>
+                  </p:cNvPr>
+                  <p:cNvSpPr txBox="1">
+                    <a:spLocks noRot="1" noChangeAspect="1" noMove="1" noResize="1" noEditPoints="1" noAdjustHandles="1" noChangeArrowheads="1" noChangeShapeType="1" noTextEdit="1"/>
+                  </p:cNvSpPr>
+                  <p:nvPr/>
+                </p:nvSpPr>
+                <p:spPr>
+                  <a:xfrm>
+                    <a:off x="6289926" y="4998721"/>
+                    <a:ext cx="1371600" cy="369332"/>
+                  </a:xfrm>
+                  <a:prstGeom prst="rect">
+                    <a:avLst/>
+                  </a:prstGeom>
+                  <a:blipFill>
+                    <a:blip r:embed="rId3"/>
+                    <a:stretch>
+                      <a:fillRect/>
+                    </a:stretch>
+                  </a:blipFill>
+                </p:spPr>
+                <p:txBody>
+                  <a:bodyPr/>
+                  <a:lstStyle/>
+                  <a:p>
+                    <a:r>
+                      <a:rPr lang="he-IL">
+                        <a:noFill/>
+                      </a:rPr>
+                      <a:t> </a:t>
+                    </a:r>
+                  </a:p>
+                </p:txBody>
+              </p:sp>
+            </mc:Fallback>
+          </mc:AlternateContent>
+          <p:sp>
+            <p:nvSpPr>
+              <p:cNvPr id="97" name="TextBox 96">
+                <a:extLst>
+                  <a:ext uri="{FF2B5EF4-FFF2-40B4-BE49-F238E27FC236}">
+                    <a16:creationId xmlns:a16="http://schemas.microsoft.com/office/drawing/2014/main" id="{0BB38F54-C0AC-4223-864C-75126843B2C2}"/>
+                  </a:ext>
+                </a:extLst>
+              </p:cNvPr>
+              <p:cNvSpPr txBox="1"/>
+              <p:nvPr/>
+            </p:nvSpPr>
+            <p:spPr>
+              <a:xfrm>
+                <a:off x="6825488" y="3161334"/>
+                <a:ext cx="300477" cy="369332"/>
+              </a:xfrm>
+              <a:prstGeom prst="rect">
+                <a:avLst/>
+              </a:prstGeom>
+              <a:noFill/>
+            </p:spPr>
+            <p:txBody>
+              <a:bodyPr wrap="square" rtlCol="1">
+                <a:spAutoFit/>
+              </a:bodyPr>
+              <a:lstStyle/>
+              <a:p>
+                <a:r>
+                  <a:rPr lang="en-US" b="0" dirty="0">
+                    <a:latin typeface="David" panose="020E0502060401010101" pitchFamily="34" charset="-79"/>
+                    <a:cs typeface="David" panose="020E0502060401010101" pitchFamily="34" charset="-79"/>
+                  </a:rPr>
+                  <a:t>6</a:t>
+                </a:r>
+              </a:p>
+            </p:txBody>
+          </p:sp>
+          <mc:AlternateContent xmlns:mc="http://schemas.openxmlformats.org/markup-compatibility/2006">
+            <mc:Choice xmlns:a14="http://schemas.microsoft.com/office/drawing/2010/main" Requires="a14">
+              <p:sp>
+                <p:nvSpPr>
+                  <p:cNvPr id="105" name="TextBox 104">
+                    <a:extLst>
+                      <a:ext uri="{FF2B5EF4-FFF2-40B4-BE49-F238E27FC236}">
+                        <a16:creationId xmlns:a16="http://schemas.microsoft.com/office/drawing/2014/main" id="{9577912A-E62C-4FD9-8B07-19FD3427E08D}"/>
+                      </a:ext>
+                    </a:extLst>
+                  </p:cNvPr>
+                  <p:cNvSpPr txBox="1"/>
+                  <p:nvPr/>
+                </p:nvSpPr>
+                <p:spPr>
+                  <a:xfrm>
+                    <a:off x="7287885" y="2964050"/>
+                    <a:ext cx="1371600" cy="646331"/>
+                  </a:xfrm>
+                  <a:prstGeom prst="rect">
+                    <a:avLst/>
+                  </a:prstGeom>
+                  <a:noFill/>
+                </p:spPr>
+                <p:txBody>
+                  <a:bodyPr wrap="square" rtlCol="1">
+                    <a:spAutoFit/>
+                  </a:bodyPr>
+                  <a:lstStyle/>
+                  <a:p>
+                    <a:r>
+                      <a:rPr lang="en-US" b="0" dirty="0">
+                        <a:latin typeface="David" panose="020E0502060401010101" pitchFamily="34" charset="-79"/>
+                        <a:cs typeface="David" panose="020E0502060401010101" pitchFamily="34" charset="-79"/>
+                      </a:rPr>
+                      <a:t>Alpha:6</a:t>
+                    </a:r>
+                  </a:p>
+                  <a:p>
+                    <a:r>
+                      <a:rPr lang="en-US" dirty="0">
+                        <a:latin typeface="David" panose="020E0502060401010101" pitchFamily="34" charset="-79"/>
+                        <a:cs typeface="David" panose="020E0502060401010101" pitchFamily="34" charset="-79"/>
+                      </a:rPr>
+                      <a:t>Beta:</a:t>
+                    </a:r>
+                    <a14:m>
+                      <m:oMath xmlns:m="http://schemas.openxmlformats.org/officeDocument/2006/math">
+                        <m:r>
+                          <a:rPr lang="en-US" b="0" i="1" smtClean="0">
+                            <a:latin typeface="Cambria Math" panose="02040503050406030204" pitchFamily="18" charset="0"/>
+                            <a:cs typeface="David" panose="020E0502060401010101" pitchFamily="34" charset="-79"/>
+                          </a:rPr>
+                          <m:t>−</m:t>
+                        </m:r>
+                        <m:r>
+                          <a:rPr lang="en-US" b="0" i="1" smtClean="0">
+                            <a:latin typeface="Cambria Math" panose="02040503050406030204" pitchFamily="18" charset="0"/>
+                            <a:ea typeface="Cambria Math" panose="02040503050406030204" pitchFamily="18" charset="0"/>
+                            <a:cs typeface="David" panose="020E0502060401010101" pitchFamily="34" charset="-79"/>
+                          </a:rPr>
+                          <m:t>∞</m:t>
+                        </m:r>
+                      </m:oMath>
+                    </a14:m>
+                    <a:endParaRPr lang="en-US" b="0" dirty="0">
+                      <a:latin typeface="David" panose="020E0502060401010101" pitchFamily="34" charset="-79"/>
+                      <a:cs typeface="David" panose="020E0502060401010101" pitchFamily="34" charset="-79"/>
+                    </a:endParaRPr>
+                  </a:p>
+                </p:txBody>
+              </p:sp>
+            </mc:Choice>
+            <mc:Fallback>
+              <p:sp>
+                <p:nvSpPr>
+                  <p:cNvPr id="105" name="TextBox 104">
+                    <a:extLst>
+                      <a:ext uri="{FF2B5EF4-FFF2-40B4-BE49-F238E27FC236}">
+                        <a16:creationId xmlns:a16="http://schemas.microsoft.com/office/drawing/2014/main" id="{9577912A-E62C-4FD9-8B07-19FD3427E08D}"/>
+                      </a:ext>
+                    </a:extLst>
+                  </p:cNvPr>
+                  <p:cNvSpPr txBox="1">
+                    <a:spLocks noRot="1" noChangeAspect="1" noMove="1" noResize="1" noEditPoints="1" noAdjustHandles="1" noChangeArrowheads="1" noChangeShapeType="1" noTextEdit="1"/>
+                  </p:cNvSpPr>
+                  <p:nvPr/>
+                </p:nvSpPr>
+                <p:spPr>
+                  <a:xfrm>
+                    <a:off x="7287885" y="2964050"/>
+                    <a:ext cx="1371600" cy="646331"/>
+                  </a:xfrm>
+                  <a:prstGeom prst="rect">
+                    <a:avLst/>
+                  </a:prstGeom>
+                  <a:blipFill>
+                    <a:blip r:embed="rId4"/>
+                    <a:stretch>
+                      <a:fillRect l="-4000" t="-5660" b="-14151"/>
+                    </a:stretch>
+                  </a:blipFill>
+                </p:spPr>
+                <p:txBody>
+                  <a:bodyPr/>
+                  <a:lstStyle/>
+                  <a:p>
+                    <a:r>
+                      <a:rPr lang="he-IL">
+                        <a:noFill/>
+                      </a:rPr>
+                      <a:t> </a:t>
+                    </a:r>
+                  </a:p>
+                </p:txBody>
+              </p:sp>
+            </mc:Fallback>
+          </mc:AlternateContent>
+          <p:sp>
+            <p:nvSpPr>
+              <p:cNvPr id="106" name="TextBox 105">
+                <a:extLst>
+                  <a:ext uri="{FF2B5EF4-FFF2-40B4-BE49-F238E27FC236}">
+                    <a16:creationId xmlns:a16="http://schemas.microsoft.com/office/drawing/2014/main" id="{B32DC7FB-0B86-46F8-ABEC-B63D53BDBB4F}"/>
+                  </a:ext>
+                </a:extLst>
+              </p:cNvPr>
+              <p:cNvSpPr txBox="1"/>
+              <p:nvPr/>
+            </p:nvSpPr>
+            <p:spPr>
+              <a:xfrm>
+                <a:off x="3416995" y="1857706"/>
+                <a:ext cx="1371600" cy="369332"/>
+              </a:xfrm>
+              <a:prstGeom prst="rect">
+                <a:avLst/>
+              </a:prstGeom>
+              <a:noFill/>
+            </p:spPr>
+            <p:txBody>
+              <a:bodyPr wrap="square" rtlCol="1">
+                <a:spAutoFit/>
+              </a:bodyPr>
+              <a:lstStyle/>
+              <a:p>
+                <a:r>
+                  <a:rPr lang="en-US" b="0" dirty="0">
+                    <a:latin typeface="David" panose="020E0502060401010101" pitchFamily="34" charset="-79"/>
+                    <a:cs typeface="David" panose="020E0502060401010101" pitchFamily="34" charset="-79"/>
+                  </a:rPr>
+                  <a:t>…</a:t>
+                </a:r>
+              </a:p>
+            </p:txBody>
+          </p:sp>
+          <mc:AlternateContent xmlns:mc="http://schemas.openxmlformats.org/markup-compatibility/2006">
+            <mc:Choice xmlns:a14="http://schemas.microsoft.com/office/drawing/2010/main" Requires="a14">
+              <p:sp>
+                <p:nvSpPr>
+                  <p:cNvPr id="109" name="TextBox 108">
+                    <a:extLst>
+                      <a:ext uri="{FF2B5EF4-FFF2-40B4-BE49-F238E27FC236}">
+                        <a16:creationId xmlns:a16="http://schemas.microsoft.com/office/drawing/2014/main" id="{5CA7155C-48CF-42C7-9AAF-F044A0EAC69B}"/>
+                      </a:ext>
+                    </a:extLst>
+                  </p:cNvPr>
+                  <p:cNvSpPr txBox="1"/>
+                  <p:nvPr/>
+                </p:nvSpPr>
+                <p:spPr>
+                  <a:xfrm>
+                    <a:off x="7456101" y="2028444"/>
+                    <a:ext cx="1371600" cy="369332"/>
+                  </a:xfrm>
+                  <a:prstGeom prst="rect">
+                    <a:avLst/>
+                  </a:prstGeom>
+                  <a:noFill/>
+                </p:spPr>
+                <p:txBody>
+                  <a:bodyPr wrap="square" rtlCol="1">
+                    <a:spAutoFit/>
+                  </a:bodyPr>
+                  <a:lstStyle/>
+                  <a:p>
+                    <a14:m>
+                      <m:oMathPara xmlns:m="http://schemas.openxmlformats.org/officeDocument/2006/math">
+                        <m:oMathParaPr>
+                          <m:jc m:val="centerGroup"/>
+                        </m:oMathParaPr>
+                        <m:oMath xmlns:m="http://schemas.openxmlformats.org/officeDocument/2006/math">
+                          <m:r>
+                            <a:rPr lang="en-US" b="0" i="1" dirty="0" smtClean="0">
+                              <a:latin typeface="Cambria Math" panose="02040503050406030204" pitchFamily="18" charset="0"/>
+                              <a:cs typeface="David" panose="020E0502060401010101" pitchFamily="34" charset="-79"/>
+                            </a:rPr>
+                            <m:t>−</m:t>
+                          </m:r>
+                          <m:r>
+                            <a:rPr lang="en-US" b="0" i="1" dirty="0" smtClean="0">
+                              <a:latin typeface="Cambria Math" panose="02040503050406030204" pitchFamily="18" charset="0"/>
+                              <a:ea typeface="Cambria Math" panose="02040503050406030204" pitchFamily="18" charset="0"/>
+                              <a:cs typeface="David" panose="020E0502060401010101" pitchFamily="34" charset="-79"/>
+                            </a:rPr>
+                            <m:t>∞</m:t>
+                          </m:r>
+                        </m:oMath>
+                      </m:oMathPara>
+                    </a14:m>
+                    <a:endParaRPr lang="en-US" b="0" dirty="0">
+                      <a:latin typeface="David" panose="020E0502060401010101" pitchFamily="34" charset="-79"/>
+                      <a:cs typeface="David" panose="020E0502060401010101" pitchFamily="34" charset="-79"/>
+                    </a:endParaRPr>
+                  </a:p>
+                </p:txBody>
+              </p:sp>
+            </mc:Choice>
+            <mc:Fallback>
+              <p:sp>
+                <p:nvSpPr>
+                  <p:cNvPr id="109" name="TextBox 108">
+                    <a:extLst>
+                      <a:ext uri="{FF2B5EF4-FFF2-40B4-BE49-F238E27FC236}">
+                        <a16:creationId xmlns:a16="http://schemas.microsoft.com/office/drawing/2014/main" id="{5CA7155C-48CF-42C7-9AAF-F044A0EAC69B}"/>
+                      </a:ext>
+                    </a:extLst>
+                  </p:cNvPr>
+                  <p:cNvSpPr txBox="1">
+                    <a:spLocks noRot="1" noChangeAspect="1" noMove="1" noResize="1" noEditPoints="1" noAdjustHandles="1" noChangeArrowheads="1" noChangeShapeType="1" noTextEdit="1"/>
+                  </p:cNvSpPr>
+                  <p:nvPr/>
+                </p:nvSpPr>
+                <p:spPr>
+                  <a:xfrm>
+                    <a:off x="7456101" y="2028444"/>
+                    <a:ext cx="1371600" cy="369332"/>
+                  </a:xfrm>
+                  <a:prstGeom prst="rect">
+                    <a:avLst/>
+                  </a:prstGeom>
+                  <a:blipFill>
+                    <a:blip r:embed="rId5"/>
+                    <a:stretch>
+                      <a:fillRect/>
+                    </a:stretch>
+                  </a:blipFill>
+                </p:spPr>
+                <p:txBody>
+                  <a:bodyPr/>
+                  <a:lstStyle/>
+                  <a:p>
+                    <a:r>
+                      <a:rPr lang="he-IL">
+                        <a:noFill/>
+                      </a:rPr>
+                      <a:t> </a:t>
+                    </a:r>
+                  </a:p>
+                </p:txBody>
+              </p:sp>
+            </mc:Fallback>
+          </mc:AlternateContent>
+          <mc:AlternateContent xmlns:mc="http://schemas.openxmlformats.org/markup-compatibility/2006">
+            <mc:Choice xmlns:a14="http://schemas.microsoft.com/office/drawing/2010/main" Requires="a14">
+              <p:sp>
+                <p:nvSpPr>
+                  <p:cNvPr id="110" name="TextBox 109">
+                    <a:extLst>
+                      <a:ext uri="{FF2B5EF4-FFF2-40B4-BE49-F238E27FC236}">
+                        <a16:creationId xmlns:a16="http://schemas.microsoft.com/office/drawing/2014/main" id="{CD47B061-7C94-47D6-B1F2-C71F5C08D5C4}"/>
+                      </a:ext>
+                    </a:extLst>
+                  </p:cNvPr>
+                  <p:cNvSpPr txBox="1"/>
+                  <p:nvPr/>
+                </p:nvSpPr>
+                <p:spPr>
+                  <a:xfrm>
+                    <a:off x="2820647" y="2412628"/>
+                    <a:ext cx="1371600" cy="369332"/>
+                  </a:xfrm>
+                  <a:prstGeom prst="rect">
+                    <a:avLst/>
+                  </a:prstGeom>
+                  <a:noFill/>
+                </p:spPr>
+                <p:txBody>
+                  <a:bodyPr wrap="square" rtlCol="1">
+                    <a:spAutoFit/>
+                  </a:bodyPr>
+                  <a:lstStyle/>
+                  <a:p>
+                    <a:pPr/>
+                    <a14:m>
+                      <m:oMathPara xmlns:m="http://schemas.openxmlformats.org/officeDocument/2006/math">
+                        <m:oMathParaPr>
+                          <m:jc m:val="centerGroup"/>
+                        </m:oMathParaPr>
+                        <m:oMath xmlns:m="http://schemas.openxmlformats.org/officeDocument/2006/math">
+                          <m:r>
+                            <a:rPr lang="en-US" b="0" i="1" smtClean="0">
+                              <a:latin typeface="Cambria Math" panose="02040503050406030204" pitchFamily="18" charset="0"/>
+                            </a:rPr>
+                            <m:t>h</m:t>
+                          </m:r>
+                          <m:r>
+                            <a:rPr lang="en-US" b="0" i="1" smtClean="0">
+                              <a:latin typeface="Cambria Math" panose="02040503050406030204" pitchFamily="18" charset="0"/>
+                            </a:rPr>
+                            <m:t>=</m:t>
+                          </m:r>
+                          <m:r>
+                            <a:rPr lang="en-US" b="0" i="1" smtClean="0">
+                              <a:latin typeface="Cambria Math" panose="02040503050406030204" pitchFamily="18" charset="0"/>
+                            </a:rPr>
+                            <m:t>6</m:t>
+                          </m:r>
+                        </m:oMath>
+                      </m:oMathPara>
+                    </a14:m>
+                    <a:endParaRPr lang="he-IL" dirty="0"/>
+                  </a:p>
+                </p:txBody>
+              </p:sp>
+            </mc:Choice>
+            <mc:Fallback>
+              <p:sp>
+                <p:nvSpPr>
+                  <p:cNvPr id="110" name="TextBox 109">
+                    <a:extLst>
+                      <a:ext uri="{FF2B5EF4-FFF2-40B4-BE49-F238E27FC236}">
+                        <a16:creationId xmlns:a16="http://schemas.microsoft.com/office/drawing/2014/main" id="{CD47B061-7C94-47D6-B1F2-C71F5C08D5C4}"/>
+                      </a:ext>
+                    </a:extLst>
+                  </p:cNvPr>
+                  <p:cNvSpPr txBox="1">
+                    <a:spLocks noRot="1" noChangeAspect="1" noMove="1" noResize="1" noEditPoints="1" noAdjustHandles="1" noChangeArrowheads="1" noChangeShapeType="1" noTextEdit="1"/>
+                  </p:cNvSpPr>
+                  <p:nvPr/>
+                </p:nvSpPr>
+                <p:spPr>
+                  <a:xfrm>
+                    <a:off x="2820647" y="2412628"/>
+                    <a:ext cx="1371600" cy="369332"/>
+                  </a:xfrm>
+                  <a:prstGeom prst="rect">
+                    <a:avLst/>
+                  </a:prstGeom>
+                  <a:blipFill>
+                    <a:blip r:embed="rId6"/>
+                    <a:stretch>
+                      <a:fillRect/>
+                    </a:stretch>
+                  </a:blipFill>
+                </p:spPr>
+                <p:txBody>
+                  <a:bodyPr/>
+                  <a:lstStyle/>
+                  <a:p>
+                    <a:r>
+                      <a:rPr lang="he-IL">
+                        <a:noFill/>
+                      </a:rPr>
+                      <a:t> </a:t>
+                    </a:r>
+                  </a:p>
+                </p:txBody>
+              </p:sp>
+            </mc:Fallback>
+          </mc:AlternateContent>
+        </p:grpSp>
+        <p:sp>
+          <p:nvSpPr>
+            <p:cNvPr id="112" name="TextBox 111">
+              <a:extLst>
+                <a:ext uri="{FF2B5EF4-FFF2-40B4-BE49-F238E27FC236}">
+                  <a16:creationId xmlns:a16="http://schemas.microsoft.com/office/drawing/2014/main" id="{03ED49A3-F12D-48B1-AA46-D34A55DB13AD}"/>
+                </a:ext>
+              </a:extLst>
+            </p:cNvPr>
+            <p:cNvSpPr txBox="1"/>
+            <p:nvPr/>
+          </p:nvSpPr>
+          <p:spPr>
+            <a:xfrm>
+              <a:off x="7732254" y="3260375"/>
+              <a:ext cx="1371600" cy="369332"/>
+            </a:xfrm>
+            <a:prstGeom prst="rect">
+              <a:avLst/>
+            </a:prstGeom>
+            <a:noFill/>
+          </p:spPr>
+          <p:txBody>
+            <a:bodyPr wrap="square" rtlCol="1">
+              <a:spAutoFit/>
+            </a:bodyPr>
+            <a:lstStyle/>
+            <a:p>
+              <a:r>
+                <a:rPr lang="en-US" b="0" dirty="0">
+                  <a:latin typeface="David" panose="020E0502060401010101" pitchFamily="34" charset="-79"/>
+                  <a:cs typeface="David" panose="020E0502060401010101" pitchFamily="34" charset="-79"/>
+                </a:rPr>
+                <a:t>…</a:t>
+              </a:r>
+            </a:p>
+          </p:txBody>
+        </p:sp>
+      </p:grpSp>
+    </p:spTree>
+    <p:extLst>
+      <p:ext uri="{BB962C8B-B14F-4D97-AF65-F5344CB8AC3E}">
+        <p14:creationId xmlns:p14="http://schemas.microsoft.com/office/powerpoint/2010/main" val="3692877893"/>
       </p:ext>
     </p:extLst>
   </p:cSld>

--- a/hw2-examples.pptx
+++ b/hw2-examples.pptx
@@ -269,7 +269,7 @@
           <a:p>
             <a:fld id="{609C88DF-570F-4829-B751-3E93E7A10B2F}" type="datetimeFigureOut">
               <a:rPr lang="he-IL" smtClean="0"/>
-              <a:t>כ"ד/טבת/תשפ"ב</a:t>
+              <a:t>ו'/שבט/תשפ"ב</a:t>
             </a:fld>
             <a:endParaRPr lang="he-IL"/>
           </a:p>
@@ -469,7 +469,7 @@
           <a:p>
             <a:fld id="{609C88DF-570F-4829-B751-3E93E7A10B2F}" type="datetimeFigureOut">
               <a:rPr lang="he-IL" smtClean="0"/>
-              <a:t>כ"ד/טבת/תשפ"ב</a:t>
+              <a:t>ו'/שבט/תשפ"ב</a:t>
             </a:fld>
             <a:endParaRPr lang="he-IL"/>
           </a:p>
@@ -679,7 +679,7 @@
           <a:p>
             <a:fld id="{609C88DF-570F-4829-B751-3E93E7A10B2F}" type="datetimeFigureOut">
               <a:rPr lang="he-IL" smtClean="0"/>
-              <a:t>כ"ד/טבת/תשפ"ב</a:t>
+              <a:t>ו'/שבט/תשפ"ב</a:t>
             </a:fld>
             <a:endParaRPr lang="he-IL"/>
           </a:p>
@@ -879,7 +879,7 @@
           <a:p>
             <a:fld id="{609C88DF-570F-4829-B751-3E93E7A10B2F}" type="datetimeFigureOut">
               <a:rPr lang="he-IL" smtClean="0"/>
-              <a:t>כ"ד/טבת/תשפ"ב</a:t>
+              <a:t>ו'/שבט/תשפ"ב</a:t>
             </a:fld>
             <a:endParaRPr lang="he-IL"/>
           </a:p>
@@ -1155,7 +1155,7 @@
           <a:p>
             <a:fld id="{609C88DF-570F-4829-B751-3E93E7A10B2F}" type="datetimeFigureOut">
               <a:rPr lang="he-IL" smtClean="0"/>
-              <a:t>כ"ד/טבת/תשפ"ב</a:t>
+              <a:t>ו'/שבט/תשפ"ב</a:t>
             </a:fld>
             <a:endParaRPr lang="he-IL"/>
           </a:p>
@@ -1423,7 +1423,7 @@
           <a:p>
             <a:fld id="{609C88DF-570F-4829-B751-3E93E7A10B2F}" type="datetimeFigureOut">
               <a:rPr lang="he-IL" smtClean="0"/>
-              <a:t>כ"ד/טבת/תשפ"ב</a:t>
+              <a:t>ו'/שבט/תשפ"ב</a:t>
             </a:fld>
             <a:endParaRPr lang="he-IL"/>
           </a:p>
@@ -1838,7 +1838,7 @@
           <a:p>
             <a:fld id="{609C88DF-570F-4829-B751-3E93E7A10B2F}" type="datetimeFigureOut">
               <a:rPr lang="he-IL" smtClean="0"/>
-              <a:t>כ"ד/טבת/תשפ"ב</a:t>
+              <a:t>ו'/שבט/תשפ"ב</a:t>
             </a:fld>
             <a:endParaRPr lang="he-IL"/>
           </a:p>
@@ -1980,7 +1980,7 @@
           <a:p>
             <a:fld id="{609C88DF-570F-4829-B751-3E93E7A10B2F}" type="datetimeFigureOut">
               <a:rPr lang="he-IL" smtClean="0"/>
-              <a:t>כ"ד/טבת/תשפ"ב</a:t>
+              <a:t>ו'/שבט/תשפ"ב</a:t>
             </a:fld>
             <a:endParaRPr lang="he-IL"/>
           </a:p>
@@ -2093,7 +2093,7 @@
           <a:p>
             <a:fld id="{609C88DF-570F-4829-B751-3E93E7A10B2F}" type="datetimeFigureOut">
               <a:rPr lang="he-IL" smtClean="0"/>
-              <a:t>כ"ד/טבת/תשפ"ב</a:t>
+              <a:t>ו'/שבט/תשפ"ב</a:t>
             </a:fld>
             <a:endParaRPr lang="he-IL"/>
           </a:p>
@@ -2406,7 +2406,7 @@
           <a:p>
             <a:fld id="{609C88DF-570F-4829-B751-3E93E7A10B2F}" type="datetimeFigureOut">
               <a:rPr lang="he-IL" smtClean="0"/>
-              <a:t>כ"ד/טבת/תשפ"ב</a:t>
+              <a:t>ו'/שבט/תשפ"ב</a:t>
             </a:fld>
             <a:endParaRPr lang="he-IL"/>
           </a:p>
@@ -2695,7 +2695,7 @@
           <a:p>
             <a:fld id="{609C88DF-570F-4829-B751-3E93E7A10B2F}" type="datetimeFigureOut">
               <a:rPr lang="he-IL" smtClean="0"/>
-              <a:t>כ"ד/טבת/תשפ"ב</a:t>
+              <a:t>ו'/שבט/תשפ"ב</a:t>
             </a:fld>
             <a:endParaRPr lang="he-IL"/>
           </a:p>
@@ -2938,7 +2938,7 @@
           <a:p>
             <a:fld id="{609C88DF-570F-4829-B751-3E93E7A10B2F}" type="datetimeFigureOut">
               <a:rPr lang="he-IL" smtClean="0"/>
-              <a:t>כ"ד/טבת/תשפ"ב</a:t>
+              <a:t>ו'/שבט/תשפ"ב</a:t>
             </a:fld>
             <a:endParaRPr lang="he-IL"/>
           </a:p>
@@ -23550,10 +23550,10 @@
       </p:grpSpPr>
       <p:grpSp>
         <p:nvGrpSpPr>
-          <p:cNvPr id="113" name="Group 112">
+          <p:cNvPr id="66" name="Group 65">
             <a:extLst>
               <a:ext uri="{FF2B5EF4-FFF2-40B4-BE49-F238E27FC236}">
-                <a16:creationId xmlns:a16="http://schemas.microsoft.com/office/drawing/2014/main" id="{46072241-626A-4116-9D5F-45C071DECAAB}"/>
+                <a16:creationId xmlns:a16="http://schemas.microsoft.com/office/drawing/2014/main" id="{DA163DC0-E01B-4B4F-B60F-BFDAA163E9FC}"/>
               </a:ext>
             </a:extLst>
           </p:cNvPr>
@@ -23562,708 +23562,1253 @@
         </p:nvGrpSpPr>
         <p:grpSpPr>
           <a:xfrm>
-            <a:off x="1487592" y="1083325"/>
-            <a:ext cx="9216816" cy="4691350"/>
-            <a:chOff x="1487592" y="1083325"/>
-            <a:chExt cx="9216816" cy="4691350"/>
+            <a:off x="737061" y="955506"/>
+            <a:ext cx="10717877" cy="4691350"/>
+            <a:chOff x="-13469" y="1083325"/>
+            <a:chExt cx="10717877" cy="4691350"/>
           </a:xfrm>
         </p:grpSpPr>
-        <p:grpSp>
-          <p:nvGrpSpPr>
-            <p:cNvPr id="111" name="Group 110">
-              <a:extLst>
-                <a:ext uri="{FF2B5EF4-FFF2-40B4-BE49-F238E27FC236}">
-                  <a16:creationId xmlns:a16="http://schemas.microsoft.com/office/drawing/2014/main" id="{AA419B5D-7D5B-46E3-A210-81E44968CB4E}"/>
-                </a:ext>
-              </a:extLst>
-            </p:cNvPr>
-            <p:cNvGrpSpPr/>
-            <p:nvPr/>
-          </p:nvGrpSpPr>
-          <p:grpSpPr>
+        <p:sp>
+          <p:nvSpPr>
+            <p:cNvPr id="2" name="Isosceles Triangle 1">
+              <a:extLst>
+                <a:ext uri="{FF2B5EF4-FFF2-40B4-BE49-F238E27FC236}">
+                  <a16:creationId xmlns:a16="http://schemas.microsoft.com/office/drawing/2014/main" id="{6A11F797-F563-4CDE-8C3F-0450B16EF178}"/>
+                </a:ext>
+              </a:extLst>
+            </p:cNvPr>
+            <p:cNvSpPr/>
+            <p:nvPr/>
+          </p:nvSpPr>
+          <p:spPr>
             <a:xfrm>
-              <a:off x="1487592" y="1083325"/>
-              <a:ext cx="9216816" cy="4691350"/>
-              <a:chOff x="2820647" y="676703"/>
-              <a:chExt cx="9216816" cy="4691350"/>
-            </a:xfrm>
-          </p:grpSpPr>
-          <p:sp>
-            <p:nvSpPr>
-              <p:cNvPr id="2" name="Isosceles Triangle 1">
-                <a:extLst>
-                  <a:ext uri="{FF2B5EF4-FFF2-40B4-BE49-F238E27FC236}">
-                    <a16:creationId xmlns:a16="http://schemas.microsoft.com/office/drawing/2014/main" id="{6A11F797-F563-4CDE-8C3F-0450B16EF178}"/>
-                  </a:ext>
-                </a:extLst>
-              </p:cNvPr>
-              <p:cNvSpPr/>
-              <p:nvPr/>
-            </p:nvSpPr>
-            <p:spPr>
-              <a:xfrm>
-                <a:off x="5587738" y="754144"/>
-                <a:ext cx="685800" cy="548640"/>
-              </a:xfrm>
-              <a:prstGeom prst="triangle">
-                <a:avLst/>
-              </a:prstGeom>
-              <a:solidFill>
-                <a:srgbClr val="0070C0"/>
-              </a:solidFill>
-              <a:ln w="25400">
-                <a:solidFill>
-                  <a:schemeClr val="tx1"/>
-                </a:solidFill>
-              </a:ln>
-            </p:spPr>
-            <p:style>
-              <a:lnRef idx="2">
-                <a:schemeClr val="accent1">
-                  <a:shade val="50000"/>
-                </a:schemeClr>
-              </a:lnRef>
-              <a:fillRef idx="1">
-                <a:schemeClr val="accent1"/>
-              </a:fillRef>
-              <a:effectRef idx="0">
-                <a:schemeClr val="accent1"/>
-              </a:effectRef>
-              <a:fontRef idx="minor">
-                <a:schemeClr val="lt1"/>
-              </a:fontRef>
-            </p:style>
-            <p:txBody>
-              <a:bodyPr rtlCol="1" anchor="ctr"/>
-              <a:lstStyle/>
-              <a:p>
-                <a:pPr algn="ctr"/>
-                <a:endParaRPr lang="he-IL"/>
-              </a:p>
-            </p:txBody>
-          </p:sp>
-          <p:sp>
-            <p:nvSpPr>
-              <p:cNvPr id="50" name="Isosceles Triangle 49">
-                <a:extLst>
-                  <a:ext uri="{FF2B5EF4-FFF2-40B4-BE49-F238E27FC236}">
-                    <a16:creationId xmlns:a16="http://schemas.microsoft.com/office/drawing/2014/main" id="{44CACD17-EB4B-487B-BF6B-026BCC73B346}"/>
-                  </a:ext>
-                </a:extLst>
-              </p:cNvPr>
-              <p:cNvSpPr/>
-              <p:nvPr/>
-            </p:nvSpPr>
-            <p:spPr>
-              <a:xfrm rot="10800000">
-                <a:off x="7799001" y="2042208"/>
-                <a:ext cx="685800" cy="548640"/>
-              </a:xfrm>
-              <a:prstGeom prst="triangle">
-                <a:avLst/>
-              </a:prstGeom>
-              <a:solidFill>
-                <a:srgbClr val="FF0000"/>
-              </a:solidFill>
-              <a:ln w="25400">
-                <a:solidFill>
-                  <a:schemeClr val="tx1"/>
-                </a:solidFill>
-              </a:ln>
-            </p:spPr>
-            <p:style>
-              <a:lnRef idx="2">
-                <a:schemeClr val="accent1">
-                  <a:shade val="50000"/>
-                </a:schemeClr>
-              </a:lnRef>
-              <a:fillRef idx="1">
-                <a:schemeClr val="accent1"/>
-              </a:fillRef>
-              <a:effectRef idx="0">
-                <a:schemeClr val="accent1"/>
-              </a:effectRef>
-              <a:fontRef idx="minor">
-                <a:schemeClr val="lt1"/>
-              </a:fontRef>
-            </p:style>
-            <p:txBody>
-              <a:bodyPr rtlCol="1" anchor="ctr"/>
-              <a:lstStyle/>
-              <a:p>
-                <a:pPr algn="ctr"/>
-                <a:endParaRPr lang="he-IL"/>
-              </a:p>
-            </p:txBody>
-          </p:sp>
-          <p:sp>
-            <p:nvSpPr>
-              <p:cNvPr id="52" name="Rectangle 51">
-                <a:extLst>
-                  <a:ext uri="{FF2B5EF4-FFF2-40B4-BE49-F238E27FC236}">
-                    <a16:creationId xmlns:a16="http://schemas.microsoft.com/office/drawing/2014/main" id="{333E295C-4C95-4C9A-98EB-A973C6E40A78}"/>
-                  </a:ext>
-                </a:extLst>
-              </p:cNvPr>
-              <p:cNvSpPr/>
-              <p:nvPr/>
-            </p:nvSpPr>
-            <p:spPr>
-              <a:xfrm>
-                <a:off x="6637612" y="4312921"/>
-                <a:ext cx="685800" cy="685800"/>
-              </a:xfrm>
-              <a:prstGeom prst="rect">
-                <a:avLst/>
-              </a:prstGeom>
-              <a:ln w="25400">
-                <a:solidFill>
-                  <a:schemeClr val="tx1"/>
-                </a:solidFill>
-              </a:ln>
-            </p:spPr>
-            <p:style>
-              <a:lnRef idx="2">
-                <a:schemeClr val="accent1">
-                  <a:shade val="50000"/>
-                </a:schemeClr>
-              </a:lnRef>
-              <a:fillRef idx="1">
-                <a:schemeClr val="accent1"/>
-              </a:fillRef>
-              <a:effectRef idx="0">
-                <a:schemeClr val="accent1"/>
-              </a:effectRef>
-              <a:fontRef idx="minor">
-                <a:schemeClr val="lt1"/>
-              </a:fontRef>
-            </p:style>
-            <p:txBody>
-              <a:bodyPr rtlCol="1" anchor="ctr"/>
-              <a:lstStyle/>
-              <a:p>
-                <a:pPr algn="ctr"/>
-                <a:endParaRPr lang="he-IL"/>
-              </a:p>
-            </p:txBody>
-          </p:sp>
-          <p:cxnSp>
-            <p:nvCxnSpPr>
-              <p:cNvPr id="5" name="Straight Connector 4">
-                <a:extLst>
-                  <a:ext uri="{FF2B5EF4-FFF2-40B4-BE49-F238E27FC236}">
-                    <a16:creationId xmlns:a16="http://schemas.microsoft.com/office/drawing/2014/main" id="{1925075F-8821-4439-8E38-6B77B1535AB1}"/>
-                  </a:ext>
-                </a:extLst>
-              </p:cNvPr>
-              <p:cNvCxnSpPr>
-                <a:cxnSpLocks/>
-                <a:stCxn id="2" idx="2"/>
-              </p:cNvCxnSpPr>
-              <p:nvPr/>
-            </p:nvCxnSpPr>
-            <p:spPr>
-              <a:xfrm flipH="1">
-                <a:off x="3619988" y="1302784"/>
-                <a:ext cx="1967750" cy="632673"/>
-              </a:xfrm>
-              <a:prstGeom prst="line">
-                <a:avLst/>
-              </a:prstGeom>
-              <a:ln w="25400">
-                <a:solidFill>
-                  <a:schemeClr val="tx1"/>
-                </a:solidFill>
-                <a:tailEnd type="none"/>
-              </a:ln>
-            </p:spPr>
-            <p:style>
-              <a:lnRef idx="1">
-                <a:schemeClr val="accent1"/>
-              </a:lnRef>
-              <a:fillRef idx="0">
-                <a:schemeClr val="accent1"/>
-              </a:fillRef>
-              <a:effectRef idx="0">
-                <a:schemeClr val="accent1"/>
-              </a:effectRef>
-              <a:fontRef idx="minor">
+              <a:off x="4254683" y="1160766"/>
+              <a:ext cx="685800" cy="548640"/>
+            </a:xfrm>
+            <a:prstGeom prst="triangle">
+              <a:avLst/>
+            </a:prstGeom>
+            <a:solidFill>
+              <a:srgbClr val="0070C0"/>
+            </a:solidFill>
+            <a:ln w="25400">
+              <a:solidFill>
                 <a:schemeClr val="tx1"/>
-              </a:fontRef>
-            </p:style>
-          </p:cxnSp>
-          <p:cxnSp>
-            <p:nvCxnSpPr>
-              <p:cNvPr id="55" name="Straight Connector 54">
-                <a:extLst>
-                  <a:ext uri="{FF2B5EF4-FFF2-40B4-BE49-F238E27FC236}">
-                    <a16:creationId xmlns:a16="http://schemas.microsoft.com/office/drawing/2014/main" id="{84A9E243-4E39-4807-BFB4-F7E80E7237F7}"/>
-                  </a:ext>
-                </a:extLst>
-              </p:cNvPr>
-              <p:cNvCxnSpPr>
-                <a:cxnSpLocks/>
-                <a:stCxn id="2" idx="4"/>
-                <a:endCxn id="50" idx="3"/>
-              </p:cNvCxnSpPr>
-              <p:nvPr/>
-            </p:nvCxnSpPr>
-            <p:spPr>
-              <a:xfrm>
-                <a:off x="6273538" y="1302784"/>
-                <a:ext cx="1868363" cy="739424"/>
-              </a:xfrm>
-              <a:prstGeom prst="line">
-                <a:avLst/>
-              </a:prstGeom>
-              <a:ln w="25400">
-                <a:solidFill>
-                  <a:schemeClr val="tx1"/>
-                </a:solidFill>
-                <a:headEnd type="none"/>
-                <a:tailEnd type="none"/>
-              </a:ln>
-            </p:spPr>
-            <p:style>
-              <a:lnRef idx="1">
-                <a:schemeClr val="accent1"/>
-              </a:lnRef>
-              <a:fillRef idx="0">
-                <a:schemeClr val="accent1"/>
-              </a:fillRef>
-              <a:effectRef idx="0">
-                <a:schemeClr val="accent1"/>
-              </a:effectRef>
-              <a:fontRef idx="minor">
+              </a:solidFill>
+            </a:ln>
+          </p:spPr>
+          <p:style>
+            <a:lnRef idx="2">
+              <a:schemeClr val="accent1">
+                <a:shade val="50000"/>
+              </a:schemeClr>
+            </a:lnRef>
+            <a:fillRef idx="1">
+              <a:schemeClr val="accent1"/>
+            </a:fillRef>
+            <a:effectRef idx="0">
+              <a:schemeClr val="accent1"/>
+            </a:effectRef>
+            <a:fontRef idx="minor">
+              <a:schemeClr val="lt1"/>
+            </a:fontRef>
+          </p:style>
+          <p:txBody>
+            <a:bodyPr rtlCol="1" anchor="ctr"/>
+            <a:lstStyle/>
+            <a:p>
+              <a:pPr algn="ctr"/>
+              <a:endParaRPr lang="he-IL"/>
+            </a:p>
+          </p:txBody>
+        </p:sp>
+        <p:sp>
+          <p:nvSpPr>
+            <p:cNvPr id="50" name="Isosceles Triangle 49">
+              <a:extLst>
+                <a:ext uri="{FF2B5EF4-FFF2-40B4-BE49-F238E27FC236}">
+                  <a16:creationId xmlns:a16="http://schemas.microsoft.com/office/drawing/2014/main" id="{44CACD17-EB4B-487B-BF6B-026BCC73B346}"/>
+                </a:ext>
+              </a:extLst>
+            </p:cNvPr>
+            <p:cNvSpPr/>
+            <p:nvPr/>
+          </p:nvSpPr>
+          <p:spPr>
+            <a:xfrm rot="10800000">
+              <a:off x="6465946" y="2448830"/>
+              <a:ext cx="685800" cy="548640"/>
+            </a:xfrm>
+            <a:prstGeom prst="triangle">
+              <a:avLst/>
+            </a:prstGeom>
+            <a:solidFill>
+              <a:srgbClr val="FF0000"/>
+            </a:solidFill>
+            <a:ln w="25400">
+              <a:solidFill>
                 <a:schemeClr val="tx1"/>
-              </a:fontRef>
-            </p:style>
-          </p:cxnSp>
-          <p:cxnSp>
-            <p:nvCxnSpPr>
-              <p:cNvPr id="64" name="Straight Connector 63">
-                <a:extLst>
-                  <a:ext uri="{FF2B5EF4-FFF2-40B4-BE49-F238E27FC236}">
-                    <a16:creationId xmlns:a16="http://schemas.microsoft.com/office/drawing/2014/main" id="{ABEE147E-B2E7-4C16-8B2B-6E1EFDBD6567}"/>
-                  </a:ext>
-                </a:extLst>
-              </p:cNvPr>
-              <p:cNvCxnSpPr>
-                <a:cxnSpLocks/>
-                <a:stCxn id="44" idx="0"/>
-                <a:endCxn id="50" idx="5"/>
-              </p:cNvCxnSpPr>
-              <p:nvPr/>
-            </p:nvCxnSpPr>
-            <p:spPr>
-              <a:xfrm flipV="1">
-                <a:off x="6980512" y="2316528"/>
-                <a:ext cx="989939" cy="702540"/>
-              </a:xfrm>
-              <a:prstGeom prst="line">
-                <a:avLst/>
-              </a:prstGeom>
-              <a:ln w="25400">
-                <a:solidFill>
-                  <a:schemeClr val="tx1"/>
-                </a:solidFill>
-                <a:headEnd type="none"/>
-              </a:ln>
-            </p:spPr>
-            <p:style>
-              <a:lnRef idx="1">
-                <a:schemeClr val="accent1"/>
-              </a:lnRef>
-              <a:fillRef idx="0">
-                <a:schemeClr val="accent1"/>
-              </a:fillRef>
-              <a:effectRef idx="0">
-                <a:schemeClr val="accent1"/>
-              </a:effectRef>
-              <a:fontRef idx="minor">
+              </a:solidFill>
+            </a:ln>
+          </p:spPr>
+          <p:style>
+            <a:lnRef idx="2">
+              <a:schemeClr val="accent1">
+                <a:shade val="50000"/>
+              </a:schemeClr>
+            </a:lnRef>
+            <a:fillRef idx="1">
+              <a:schemeClr val="accent1"/>
+            </a:fillRef>
+            <a:effectRef idx="0">
+              <a:schemeClr val="accent1"/>
+            </a:effectRef>
+            <a:fontRef idx="minor">
+              <a:schemeClr val="lt1"/>
+            </a:fontRef>
+          </p:style>
+          <p:txBody>
+            <a:bodyPr rtlCol="1" anchor="ctr"/>
+            <a:lstStyle/>
+            <a:p>
+              <a:pPr algn="ctr"/>
+              <a:endParaRPr lang="he-IL" dirty="0"/>
+            </a:p>
+          </p:txBody>
+        </p:sp>
+        <p:sp>
+          <p:nvSpPr>
+            <p:cNvPr id="52" name="Rectangle 51">
+              <a:extLst>
+                <a:ext uri="{FF2B5EF4-FFF2-40B4-BE49-F238E27FC236}">
+                  <a16:creationId xmlns:a16="http://schemas.microsoft.com/office/drawing/2014/main" id="{333E295C-4C95-4C9A-98EB-A973C6E40A78}"/>
+                </a:ext>
+              </a:extLst>
+            </p:cNvPr>
+            <p:cNvSpPr/>
+            <p:nvPr/>
+          </p:nvSpPr>
+          <p:spPr>
+            <a:xfrm>
+              <a:off x="5304557" y="4719543"/>
+              <a:ext cx="685800" cy="685800"/>
+            </a:xfrm>
+            <a:prstGeom prst="rect">
+              <a:avLst/>
+            </a:prstGeom>
+            <a:ln w="25400">
+              <a:solidFill>
                 <a:schemeClr val="tx1"/>
-              </a:fontRef>
-            </p:style>
-          </p:cxnSp>
-          <p:cxnSp>
-            <p:nvCxnSpPr>
-              <p:cNvPr id="67" name="Straight Connector 66">
-                <a:extLst>
-                  <a:ext uri="{FF2B5EF4-FFF2-40B4-BE49-F238E27FC236}">
-                    <a16:creationId xmlns:a16="http://schemas.microsoft.com/office/drawing/2014/main" id="{85BB5E8E-008A-4BC4-B89A-DF90B4A77FA0}"/>
-                  </a:ext>
-                </a:extLst>
-              </p:cNvPr>
-              <p:cNvCxnSpPr>
-                <a:cxnSpLocks/>
-                <a:endCxn id="50" idx="1"/>
-              </p:cNvCxnSpPr>
-              <p:nvPr/>
-            </p:nvCxnSpPr>
-            <p:spPr>
-              <a:xfrm flipH="1" flipV="1">
-                <a:off x="8313351" y="2316528"/>
-                <a:ext cx="980802" cy="665498"/>
-              </a:xfrm>
-              <a:prstGeom prst="line">
-                <a:avLst/>
-              </a:prstGeom>
-              <a:ln w="25400">
-                <a:solidFill>
-                  <a:schemeClr val="tx1"/>
-                </a:solidFill>
-                <a:headEnd type="none"/>
-                <a:tailEnd type="none"/>
-              </a:ln>
-            </p:spPr>
-            <p:style>
-              <a:lnRef idx="1">
-                <a:schemeClr val="accent1"/>
-              </a:lnRef>
-              <a:fillRef idx="0">
-                <a:schemeClr val="accent1"/>
-              </a:fillRef>
-              <a:effectRef idx="0">
-                <a:schemeClr val="accent1"/>
-              </a:effectRef>
-              <a:fontRef idx="minor">
+              </a:solidFill>
+            </a:ln>
+          </p:spPr>
+          <p:style>
+            <a:lnRef idx="2">
+              <a:schemeClr val="accent1">
+                <a:shade val="50000"/>
+              </a:schemeClr>
+            </a:lnRef>
+            <a:fillRef idx="1">
+              <a:schemeClr val="accent1"/>
+            </a:fillRef>
+            <a:effectRef idx="0">
+              <a:schemeClr val="accent1"/>
+            </a:effectRef>
+            <a:fontRef idx="minor">
+              <a:schemeClr val="lt1"/>
+            </a:fontRef>
+          </p:style>
+          <p:txBody>
+            <a:bodyPr rtlCol="1" anchor="ctr"/>
+            <a:lstStyle/>
+            <a:p>
+              <a:pPr algn="ctr"/>
+              <a:endParaRPr lang="he-IL"/>
+            </a:p>
+          </p:txBody>
+        </p:sp>
+        <p:cxnSp>
+          <p:nvCxnSpPr>
+            <p:cNvPr id="5" name="Straight Connector 4">
+              <a:extLst>
+                <a:ext uri="{FF2B5EF4-FFF2-40B4-BE49-F238E27FC236}">
+                  <a16:creationId xmlns:a16="http://schemas.microsoft.com/office/drawing/2014/main" id="{1925075F-8821-4439-8E38-6B77B1535AB1}"/>
+                </a:ext>
+              </a:extLst>
+            </p:cNvPr>
+            <p:cNvCxnSpPr>
+              <a:cxnSpLocks/>
+              <a:stCxn id="2" idx="2"/>
+              <a:endCxn id="29" idx="3"/>
+            </p:cNvCxnSpPr>
+            <p:nvPr/>
+          </p:nvCxnSpPr>
+          <p:spPr>
+            <a:xfrm flipH="1">
+              <a:off x="2251595" y="1709406"/>
+              <a:ext cx="2003088" cy="741628"/>
+            </a:xfrm>
+            <a:prstGeom prst="line">
+              <a:avLst/>
+            </a:prstGeom>
+            <a:ln w="25400">
+              <a:solidFill>
                 <a:schemeClr val="tx1"/>
-              </a:fontRef>
-            </p:style>
-          </p:cxnSp>
-          <p:sp>
-            <p:nvSpPr>
-              <p:cNvPr id="19" name="TextBox 18">
-                <a:extLst>
-                  <a:ext uri="{FF2B5EF4-FFF2-40B4-BE49-F238E27FC236}">
-                    <a16:creationId xmlns:a16="http://schemas.microsoft.com/office/drawing/2014/main" id="{F5D4EAF9-6850-439D-A061-9416AB5D49B7}"/>
-                  </a:ext>
-                </a:extLst>
-              </p:cNvPr>
-              <p:cNvSpPr txBox="1"/>
-              <p:nvPr/>
-            </p:nvSpPr>
-            <p:spPr>
-              <a:xfrm>
-                <a:off x="10923322" y="2360120"/>
-                <a:ext cx="1114141" cy="369332"/>
-              </a:xfrm>
-              <a:prstGeom prst="rect">
-                <a:avLst/>
-              </a:prstGeom>
-              <a:noFill/>
-            </p:spPr>
-            <p:txBody>
-              <a:bodyPr wrap="square" rtlCol="1">
-                <a:spAutoFit/>
-              </a:bodyPr>
-              <a:lstStyle/>
-              <a:p>
-                <a:r>
-                  <a:rPr lang="en-US" dirty="0">
+              </a:solidFill>
+              <a:tailEnd type="none"/>
+            </a:ln>
+          </p:spPr>
+          <p:style>
+            <a:lnRef idx="1">
+              <a:schemeClr val="accent1"/>
+            </a:lnRef>
+            <a:fillRef idx="0">
+              <a:schemeClr val="accent1"/>
+            </a:fillRef>
+            <a:effectRef idx="0">
+              <a:schemeClr val="accent1"/>
+            </a:effectRef>
+            <a:fontRef idx="minor">
+              <a:schemeClr val="tx1"/>
+            </a:fontRef>
+          </p:style>
+        </p:cxnSp>
+        <p:cxnSp>
+          <p:nvCxnSpPr>
+            <p:cNvPr id="55" name="Straight Connector 54">
+              <a:extLst>
+                <a:ext uri="{FF2B5EF4-FFF2-40B4-BE49-F238E27FC236}">
+                  <a16:creationId xmlns:a16="http://schemas.microsoft.com/office/drawing/2014/main" id="{84A9E243-4E39-4807-BFB4-F7E80E7237F7}"/>
+                </a:ext>
+              </a:extLst>
+            </p:cNvPr>
+            <p:cNvCxnSpPr>
+              <a:cxnSpLocks/>
+              <a:stCxn id="2" idx="4"/>
+              <a:endCxn id="50" idx="3"/>
+            </p:cNvCxnSpPr>
+            <p:nvPr/>
+          </p:nvCxnSpPr>
+          <p:spPr>
+            <a:xfrm>
+              <a:off x="4940483" y="1709406"/>
+              <a:ext cx="1868363" cy="739424"/>
+            </a:xfrm>
+            <a:prstGeom prst="line">
+              <a:avLst/>
+            </a:prstGeom>
+            <a:ln w="25400">
+              <a:solidFill>
+                <a:schemeClr val="tx1"/>
+              </a:solidFill>
+              <a:headEnd type="none"/>
+              <a:tailEnd type="none"/>
+            </a:ln>
+          </p:spPr>
+          <p:style>
+            <a:lnRef idx="1">
+              <a:schemeClr val="accent1"/>
+            </a:lnRef>
+            <a:fillRef idx="0">
+              <a:schemeClr val="accent1"/>
+            </a:fillRef>
+            <a:effectRef idx="0">
+              <a:schemeClr val="accent1"/>
+            </a:effectRef>
+            <a:fontRef idx="minor">
+              <a:schemeClr val="tx1"/>
+            </a:fontRef>
+          </p:style>
+        </p:cxnSp>
+        <p:cxnSp>
+          <p:nvCxnSpPr>
+            <p:cNvPr id="64" name="Straight Connector 63">
+              <a:extLst>
+                <a:ext uri="{FF2B5EF4-FFF2-40B4-BE49-F238E27FC236}">
+                  <a16:creationId xmlns:a16="http://schemas.microsoft.com/office/drawing/2014/main" id="{ABEE147E-B2E7-4C16-8B2B-6E1EFDBD6567}"/>
+                </a:ext>
+              </a:extLst>
+            </p:cNvPr>
+            <p:cNvCxnSpPr>
+              <a:cxnSpLocks/>
+              <a:stCxn id="44" idx="0"/>
+              <a:endCxn id="50" idx="5"/>
+            </p:cNvCxnSpPr>
+            <p:nvPr/>
+          </p:nvCxnSpPr>
+          <p:spPr>
+            <a:xfrm flipV="1">
+              <a:off x="5647457" y="2723150"/>
+              <a:ext cx="989939" cy="665498"/>
+            </a:xfrm>
+            <a:prstGeom prst="line">
+              <a:avLst/>
+            </a:prstGeom>
+            <a:ln w="25400">
+              <a:solidFill>
+                <a:schemeClr val="tx1"/>
+              </a:solidFill>
+              <a:headEnd type="none"/>
+            </a:ln>
+          </p:spPr>
+          <p:style>
+            <a:lnRef idx="1">
+              <a:schemeClr val="accent1"/>
+            </a:lnRef>
+            <a:fillRef idx="0">
+              <a:schemeClr val="accent1"/>
+            </a:fillRef>
+            <a:effectRef idx="0">
+              <a:schemeClr val="accent1"/>
+            </a:effectRef>
+            <a:fontRef idx="minor">
+              <a:schemeClr val="tx1"/>
+            </a:fontRef>
+          </p:style>
+        </p:cxnSp>
+        <p:cxnSp>
+          <p:nvCxnSpPr>
+            <p:cNvPr id="67" name="Straight Connector 66">
+              <a:extLst>
+                <a:ext uri="{FF2B5EF4-FFF2-40B4-BE49-F238E27FC236}">
+                  <a16:creationId xmlns:a16="http://schemas.microsoft.com/office/drawing/2014/main" id="{85BB5E8E-008A-4BC4-B89A-DF90B4A77FA0}"/>
+                </a:ext>
+              </a:extLst>
+            </p:cNvPr>
+            <p:cNvCxnSpPr>
+              <a:cxnSpLocks/>
+              <a:endCxn id="50" idx="1"/>
+            </p:cNvCxnSpPr>
+            <p:nvPr/>
+          </p:nvCxnSpPr>
+          <p:spPr>
+            <a:xfrm flipH="1" flipV="1">
+              <a:off x="6980296" y="2723150"/>
+              <a:ext cx="980802" cy="665498"/>
+            </a:xfrm>
+            <a:prstGeom prst="line">
+              <a:avLst/>
+            </a:prstGeom>
+            <a:ln w="25400">
+              <a:solidFill>
+                <a:schemeClr val="tx1"/>
+              </a:solidFill>
+              <a:headEnd type="none"/>
+              <a:tailEnd type="none"/>
+            </a:ln>
+          </p:spPr>
+          <p:style>
+            <a:lnRef idx="1">
+              <a:schemeClr val="accent1"/>
+            </a:lnRef>
+            <a:fillRef idx="0">
+              <a:schemeClr val="accent1"/>
+            </a:fillRef>
+            <a:effectRef idx="0">
+              <a:schemeClr val="accent1"/>
+            </a:effectRef>
+            <a:fontRef idx="minor">
+              <a:schemeClr val="tx1"/>
+            </a:fontRef>
+          </p:style>
+        </p:cxnSp>
+        <p:sp>
+          <p:nvSpPr>
+            <p:cNvPr id="19" name="TextBox 18">
+              <a:extLst>
+                <a:ext uri="{FF2B5EF4-FFF2-40B4-BE49-F238E27FC236}">
+                  <a16:creationId xmlns:a16="http://schemas.microsoft.com/office/drawing/2014/main" id="{F5D4EAF9-6850-439D-A061-9416AB5D49B7}"/>
+                </a:ext>
+              </a:extLst>
+            </p:cNvPr>
+            <p:cNvSpPr txBox="1"/>
+            <p:nvPr/>
+          </p:nvSpPr>
+          <p:spPr>
+            <a:xfrm>
+              <a:off x="9590267" y="2766742"/>
+              <a:ext cx="1114141" cy="369332"/>
+            </a:xfrm>
+            <a:prstGeom prst="rect">
+              <a:avLst/>
+            </a:prstGeom>
+            <a:noFill/>
+          </p:spPr>
+          <p:txBody>
+            <a:bodyPr wrap="square" rtlCol="1">
+              <a:spAutoFit/>
+            </a:bodyPr>
+            <a:lstStyle/>
+            <a:p>
+              <a:r>
+                <a:rPr lang="en-US" dirty="0">
+                  <a:latin typeface="David" panose="020E0502060401010101" pitchFamily="34" charset="-79"/>
+                  <a:cs typeface="David" panose="020E0502060401010101" pitchFamily="34" charset="-79"/>
+                </a:rPr>
+                <a:t>LEAF</a:t>
+              </a:r>
+              <a:endParaRPr lang="he-IL" dirty="0">
+                <a:latin typeface="David" panose="020E0502060401010101" pitchFamily="34" charset="-79"/>
+                <a:cs typeface="David" panose="020E0502060401010101" pitchFamily="34" charset="-79"/>
+              </a:endParaRPr>
+            </a:p>
+          </p:txBody>
+        </p:sp>
+        <p:sp>
+          <p:nvSpPr>
+            <p:cNvPr id="79" name="TextBox 78">
+              <a:extLst>
+                <a:ext uri="{FF2B5EF4-FFF2-40B4-BE49-F238E27FC236}">
+                  <a16:creationId xmlns:a16="http://schemas.microsoft.com/office/drawing/2014/main" id="{6E0BEF9F-9D59-4EB7-8CA3-CD5F7CB75F72}"/>
+                </a:ext>
+              </a:extLst>
+            </p:cNvPr>
+            <p:cNvSpPr txBox="1"/>
+            <p:nvPr/>
+          </p:nvSpPr>
+          <p:spPr>
+            <a:xfrm>
+              <a:off x="9590267" y="1898344"/>
+              <a:ext cx="1114141" cy="369332"/>
+            </a:xfrm>
+            <a:prstGeom prst="rect">
+              <a:avLst/>
+            </a:prstGeom>
+            <a:noFill/>
+          </p:spPr>
+          <p:txBody>
+            <a:bodyPr wrap="square" rtlCol="1">
+              <a:spAutoFit/>
+            </a:bodyPr>
+            <a:lstStyle/>
+            <a:p>
+              <a:r>
+                <a:rPr lang="en-US" dirty="0">
+                  <a:latin typeface="David" panose="020E0502060401010101" pitchFamily="34" charset="-79"/>
+                  <a:cs typeface="David" panose="020E0502060401010101" pitchFamily="34" charset="-79"/>
+                </a:rPr>
+                <a:t>MIN</a:t>
+              </a:r>
+              <a:endParaRPr lang="he-IL" dirty="0">
+                <a:latin typeface="David" panose="020E0502060401010101" pitchFamily="34" charset="-79"/>
+                <a:cs typeface="David" panose="020E0502060401010101" pitchFamily="34" charset="-79"/>
+              </a:endParaRPr>
+            </a:p>
+          </p:txBody>
+        </p:sp>
+        <p:sp>
+          <p:nvSpPr>
+            <p:cNvPr id="83" name="Isosceles Triangle 82">
+              <a:extLst>
+                <a:ext uri="{FF2B5EF4-FFF2-40B4-BE49-F238E27FC236}">
+                  <a16:creationId xmlns:a16="http://schemas.microsoft.com/office/drawing/2014/main" id="{4FAC92D0-6C15-4479-B0F0-5E4B4CEADFA3}"/>
+                </a:ext>
+              </a:extLst>
+            </p:cNvPr>
+            <p:cNvSpPr/>
+            <p:nvPr/>
+          </p:nvSpPr>
+          <p:spPr>
+            <a:xfrm>
+              <a:off x="8701474" y="1083325"/>
+              <a:ext cx="685800" cy="548640"/>
+            </a:xfrm>
+            <a:prstGeom prst="triangle">
+              <a:avLst/>
+            </a:prstGeom>
+            <a:solidFill>
+              <a:srgbClr val="0070C0"/>
+            </a:solidFill>
+            <a:ln w="25400">
+              <a:solidFill>
+                <a:schemeClr val="tx1"/>
+              </a:solidFill>
+            </a:ln>
+          </p:spPr>
+          <p:style>
+            <a:lnRef idx="2">
+              <a:schemeClr val="accent1">
+                <a:shade val="50000"/>
+              </a:schemeClr>
+            </a:lnRef>
+            <a:fillRef idx="1">
+              <a:schemeClr val="accent1"/>
+            </a:fillRef>
+            <a:effectRef idx="0">
+              <a:schemeClr val="accent1"/>
+            </a:effectRef>
+            <a:fontRef idx="minor">
+              <a:schemeClr val="lt1"/>
+            </a:fontRef>
+          </p:style>
+          <p:txBody>
+            <a:bodyPr rtlCol="1" anchor="ctr"/>
+            <a:lstStyle/>
+            <a:p>
+              <a:pPr algn="ctr"/>
+              <a:endParaRPr lang="he-IL"/>
+            </a:p>
+          </p:txBody>
+        </p:sp>
+        <p:sp>
+          <p:nvSpPr>
+            <p:cNvPr id="85" name="Isosceles Triangle 84">
+              <a:extLst>
+                <a:ext uri="{FF2B5EF4-FFF2-40B4-BE49-F238E27FC236}">
+                  <a16:creationId xmlns:a16="http://schemas.microsoft.com/office/drawing/2014/main" id="{793C3994-8A68-4663-960C-3CF9EE5F7F2A}"/>
+                </a:ext>
+              </a:extLst>
+            </p:cNvPr>
+            <p:cNvSpPr/>
+            <p:nvPr/>
+          </p:nvSpPr>
+          <p:spPr>
+            <a:xfrm rot="10800000">
+              <a:off x="8701474" y="1900189"/>
+              <a:ext cx="685800" cy="548640"/>
+            </a:xfrm>
+            <a:prstGeom prst="triangle">
+              <a:avLst/>
+            </a:prstGeom>
+            <a:solidFill>
+              <a:srgbClr val="FF0000"/>
+            </a:solidFill>
+            <a:ln w="25400">
+              <a:solidFill>
+                <a:schemeClr val="tx1"/>
+              </a:solidFill>
+            </a:ln>
+          </p:spPr>
+          <p:style>
+            <a:lnRef idx="2">
+              <a:schemeClr val="accent1">
+                <a:shade val="50000"/>
+              </a:schemeClr>
+            </a:lnRef>
+            <a:fillRef idx="1">
+              <a:schemeClr val="accent1"/>
+            </a:fillRef>
+            <a:effectRef idx="0">
+              <a:schemeClr val="accent1"/>
+            </a:effectRef>
+            <a:fontRef idx="minor">
+              <a:schemeClr val="lt1"/>
+            </a:fontRef>
+          </p:style>
+          <p:txBody>
+            <a:bodyPr rtlCol="1" anchor="ctr"/>
+            <a:lstStyle/>
+            <a:p>
+              <a:pPr algn="ctr"/>
+              <a:endParaRPr lang="he-IL"/>
+            </a:p>
+          </p:txBody>
+        </p:sp>
+        <p:sp>
+          <p:nvSpPr>
+            <p:cNvPr id="86" name="Rectangle 85">
+              <a:extLst>
+                <a:ext uri="{FF2B5EF4-FFF2-40B4-BE49-F238E27FC236}">
+                  <a16:creationId xmlns:a16="http://schemas.microsoft.com/office/drawing/2014/main" id="{A02E479A-0575-4438-A0FC-797389076E2B}"/>
+                </a:ext>
+              </a:extLst>
+            </p:cNvPr>
+            <p:cNvSpPr/>
+            <p:nvPr/>
+          </p:nvSpPr>
+          <p:spPr>
+            <a:xfrm>
+              <a:off x="8701474" y="2678499"/>
+              <a:ext cx="685800" cy="685800"/>
+            </a:xfrm>
+            <a:prstGeom prst="rect">
+              <a:avLst/>
+            </a:prstGeom>
+            <a:ln w="25400">
+              <a:solidFill>
+                <a:schemeClr val="tx1"/>
+              </a:solidFill>
+            </a:ln>
+          </p:spPr>
+          <p:style>
+            <a:lnRef idx="2">
+              <a:schemeClr val="accent1">
+                <a:shade val="50000"/>
+              </a:schemeClr>
+            </a:lnRef>
+            <a:fillRef idx="1">
+              <a:schemeClr val="accent1"/>
+            </a:fillRef>
+            <a:effectRef idx="0">
+              <a:schemeClr val="accent1"/>
+            </a:effectRef>
+            <a:fontRef idx="minor">
+              <a:schemeClr val="lt1"/>
+            </a:fontRef>
+          </p:style>
+          <p:txBody>
+            <a:bodyPr rtlCol="1" anchor="ctr"/>
+            <a:lstStyle/>
+            <a:p>
+              <a:pPr algn="ctr"/>
+              <a:endParaRPr lang="he-IL"/>
+            </a:p>
+          </p:txBody>
+        </p:sp>
+        <p:sp>
+          <p:nvSpPr>
+            <p:cNvPr id="87" name="TextBox 86">
+              <a:extLst>
+                <a:ext uri="{FF2B5EF4-FFF2-40B4-BE49-F238E27FC236}">
+                  <a16:creationId xmlns:a16="http://schemas.microsoft.com/office/drawing/2014/main" id="{BC4A4F4A-1FFE-4D8B-AEB9-DC2FA23CAF10}"/>
+                </a:ext>
+              </a:extLst>
+            </p:cNvPr>
+            <p:cNvSpPr txBox="1"/>
+            <p:nvPr/>
+          </p:nvSpPr>
+          <p:spPr>
+            <a:xfrm>
+              <a:off x="9590267" y="1172979"/>
+              <a:ext cx="1114141" cy="369332"/>
+            </a:xfrm>
+            <a:prstGeom prst="rect">
+              <a:avLst/>
+            </a:prstGeom>
+            <a:noFill/>
+          </p:spPr>
+          <p:txBody>
+            <a:bodyPr wrap="square" rtlCol="1">
+              <a:spAutoFit/>
+            </a:bodyPr>
+            <a:lstStyle/>
+            <a:p>
+              <a:r>
+                <a:rPr lang="en-US" dirty="0">
+                  <a:latin typeface="David" panose="020E0502060401010101" pitchFamily="34" charset="-79"/>
+                  <a:cs typeface="David" panose="020E0502060401010101" pitchFamily="34" charset="-79"/>
+                </a:rPr>
+                <a:t>MAX</a:t>
+              </a:r>
+              <a:endParaRPr lang="he-IL" dirty="0">
+                <a:latin typeface="David" panose="020E0502060401010101" pitchFamily="34" charset="-79"/>
+                <a:cs typeface="David" panose="020E0502060401010101" pitchFamily="34" charset="-79"/>
+              </a:endParaRPr>
+            </a:p>
+          </p:txBody>
+        </p:sp>
+        <mc:AlternateContent xmlns:mc="http://schemas.openxmlformats.org/markup-compatibility/2006">
+          <mc:Choice xmlns:a14="http://schemas.microsoft.com/office/drawing/2010/main" Requires="a14">
+            <p:sp>
+              <p:nvSpPr>
+                <p:cNvPr id="32" name="TextBox 31">
+                  <a:extLst>
+                    <a:ext uri="{FF2B5EF4-FFF2-40B4-BE49-F238E27FC236}">
+                      <a16:creationId xmlns:a16="http://schemas.microsoft.com/office/drawing/2014/main" id="{4AC0FB76-6D95-4D05-987D-60D0669D9F93}"/>
+                    </a:ext>
+                  </a:extLst>
+                </p:cNvPr>
+                <p:cNvSpPr txBox="1"/>
+                <p:nvPr/>
+              </p:nvSpPr>
+              <p:spPr>
+                <a:xfrm>
+                  <a:off x="5071518" y="1102935"/>
+                  <a:ext cx="1371600" cy="646331"/>
+                </a:xfrm>
+                <a:prstGeom prst="rect">
+                  <a:avLst/>
+                </a:prstGeom>
+                <a:noFill/>
+              </p:spPr>
+              <p:txBody>
+                <a:bodyPr wrap="square" rtlCol="1">
+                  <a:spAutoFit/>
+                </a:bodyPr>
+                <a:lstStyle/>
+                <a:p>
+                  <a:r>
+                    <a:rPr lang="en-US" b="0" dirty="0">
+                      <a:latin typeface="David" panose="020E0502060401010101" pitchFamily="34" charset="-79"/>
+                      <a:cs typeface="David" panose="020E0502060401010101" pitchFamily="34" charset="-79"/>
+                    </a:rPr>
+                    <a:t>Alpha:100</a:t>
+                  </a:r>
+                </a:p>
+                <a:p>
+                  <a:r>
+                    <a:rPr lang="en-US" dirty="0">
+                      <a:latin typeface="David" panose="020E0502060401010101" pitchFamily="34" charset="-79"/>
+                      <a:cs typeface="David" panose="020E0502060401010101" pitchFamily="34" charset="-79"/>
+                    </a:rPr>
+                    <a:t>Beta:</a:t>
+                  </a:r>
+                  <a14:m>
+                    <m:oMath xmlns:m="http://schemas.openxmlformats.org/officeDocument/2006/math">
+                      <m:r>
+                        <a:rPr lang="en-US" b="0" i="1" dirty="0" smtClean="0">
+                          <a:latin typeface="Cambria Math" panose="02040503050406030204" pitchFamily="18" charset="0"/>
+                          <a:ea typeface="Cambria Math" panose="02040503050406030204" pitchFamily="18" charset="0"/>
+                          <a:cs typeface="David" panose="020E0502060401010101" pitchFamily="34" charset="-79"/>
+                        </a:rPr>
+                        <m:t>∞</m:t>
+                      </m:r>
+                    </m:oMath>
+                  </a14:m>
+                  <a:endParaRPr lang="en-US" b="0" dirty="0">
                     <a:latin typeface="David" panose="020E0502060401010101" pitchFamily="34" charset="-79"/>
                     <a:cs typeface="David" panose="020E0502060401010101" pitchFamily="34" charset="-79"/>
-                  </a:rPr>
-                  <a:t>LEAF</a:t>
-                </a:r>
-                <a:endParaRPr lang="he-IL" dirty="0">
+                  </a:endParaRPr>
+                </a:p>
+              </p:txBody>
+            </p:sp>
+          </mc:Choice>
+          <mc:Fallback>
+            <p:sp>
+              <p:nvSpPr>
+                <p:cNvPr id="32" name="TextBox 31">
+                  <a:extLst>
+                    <a:ext uri="{FF2B5EF4-FFF2-40B4-BE49-F238E27FC236}">
+                      <a16:creationId xmlns:a16="http://schemas.microsoft.com/office/drawing/2014/main" id="{4AC0FB76-6D95-4D05-987D-60D0669D9F93}"/>
+                    </a:ext>
+                  </a:extLst>
+                </p:cNvPr>
+                <p:cNvSpPr txBox="1">
+                  <a:spLocks noRot="1" noChangeAspect="1" noMove="1" noResize="1" noEditPoints="1" noAdjustHandles="1" noChangeArrowheads="1" noChangeShapeType="1" noTextEdit="1"/>
+                </p:cNvSpPr>
+                <p:nvPr/>
+              </p:nvSpPr>
+              <p:spPr>
+                <a:xfrm>
+                  <a:off x="5071518" y="1102935"/>
+                  <a:ext cx="1371600" cy="646331"/>
+                </a:xfrm>
+                <a:prstGeom prst="rect">
+                  <a:avLst/>
+                </a:prstGeom>
+                <a:blipFill>
+                  <a:blip r:embed="rId2"/>
+                  <a:stretch>
+                    <a:fillRect l="-3556" t="-5660" b="-14151"/>
+                  </a:stretch>
+                </a:blipFill>
+              </p:spPr>
+              <p:txBody>
+                <a:bodyPr/>
+                <a:lstStyle/>
+                <a:p>
+                  <a:r>
+                    <a:rPr lang="he-IL">
+                      <a:noFill/>
+                    </a:rPr>
+                    <a:t> </a:t>
+                  </a:r>
+                </a:p>
+              </p:txBody>
+            </p:sp>
+          </mc:Fallback>
+        </mc:AlternateContent>
+        <p:sp>
+          <p:nvSpPr>
+            <p:cNvPr id="28" name="TextBox 27">
+              <a:extLst>
+                <a:ext uri="{FF2B5EF4-FFF2-40B4-BE49-F238E27FC236}">
+                  <a16:creationId xmlns:a16="http://schemas.microsoft.com/office/drawing/2014/main" id="{1D14802D-4425-48EB-8356-0DECD2D03464}"/>
+                </a:ext>
+              </a:extLst>
+            </p:cNvPr>
+            <p:cNvSpPr txBox="1"/>
+            <p:nvPr/>
+          </p:nvSpPr>
+          <p:spPr>
+            <a:xfrm>
+              <a:off x="7206322" y="2264328"/>
+              <a:ext cx="1371600" cy="646331"/>
+            </a:xfrm>
+            <a:prstGeom prst="rect">
+              <a:avLst/>
+            </a:prstGeom>
+            <a:noFill/>
+          </p:spPr>
+          <p:txBody>
+            <a:bodyPr wrap="square" rtlCol="1">
+              <a:spAutoFit/>
+            </a:bodyPr>
+            <a:lstStyle/>
+            <a:p>
+              <a:r>
+                <a:rPr lang="en-US" b="0" dirty="0">
                   <a:latin typeface="David" panose="020E0502060401010101" pitchFamily="34" charset="-79"/>
                   <a:cs typeface="David" panose="020E0502060401010101" pitchFamily="34" charset="-79"/>
-                </a:endParaRPr>
-              </a:p>
-            </p:txBody>
-          </p:sp>
-          <p:sp>
-            <p:nvSpPr>
-              <p:cNvPr id="79" name="TextBox 78">
-                <a:extLst>
-                  <a:ext uri="{FF2B5EF4-FFF2-40B4-BE49-F238E27FC236}">
-                    <a16:creationId xmlns:a16="http://schemas.microsoft.com/office/drawing/2014/main" id="{6E0BEF9F-9D59-4EB7-8CA3-CD5F7CB75F72}"/>
-                  </a:ext>
-                </a:extLst>
-              </p:cNvPr>
-              <p:cNvSpPr txBox="1"/>
-              <p:nvPr/>
-            </p:nvSpPr>
-            <p:spPr>
-              <a:xfrm>
-                <a:off x="10923322" y="1491722"/>
-                <a:ext cx="1114141" cy="369332"/>
-              </a:xfrm>
-              <a:prstGeom prst="rect">
-                <a:avLst/>
-              </a:prstGeom>
-              <a:noFill/>
-            </p:spPr>
-            <p:txBody>
-              <a:bodyPr wrap="square" rtlCol="1">
-                <a:spAutoFit/>
-              </a:bodyPr>
-              <a:lstStyle/>
-              <a:p>
-                <a:r>
-                  <a:rPr lang="en-US" dirty="0">
+                </a:rPr>
+                <a:t>Alpha:100</a:t>
+              </a:r>
+            </a:p>
+            <a:p>
+              <a:r>
+                <a:rPr lang="en-US" dirty="0">
+                  <a:latin typeface="David" panose="020E0502060401010101" pitchFamily="34" charset="-79"/>
+                  <a:cs typeface="David" panose="020E0502060401010101" pitchFamily="34" charset="-79"/>
+                </a:rPr>
+                <a:t>Beta:100</a:t>
+              </a:r>
+              <a:endParaRPr lang="en-US" b="0" dirty="0">
+                <a:latin typeface="David" panose="020E0502060401010101" pitchFamily="34" charset="-79"/>
+                <a:cs typeface="David" panose="020E0502060401010101" pitchFamily="34" charset="-79"/>
+              </a:endParaRPr>
+            </a:p>
+          </p:txBody>
+        </p:sp>
+        <p:cxnSp>
+          <p:nvCxnSpPr>
+            <p:cNvPr id="30" name="Straight Connector 29">
+              <a:extLst>
+                <a:ext uri="{FF2B5EF4-FFF2-40B4-BE49-F238E27FC236}">
+                  <a16:creationId xmlns:a16="http://schemas.microsoft.com/office/drawing/2014/main" id="{B1ECC9EA-6A0F-4669-A589-E3645ED152F5}"/>
+                </a:ext>
+              </a:extLst>
+            </p:cNvPr>
+            <p:cNvCxnSpPr>
+              <a:cxnSpLocks/>
+            </p:cNvCxnSpPr>
+            <p:nvPr/>
+          </p:nvCxnSpPr>
+          <p:spPr>
+            <a:xfrm flipV="1">
+              <a:off x="7262737" y="2835941"/>
+              <a:ext cx="568737" cy="665493"/>
+            </a:xfrm>
+            <a:prstGeom prst="line">
+              <a:avLst/>
+            </a:prstGeom>
+            <a:ln w="63500">
+              <a:solidFill>
+                <a:srgbClr val="FF0000"/>
+              </a:solidFill>
+            </a:ln>
+          </p:spPr>
+          <p:style>
+            <a:lnRef idx="1">
+              <a:schemeClr val="accent1"/>
+            </a:lnRef>
+            <a:fillRef idx="0">
+              <a:schemeClr val="accent1"/>
+            </a:fillRef>
+            <a:effectRef idx="0">
+              <a:schemeClr val="accent1"/>
+            </a:effectRef>
+            <a:fontRef idx="minor">
+              <a:schemeClr val="tx1"/>
+            </a:fontRef>
+          </p:style>
+        </p:cxnSp>
+        <p:sp>
+          <p:nvSpPr>
+            <p:cNvPr id="44" name="Isosceles Triangle 43">
+              <a:extLst>
+                <a:ext uri="{FF2B5EF4-FFF2-40B4-BE49-F238E27FC236}">
+                  <a16:creationId xmlns:a16="http://schemas.microsoft.com/office/drawing/2014/main" id="{EB4062B8-B2BC-4645-8054-4F7DA7872922}"/>
+                </a:ext>
+              </a:extLst>
+            </p:cNvPr>
+            <p:cNvSpPr/>
+            <p:nvPr/>
+          </p:nvSpPr>
+          <p:spPr>
+            <a:xfrm>
+              <a:off x="5304557" y="3388648"/>
+              <a:ext cx="685800" cy="548640"/>
+            </a:xfrm>
+            <a:prstGeom prst="triangle">
+              <a:avLst/>
+            </a:prstGeom>
+            <a:solidFill>
+              <a:srgbClr val="0070C0"/>
+            </a:solidFill>
+            <a:ln w="25400">
+              <a:solidFill>
+                <a:schemeClr val="tx1"/>
+              </a:solidFill>
+            </a:ln>
+          </p:spPr>
+          <p:style>
+            <a:lnRef idx="2">
+              <a:schemeClr val="accent1">
+                <a:shade val="50000"/>
+              </a:schemeClr>
+            </a:lnRef>
+            <a:fillRef idx="1">
+              <a:schemeClr val="accent1"/>
+            </a:fillRef>
+            <a:effectRef idx="0">
+              <a:schemeClr val="accent1"/>
+            </a:effectRef>
+            <a:fontRef idx="minor">
+              <a:schemeClr val="lt1"/>
+            </a:fontRef>
+          </p:style>
+          <p:txBody>
+            <a:bodyPr rtlCol="1" anchor="ctr"/>
+            <a:lstStyle/>
+            <a:p>
+              <a:pPr algn="ctr"/>
+              <a:endParaRPr lang="he-IL"/>
+            </a:p>
+          </p:txBody>
+        </p:sp>
+        <p:cxnSp>
+          <p:nvCxnSpPr>
+            <p:cNvPr id="73" name="Straight Connector 72">
+              <a:extLst>
+                <a:ext uri="{FF2B5EF4-FFF2-40B4-BE49-F238E27FC236}">
+                  <a16:creationId xmlns:a16="http://schemas.microsoft.com/office/drawing/2014/main" id="{1453DA4C-9F08-42E7-93D2-FDA6CC9D103C}"/>
+                </a:ext>
+              </a:extLst>
+            </p:cNvPr>
+            <p:cNvCxnSpPr>
+              <a:cxnSpLocks/>
+              <a:stCxn id="52" idx="0"/>
+              <a:endCxn id="97" idx="2"/>
+            </p:cNvCxnSpPr>
+            <p:nvPr/>
+          </p:nvCxnSpPr>
+          <p:spPr>
+            <a:xfrm flipH="1" flipV="1">
+              <a:off x="5643715" y="3899563"/>
+              <a:ext cx="3742" cy="819980"/>
+            </a:xfrm>
+            <a:prstGeom prst="line">
+              <a:avLst/>
+            </a:prstGeom>
+            <a:ln w="25400">
+              <a:solidFill>
+                <a:schemeClr val="tx1"/>
+              </a:solidFill>
+            </a:ln>
+          </p:spPr>
+          <p:style>
+            <a:lnRef idx="1">
+              <a:schemeClr val="accent1"/>
+            </a:lnRef>
+            <a:fillRef idx="0">
+              <a:schemeClr val="accent1"/>
+            </a:fillRef>
+            <a:effectRef idx="0">
+              <a:schemeClr val="accent1"/>
+            </a:effectRef>
+            <a:fontRef idx="minor">
+              <a:schemeClr val="tx1"/>
+            </a:fontRef>
+          </p:style>
+        </p:cxnSp>
+        <mc:AlternateContent xmlns:mc="http://schemas.openxmlformats.org/markup-compatibility/2006">
+          <mc:Choice xmlns:a14="http://schemas.microsoft.com/office/drawing/2010/main" Requires="a14">
+            <p:sp>
+              <p:nvSpPr>
+                <p:cNvPr id="90" name="TextBox 89">
+                  <a:extLst>
+                    <a:ext uri="{FF2B5EF4-FFF2-40B4-BE49-F238E27FC236}">
+                      <a16:creationId xmlns:a16="http://schemas.microsoft.com/office/drawing/2014/main" id="{F8C9AD82-3C3A-494D-9BA4-A283AEE4C996}"/>
+                    </a:ext>
+                  </a:extLst>
+                </p:cNvPr>
+                <p:cNvSpPr txBox="1"/>
+                <p:nvPr/>
+              </p:nvSpPr>
+              <p:spPr>
+                <a:xfrm>
+                  <a:off x="4956871" y="5405343"/>
+                  <a:ext cx="1371600" cy="369332"/>
+                </a:xfrm>
+                <a:prstGeom prst="rect">
+                  <a:avLst/>
+                </a:prstGeom>
+                <a:noFill/>
+              </p:spPr>
+              <p:txBody>
+                <a:bodyPr wrap="square" rtlCol="1">
+                  <a:spAutoFit/>
+                </a:bodyPr>
+                <a:lstStyle/>
+                <a:p>
+                  <a:pPr/>
+                  <a14:m>
+                    <m:oMathPara xmlns:m="http://schemas.openxmlformats.org/officeDocument/2006/math">
+                      <m:oMathParaPr>
+                        <m:jc m:val="centerGroup"/>
+                      </m:oMathParaPr>
+                      <m:oMath xmlns:m="http://schemas.openxmlformats.org/officeDocument/2006/math">
+                        <m:r>
+                          <a:rPr lang="en-US" b="0" i="1" smtClean="0">
+                            <a:latin typeface="Cambria Math" panose="02040503050406030204" pitchFamily="18" charset="0"/>
+                          </a:rPr>
+                          <m:t>𝑢</m:t>
+                        </m:r>
+                        <m:r>
+                          <a:rPr lang="en-US" b="0" i="1" smtClean="0">
+                            <a:latin typeface="Cambria Math" panose="02040503050406030204" pitchFamily="18" charset="0"/>
+                          </a:rPr>
+                          <m:t>=</m:t>
+                        </m:r>
+                        <m:r>
+                          <a:rPr lang="en-US" b="0" i="1" smtClean="0">
+                            <a:latin typeface="Cambria Math" panose="02040503050406030204" pitchFamily="18" charset="0"/>
+                          </a:rPr>
+                          <m:t>100</m:t>
+                        </m:r>
+                      </m:oMath>
+                    </m:oMathPara>
+                  </a14:m>
+                  <a:endParaRPr lang="he-IL" dirty="0"/>
+                </a:p>
+              </p:txBody>
+            </p:sp>
+          </mc:Choice>
+          <mc:Fallback>
+            <p:sp>
+              <p:nvSpPr>
+                <p:cNvPr id="90" name="TextBox 89">
+                  <a:extLst>
+                    <a:ext uri="{FF2B5EF4-FFF2-40B4-BE49-F238E27FC236}">
+                      <a16:creationId xmlns:a16="http://schemas.microsoft.com/office/drawing/2014/main" id="{F8C9AD82-3C3A-494D-9BA4-A283AEE4C996}"/>
+                    </a:ext>
+                  </a:extLst>
+                </p:cNvPr>
+                <p:cNvSpPr txBox="1">
+                  <a:spLocks noRot="1" noChangeAspect="1" noMove="1" noResize="1" noEditPoints="1" noAdjustHandles="1" noChangeArrowheads="1" noChangeShapeType="1" noTextEdit="1"/>
+                </p:cNvSpPr>
+                <p:nvPr/>
+              </p:nvSpPr>
+              <p:spPr>
+                <a:xfrm>
+                  <a:off x="4956871" y="5405343"/>
+                  <a:ext cx="1371600" cy="369332"/>
+                </a:xfrm>
+                <a:prstGeom prst="rect">
+                  <a:avLst/>
+                </a:prstGeom>
+                <a:blipFill>
+                  <a:blip r:embed="rId3"/>
+                  <a:stretch>
+                    <a:fillRect/>
+                  </a:stretch>
+                </a:blipFill>
+              </p:spPr>
+              <p:txBody>
+                <a:bodyPr/>
+                <a:lstStyle/>
+                <a:p>
+                  <a:r>
+                    <a:rPr lang="he-IL">
+                      <a:noFill/>
+                    </a:rPr>
+                    <a:t> </a:t>
+                  </a:r>
+                </a:p>
+              </p:txBody>
+            </p:sp>
+          </mc:Fallback>
+        </mc:AlternateContent>
+        <p:sp>
+          <p:nvSpPr>
+            <p:cNvPr id="97" name="TextBox 96">
+              <a:extLst>
+                <a:ext uri="{FF2B5EF4-FFF2-40B4-BE49-F238E27FC236}">
+                  <a16:creationId xmlns:a16="http://schemas.microsoft.com/office/drawing/2014/main" id="{0BB38F54-C0AC-4223-864C-75126843B2C2}"/>
+                </a:ext>
+              </a:extLst>
+            </p:cNvPr>
+            <p:cNvSpPr txBox="1"/>
+            <p:nvPr/>
+          </p:nvSpPr>
+          <p:spPr>
+            <a:xfrm>
+              <a:off x="5399538" y="3530231"/>
+              <a:ext cx="488353" cy="369332"/>
+            </a:xfrm>
+            <a:prstGeom prst="rect">
+              <a:avLst/>
+            </a:prstGeom>
+            <a:noFill/>
+          </p:spPr>
+          <p:txBody>
+            <a:bodyPr wrap="square" rtlCol="1">
+              <a:spAutoFit/>
+            </a:bodyPr>
+            <a:lstStyle/>
+            <a:p>
+              <a:r>
+                <a:rPr lang="en-US" b="0" dirty="0">
+                  <a:latin typeface="David" panose="020E0502060401010101" pitchFamily="34" charset="-79"/>
+                  <a:cs typeface="David" panose="020E0502060401010101" pitchFamily="34" charset="-79"/>
+                </a:rPr>
+                <a:t>100</a:t>
+              </a:r>
+            </a:p>
+          </p:txBody>
+        </p:sp>
+        <mc:AlternateContent xmlns:mc="http://schemas.openxmlformats.org/markup-compatibility/2006">
+          <mc:Choice xmlns:a14="http://schemas.microsoft.com/office/drawing/2010/main" Requires="a14">
+            <p:sp>
+              <p:nvSpPr>
+                <p:cNvPr id="105" name="TextBox 104">
+                  <a:extLst>
+                    <a:ext uri="{FF2B5EF4-FFF2-40B4-BE49-F238E27FC236}">
+                      <a16:creationId xmlns:a16="http://schemas.microsoft.com/office/drawing/2014/main" id="{9577912A-E62C-4FD9-8B07-19FD3427E08D}"/>
+                    </a:ext>
+                  </a:extLst>
+                </p:cNvPr>
+                <p:cNvSpPr txBox="1"/>
+                <p:nvPr/>
+              </p:nvSpPr>
+              <p:spPr>
+                <a:xfrm>
+                  <a:off x="5954830" y="3370672"/>
+                  <a:ext cx="1371600" cy="646331"/>
+                </a:xfrm>
+                <a:prstGeom prst="rect">
+                  <a:avLst/>
+                </a:prstGeom>
+                <a:noFill/>
+              </p:spPr>
+              <p:txBody>
+                <a:bodyPr wrap="square" rtlCol="1">
+                  <a:spAutoFit/>
+                </a:bodyPr>
+                <a:lstStyle/>
+                <a:p>
+                  <a:r>
+                    <a:rPr lang="en-US" b="0" dirty="0">
+                      <a:latin typeface="David" panose="020E0502060401010101" pitchFamily="34" charset="-79"/>
+                      <a:cs typeface="David" panose="020E0502060401010101" pitchFamily="34" charset="-79"/>
+                    </a:rPr>
+                    <a:t>Alpha:100</a:t>
+                  </a:r>
+                </a:p>
+                <a:p>
+                  <a:r>
+                    <a:rPr lang="en-US" dirty="0">
+                      <a:latin typeface="David" panose="020E0502060401010101" pitchFamily="34" charset="-79"/>
+                      <a:cs typeface="David" panose="020E0502060401010101" pitchFamily="34" charset="-79"/>
+                    </a:rPr>
+                    <a:t>Beta:</a:t>
+                  </a:r>
+                  <a14:m>
+                    <m:oMath xmlns:m="http://schemas.openxmlformats.org/officeDocument/2006/math">
+                      <m:r>
+                        <a:rPr lang="en-US" b="0" i="1" smtClean="0">
+                          <a:latin typeface="Cambria Math" panose="02040503050406030204" pitchFamily="18" charset="0"/>
+                          <a:cs typeface="David" panose="020E0502060401010101" pitchFamily="34" charset="-79"/>
+                        </a:rPr>
+                        <m:t>−</m:t>
+                      </m:r>
+                      <m:r>
+                        <a:rPr lang="en-US" b="0" i="1" smtClean="0">
+                          <a:latin typeface="Cambria Math" panose="02040503050406030204" pitchFamily="18" charset="0"/>
+                          <a:ea typeface="Cambria Math" panose="02040503050406030204" pitchFamily="18" charset="0"/>
+                          <a:cs typeface="David" panose="020E0502060401010101" pitchFamily="34" charset="-79"/>
+                        </a:rPr>
+                        <m:t>∞</m:t>
+                      </m:r>
+                    </m:oMath>
+                  </a14:m>
+                  <a:endParaRPr lang="en-US" b="0" dirty="0">
                     <a:latin typeface="David" panose="020E0502060401010101" pitchFamily="34" charset="-79"/>
                     <a:cs typeface="David" panose="020E0502060401010101" pitchFamily="34" charset="-79"/>
-                  </a:rPr>
-                  <a:t>MIN</a:t>
-                </a:r>
-                <a:endParaRPr lang="he-IL" dirty="0">
-                  <a:latin typeface="David" panose="020E0502060401010101" pitchFamily="34" charset="-79"/>
-                  <a:cs typeface="David" panose="020E0502060401010101" pitchFamily="34" charset="-79"/>
-                </a:endParaRPr>
-              </a:p>
-            </p:txBody>
-          </p:sp>
-          <p:sp>
-            <p:nvSpPr>
-              <p:cNvPr id="83" name="Isosceles Triangle 82">
-                <a:extLst>
-                  <a:ext uri="{FF2B5EF4-FFF2-40B4-BE49-F238E27FC236}">
-                    <a16:creationId xmlns:a16="http://schemas.microsoft.com/office/drawing/2014/main" id="{4FAC92D0-6C15-4479-B0F0-5E4B4CEADFA3}"/>
-                  </a:ext>
-                </a:extLst>
-              </p:cNvPr>
-              <p:cNvSpPr/>
-              <p:nvPr/>
-            </p:nvSpPr>
-            <p:spPr>
-              <a:xfrm>
-                <a:off x="10034529" y="676703"/>
-                <a:ext cx="685800" cy="548640"/>
-              </a:xfrm>
-              <a:prstGeom prst="triangle">
-                <a:avLst/>
-              </a:prstGeom>
-              <a:solidFill>
-                <a:srgbClr val="0070C0"/>
-              </a:solidFill>
-              <a:ln w="25400">
-                <a:solidFill>
-                  <a:schemeClr val="tx1"/>
-                </a:solidFill>
-              </a:ln>
-            </p:spPr>
-            <p:style>
-              <a:lnRef idx="2">
-                <a:schemeClr val="accent1">
-                  <a:shade val="50000"/>
-                </a:schemeClr>
-              </a:lnRef>
-              <a:fillRef idx="1">
-                <a:schemeClr val="accent1"/>
-              </a:fillRef>
-              <a:effectRef idx="0">
-                <a:schemeClr val="accent1"/>
-              </a:effectRef>
-              <a:fontRef idx="minor">
-                <a:schemeClr val="lt1"/>
-              </a:fontRef>
-            </p:style>
-            <p:txBody>
-              <a:bodyPr rtlCol="1" anchor="ctr"/>
-              <a:lstStyle/>
-              <a:p>
-                <a:pPr algn="ctr"/>
-                <a:endParaRPr lang="he-IL"/>
-              </a:p>
-            </p:txBody>
-          </p:sp>
-          <p:sp>
-            <p:nvSpPr>
-              <p:cNvPr id="85" name="Isosceles Triangle 84">
-                <a:extLst>
-                  <a:ext uri="{FF2B5EF4-FFF2-40B4-BE49-F238E27FC236}">
-                    <a16:creationId xmlns:a16="http://schemas.microsoft.com/office/drawing/2014/main" id="{793C3994-8A68-4663-960C-3CF9EE5F7F2A}"/>
-                  </a:ext>
-                </a:extLst>
-              </p:cNvPr>
-              <p:cNvSpPr/>
-              <p:nvPr/>
-            </p:nvSpPr>
-            <p:spPr>
-              <a:xfrm rot="10800000">
-                <a:off x="10034529" y="1493567"/>
-                <a:ext cx="685800" cy="548640"/>
-              </a:xfrm>
-              <a:prstGeom prst="triangle">
-                <a:avLst/>
-              </a:prstGeom>
-              <a:solidFill>
-                <a:srgbClr val="FF0000"/>
-              </a:solidFill>
-              <a:ln w="25400">
-                <a:solidFill>
-                  <a:schemeClr val="tx1"/>
-                </a:solidFill>
-              </a:ln>
-            </p:spPr>
-            <p:style>
-              <a:lnRef idx="2">
-                <a:schemeClr val="accent1">
-                  <a:shade val="50000"/>
-                </a:schemeClr>
-              </a:lnRef>
-              <a:fillRef idx="1">
-                <a:schemeClr val="accent1"/>
-              </a:fillRef>
-              <a:effectRef idx="0">
-                <a:schemeClr val="accent1"/>
-              </a:effectRef>
-              <a:fontRef idx="minor">
-                <a:schemeClr val="lt1"/>
-              </a:fontRef>
-            </p:style>
-            <p:txBody>
-              <a:bodyPr rtlCol="1" anchor="ctr"/>
-              <a:lstStyle/>
-              <a:p>
-                <a:pPr algn="ctr"/>
-                <a:endParaRPr lang="he-IL"/>
-              </a:p>
-            </p:txBody>
-          </p:sp>
-          <p:sp>
-            <p:nvSpPr>
-              <p:cNvPr id="86" name="Rectangle 85">
-                <a:extLst>
-                  <a:ext uri="{FF2B5EF4-FFF2-40B4-BE49-F238E27FC236}">
-                    <a16:creationId xmlns:a16="http://schemas.microsoft.com/office/drawing/2014/main" id="{A02E479A-0575-4438-A0FC-797389076E2B}"/>
-                  </a:ext>
-                </a:extLst>
-              </p:cNvPr>
-              <p:cNvSpPr/>
-              <p:nvPr/>
-            </p:nvSpPr>
-            <p:spPr>
-              <a:xfrm>
-                <a:off x="10034529" y="2271877"/>
-                <a:ext cx="685800" cy="685800"/>
-              </a:xfrm>
-              <a:prstGeom prst="rect">
-                <a:avLst/>
-              </a:prstGeom>
-              <a:ln w="25400">
-                <a:solidFill>
-                  <a:schemeClr val="tx1"/>
-                </a:solidFill>
-              </a:ln>
-            </p:spPr>
-            <p:style>
-              <a:lnRef idx="2">
-                <a:schemeClr val="accent1">
-                  <a:shade val="50000"/>
-                </a:schemeClr>
-              </a:lnRef>
-              <a:fillRef idx="1">
-                <a:schemeClr val="accent1"/>
-              </a:fillRef>
-              <a:effectRef idx="0">
-                <a:schemeClr val="accent1"/>
-              </a:effectRef>
-              <a:fontRef idx="minor">
-                <a:schemeClr val="lt1"/>
-              </a:fontRef>
-            </p:style>
-            <p:txBody>
-              <a:bodyPr rtlCol="1" anchor="ctr"/>
-              <a:lstStyle/>
-              <a:p>
-                <a:pPr algn="ctr"/>
-                <a:endParaRPr lang="he-IL"/>
-              </a:p>
-            </p:txBody>
-          </p:sp>
-          <p:sp>
-            <p:nvSpPr>
-              <p:cNvPr id="87" name="TextBox 86">
-                <a:extLst>
-                  <a:ext uri="{FF2B5EF4-FFF2-40B4-BE49-F238E27FC236}">
-                    <a16:creationId xmlns:a16="http://schemas.microsoft.com/office/drawing/2014/main" id="{BC4A4F4A-1FFE-4D8B-AEB9-DC2FA23CAF10}"/>
-                  </a:ext>
-                </a:extLst>
-              </p:cNvPr>
-              <p:cNvSpPr txBox="1"/>
-              <p:nvPr/>
-            </p:nvSpPr>
-            <p:spPr>
-              <a:xfrm>
-                <a:off x="10923322" y="766357"/>
-                <a:ext cx="1114141" cy="369332"/>
-              </a:xfrm>
-              <a:prstGeom prst="rect">
-                <a:avLst/>
-              </a:prstGeom>
-              <a:noFill/>
-            </p:spPr>
-            <p:txBody>
-              <a:bodyPr wrap="square" rtlCol="1">
-                <a:spAutoFit/>
-              </a:bodyPr>
-              <a:lstStyle/>
-              <a:p>
-                <a:r>
-                  <a:rPr lang="en-US" dirty="0">
-                    <a:latin typeface="David" panose="020E0502060401010101" pitchFamily="34" charset="-79"/>
-                    <a:cs typeface="David" panose="020E0502060401010101" pitchFamily="34" charset="-79"/>
-                  </a:rPr>
-                  <a:t>MAX</a:t>
-                </a:r>
-                <a:endParaRPr lang="he-IL" dirty="0">
-                  <a:latin typeface="David" panose="020E0502060401010101" pitchFamily="34" charset="-79"/>
-                  <a:cs typeface="David" panose="020E0502060401010101" pitchFamily="34" charset="-79"/>
-                </a:endParaRPr>
-              </a:p>
-            </p:txBody>
-          </p:sp>
-          <mc:AlternateContent xmlns:mc="http://schemas.openxmlformats.org/markup-compatibility/2006">
-            <mc:Choice xmlns:a14="http://schemas.microsoft.com/office/drawing/2010/main" Requires="a14">
-              <p:sp>
-                <p:nvSpPr>
-                  <p:cNvPr id="32" name="TextBox 31">
-                    <a:extLst>
-                      <a:ext uri="{FF2B5EF4-FFF2-40B4-BE49-F238E27FC236}">
-                        <a16:creationId xmlns:a16="http://schemas.microsoft.com/office/drawing/2014/main" id="{4AC0FB76-6D95-4D05-987D-60D0669D9F93}"/>
-                      </a:ext>
-                    </a:extLst>
-                  </p:cNvPr>
-                  <p:cNvSpPr txBox="1"/>
-                  <p:nvPr/>
-                </p:nvSpPr>
-                <p:spPr>
-                  <a:xfrm>
-                    <a:off x="6404573" y="696313"/>
-                    <a:ext cx="1371600" cy="646331"/>
-                  </a:xfrm>
-                  <a:prstGeom prst="rect">
-                    <a:avLst/>
-                  </a:prstGeom>
-                  <a:noFill/>
-                </p:spPr>
-                <p:txBody>
-                  <a:bodyPr wrap="square" rtlCol="1">
-                    <a:spAutoFit/>
-                  </a:bodyPr>
-                  <a:lstStyle/>
-                  <a:p>
-                    <a:r>
-                      <a:rPr lang="en-US" b="0" dirty="0">
-                        <a:latin typeface="David" panose="020E0502060401010101" pitchFamily="34" charset="-79"/>
-                        <a:cs typeface="David" panose="020E0502060401010101" pitchFamily="34" charset="-79"/>
-                      </a:rPr>
-                      <a:t>Alpha:6</a:t>
-                    </a:r>
-                  </a:p>
-                  <a:p>
-                    <a:r>
-                      <a:rPr lang="en-US" dirty="0">
-                        <a:latin typeface="David" panose="020E0502060401010101" pitchFamily="34" charset="-79"/>
-                        <a:cs typeface="David" panose="020E0502060401010101" pitchFamily="34" charset="-79"/>
-                      </a:rPr>
-                      <a:t>Beta:</a:t>
-                    </a:r>
-                    <a14:m>
+                  </a:endParaRPr>
+                </a:p>
+              </p:txBody>
+            </p:sp>
+          </mc:Choice>
+          <mc:Fallback>
+            <p:sp>
+              <p:nvSpPr>
+                <p:cNvPr id="105" name="TextBox 104">
+                  <a:extLst>
+                    <a:ext uri="{FF2B5EF4-FFF2-40B4-BE49-F238E27FC236}">
+                      <a16:creationId xmlns:a16="http://schemas.microsoft.com/office/drawing/2014/main" id="{9577912A-E62C-4FD9-8B07-19FD3427E08D}"/>
+                    </a:ext>
+                  </a:extLst>
+                </p:cNvPr>
+                <p:cNvSpPr txBox="1">
+                  <a:spLocks noRot="1" noChangeAspect="1" noMove="1" noResize="1" noEditPoints="1" noAdjustHandles="1" noChangeArrowheads="1" noChangeShapeType="1" noTextEdit="1"/>
+                </p:cNvSpPr>
+                <p:nvPr/>
+              </p:nvSpPr>
+              <p:spPr>
+                <a:xfrm>
+                  <a:off x="5954830" y="3370672"/>
+                  <a:ext cx="1371600" cy="646331"/>
+                </a:xfrm>
+                <a:prstGeom prst="rect">
+                  <a:avLst/>
+                </a:prstGeom>
+                <a:blipFill>
+                  <a:blip r:embed="rId4"/>
+                  <a:stretch>
+                    <a:fillRect l="-4000" t="-5660" b="-14151"/>
+                  </a:stretch>
+                </a:blipFill>
+              </p:spPr>
+              <p:txBody>
+                <a:bodyPr/>
+                <a:lstStyle/>
+                <a:p>
+                  <a:r>
+                    <a:rPr lang="he-IL">
+                      <a:noFill/>
+                    </a:rPr>
+                    <a:t> </a:t>
+                  </a:r>
+                </a:p>
+              </p:txBody>
+            </p:sp>
+          </mc:Fallback>
+        </mc:AlternateContent>
+        <mc:AlternateContent xmlns:mc="http://schemas.openxmlformats.org/markup-compatibility/2006">
+          <mc:Choice xmlns:a14="http://schemas.microsoft.com/office/drawing/2010/main" Requires="a14">
+            <p:sp>
+              <p:nvSpPr>
+                <p:cNvPr id="109" name="TextBox 108">
+                  <a:extLst>
+                    <a:ext uri="{FF2B5EF4-FFF2-40B4-BE49-F238E27FC236}">
+                      <a16:creationId xmlns:a16="http://schemas.microsoft.com/office/drawing/2014/main" id="{5CA7155C-48CF-42C7-9AAF-F044A0EAC69B}"/>
+                    </a:ext>
+                  </a:extLst>
+                </p:cNvPr>
+                <p:cNvSpPr txBox="1"/>
+                <p:nvPr/>
+              </p:nvSpPr>
+              <p:spPr>
+                <a:xfrm>
+                  <a:off x="6123046" y="2435066"/>
+                  <a:ext cx="1371600" cy="369332"/>
+                </a:xfrm>
+                <a:prstGeom prst="rect">
+                  <a:avLst/>
+                </a:prstGeom>
+                <a:noFill/>
+              </p:spPr>
+              <p:txBody>
+                <a:bodyPr wrap="square" rtlCol="1">
+                  <a:spAutoFit/>
+                </a:bodyPr>
+                <a:lstStyle/>
+                <a:p>
+                  <a:pPr/>
+                  <a14:m>
+                    <m:oMathPara xmlns:m="http://schemas.openxmlformats.org/officeDocument/2006/math">
+                      <m:oMathParaPr>
+                        <m:jc m:val="centerGroup"/>
+                      </m:oMathParaPr>
                       <m:oMath xmlns:m="http://schemas.openxmlformats.org/officeDocument/2006/math">
+                        <m:r>
+                          <a:rPr lang="en-US" b="0" i="1" dirty="0" smtClean="0">
+                            <a:latin typeface="Cambria Math" panose="02040503050406030204" pitchFamily="18" charset="0"/>
+                            <a:cs typeface="David" panose="020E0502060401010101" pitchFamily="34" charset="-79"/>
+                          </a:rPr>
+                          <m:t>−</m:t>
+                        </m:r>
                         <m:r>
                           <a:rPr lang="en-US" b="0" i="1" dirty="0" smtClean="0">
                             <a:latin typeface="Cambria Math" panose="02040503050406030204" pitchFamily="18" charset="0"/>
@@ -24273,771 +24818,61 @@
                           <m:t>∞</m:t>
                         </m:r>
                       </m:oMath>
-                    </a14:m>
-                    <a:endParaRPr lang="en-US" b="0" dirty="0">
-                      <a:latin typeface="David" panose="020E0502060401010101" pitchFamily="34" charset="-79"/>
-                      <a:cs typeface="David" panose="020E0502060401010101" pitchFamily="34" charset="-79"/>
-                    </a:endParaRPr>
-                  </a:p>
-                </p:txBody>
-              </p:sp>
-            </mc:Choice>
-            <mc:Fallback>
-              <p:sp>
-                <p:nvSpPr>
-                  <p:cNvPr id="32" name="TextBox 31">
-                    <a:extLst>
-                      <a:ext uri="{FF2B5EF4-FFF2-40B4-BE49-F238E27FC236}">
-                        <a16:creationId xmlns:a16="http://schemas.microsoft.com/office/drawing/2014/main" id="{4AC0FB76-6D95-4D05-987D-60D0669D9F93}"/>
-                      </a:ext>
-                    </a:extLst>
-                  </p:cNvPr>
-                  <p:cNvSpPr txBox="1">
-                    <a:spLocks noRot="1" noChangeAspect="1" noMove="1" noResize="1" noEditPoints="1" noAdjustHandles="1" noChangeArrowheads="1" noChangeShapeType="1" noTextEdit="1"/>
-                  </p:cNvSpPr>
-                  <p:nvPr/>
-                </p:nvSpPr>
-                <p:spPr>
-                  <a:xfrm>
-                    <a:off x="6404573" y="696313"/>
-                    <a:ext cx="1371600" cy="646331"/>
-                  </a:xfrm>
-                  <a:prstGeom prst="rect">
-                    <a:avLst/>
-                  </a:prstGeom>
-                  <a:blipFill>
-                    <a:blip r:embed="rId2"/>
-                    <a:stretch>
-                      <a:fillRect l="-4000" t="-5660" b="-14151"/>
-                    </a:stretch>
-                  </a:blipFill>
-                </p:spPr>
-                <p:txBody>
-                  <a:bodyPr/>
-                  <a:lstStyle/>
-                  <a:p>
-                    <a:r>
-                      <a:rPr lang="he-IL">
-                        <a:noFill/>
-                      </a:rPr>
-                      <a:t> </a:t>
-                    </a:r>
-                  </a:p>
-                </p:txBody>
-              </p:sp>
-            </mc:Fallback>
-          </mc:AlternateContent>
-          <p:sp>
-            <p:nvSpPr>
-              <p:cNvPr id="28" name="TextBox 27">
-                <a:extLst>
-                  <a:ext uri="{FF2B5EF4-FFF2-40B4-BE49-F238E27FC236}">
-                    <a16:creationId xmlns:a16="http://schemas.microsoft.com/office/drawing/2014/main" id="{1D14802D-4425-48EB-8356-0DECD2D03464}"/>
-                  </a:ext>
-                </a:extLst>
-              </p:cNvPr>
-              <p:cNvSpPr txBox="1"/>
-              <p:nvPr/>
-            </p:nvSpPr>
-            <p:spPr>
-              <a:xfrm>
-                <a:off x="8539377" y="1857706"/>
-                <a:ext cx="1371600" cy="646331"/>
-              </a:xfrm>
-              <a:prstGeom prst="rect">
-                <a:avLst/>
-              </a:prstGeom>
-              <a:noFill/>
-            </p:spPr>
-            <p:txBody>
-              <a:bodyPr wrap="square" rtlCol="1">
-                <a:spAutoFit/>
-              </a:bodyPr>
-              <a:lstStyle/>
-              <a:p>
-                <a:r>
-                  <a:rPr lang="en-US" b="0" dirty="0">
+                    </m:oMathPara>
+                  </a14:m>
+                  <a:endParaRPr lang="en-US" b="0" dirty="0">
                     <a:latin typeface="David" panose="020E0502060401010101" pitchFamily="34" charset="-79"/>
                     <a:cs typeface="David" panose="020E0502060401010101" pitchFamily="34" charset="-79"/>
-                  </a:rPr>
-                  <a:t>Alpha:6</a:t>
-                </a:r>
-              </a:p>
-              <a:p>
-                <a:r>
-                  <a:rPr lang="en-US" dirty="0">
-                    <a:latin typeface="David" panose="020E0502060401010101" pitchFamily="34" charset="-79"/>
-                    <a:cs typeface="David" panose="020E0502060401010101" pitchFamily="34" charset="-79"/>
-                  </a:rPr>
-                  <a:t>Beta:6</a:t>
-                </a:r>
-                <a:endParaRPr lang="en-US" b="0" dirty="0">
-                  <a:latin typeface="David" panose="020E0502060401010101" pitchFamily="34" charset="-79"/>
-                  <a:cs typeface="David" panose="020E0502060401010101" pitchFamily="34" charset="-79"/>
-                </a:endParaRPr>
-              </a:p>
-            </p:txBody>
-          </p:sp>
-          <p:cxnSp>
-            <p:nvCxnSpPr>
-              <p:cNvPr id="30" name="Straight Connector 29">
-                <a:extLst>
-                  <a:ext uri="{FF2B5EF4-FFF2-40B4-BE49-F238E27FC236}">
-                    <a16:creationId xmlns:a16="http://schemas.microsoft.com/office/drawing/2014/main" id="{B1ECC9EA-6A0F-4669-A589-E3645ED152F5}"/>
-                  </a:ext>
-                </a:extLst>
-              </p:cNvPr>
-              <p:cNvCxnSpPr>
-                <a:cxnSpLocks/>
-              </p:cNvCxnSpPr>
-              <p:nvPr/>
-            </p:nvCxnSpPr>
-            <p:spPr>
-              <a:xfrm flipV="1">
-                <a:off x="8595792" y="2429319"/>
-                <a:ext cx="568737" cy="665493"/>
-              </a:xfrm>
-              <a:prstGeom prst="line">
-                <a:avLst/>
-              </a:prstGeom>
-              <a:ln w="63500">
-                <a:solidFill>
-                  <a:srgbClr val="FF0000"/>
-                </a:solidFill>
-              </a:ln>
-            </p:spPr>
-            <p:style>
-              <a:lnRef idx="1">
-                <a:schemeClr val="accent1"/>
-              </a:lnRef>
-              <a:fillRef idx="0">
-                <a:schemeClr val="accent1"/>
-              </a:fillRef>
-              <a:effectRef idx="0">
-                <a:schemeClr val="accent1"/>
-              </a:effectRef>
-              <a:fontRef idx="minor">
-                <a:schemeClr val="tx1"/>
-              </a:fontRef>
-            </p:style>
-          </p:cxnSp>
-          <p:sp>
-            <p:nvSpPr>
-              <p:cNvPr id="44" name="Isosceles Triangle 43">
-                <a:extLst>
-                  <a:ext uri="{FF2B5EF4-FFF2-40B4-BE49-F238E27FC236}">
-                    <a16:creationId xmlns:a16="http://schemas.microsoft.com/office/drawing/2014/main" id="{EB4062B8-B2BC-4645-8054-4F7DA7872922}"/>
-                  </a:ext>
-                </a:extLst>
-              </p:cNvPr>
-              <p:cNvSpPr/>
-              <p:nvPr/>
-            </p:nvSpPr>
-            <p:spPr>
-              <a:xfrm>
-                <a:off x="6637612" y="3019068"/>
-                <a:ext cx="685800" cy="548640"/>
-              </a:xfrm>
-              <a:prstGeom prst="triangle">
-                <a:avLst/>
-              </a:prstGeom>
-              <a:solidFill>
-                <a:srgbClr val="0070C0"/>
-              </a:solidFill>
-              <a:ln w="25400">
-                <a:solidFill>
-                  <a:schemeClr val="tx1"/>
-                </a:solidFill>
-              </a:ln>
-            </p:spPr>
-            <p:style>
-              <a:lnRef idx="2">
-                <a:schemeClr val="accent1">
-                  <a:shade val="50000"/>
-                </a:schemeClr>
-              </a:lnRef>
-              <a:fillRef idx="1">
-                <a:schemeClr val="accent1"/>
-              </a:fillRef>
-              <a:effectRef idx="0">
-                <a:schemeClr val="accent1"/>
-              </a:effectRef>
-              <a:fontRef idx="minor">
-                <a:schemeClr val="lt1"/>
-              </a:fontRef>
-            </p:style>
-            <p:txBody>
-              <a:bodyPr rtlCol="1" anchor="ctr"/>
-              <a:lstStyle/>
-              <a:p>
-                <a:pPr algn="ctr"/>
-                <a:endParaRPr lang="he-IL"/>
-              </a:p>
-            </p:txBody>
-          </p:sp>
-          <p:cxnSp>
-            <p:nvCxnSpPr>
-              <p:cNvPr id="73" name="Straight Connector 72">
-                <a:extLst>
-                  <a:ext uri="{FF2B5EF4-FFF2-40B4-BE49-F238E27FC236}">
-                    <a16:creationId xmlns:a16="http://schemas.microsoft.com/office/drawing/2014/main" id="{1453DA4C-9F08-42E7-93D2-FDA6CC9D103C}"/>
-                  </a:ext>
-                </a:extLst>
-              </p:cNvPr>
-              <p:cNvCxnSpPr>
-                <a:cxnSpLocks/>
-                <a:stCxn id="52" idx="0"/>
-                <a:endCxn id="97" idx="2"/>
-              </p:cNvCxnSpPr>
-              <p:nvPr/>
-            </p:nvCxnSpPr>
-            <p:spPr>
-              <a:xfrm flipH="1" flipV="1">
-                <a:off x="6975727" y="3530666"/>
-                <a:ext cx="4785" cy="782255"/>
-              </a:xfrm>
-              <a:prstGeom prst="line">
-                <a:avLst/>
-              </a:prstGeom>
-              <a:ln w="25400">
-                <a:solidFill>
-                  <a:schemeClr val="tx1"/>
-                </a:solidFill>
-              </a:ln>
-            </p:spPr>
-            <p:style>
-              <a:lnRef idx="1">
-                <a:schemeClr val="accent1"/>
-              </a:lnRef>
-              <a:fillRef idx="0">
-                <a:schemeClr val="accent1"/>
-              </a:fillRef>
-              <a:effectRef idx="0">
-                <a:schemeClr val="accent1"/>
-              </a:effectRef>
-              <a:fontRef idx="minor">
-                <a:schemeClr val="tx1"/>
-              </a:fontRef>
-            </p:style>
-          </p:cxnSp>
-          <mc:AlternateContent xmlns:mc="http://schemas.openxmlformats.org/markup-compatibility/2006">
-            <mc:Choice xmlns:a14="http://schemas.microsoft.com/office/drawing/2010/main" Requires="a14">
-              <p:sp>
-                <p:nvSpPr>
-                  <p:cNvPr id="90" name="TextBox 89">
-                    <a:extLst>
-                      <a:ext uri="{FF2B5EF4-FFF2-40B4-BE49-F238E27FC236}">
-                        <a16:creationId xmlns:a16="http://schemas.microsoft.com/office/drawing/2014/main" id="{F8C9AD82-3C3A-494D-9BA4-A283AEE4C996}"/>
-                      </a:ext>
-                    </a:extLst>
-                  </p:cNvPr>
-                  <p:cNvSpPr txBox="1"/>
-                  <p:nvPr/>
-                </p:nvSpPr>
-                <p:spPr>
-                  <a:xfrm>
-                    <a:off x="6289926" y="4998721"/>
-                    <a:ext cx="1371600" cy="369332"/>
-                  </a:xfrm>
-                  <a:prstGeom prst="rect">
-                    <a:avLst/>
-                  </a:prstGeom>
-                  <a:noFill/>
-                </p:spPr>
-                <p:txBody>
-                  <a:bodyPr wrap="square" rtlCol="1">
-                    <a:spAutoFit/>
-                  </a:bodyPr>
-                  <a:lstStyle/>
-                  <a:p>
-                    <a:pPr/>
-                    <a14:m>
-                      <m:oMathPara xmlns:m="http://schemas.openxmlformats.org/officeDocument/2006/math">
-                        <m:oMathParaPr>
-                          <m:jc m:val="centerGroup"/>
-                        </m:oMathParaPr>
-                        <m:oMath xmlns:m="http://schemas.openxmlformats.org/officeDocument/2006/math">
-                          <m:r>
-                            <a:rPr lang="en-US" b="0" i="1" smtClean="0">
-                              <a:latin typeface="Cambria Math" panose="02040503050406030204" pitchFamily="18" charset="0"/>
-                            </a:rPr>
-                            <m:t>𝑢</m:t>
-                          </m:r>
-                          <m:r>
-                            <a:rPr lang="en-US" b="0" i="1" smtClean="0">
-                              <a:latin typeface="Cambria Math" panose="02040503050406030204" pitchFamily="18" charset="0"/>
-                            </a:rPr>
-                            <m:t>=</m:t>
-                          </m:r>
-                          <m:r>
-                            <a:rPr lang="en-US" b="0" i="1" smtClean="0">
-                              <a:latin typeface="Cambria Math" panose="02040503050406030204" pitchFamily="18" charset="0"/>
-                            </a:rPr>
-                            <m:t>6</m:t>
-                          </m:r>
-                        </m:oMath>
-                      </m:oMathPara>
-                    </a14:m>
-                    <a:endParaRPr lang="he-IL" dirty="0"/>
-                  </a:p>
-                </p:txBody>
-              </p:sp>
-            </mc:Choice>
-            <mc:Fallback>
-              <p:sp>
-                <p:nvSpPr>
-                  <p:cNvPr id="90" name="TextBox 89">
-                    <a:extLst>
-                      <a:ext uri="{FF2B5EF4-FFF2-40B4-BE49-F238E27FC236}">
-                        <a16:creationId xmlns:a16="http://schemas.microsoft.com/office/drawing/2014/main" id="{F8C9AD82-3C3A-494D-9BA4-A283AEE4C996}"/>
-                      </a:ext>
-                    </a:extLst>
-                  </p:cNvPr>
-                  <p:cNvSpPr txBox="1">
-                    <a:spLocks noRot="1" noChangeAspect="1" noMove="1" noResize="1" noEditPoints="1" noAdjustHandles="1" noChangeArrowheads="1" noChangeShapeType="1" noTextEdit="1"/>
-                  </p:cNvSpPr>
-                  <p:nvPr/>
-                </p:nvSpPr>
-                <p:spPr>
-                  <a:xfrm>
-                    <a:off x="6289926" y="4998721"/>
-                    <a:ext cx="1371600" cy="369332"/>
-                  </a:xfrm>
-                  <a:prstGeom prst="rect">
-                    <a:avLst/>
-                  </a:prstGeom>
-                  <a:blipFill>
-                    <a:blip r:embed="rId3"/>
-                    <a:stretch>
-                      <a:fillRect/>
-                    </a:stretch>
-                  </a:blipFill>
-                </p:spPr>
-                <p:txBody>
-                  <a:bodyPr/>
-                  <a:lstStyle/>
-                  <a:p>
-                    <a:r>
-                      <a:rPr lang="he-IL">
-                        <a:noFill/>
-                      </a:rPr>
-                      <a:t> </a:t>
-                    </a:r>
-                  </a:p>
-                </p:txBody>
-              </p:sp>
-            </mc:Fallback>
-          </mc:AlternateContent>
-          <p:sp>
-            <p:nvSpPr>
-              <p:cNvPr id="97" name="TextBox 96">
-                <a:extLst>
-                  <a:ext uri="{FF2B5EF4-FFF2-40B4-BE49-F238E27FC236}">
-                    <a16:creationId xmlns:a16="http://schemas.microsoft.com/office/drawing/2014/main" id="{0BB38F54-C0AC-4223-864C-75126843B2C2}"/>
-                  </a:ext>
-                </a:extLst>
-              </p:cNvPr>
-              <p:cNvSpPr txBox="1"/>
-              <p:nvPr/>
-            </p:nvSpPr>
-            <p:spPr>
-              <a:xfrm>
-                <a:off x="6825488" y="3161334"/>
-                <a:ext cx="300477" cy="369332"/>
-              </a:xfrm>
-              <a:prstGeom prst="rect">
-                <a:avLst/>
-              </a:prstGeom>
-              <a:noFill/>
-            </p:spPr>
-            <p:txBody>
-              <a:bodyPr wrap="square" rtlCol="1">
-                <a:spAutoFit/>
-              </a:bodyPr>
-              <a:lstStyle/>
-              <a:p>
-                <a:r>
-                  <a:rPr lang="en-US" b="0" dirty="0">
-                    <a:latin typeface="David" panose="020E0502060401010101" pitchFamily="34" charset="-79"/>
-                    <a:cs typeface="David" panose="020E0502060401010101" pitchFamily="34" charset="-79"/>
-                  </a:rPr>
-                  <a:t>6</a:t>
-                </a:r>
-              </a:p>
-            </p:txBody>
-          </p:sp>
-          <mc:AlternateContent xmlns:mc="http://schemas.openxmlformats.org/markup-compatibility/2006">
-            <mc:Choice xmlns:a14="http://schemas.microsoft.com/office/drawing/2010/main" Requires="a14">
-              <p:sp>
-                <p:nvSpPr>
-                  <p:cNvPr id="105" name="TextBox 104">
-                    <a:extLst>
-                      <a:ext uri="{FF2B5EF4-FFF2-40B4-BE49-F238E27FC236}">
-                        <a16:creationId xmlns:a16="http://schemas.microsoft.com/office/drawing/2014/main" id="{9577912A-E62C-4FD9-8B07-19FD3427E08D}"/>
-                      </a:ext>
-                    </a:extLst>
-                  </p:cNvPr>
-                  <p:cNvSpPr txBox="1"/>
-                  <p:nvPr/>
-                </p:nvSpPr>
-                <p:spPr>
-                  <a:xfrm>
-                    <a:off x="7287885" y="2964050"/>
-                    <a:ext cx="1371600" cy="646331"/>
-                  </a:xfrm>
-                  <a:prstGeom prst="rect">
-                    <a:avLst/>
-                  </a:prstGeom>
-                  <a:noFill/>
-                </p:spPr>
-                <p:txBody>
-                  <a:bodyPr wrap="square" rtlCol="1">
-                    <a:spAutoFit/>
-                  </a:bodyPr>
-                  <a:lstStyle/>
-                  <a:p>
-                    <a:r>
-                      <a:rPr lang="en-US" b="0" dirty="0">
-                        <a:latin typeface="David" panose="020E0502060401010101" pitchFamily="34" charset="-79"/>
-                        <a:cs typeface="David" panose="020E0502060401010101" pitchFamily="34" charset="-79"/>
-                      </a:rPr>
-                      <a:t>Alpha:6</a:t>
-                    </a:r>
-                  </a:p>
-                  <a:p>
-                    <a:r>
-                      <a:rPr lang="en-US" dirty="0">
-                        <a:latin typeface="David" panose="020E0502060401010101" pitchFamily="34" charset="-79"/>
-                        <a:cs typeface="David" panose="020E0502060401010101" pitchFamily="34" charset="-79"/>
-                      </a:rPr>
-                      <a:t>Beta:</a:t>
-                    </a:r>
-                    <a14:m>
-                      <m:oMath xmlns:m="http://schemas.openxmlformats.org/officeDocument/2006/math">
-                        <m:r>
-                          <a:rPr lang="en-US" b="0" i="1" smtClean="0">
-                            <a:latin typeface="Cambria Math" panose="02040503050406030204" pitchFamily="18" charset="0"/>
-                            <a:cs typeface="David" panose="020E0502060401010101" pitchFamily="34" charset="-79"/>
-                          </a:rPr>
-                          <m:t>−</m:t>
-                        </m:r>
-                        <m:r>
-                          <a:rPr lang="en-US" b="0" i="1" smtClean="0">
-                            <a:latin typeface="Cambria Math" panose="02040503050406030204" pitchFamily="18" charset="0"/>
-                            <a:ea typeface="Cambria Math" panose="02040503050406030204" pitchFamily="18" charset="0"/>
-                            <a:cs typeface="David" panose="020E0502060401010101" pitchFamily="34" charset="-79"/>
-                          </a:rPr>
-                          <m:t>∞</m:t>
-                        </m:r>
-                      </m:oMath>
-                    </a14:m>
-                    <a:endParaRPr lang="en-US" b="0" dirty="0">
-                      <a:latin typeface="David" panose="020E0502060401010101" pitchFamily="34" charset="-79"/>
-                      <a:cs typeface="David" panose="020E0502060401010101" pitchFamily="34" charset="-79"/>
-                    </a:endParaRPr>
-                  </a:p>
-                </p:txBody>
-              </p:sp>
-            </mc:Choice>
-            <mc:Fallback>
-              <p:sp>
-                <p:nvSpPr>
-                  <p:cNvPr id="105" name="TextBox 104">
-                    <a:extLst>
-                      <a:ext uri="{FF2B5EF4-FFF2-40B4-BE49-F238E27FC236}">
-                        <a16:creationId xmlns:a16="http://schemas.microsoft.com/office/drawing/2014/main" id="{9577912A-E62C-4FD9-8B07-19FD3427E08D}"/>
-                      </a:ext>
-                    </a:extLst>
-                  </p:cNvPr>
-                  <p:cNvSpPr txBox="1">
-                    <a:spLocks noRot="1" noChangeAspect="1" noMove="1" noResize="1" noEditPoints="1" noAdjustHandles="1" noChangeArrowheads="1" noChangeShapeType="1" noTextEdit="1"/>
-                  </p:cNvSpPr>
-                  <p:nvPr/>
-                </p:nvSpPr>
-                <p:spPr>
-                  <a:xfrm>
-                    <a:off x="7287885" y="2964050"/>
-                    <a:ext cx="1371600" cy="646331"/>
-                  </a:xfrm>
-                  <a:prstGeom prst="rect">
-                    <a:avLst/>
-                  </a:prstGeom>
-                  <a:blipFill>
-                    <a:blip r:embed="rId4"/>
-                    <a:stretch>
-                      <a:fillRect l="-4000" t="-5660" b="-14151"/>
-                    </a:stretch>
-                  </a:blipFill>
-                </p:spPr>
-                <p:txBody>
-                  <a:bodyPr/>
-                  <a:lstStyle/>
-                  <a:p>
-                    <a:r>
-                      <a:rPr lang="he-IL">
-                        <a:noFill/>
-                      </a:rPr>
-                      <a:t> </a:t>
-                    </a:r>
-                  </a:p>
-                </p:txBody>
-              </p:sp>
-            </mc:Fallback>
-          </mc:AlternateContent>
-          <p:sp>
-            <p:nvSpPr>
-              <p:cNvPr id="106" name="TextBox 105">
-                <a:extLst>
-                  <a:ext uri="{FF2B5EF4-FFF2-40B4-BE49-F238E27FC236}">
-                    <a16:creationId xmlns:a16="http://schemas.microsoft.com/office/drawing/2014/main" id="{B32DC7FB-0B86-46F8-ABEC-B63D53BDBB4F}"/>
-                  </a:ext>
-                </a:extLst>
-              </p:cNvPr>
-              <p:cNvSpPr txBox="1"/>
-              <p:nvPr/>
-            </p:nvSpPr>
-            <p:spPr>
-              <a:xfrm>
-                <a:off x="3416995" y="1857706"/>
-                <a:ext cx="1371600" cy="369332"/>
-              </a:xfrm>
-              <a:prstGeom prst="rect">
-                <a:avLst/>
-              </a:prstGeom>
-              <a:noFill/>
-            </p:spPr>
-            <p:txBody>
-              <a:bodyPr wrap="square" rtlCol="1">
-                <a:spAutoFit/>
-              </a:bodyPr>
-              <a:lstStyle/>
-              <a:p>
-                <a:r>
-                  <a:rPr lang="en-US" b="0" dirty="0">
-                    <a:latin typeface="David" panose="020E0502060401010101" pitchFamily="34" charset="-79"/>
-                    <a:cs typeface="David" panose="020E0502060401010101" pitchFamily="34" charset="-79"/>
-                  </a:rPr>
-                  <a:t>…</a:t>
-                </a:r>
-              </a:p>
-            </p:txBody>
-          </p:sp>
-          <mc:AlternateContent xmlns:mc="http://schemas.openxmlformats.org/markup-compatibility/2006">
-            <mc:Choice xmlns:a14="http://schemas.microsoft.com/office/drawing/2010/main" Requires="a14">
-              <p:sp>
-                <p:nvSpPr>
-                  <p:cNvPr id="109" name="TextBox 108">
-                    <a:extLst>
-                      <a:ext uri="{FF2B5EF4-FFF2-40B4-BE49-F238E27FC236}">
-                        <a16:creationId xmlns:a16="http://schemas.microsoft.com/office/drawing/2014/main" id="{5CA7155C-48CF-42C7-9AAF-F044A0EAC69B}"/>
-                      </a:ext>
-                    </a:extLst>
-                  </p:cNvPr>
-                  <p:cNvSpPr txBox="1"/>
-                  <p:nvPr/>
-                </p:nvSpPr>
-                <p:spPr>
-                  <a:xfrm>
-                    <a:off x="7456101" y="2028444"/>
-                    <a:ext cx="1371600" cy="369332"/>
-                  </a:xfrm>
-                  <a:prstGeom prst="rect">
-                    <a:avLst/>
-                  </a:prstGeom>
-                  <a:noFill/>
-                </p:spPr>
-                <p:txBody>
-                  <a:bodyPr wrap="square" rtlCol="1">
-                    <a:spAutoFit/>
-                  </a:bodyPr>
-                  <a:lstStyle/>
-                  <a:p>
-                    <a14:m>
-                      <m:oMathPara xmlns:m="http://schemas.openxmlformats.org/officeDocument/2006/math">
-                        <m:oMathParaPr>
-                          <m:jc m:val="centerGroup"/>
-                        </m:oMathParaPr>
-                        <m:oMath xmlns:m="http://schemas.openxmlformats.org/officeDocument/2006/math">
-                          <m:r>
-                            <a:rPr lang="en-US" b="0" i="1" dirty="0" smtClean="0">
-                              <a:latin typeface="Cambria Math" panose="02040503050406030204" pitchFamily="18" charset="0"/>
-                              <a:cs typeface="David" panose="020E0502060401010101" pitchFamily="34" charset="-79"/>
-                            </a:rPr>
-                            <m:t>−</m:t>
-                          </m:r>
-                          <m:r>
-                            <a:rPr lang="en-US" b="0" i="1" dirty="0" smtClean="0">
-                              <a:latin typeface="Cambria Math" panose="02040503050406030204" pitchFamily="18" charset="0"/>
-                              <a:ea typeface="Cambria Math" panose="02040503050406030204" pitchFamily="18" charset="0"/>
-                              <a:cs typeface="David" panose="020E0502060401010101" pitchFamily="34" charset="-79"/>
-                            </a:rPr>
-                            <m:t>∞</m:t>
-                          </m:r>
-                        </m:oMath>
-                      </m:oMathPara>
-                    </a14:m>
-                    <a:endParaRPr lang="en-US" b="0" dirty="0">
-                      <a:latin typeface="David" panose="020E0502060401010101" pitchFamily="34" charset="-79"/>
-                      <a:cs typeface="David" panose="020E0502060401010101" pitchFamily="34" charset="-79"/>
-                    </a:endParaRPr>
-                  </a:p>
-                </p:txBody>
-              </p:sp>
-            </mc:Choice>
-            <mc:Fallback>
-              <p:sp>
-                <p:nvSpPr>
-                  <p:cNvPr id="109" name="TextBox 108">
-                    <a:extLst>
-                      <a:ext uri="{FF2B5EF4-FFF2-40B4-BE49-F238E27FC236}">
-                        <a16:creationId xmlns:a16="http://schemas.microsoft.com/office/drawing/2014/main" id="{5CA7155C-48CF-42C7-9AAF-F044A0EAC69B}"/>
-                      </a:ext>
-                    </a:extLst>
-                  </p:cNvPr>
-                  <p:cNvSpPr txBox="1">
-                    <a:spLocks noRot="1" noChangeAspect="1" noMove="1" noResize="1" noEditPoints="1" noAdjustHandles="1" noChangeArrowheads="1" noChangeShapeType="1" noTextEdit="1"/>
-                  </p:cNvSpPr>
-                  <p:nvPr/>
-                </p:nvSpPr>
-                <p:spPr>
-                  <a:xfrm>
-                    <a:off x="7456101" y="2028444"/>
-                    <a:ext cx="1371600" cy="369332"/>
-                  </a:xfrm>
-                  <a:prstGeom prst="rect">
-                    <a:avLst/>
-                  </a:prstGeom>
-                  <a:blipFill>
-                    <a:blip r:embed="rId5"/>
-                    <a:stretch>
-                      <a:fillRect/>
-                    </a:stretch>
-                  </a:blipFill>
-                </p:spPr>
-                <p:txBody>
-                  <a:bodyPr/>
-                  <a:lstStyle/>
-                  <a:p>
-                    <a:r>
-                      <a:rPr lang="he-IL">
-                        <a:noFill/>
-                      </a:rPr>
-                      <a:t> </a:t>
-                    </a:r>
-                  </a:p>
-                </p:txBody>
-              </p:sp>
-            </mc:Fallback>
-          </mc:AlternateContent>
-          <mc:AlternateContent xmlns:mc="http://schemas.openxmlformats.org/markup-compatibility/2006">
-            <mc:Choice xmlns:a14="http://schemas.microsoft.com/office/drawing/2010/main" Requires="a14">
-              <p:sp>
-                <p:nvSpPr>
-                  <p:cNvPr id="110" name="TextBox 109">
-                    <a:extLst>
-                      <a:ext uri="{FF2B5EF4-FFF2-40B4-BE49-F238E27FC236}">
-                        <a16:creationId xmlns:a16="http://schemas.microsoft.com/office/drawing/2014/main" id="{CD47B061-7C94-47D6-B1F2-C71F5C08D5C4}"/>
-                      </a:ext>
-                    </a:extLst>
-                  </p:cNvPr>
-                  <p:cNvSpPr txBox="1"/>
-                  <p:nvPr/>
-                </p:nvSpPr>
-                <p:spPr>
-                  <a:xfrm>
-                    <a:off x="2820647" y="2412628"/>
-                    <a:ext cx="1371600" cy="369332"/>
-                  </a:xfrm>
-                  <a:prstGeom prst="rect">
-                    <a:avLst/>
-                  </a:prstGeom>
-                  <a:noFill/>
-                </p:spPr>
-                <p:txBody>
-                  <a:bodyPr wrap="square" rtlCol="1">
-                    <a:spAutoFit/>
-                  </a:bodyPr>
-                  <a:lstStyle/>
-                  <a:p>
-                    <a:pPr/>
-                    <a14:m>
-                      <m:oMathPara xmlns:m="http://schemas.openxmlformats.org/officeDocument/2006/math">
-                        <m:oMathParaPr>
-                          <m:jc m:val="centerGroup"/>
-                        </m:oMathParaPr>
-                        <m:oMath xmlns:m="http://schemas.openxmlformats.org/officeDocument/2006/math">
-                          <m:r>
-                            <a:rPr lang="en-US" b="0" i="1" smtClean="0">
-                              <a:latin typeface="Cambria Math" panose="02040503050406030204" pitchFamily="18" charset="0"/>
-                            </a:rPr>
-                            <m:t>h</m:t>
-                          </m:r>
-                          <m:r>
-                            <a:rPr lang="en-US" b="0" i="1" smtClean="0">
-                              <a:latin typeface="Cambria Math" panose="02040503050406030204" pitchFamily="18" charset="0"/>
-                            </a:rPr>
-                            <m:t>=</m:t>
-                          </m:r>
-                          <m:r>
-                            <a:rPr lang="en-US" b="0" i="1" smtClean="0">
-                              <a:latin typeface="Cambria Math" panose="02040503050406030204" pitchFamily="18" charset="0"/>
-                            </a:rPr>
-                            <m:t>6</m:t>
-                          </m:r>
-                        </m:oMath>
-                      </m:oMathPara>
-                    </a14:m>
-                    <a:endParaRPr lang="he-IL" dirty="0"/>
-                  </a:p>
-                </p:txBody>
-              </p:sp>
-            </mc:Choice>
-            <mc:Fallback>
-              <p:sp>
-                <p:nvSpPr>
-                  <p:cNvPr id="110" name="TextBox 109">
-                    <a:extLst>
-                      <a:ext uri="{FF2B5EF4-FFF2-40B4-BE49-F238E27FC236}">
-                        <a16:creationId xmlns:a16="http://schemas.microsoft.com/office/drawing/2014/main" id="{CD47B061-7C94-47D6-B1F2-C71F5C08D5C4}"/>
-                      </a:ext>
-                    </a:extLst>
-                  </p:cNvPr>
-                  <p:cNvSpPr txBox="1">
-                    <a:spLocks noRot="1" noChangeAspect="1" noMove="1" noResize="1" noEditPoints="1" noAdjustHandles="1" noChangeArrowheads="1" noChangeShapeType="1" noTextEdit="1"/>
-                  </p:cNvSpPr>
-                  <p:nvPr/>
-                </p:nvSpPr>
-                <p:spPr>
-                  <a:xfrm>
-                    <a:off x="2820647" y="2412628"/>
-                    <a:ext cx="1371600" cy="369332"/>
-                  </a:xfrm>
-                  <a:prstGeom prst="rect">
-                    <a:avLst/>
-                  </a:prstGeom>
-                  <a:blipFill>
-                    <a:blip r:embed="rId6"/>
-                    <a:stretch>
-                      <a:fillRect/>
-                    </a:stretch>
-                  </a:blipFill>
-                </p:spPr>
-                <p:txBody>
-                  <a:bodyPr/>
-                  <a:lstStyle/>
-                  <a:p>
-                    <a:r>
-                      <a:rPr lang="he-IL">
-                        <a:noFill/>
-                      </a:rPr>
-                      <a:t> </a:t>
-                    </a:r>
-                  </a:p>
-                </p:txBody>
-              </p:sp>
-            </mc:Fallback>
-          </mc:AlternateContent>
-        </p:grpSp>
+                  </a:endParaRPr>
+                </a:p>
+              </p:txBody>
+            </p:sp>
+          </mc:Choice>
+          <mc:Fallback>
+            <p:sp>
+              <p:nvSpPr>
+                <p:cNvPr id="109" name="TextBox 108">
+                  <a:extLst>
+                    <a:ext uri="{FF2B5EF4-FFF2-40B4-BE49-F238E27FC236}">
+                      <a16:creationId xmlns:a16="http://schemas.microsoft.com/office/drawing/2014/main" id="{5CA7155C-48CF-42C7-9AAF-F044A0EAC69B}"/>
+                    </a:ext>
+                  </a:extLst>
+                </p:cNvPr>
+                <p:cNvSpPr txBox="1">
+                  <a:spLocks noRot="1" noChangeAspect="1" noMove="1" noResize="1" noEditPoints="1" noAdjustHandles="1" noChangeArrowheads="1" noChangeShapeType="1" noTextEdit="1"/>
+                </p:cNvSpPr>
+                <p:nvPr/>
+              </p:nvSpPr>
+              <p:spPr>
+                <a:xfrm>
+                  <a:off x="6123046" y="2435066"/>
+                  <a:ext cx="1371600" cy="369332"/>
+                </a:xfrm>
+                <a:prstGeom prst="rect">
+                  <a:avLst/>
+                </a:prstGeom>
+                <a:blipFill>
+                  <a:blip r:embed="rId5"/>
+                  <a:stretch>
+                    <a:fillRect/>
+                  </a:stretch>
+                </a:blipFill>
+              </p:spPr>
+              <p:txBody>
+                <a:bodyPr/>
+                <a:lstStyle/>
+                <a:p>
+                  <a:r>
+                    <a:rPr lang="he-IL">
+                      <a:noFill/>
+                    </a:rPr>
+                    <a:t> </a:t>
+                  </a:r>
+                </a:p>
+              </p:txBody>
+            </p:sp>
+          </mc:Fallback>
+        </mc:AlternateContent>
         <p:sp>
           <p:nvSpPr>
             <p:cNvPr id="112" name="TextBox 111">
@@ -25072,6 +24907,1400 @@
                   <a:cs typeface="David" panose="020E0502060401010101" pitchFamily="34" charset="-79"/>
                 </a:rPr>
                 <a:t>…</a:t>
+              </a:r>
+            </a:p>
+          </p:txBody>
+        </p:sp>
+        <p:sp>
+          <p:nvSpPr>
+            <p:cNvPr id="29" name="Isosceles Triangle 28">
+              <a:extLst>
+                <a:ext uri="{FF2B5EF4-FFF2-40B4-BE49-F238E27FC236}">
+                  <a16:creationId xmlns:a16="http://schemas.microsoft.com/office/drawing/2014/main" id="{4964F40F-14EA-4F8B-AD56-C0AB7EC51258}"/>
+                </a:ext>
+              </a:extLst>
+            </p:cNvPr>
+            <p:cNvSpPr/>
+            <p:nvPr/>
+          </p:nvSpPr>
+          <p:spPr>
+            <a:xfrm rot="10800000">
+              <a:off x="1908695" y="2451034"/>
+              <a:ext cx="685800" cy="548640"/>
+            </a:xfrm>
+            <a:prstGeom prst="triangle">
+              <a:avLst/>
+            </a:prstGeom>
+            <a:solidFill>
+              <a:srgbClr val="FF0000"/>
+            </a:solidFill>
+            <a:ln w="25400">
+              <a:solidFill>
+                <a:schemeClr val="tx1"/>
+              </a:solidFill>
+            </a:ln>
+          </p:spPr>
+          <p:style>
+            <a:lnRef idx="2">
+              <a:schemeClr val="accent1">
+                <a:shade val="50000"/>
+              </a:schemeClr>
+            </a:lnRef>
+            <a:fillRef idx="1">
+              <a:schemeClr val="accent1"/>
+            </a:fillRef>
+            <a:effectRef idx="0">
+              <a:schemeClr val="accent1"/>
+            </a:effectRef>
+            <a:fontRef idx="minor">
+              <a:schemeClr val="lt1"/>
+            </a:fontRef>
+          </p:style>
+          <p:txBody>
+            <a:bodyPr rtlCol="1" anchor="ctr"/>
+            <a:lstStyle/>
+            <a:p>
+              <a:pPr algn="ctr"/>
+              <a:endParaRPr lang="he-IL" dirty="0"/>
+            </a:p>
+          </p:txBody>
+        </p:sp>
+        <p:sp>
+          <p:nvSpPr>
+            <p:cNvPr id="34" name="Isosceles Triangle 33">
+              <a:extLst>
+                <a:ext uri="{FF2B5EF4-FFF2-40B4-BE49-F238E27FC236}">
+                  <a16:creationId xmlns:a16="http://schemas.microsoft.com/office/drawing/2014/main" id="{E3616D38-7DD6-443B-8453-7AB021DF8D59}"/>
+                </a:ext>
+              </a:extLst>
+            </p:cNvPr>
+            <p:cNvSpPr/>
+            <p:nvPr/>
+          </p:nvSpPr>
+          <p:spPr>
+            <a:xfrm>
+              <a:off x="2567339" y="3350923"/>
+              <a:ext cx="685800" cy="548640"/>
+            </a:xfrm>
+            <a:prstGeom prst="triangle">
+              <a:avLst/>
+            </a:prstGeom>
+            <a:solidFill>
+              <a:srgbClr val="0070C0"/>
+            </a:solidFill>
+            <a:ln w="25400">
+              <a:solidFill>
+                <a:schemeClr val="tx1"/>
+              </a:solidFill>
+            </a:ln>
+          </p:spPr>
+          <p:style>
+            <a:lnRef idx="2">
+              <a:schemeClr val="accent1">
+                <a:shade val="50000"/>
+              </a:schemeClr>
+            </a:lnRef>
+            <a:fillRef idx="1">
+              <a:schemeClr val="accent1"/>
+            </a:fillRef>
+            <a:effectRef idx="0">
+              <a:schemeClr val="accent1"/>
+            </a:effectRef>
+            <a:fontRef idx="minor">
+              <a:schemeClr val="lt1"/>
+            </a:fontRef>
+          </p:style>
+          <p:txBody>
+            <a:bodyPr rtlCol="1" anchor="ctr"/>
+            <a:lstStyle/>
+            <a:p>
+              <a:pPr algn="ctr"/>
+              <a:endParaRPr lang="he-IL"/>
+            </a:p>
+          </p:txBody>
+        </p:sp>
+        <p:sp>
+          <p:nvSpPr>
+            <p:cNvPr id="35" name="Isosceles Triangle 34">
+              <a:extLst>
+                <a:ext uri="{FF2B5EF4-FFF2-40B4-BE49-F238E27FC236}">
+                  <a16:creationId xmlns:a16="http://schemas.microsoft.com/office/drawing/2014/main" id="{57C88FFE-22C3-4A05-AC5F-9E3C7359CD3F}"/>
+                </a:ext>
+              </a:extLst>
+            </p:cNvPr>
+            <p:cNvSpPr/>
+            <p:nvPr/>
+          </p:nvSpPr>
+          <p:spPr>
+            <a:xfrm>
+              <a:off x="1141163" y="3350923"/>
+              <a:ext cx="685800" cy="548640"/>
+            </a:xfrm>
+            <a:prstGeom prst="triangle">
+              <a:avLst/>
+            </a:prstGeom>
+            <a:solidFill>
+              <a:srgbClr val="0070C0"/>
+            </a:solidFill>
+            <a:ln w="25400">
+              <a:solidFill>
+                <a:schemeClr val="tx1"/>
+              </a:solidFill>
+            </a:ln>
+          </p:spPr>
+          <p:style>
+            <a:lnRef idx="2">
+              <a:schemeClr val="accent1">
+                <a:shade val="50000"/>
+              </a:schemeClr>
+            </a:lnRef>
+            <a:fillRef idx="1">
+              <a:schemeClr val="accent1"/>
+            </a:fillRef>
+            <a:effectRef idx="0">
+              <a:schemeClr val="accent1"/>
+            </a:effectRef>
+            <a:fontRef idx="minor">
+              <a:schemeClr val="lt1"/>
+            </a:fontRef>
+          </p:style>
+          <p:txBody>
+            <a:bodyPr rtlCol="1" anchor="ctr"/>
+            <a:lstStyle/>
+            <a:p>
+              <a:pPr algn="ctr"/>
+              <a:endParaRPr lang="he-IL"/>
+            </a:p>
+          </p:txBody>
+        </p:sp>
+        <p:cxnSp>
+          <p:nvCxnSpPr>
+            <p:cNvPr id="36" name="Straight Connector 35">
+              <a:extLst>
+                <a:ext uri="{FF2B5EF4-FFF2-40B4-BE49-F238E27FC236}">
+                  <a16:creationId xmlns:a16="http://schemas.microsoft.com/office/drawing/2014/main" id="{87F50C27-7BA6-459B-BF81-BBD26B78192D}"/>
+                </a:ext>
+              </a:extLst>
+            </p:cNvPr>
+            <p:cNvCxnSpPr>
+              <a:cxnSpLocks/>
+              <a:stCxn id="29" idx="5"/>
+              <a:endCxn id="35" idx="0"/>
+            </p:cNvCxnSpPr>
+            <p:nvPr/>
+          </p:nvCxnSpPr>
+          <p:spPr>
+            <a:xfrm flipH="1">
+              <a:off x="1484063" y="2725354"/>
+              <a:ext cx="596082" cy="625569"/>
+            </a:xfrm>
+            <a:prstGeom prst="line">
+              <a:avLst/>
+            </a:prstGeom>
+            <a:ln w="25400">
+              <a:solidFill>
+                <a:schemeClr val="tx1"/>
+              </a:solidFill>
+              <a:tailEnd type="none"/>
+            </a:ln>
+          </p:spPr>
+          <p:style>
+            <a:lnRef idx="1">
+              <a:schemeClr val="accent1"/>
+            </a:lnRef>
+            <a:fillRef idx="0">
+              <a:schemeClr val="accent1"/>
+            </a:fillRef>
+            <a:effectRef idx="0">
+              <a:schemeClr val="accent1"/>
+            </a:effectRef>
+            <a:fontRef idx="minor">
+              <a:schemeClr val="tx1"/>
+            </a:fontRef>
+          </p:style>
+        </p:cxnSp>
+        <p:cxnSp>
+          <p:nvCxnSpPr>
+            <p:cNvPr id="39" name="Straight Connector 38">
+              <a:extLst>
+                <a:ext uri="{FF2B5EF4-FFF2-40B4-BE49-F238E27FC236}">
+                  <a16:creationId xmlns:a16="http://schemas.microsoft.com/office/drawing/2014/main" id="{BCC6772E-777C-4B4E-A844-2E32917CF0A6}"/>
+                </a:ext>
+              </a:extLst>
+            </p:cNvPr>
+            <p:cNvCxnSpPr>
+              <a:cxnSpLocks/>
+              <a:stCxn id="29" idx="1"/>
+              <a:endCxn id="34" idx="0"/>
+            </p:cNvCxnSpPr>
+            <p:nvPr/>
+          </p:nvCxnSpPr>
+          <p:spPr>
+            <a:xfrm>
+              <a:off x="2423045" y="2725354"/>
+              <a:ext cx="487194" cy="625569"/>
+            </a:xfrm>
+            <a:prstGeom prst="line">
+              <a:avLst/>
+            </a:prstGeom>
+            <a:ln w="25400">
+              <a:solidFill>
+                <a:schemeClr val="tx1"/>
+              </a:solidFill>
+              <a:tailEnd type="none"/>
+            </a:ln>
+          </p:spPr>
+          <p:style>
+            <a:lnRef idx="1">
+              <a:schemeClr val="accent1"/>
+            </a:lnRef>
+            <a:fillRef idx="0">
+              <a:schemeClr val="accent1"/>
+            </a:fillRef>
+            <a:effectRef idx="0">
+              <a:schemeClr val="accent1"/>
+            </a:effectRef>
+            <a:fontRef idx="minor">
+              <a:schemeClr val="tx1"/>
+            </a:fontRef>
+          </p:style>
+        </p:cxnSp>
+        <p:sp>
+          <p:nvSpPr>
+            <p:cNvPr id="46" name="Isosceles Triangle 45">
+              <a:extLst>
+                <a:ext uri="{FF2B5EF4-FFF2-40B4-BE49-F238E27FC236}">
+                  <a16:creationId xmlns:a16="http://schemas.microsoft.com/office/drawing/2014/main" id="{B20B87C5-BF68-4050-8351-E8AEDDA7A455}"/>
+                </a:ext>
+              </a:extLst>
+            </p:cNvPr>
+            <p:cNvSpPr/>
+            <p:nvPr/>
+          </p:nvSpPr>
+          <p:spPr>
+            <a:xfrm rot="10800000">
+              <a:off x="1310155" y="4445223"/>
+              <a:ext cx="685800" cy="548640"/>
+            </a:xfrm>
+            <a:prstGeom prst="triangle">
+              <a:avLst/>
+            </a:prstGeom>
+            <a:solidFill>
+              <a:srgbClr val="FF0000"/>
+            </a:solidFill>
+            <a:ln w="25400">
+              <a:solidFill>
+                <a:schemeClr val="tx1"/>
+              </a:solidFill>
+            </a:ln>
+          </p:spPr>
+          <p:style>
+            <a:lnRef idx="2">
+              <a:schemeClr val="accent1">
+                <a:shade val="50000"/>
+              </a:schemeClr>
+            </a:lnRef>
+            <a:fillRef idx="1">
+              <a:schemeClr val="accent1"/>
+            </a:fillRef>
+            <a:effectRef idx="0">
+              <a:schemeClr val="accent1"/>
+            </a:effectRef>
+            <a:fontRef idx="minor">
+              <a:schemeClr val="lt1"/>
+            </a:fontRef>
+          </p:style>
+          <p:txBody>
+            <a:bodyPr rtlCol="1" anchor="ctr"/>
+            <a:lstStyle/>
+            <a:p>
+              <a:pPr algn="ctr"/>
+              <a:endParaRPr lang="he-IL" dirty="0"/>
+            </a:p>
+          </p:txBody>
+        </p:sp>
+        <p:sp>
+          <p:nvSpPr>
+            <p:cNvPr id="47" name="Isosceles Triangle 46">
+              <a:extLst>
+                <a:ext uri="{FF2B5EF4-FFF2-40B4-BE49-F238E27FC236}">
+                  <a16:creationId xmlns:a16="http://schemas.microsoft.com/office/drawing/2014/main" id="{E5F11CFD-0C6B-4582-9C33-B337A1387746}"/>
+                </a:ext>
+              </a:extLst>
+            </p:cNvPr>
+            <p:cNvSpPr/>
+            <p:nvPr/>
+          </p:nvSpPr>
+          <p:spPr>
+            <a:xfrm rot="10800000">
+              <a:off x="129056" y="4445223"/>
+              <a:ext cx="685800" cy="548640"/>
+            </a:xfrm>
+            <a:prstGeom prst="triangle">
+              <a:avLst/>
+            </a:prstGeom>
+            <a:solidFill>
+              <a:srgbClr val="FF0000"/>
+            </a:solidFill>
+            <a:ln w="25400">
+              <a:solidFill>
+                <a:schemeClr val="tx1"/>
+              </a:solidFill>
+            </a:ln>
+          </p:spPr>
+          <p:style>
+            <a:lnRef idx="2">
+              <a:schemeClr val="accent1">
+                <a:shade val="50000"/>
+              </a:schemeClr>
+            </a:lnRef>
+            <a:fillRef idx="1">
+              <a:schemeClr val="accent1"/>
+            </a:fillRef>
+            <a:effectRef idx="0">
+              <a:schemeClr val="accent1"/>
+            </a:effectRef>
+            <a:fontRef idx="minor">
+              <a:schemeClr val="lt1"/>
+            </a:fontRef>
+          </p:style>
+          <p:txBody>
+            <a:bodyPr rtlCol="1" anchor="ctr"/>
+            <a:lstStyle/>
+            <a:p>
+              <a:pPr algn="ctr"/>
+              <a:endParaRPr lang="he-IL" dirty="0"/>
+            </a:p>
+          </p:txBody>
+        </p:sp>
+        <p:sp>
+          <p:nvSpPr>
+            <p:cNvPr id="48" name="Isosceles Triangle 47">
+              <a:extLst>
+                <a:ext uri="{FF2B5EF4-FFF2-40B4-BE49-F238E27FC236}">
+                  <a16:creationId xmlns:a16="http://schemas.microsoft.com/office/drawing/2014/main" id="{C9DC6B8D-B001-49F6-9DA2-6B39199704F3}"/>
+                </a:ext>
+              </a:extLst>
+            </p:cNvPr>
+            <p:cNvSpPr/>
+            <p:nvPr/>
+          </p:nvSpPr>
+          <p:spPr>
+            <a:xfrm rot="10800000">
+              <a:off x="3317467" y="4445223"/>
+              <a:ext cx="685800" cy="548640"/>
+            </a:xfrm>
+            <a:prstGeom prst="triangle">
+              <a:avLst/>
+            </a:prstGeom>
+            <a:solidFill>
+              <a:srgbClr val="FF0000"/>
+            </a:solidFill>
+            <a:ln w="25400">
+              <a:solidFill>
+                <a:schemeClr val="tx1"/>
+              </a:solidFill>
+            </a:ln>
+          </p:spPr>
+          <p:style>
+            <a:lnRef idx="2">
+              <a:schemeClr val="accent1">
+                <a:shade val="50000"/>
+              </a:schemeClr>
+            </a:lnRef>
+            <a:fillRef idx="1">
+              <a:schemeClr val="accent1"/>
+            </a:fillRef>
+            <a:effectRef idx="0">
+              <a:schemeClr val="accent1"/>
+            </a:effectRef>
+            <a:fontRef idx="minor">
+              <a:schemeClr val="lt1"/>
+            </a:fontRef>
+          </p:style>
+          <p:txBody>
+            <a:bodyPr rtlCol="1" anchor="ctr"/>
+            <a:lstStyle/>
+            <a:p>
+              <a:pPr algn="ctr"/>
+              <a:endParaRPr lang="he-IL" dirty="0"/>
+            </a:p>
+          </p:txBody>
+        </p:sp>
+        <p:sp>
+          <p:nvSpPr>
+            <p:cNvPr id="49" name="Isosceles Triangle 48">
+              <a:extLst>
+                <a:ext uri="{FF2B5EF4-FFF2-40B4-BE49-F238E27FC236}">
+                  <a16:creationId xmlns:a16="http://schemas.microsoft.com/office/drawing/2014/main" id="{665F9C57-3A30-4B81-A6E1-DA23F3F49F4C}"/>
+                </a:ext>
+              </a:extLst>
+            </p:cNvPr>
+            <p:cNvSpPr/>
+            <p:nvPr/>
+          </p:nvSpPr>
+          <p:spPr>
+            <a:xfrm rot="10800000">
+              <a:off x="2136368" y="4445223"/>
+              <a:ext cx="685800" cy="548640"/>
+            </a:xfrm>
+            <a:prstGeom prst="triangle">
+              <a:avLst/>
+            </a:prstGeom>
+            <a:solidFill>
+              <a:srgbClr val="FF0000"/>
+            </a:solidFill>
+            <a:ln w="25400">
+              <a:solidFill>
+                <a:schemeClr val="tx1"/>
+              </a:solidFill>
+            </a:ln>
+          </p:spPr>
+          <p:style>
+            <a:lnRef idx="2">
+              <a:schemeClr val="accent1">
+                <a:shade val="50000"/>
+              </a:schemeClr>
+            </a:lnRef>
+            <a:fillRef idx="1">
+              <a:schemeClr val="accent1"/>
+            </a:fillRef>
+            <a:effectRef idx="0">
+              <a:schemeClr val="accent1"/>
+            </a:effectRef>
+            <a:fontRef idx="minor">
+              <a:schemeClr val="lt1"/>
+            </a:fontRef>
+          </p:style>
+          <p:txBody>
+            <a:bodyPr rtlCol="1" anchor="ctr"/>
+            <a:lstStyle/>
+            <a:p>
+              <a:pPr algn="ctr"/>
+              <a:endParaRPr lang="he-IL" dirty="0"/>
+            </a:p>
+          </p:txBody>
+        </p:sp>
+        <p:cxnSp>
+          <p:nvCxnSpPr>
+            <p:cNvPr id="51" name="Straight Connector 50">
+              <a:extLst>
+                <a:ext uri="{FF2B5EF4-FFF2-40B4-BE49-F238E27FC236}">
+                  <a16:creationId xmlns:a16="http://schemas.microsoft.com/office/drawing/2014/main" id="{096225A6-03F7-4BEE-800A-6DD29AAF1FDC}"/>
+                </a:ext>
+              </a:extLst>
+            </p:cNvPr>
+            <p:cNvCxnSpPr>
+              <a:cxnSpLocks/>
+              <a:stCxn id="35" idx="2"/>
+              <a:endCxn id="47" idx="3"/>
+            </p:cNvCxnSpPr>
+            <p:nvPr/>
+          </p:nvCxnSpPr>
+          <p:spPr>
+            <a:xfrm flipH="1">
+              <a:off x="471956" y="3899563"/>
+              <a:ext cx="669207" cy="545660"/>
+            </a:xfrm>
+            <a:prstGeom prst="line">
+              <a:avLst/>
+            </a:prstGeom>
+            <a:ln w="25400">
+              <a:solidFill>
+                <a:schemeClr val="tx1"/>
+              </a:solidFill>
+              <a:tailEnd type="none"/>
+            </a:ln>
+          </p:spPr>
+          <p:style>
+            <a:lnRef idx="1">
+              <a:schemeClr val="accent1"/>
+            </a:lnRef>
+            <a:fillRef idx="0">
+              <a:schemeClr val="accent1"/>
+            </a:fillRef>
+            <a:effectRef idx="0">
+              <a:schemeClr val="accent1"/>
+            </a:effectRef>
+            <a:fontRef idx="minor">
+              <a:schemeClr val="tx1"/>
+            </a:fontRef>
+          </p:style>
+        </p:cxnSp>
+        <p:cxnSp>
+          <p:nvCxnSpPr>
+            <p:cNvPr id="53" name="Straight Connector 52">
+              <a:extLst>
+                <a:ext uri="{FF2B5EF4-FFF2-40B4-BE49-F238E27FC236}">
+                  <a16:creationId xmlns:a16="http://schemas.microsoft.com/office/drawing/2014/main" id="{A0E73E52-0691-4A8E-8797-C752F68D4DAE}"/>
+                </a:ext>
+              </a:extLst>
+            </p:cNvPr>
+            <p:cNvCxnSpPr>
+              <a:cxnSpLocks/>
+              <a:stCxn id="35" idx="4"/>
+              <a:endCxn id="46" idx="3"/>
+            </p:cNvCxnSpPr>
+            <p:nvPr/>
+          </p:nvCxnSpPr>
+          <p:spPr>
+            <a:xfrm flipH="1">
+              <a:off x="1653055" y="3899563"/>
+              <a:ext cx="173908" cy="545660"/>
+            </a:xfrm>
+            <a:prstGeom prst="line">
+              <a:avLst/>
+            </a:prstGeom>
+            <a:ln w="25400">
+              <a:solidFill>
+                <a:schemeClr val="tx1"/>
+              </a:solidFill>
+              <a:tailEnd type="none"/>
+            </a:ln>
+          </p:spPr>
+          <p:style>
+            <a:lnRef idx="1">
+              <a:schemeClr val="accent1"/>
+            </a:lnRef>
+            <a:fillRef idx="0">
+              <a:schemeClr val="accent1"/>
+            </a:fillRef>
+            <a:effectRef idx="0">
+              <a:schemeClr val="accent1"/>
+            </a:effectRef>
+            <a:fontRef idx="minor">
+              <a:schemeClr val="tx1"/>
+            </a:fontRef>
+          </p:style>
+        </p:cxnSp>
+        <p:cxnSp>
+          <p:nvCxnSpPr>
+            <p:cNvPr id="56" name="Straight Connector 55">
+              <a:extLst>
+                <a:ext uri="{FF2B5EF4-FFF2-40B4-BE49-F238E27FC236}">
+                  <a16:creationId xmlns:a16="http://schemas.microsoft.com/office/drawing/2014/main" id="{8494803F-5400-4DAE-9D64-78E99B1170FA}"/>
+                </a:ext>
+              </a:extLst>
+            </p:cNvPr>
+            <p:cNvCxnSpPr>
+              <a:cxnSpLocks/>
+              <a:stCxn id="34" idx="2"/>
+              <a:endCxn id="49" idx="3"/>
+            </p:cNvCxnSpPr>
+            <p:nvPr/>
+          </p:nvCxnSpPr>
+          <p:spPr>
+            <a:xfrm flipH="1">
+              <a:off x="2479268" y="3899563"/>
+              <a:ext cx="88071" cy="545660"/>
+            </a:xfrm>
+            <a:prstGeom prst="line">
+              <a:avLst/>
+            </a:prstGeom>
+            <a:ln w="25400">
+              <a:solidFill>
+                <a:schemeClr val="tx1"/>
+              </a:solidFill>
+              <a:tailEnd type="none"/>
+            </a:ln>
+          </p:spPr>
+          <p:style>
+            <a:lnRef idx="1">
+              <a:schemeClr val="accent1"/>
+            </a:lnRef>
+            <a:fillRef idx="0">
+              <a:schemeClr val="accent1"/>
+            </a:fillRef>
+            <a:effectRef idx="0">
+              <a:schemeClr val="accent1"/>
+            </a:effectRef>
+            <a:fontRef idx="minor">
+              <a:schemeClr val="tx1"/>
+            </a:fontRef>
+          </p:style>
+        </p:cxnSp>
+        <p:cxnSp>
+          <p:nvCxnSpPr>
+            <p:cNvPr id="58" name="Straight Connector 57">
+              <a:extLst>
+                <a:ext uri="{FF2B5EF4-FFF2-40B4-BE49-F238E27FC236}">
+                  <a16:creationId xmlns:a16="http://schemas.microsoft.com/office/drawing/2014/main" id="{B804C5B3-0A93-4DE8-BC32-59CFF64D9E1A}"/>
+                </a:ext>
+              </a:extLst>
+            </p:cNvPr>
+            <p:cNvCxnSpPr>
+              <a:cxnSpLocks/>
+              <a:stCxn id="34" idx="4"/>
+              <a:endCxn id="48" idx="3"/>
+            </p:cNvCxnSpPr>
+            <p:nvPr/>
+          </p:nvCxnSpPr>
+          <p:spPr>
+            <a:xfrm>
+              <a:off x="3253139" y="3899563"/>
+              <a:ext cx="407228" cy="545660"/>
+            </a:xfrm>
+            <a:prstGeom prst="line">
+              <a:avLst/>
+            </a:prstGeom>
+            <a:ln w="25400">
+              <a:solidFill>
+                <a:schemeClr val="tx1"/>
+              </a:solidFill>
+              <a:tailEnd type="none"/>
+            </a:ln>
+          </p:spPr>
+          <p:style>
+            <a:lnRef idx="1">
+              <a:schemeClr val="accent1"/>
+            </a:lnRef>
+            <a:fillRef idx="0">
+              <a:schemeClr val="accent1"/>
+            </a:fillRef>
+            <a:effectRef idx="0">
+              <a:schemeClr val="accent1"/>
+            </a:effectRef>
+            <a:fontRef idx="minor">
+              <a:schemeClr val="tx1"/>
+            </a:fontRef>
+          </p:style>
+        </p:cxnSp>
+        <p:cxnSp>
+          <p:nvCxnSpPr>
+            <p:cNvPr id="61" name="Straight Connector 60">
+              <a:extLst>
+                <a:ext uri="{FF2B5EF4-FFF2-40B4-BE49-F238E27FC236}">
+                  <a16:creationId xmlns:a16="http://schemas.microsoft.com/office/drawing/2014/main" id="{107BF30D-C76D-4C27-BA83-451B7F4E8843}"/>
+                </a:ext>
+              </a:extLst>
+            </p:cNvPr>
+            <p:cNvCxnSpPr>
+              <a:cxnSpLocks/>
+              <a:stCxn id="48" idx="5"/>
+            </p:cNvCxnSpPr>
+            <p:nvPr/>
+          </p:nvCxnSpPr>
+          <p:spPr>
+            <a:xfrm flipH="1">
+              <a:off x="3233713" y="4719543"/>
+              <a:ext cx="255204" cy="599709"/>
+            </a:xfrm>
+            <a:prstGeom prst="line">
+              <a:avLst/>
+            </a:prstGeom>
+            <a:ln w="25400">
+              <a:solidFill>
+                <a:schemeClr val="tx1"/>
+              </a:solidFill>
+              <a:tailEnd type="none"/>
+            </a:ln>
+          </p:spPr>
+          <p:style>
+            <a:lnRef idx="1">
+              <a:schemeClr val="accent1"/>
+            </a:lnRef>
+            <a:fillRef idx="0">
+              <a:schemeClr val="accent1"/>
+            </a:fillRef>
+            <a:effectRef idx="0">
+              <a:schemeClr val="accent1"/>
+            </a:effectRef>
+            <a:fontRef idx="minor">
+              <a:schemeClr val="tx1"/>
+            </a:fontRef>
+          </p:style>
+        </p:cxnSp>
+        <p:cxnSp>
+          <p:nvCxnSpPr>
+            <p:cNvPr id="65" name="Straight Connector 64">
+              <a:extLst>
+                <a:ext uri="{FF2B5EF4-FFF2-40B4-BE49-F238E27FC236}">
+                  <a16:creationId xmlns:a16="http://schemas.microsoft.com/office/drawing/2014/main" id="{7C15FAA4-BBE8-477D-8FFF-24586479E3A9}"/>
+                </a:ext>
+              </a:extLst>
+            </p:cNvPr>
+            <p:cNvCxnSpPr>
+              <a:cxnSpLocks/>
+              <a:stCxn id="48" idx="1"/>
+            </p:cNvCxnSpPr>
+            <p:nvPr/>
+          </p:nvCxnSpPr>
+          <p:spPr>
+            <a:xfrm>
+              <a:off x="3831817" y="4719543"/>
+              <a:ext cx="235777" cy="530883"/>
+            </a:xfrm>
+            <a:prstGeom prst="line">
+              <a:avLst/>
+            </a:prstGeom>
+            <a:ln w="25400">
+              <a:solidFill>
+                <a:schemeClr val="tx1"/>
+              </a:solidFill>
+              <a:tailEnd type="none"/>
+            </a:ln>
+          </p:spPr>
+          <p:style>
+            <a:lnRef idx="1">
+              <a:schemeClr val="accent1"/>
+            </a:lnRef>
+            <a:fillRef idx="0">
+              <a:schemeClr val="accent1"/>
+            </a:fillRef>
+            <a:effectRef idx="0">
+              <a:schemeClr val="accent1"/>
+            </a:effectRef>
+            <a:fontRef idx="minor">
+              <a:schemeClr val="tx1"/>
+            </a:fontRef>
+          </p:style>
+        </p:cxnSp>
+        <p:cxnSp>
+          <p:nvCxnSpPr>
+            <p:cNvPr id="68" name="Straight Connector 67">
+              <a:extLst>
+                <a:ext uri="{FF2B5EF4-FFF2-40B4-BE49-F238E27FC236}">
+                  <a16:creationId xmlns:a16="http://schemas.microsoft.com/office/drawing/2014/main" id="{BB1216AF-F234-4196-84C2-B01F4E498F0C}"/>
+                </a:ext>
+              </a:extLst>
+            </p:cNvPr>
+            <p:cNvCxnSpPr>
+              <a:cxnSpLocks/>
+              <a:stCxn id="49" idx="1"/>
+            </p:cNvCxnSpPr>
+            <p:nvPr/>
+          </p:nvCxnSpPr>
+          <p:spPr>
+            <a:xfrm>
+              <a:off x="2650718" y="4719543"/>
+              <a:ext cx="301210" cy="565295"/>
+            </a:xfrm>
+            <a:prstGeom prst="line">
+              <a:avLst/>
+            </a:prstGeom>
+            <a:ln w="25400">
+              <a:solidFill>
+                <a:schemeClr val="tx1"/>
+              </a:solidFill>
+              <a:tailEnd type="none"/>
+            </a:ln>
+          </p:spPr>
+          <p:style>
+            <a:lnRef idx="1">
+              <a:schemeClr val="accent1"/>
+            </a:lnRef>
+            <a:fillRef idx="0">
+              <a:schemeClr val="accent1"/>
+            </a:fillRef>
+            <a:effectRef idx="0">
+              <a:schemeClr val="accent1"/>
+            </a:effectRef>
+            <a:fontRef idx="minor">
+              <a:schemeClr val="tx1"/>
+            </a:fontRef>
+          </p:style>
+        </p:cxnSp>
+        <p:cxnSp>
+          <p:nvCxnSpPr>
+            <p:cNvPr id="69" name="Straight Connector 68">
+              <a:extLst>
+                <a:ext uri="{FF2B5EF4-FFF2-40B4-BE49-F238E27FC236}">
+                  <a16:creationId xmlns:a16="http://schemas.microsoft.com/office/drawing/2014/main" id="{1DFE1272-03A4-4C04-880E-FCDCD8517D5A}"/>
+                </a:ext>
+              </a:extLst>
+            </p:cNvPr>
+            <p:cNvCxnSpPr>
+              <a:cxnSpLocks/>
+              <a:stCxn id="49" idx="5"/>
+            </p:cNvCxnSpPr>
+            <p:nvPr/>
+          </p:nvCxnSpPr>
+          <p:spPr>
+            <a:xfrm flipH="1">
+              <a:off x="2125172" y="4719543"/>
+              <a:ext cx="182646" cy="599709"/>
+            </a:xfrm>
+            <a:prstGeom prst="line">
+              <a:avLst/>
+            </a:prstGeom>
+            <a:ln w="25400">
+              <a:solidFill>
+                <a:schemeClr val="tx1"/>
+              </a:solidFill>
+              <a:tailEnd type="none"/>
+            </a:ln>
+          </p:spPr>
+          <p:style>
+            <a:lnRef idx="1">
+              <a:schemeClr val="accent1"/>
+            </a:lnRef>
+            <a:fillRef idx="0">
+              <a:schemeClr val="accent1"/>
+            </a:fillRef>
+            <a:effectRef idx="0">
+              <a:schemeClr val="accent1"/>
+            </a:effectRef>
+            <a:fontRef idx="minor">
+              <a:schemeClr val="tx1"/>
+            </a:fontRef>
+          </p:style>
+        </p:cxnSp>
+        <p:cxnSp>
+          <p:nvCxnSpPr>
+            <p:cNvPr id="74" name="Straight Connector 73">
+              <a:extLst>
+                <a:ext uri="{FF2B5EF4-FFF2-40B4-BE49-F238E27FC236}">
+                  <a16:creationId xmlns:a16="http://schemas.microsoft.com/office/drawing/2014/main" id="{19664A25-7674-4214-995B-CA6F6600BA0B}"/>
+                </a:ext>
+              </a:extLst>
+            </p:cNvPr>
+            <p:cNvCxnSpPr>
+              <a:cxnSpLocks/>
+              <a:stCxn id="46" idx="1"/>
+            </p:cNvCxnSpPr>
+            <p:nvPr/>
+          </p:nvCxnSpPr>
+          <p:spPr>
+            <a:xfrm>
+              <a:off x="1824505" y="4719543"/>
+              <a:ext cx="191522" cy="599709"/>
+            </a:xfrm>
+            <a:prstGeom prst="line">
+              <a:avLst/>
+            </a:prstGeom>
+            <a:ln w="25400">
+              <a:solidFill>
+                <a:schemeClr val="tx1"/>
+              </a:solidFill>
+              <a:tailEnd type="none"/>
+            </a:ln>
+          </p:spPr>
+          <p:style>
+            <a:lnRef idx="1">
+              <a:schemeClr val="accent1"/>
+            </a:lnRef>
+            <a:fillRef idx="0">
+              <a:schemeClr val="accent1"/>
+            </a:fillRef>
+            <a:effectRef idx="0">
+              <a:schemeClr val="accent1"/>
+            </a:effectRef>
+            <a:fontRef idx="minor">
+              <a:schemeClr val="tx1"/>
+            </a:fontRef>
+          </p:style>
+        </p:cxnSp>
+        <p:cxnSp>
+          <p:nvCxnSpPr>
+            <p:cNvPr id="76" name="Straight Connector 75">
+              <a:extLst>
+                <a:ext uri="{FF2B5EF4-FFF2-40B4-BE49-F238E27FC236}">
+                  <a16:creationId xmlns:a16="http://schemas.microsoft.com/office/drawing/2014/main" id="{604F5097-0D08-45F0-9515-90370CD725C7}"/>
+                </a:ext>
+              </a:extLst>
+            </p:cNvPr>
+            <p:cNvCxnSpPr>
+              <a:cxnSpLocks/>
+              <a:stCxn id="46" idx="5"/>
+            </p:cNvCxnSpPr>
+            <p:nvPr/>
+          </p:nvCxnSpPr>
+          <p:spPr>
+            <a:xfrm flipH="1">
+              <a:off x="1290082" y="4719543"/>
+              <a:ext cx="191523" cy="530883"/>
+            </a:xfrm>
+            <a:prstGeom prst="line">
+              <a:avLst/>
+            </a:prstGeom>
+            <a:ln w="25400">
+              <a:solidFill>
+                <a:schemeClr val="tx1"/>
+              </a:solidFill>
+              <a:tailEnd type="none"/>
+            </a:ln>
+          </p:spPr>
+          <p:style>
+            <a:lnRef idx="1">
+              <a:schemeClr val="accent1"/>
+            </a:lnRef>
+            <a:fillRef idx="0">
+              <a:schemeClr val="accent1"/>
+            </a:fillRef>
+            <a:effectRef idx="0">
+              <a:schemeClr val="accent1"/>
+            </a:effectRef>
+            <a:fontRef idx="minor">
+              <a:schemeClr val="tx1"/>
+            </a:fontRef>
+          </p:style>
+        </p:cxnSp>
+        <p:cxnSp>
+          <p:nvCxnSpPr>
+            <p:cNvPr id="80" name="Straight Connector 79">
+              <a:extLst>
+                <a:ext uri="{FF2B5EF4-FFF2-40B4-BE49-F238E27FC236}">
+                  <a16:creationId xmlns:a16="http://schemas.microsoft.com/office/drawing/2014/main" id="{3744B07F-F788-4DCD-9848-BF0F493DE395}"/>
+                </a:ext>
+              </a:extLst>
+            </p:cNvPr>
+            <p:cNvCxnSpPr>
+              <a:cxnSpLocks/>
+              <a:stCxn id="47" idx="1"/>
+            </p:cNvCxnSpPr>
+            <p:nvPr/>
+          </p:nvCxnSpPr>
+          <p:spPr>
+            <a:xfrm>
+              <a:off x="643406" y="4719543"/>
+              <a:ext cx="255203" cy="530883"/>
+            </a:xfrm>
+            <a:prstGeom prst="line">
+              <a:avLst/>
+            </a:prstGeom>
+            <a:ln w="25400">
+              <a:solidFill>
+                <a:schemeClr val="tx1"/>
+              </a:solidFill>
+              <a:tailEnd type="none"/>
+            </a:ln>
+          </p:spPr>
+          <p:style>
+            <a:lnRef idx="1">
+              <a:schemeClr val="accent1"/>
+            </a:lnRef>
+            <a:fillRef idx="0">
+              <a:schemeClr val="accent1"/>
+            </a:fillRef>
+            <a:effectRef idx="0">
+              <a:schemeClr val="accent1"/>
+            </a:effectRef>
+            <a:fontRef idx="minor">
+              <a:schemeClr val="tx1"/>
+            </a:fontRef>
+          </p:style>
+        </p:cxnSp>
+        <p:cxnSp>
+          <p:nvCxnSpPr>
+            <p:cNvPr id="82" name="Straight Connector 81">
+              <a:extLst>
+                <a:ext uri="{FF2B5EF4-FFF2-40B4-BE49-F238E27FC236}">
+                  <a16:creationId xmlns:a16="http://schemas.microsoft.com/office/drawing/2014/main" id="{0D8E4A17-5B93-4624-A04E-B72EE21368E2}"/>
+                </a:ext>
+              </a:extLst>
+            </p:cNvPr>
+            <p:cNvCxnSpPr>
+              <a:cxnSpLocks/>
+              <a:stCxn id="47" idx="5"/>
+            </p:cNvCxnSpPr>
+            <p:nvPr/>
+          </p:nvCxnSpPr>
+          <p:spPr>
+            <a:xfrm flipH="1">
+              <a:off x="127292" y="4719543"/>
+              <a:ext cx="173214" cy="565295"/>
+            </a:xfrm>
+            <a:prstGeom prst="line">
+              <a:avLst/>
+            </a:prstGeom>
+            <a:ln w="25400">
+              <a:solidFill>
+                <a:schemeClr val="tx1"/>
+              </a:solidFill>
+              <a:tailEnd type="none"/>
+            </a:ln>
+          </p:spPr>
+          <p:style>
+            <a:lnRef idx="1">
+              <a:schemeClr val="accent1"/>
+            </a:lnRef>
+            <a:fillRef idx="0">
+              <a:schemeClr val="accent1"/>
+            </a:fillRef>
+            <a:effectRef idx="0">
+              <a:schemeClr val="accent1"/>
+            </a:effectRef>
+            <a:fontRef idx="minor">
+              <a:schemeClr val="tx1"/>
+            </a:fontRef>
+          </p:style>
+        </p:cxnSp>
+        <p:sp>
+          <p:nvSpPr>
+            <p:cNvPr id="88" name="TextBox 87">
+              <a:extLst>
+                <a:ext uri="{FF2B5EF4-FFF2-40B4-BE49-F238E27FC236}">
+                  <a16:creationId xmlns:a16="http://schemas.microsoft.com/office/drawing/2014/main" id="{3F452C2F-B2E2-411E-8B01-4B1EFE3F429F}"/>
+                </a:ext>
+              </a:extLst>
+            </p:cNvPr>
+            <p:cNvSpPr txBox="1"/>
+            <p:nvPr/>
+          </p:nvSpPr>
+          <p:spPr>
+            <a:xfrm>
+              <a:off x="3853897" y="5198793"/>
+              <a:ext cx="400786" cy="369332"/>
+            </a:xfrm>
+            <a:prstGeom prst="rect">
+              <a:avLst/>
+            </a:prstGeom>
+            <a:noFill/>
+          </p:spPr>
+          <p:txBody>
+            <a:bodyPr wrap="square" rtlCol="1">
+              <a:spAutoFit/>
+            </a:bodyPr>
+            <a:lstStyle/>
+            <a:p>
+              <a:r>
+                <a:rPr lang="en-US" b="0" dirty="0">
+                  <a:latin typeface="David" panose="020E0502060401010101" pitchFamily="34" charset="-79"/>
+                  <a:cs typeface="David" panose="020E0502060401010101" pitchFamily="34" charset="-79"/>
+                </a:rPr>
+                <a:t>…</a:t>
+              </a:r>
+            </a:p>
+          </p:txBody>
+        </p:sp>
+        <p:sp>
+          <p:nvSpPr>
+            <p:cNvPr id="89" name="TextBox 88">
+              <a:extLst>
+                <a:ext uri="{FF2B5EF4-FFF2-40B4-BE49-F238E27FC236}">
+                  <a16:creationId xmlns:a16="http://schemas.microsoft.com/office/drawing/2014/main" id="{B729EBC2-0C3C-4873-A2C8-A03820FA31D8}"/>
+                </a:ext>
+              </a:extLst>
+            </p:cNvPr>
+            <p:cNvSpPr txBox="1"/>
+            <p:nvPr/>
+          </p:nvSpPr>
+          <p:spPr>
+            <a:xfrm>
+              <a:off x="3002346" y="5198793"/>
+              <a:ext cx="400786" cy="369332"/>
+            </a:xfrm>
+            <a:prstGeom prst="rect">
+              <a:avLst/>
+            </a:prstGeom>
+            <a:noFill/>
+          </p:spPr>
+          <p:txBody>
+            <a:bodyPr wrap="square" rtlCol="1">
+              <a:spAutoFit/>
+            </a:bodyPr>
+            <a:lstStyle/>
+            <a:p>
+              <a:r>
+                <a:rPr lang="en-US" b="0" dirty="0">
+                  <a:latin typeface="David" panose="020E0502060401010101" pitchFamily="34" charset="-79"/>
+                  <a:cs typeface="David" panose="020E0502060401010101" pitchFamily="34" charset="-79"/>
+                </a:rPr>
+                <a:t>…</a:t>
+              </a:r>
+            </a:p>
+          </p:txBody>
+        </p:sp>
+        <p:sp>
+          <p:nvSpPr>
+            <p:cNvPr id="91" name="TextBox 90">
+              <a:extLst>
+                <a:ext uri="{FF2B5EF4-FFF2-40B4-BE49-F238E27FC236}">
+                  <a16:creationId xmlns:a16="http://schemas.microsoft.com/office/drawing/2014/main" id="{2087003A-2BE3-4FE6-B013-FF40C2D0C473}"/>
+                </a:ext>
+              </a:extLst>
+            </p:cNvPr>
+            <p:cNvSpPr txBox="1"/>
+            <p:nvPr/>
+          </p:nvSpPr>
+          <p:spPr>
+            <a:xfrm>
+              <a:off x="2721535" y="5198793"/>
+              <a:ext cx="400786" cy="369332"/>
+            </a:xfrm>
+            <a:prstGeom prst="rect">
+              <a:avLst/>
+            </a:prstGeom>
+            <a:noFill/>
+          </p:spPr>
+          <p:txBody>
+            <a:bodyPr wrap="square" rtlCol="1">
+              <a:spAutoFit/>
+            </a:bodyPr>
+            <a:lstStyle/>
+            <a:p>
+              <a:r>
+                <a:rPr lang="en-US" b="0" dirty="0">
+                  <a:latin typeface="David" panose="020E0502060401010101" pitchFamily="34" charset="-79"/>
+                  <a:cs typeface="David" panose="020E0502060401010101" pitchFamily="34" charset="-79"/>
+                </a:rPr>
+                <a:t>…</a:t>
+              </a:r>
+            </a:p>
+          </p:txBody>
+        </p:sp>
+        <p:sp>
+          <p:nvSpPr>
+            <p:cNvPr id="92" name="TextBox 91">
+              <a:extLst>
+                <a:ext uri="{FF2B5EF4-FFF2-40B4-BE49-F238E27FC236}">
+                  <a16:creationId xmlns:a16="http://schemas.microsoft.com/office/drawing/2014/main" id="{7C1F9E56-96B5-4397-8526-0574DD510E8D}"/>
+                </a:ext>
+              </a:extLst>
+            </p:cNvPr>
+            <p:cNvSpPr txBox="1"/>
+            <p:nvPr/>
+          </p:nvSpPr>
+          <p:spPr>
+            <a:xfrm>
+              <a:off x="1956040" y="5198793"/>
+              <a:ext cx="400786" cy="369332"/>
+            </a:xfrm>
+            <a:prstGeom prst="rect">
+              <a:avLst/>
+            </a:prstGeom>
+            <a:noFill/>
+          </p:spPr>
+          <p:txBody>
+            <a:bodyPr wrap="square" rtlCol="1">
+              <a:spAutoFit/>
+            </a:bodyPr>
+            <a:lstStyle/>
+            <a:p>
+              <a:r>
+                <a:rPr lang="en-US" b="0" dirty="0">
+                  <a:latin typeface="David" panose="020E0502060401010101" pitchFamily="34" charset="-79"/>
+                  <a:cs typeface="David" panose="020E0502060401010101" pitchFamily="34" charset="-79"/>
+                </a:rPr>
+                <a:t>…</a:t>
+              </a:r>
+            </a:p>
+          </p:txBody>
+        </p:sp>
+        <p:sp>
+          <p:nvSpPr>
+            <p:cNvPr id="93" name="TextBox 92">
+              <a:extLst>
+                <a:ext uri="{FF2B5EF4-FFF2-40B4-BE49-F238E27FC236}">
+                  <a16:creationId xmlns:a16="http://schemas.microsoft.com/office/drawing/2014/main" id="{559FCDF7-BB47-4D71-902A-B65FC8E6597E}"/>
+                </a:ext>
+              </a:extLst>
+            </p:cNvPr>
+            <p:cNvSpPr txBox="1"/>
+            <p:nvPr/>
+          </p:nvSpPr>
+          <p:spPr>
+            <a:xfrm>
+              <a:off x="657901" y="5198793"/>
+              <a:ext cx="400786" cy="369332"/>
+            </a:xfrm>
+            <a:prstGeom prst="rect">
+              <a:avLst/>
+            </a:prstGeom>
+            <a:noFill/>
+          </p:spPr>
+          <p:txBody>
+            <a:bodyPr wrap="square" rtlCol="1">
+              <a:spAutoFit/>
+            </a:bodyPr>
+            <a:lstStyle/>
+            <a:p>
+              <a:r>
+                <a:rPr lang="en-US" b="0" dirty="0">
+                  <a:latin typeface="David" panose="020E0502060401010101" pitchFamily="34" charset="-79"/>
+                  <a:cs typeface="David" panose="020E0502060401010101" pitchFamily="34" charset="-79"/>
+                </a:rPr>
+                <a:t>…</a:t>
+              </a:r>
+            </a:p>
+          </p:txBody>
+        </p:sp>
+        <p:sp>
+          <p:nvSpPr>
+            <p:cNvPr id="94" name="TextBox 93">
+              <a:extLst>
+                <a:ext uri="{FF2B5EF4-FFF2-40B4-BE49-F238E27FC236}">
+                  <a16:creationId xmlns:a16="http://schemas.microsoft.com/office/drawing/2014/main" id="{6C580C53-902A-4B9B-B385-394A76C87D79}"/>
+                </a:ext>
+              </a:extLst>
+            </p:cNvPr>
+            <p:cNvSpPr txBox="1"/>
+            <p:nvPr/>
+          </p:nvSpPr>
+          <p:spPr>
+            <a:xfrm>
+              <a:off x="-13469" y="5198793"/>
+              <a:ext cx="400786" cy="369332"/>
+            </a:xfrm>
+            <a:prstGeom prst="rect">
+              <a:avLst/>
+            </a:prstGeom>
+            <a:noFill/>
+          </p:spPr>
+          <p:txBody>
+            <a:bodyPr wrap="square" rtlCol="1">
+              <a:spAutoFit/>
+            </a:bodyPr>
+            <a:lstStyle/>
+            <a:p>
+              <a:r>
+                <a:rPr lang="en-US" b="0" dirty="0">
+                  <a:latin typeface="David" panose="020E0502060401010101" pitchFamily="34" charset="-79"/>
+                  <a:cs typeface="David" panose="020E0502060401010101" pitchFamily="34" charset="-79"/>
+                </a:rPr>
+                <a:t>…</a:t>
+              </a:r>
+            </a:p>
+          </p:txBody>
+        </p:sp>
+        <p:sp>
+          <p:nvSpPr>
+            <p:cNvPr id="95" name="TextBox 94">
+              <a:extLst>
+                <a:ext uri="{FF2B5EF4-FFF2-40B4-BE49-F238E27FC236}">
+                  <a16:creationId xmlns:a16="http://schemas.microsoft.com/office/drawing/2014/main" id="{4A7C5CFF-1E9E-4E1C-9F5C-6FE11405C4DC}"/>
+                </a:ext>
+              </a:extLst>
+            </p:cNvPr>
+            <p:cNvSpPr txBox="1"/>
+            <p:nvPr/>
+          </p:nvSpPr>
+          <p:spPr>
+            <a:xfrm>
+              <a:off x="1049483" y="5198793"/>
+              <a:ext cx="400786" cy="369332"/>
+            </a:xfrm>
+            <a:prstGeom prst="rect">
+              <a:avLst/>
+            </a:prstGeom>
+            <a:noFill/>
+          </p:spPr>
+          <p:txBody>
+            <a:bodyPr wrap="square" rtlCol="1">
+              <a:spAutoFit/>
+            </a:bodyPr>
+            <a:lstStyle/>
+            <a:p>
+              <a:r>
+                <a:rPr lang="en-US" b="0" dirty="0">
+                  <a:latin typeface="David" panose="020E0502060401010101" pitchFamily="34" charset="-79"/>
+                  <a:cs typeface="David" panose="020E0502060401010101" pitchFamily="34" charset="-79"/>
+                </a:rPr>
+                <a:t>…</a:t>
+              </a:r>
+            </a:p>
+          </p:txBody>
+        </p:sp>
+        <p:sp>
+          <p:nvSpPr>
+            <p:cNvPr id="96" name="TextBox 95">
+              <a:extLst>
+                <a:ext uri="{FF2B5EF4-FFF2-40B4-BE49-F238E27FC236}">
+                  <a16:creationId xmlns:a16="http://schemas.microsoft.com/office/drawing/2014/main" id="{BA35561F-3807-4414-A3F7-946AEEFE75A0}"/>
+                </a:ext>
+              </a:extLst>
+            </p:cNvPr>
+            <p:cNvSpPr txBox="1"/>
+            <p:nvPr/>
+          </p:nvSpPr>
+          <p:spPr>
+            <a:xfrm>
+              <a:off x="1668690" y="5198793"/>
+              <a:ext cx="400786" cy="369332"/>
+            </a:xfrm>
+            <a:prstGeom prst="rect">
+              <a:avLst/>
+            </a:prstGeom>
+            <a:noFill/>
+          </p:spPr>
+          <p:txBody>
+            <a:bodyPr wrap="square" rtlCol="1">
+              <a:spAutoFit/>
+            </a:bodyPr>
+            <a:lstStyle/>
+            <a:p>
+              <a:r>
+                <a:rPr lang="en-US" b="0" dirty="0">
+                  <a:latin typeface="David" panose="020E0502060401010101" pitchFamily="34" charset="-79"/>
+                  <a:cs typeface="David" panose="020E0502060401010101" pitchFamily="34" charset="-79"/>
+                </a:rPr>
+                <a:t>…</a:t>
+              </a:r>
+            </a:p>
+          </p:txBody>
+        </p:sp>
+        <p:sp>
+          <p:nvSpPr>
+            <p:cNvPr id="98" name="TextBox 97">
+              <a:extLst>
+                <a:ext uri="{FF2B5EF4-FFF2-40B4-BE49-F238E27FC236}">
+                  <a16:creationId xmlns:a16="http://schemas.microsoft.com/office/drawing/2014/main" id="{A4414832-00D7-4C00-8D3C-AD084601C366}"/>
+                </a:ext>
+              </a:extLst>
+            </p:cNvPr>
+            <p:cNvSpPr txBox="1"/>
+            <p:nvPr/>
+          </p:nvSpPr>
+          <p:spPr>
+            <a:xfrm>
+              <a:off x="2916679" y="1564600"/>
+              <a:ext cx="572237" cy="369332"/>
+            </a:xfrm>
+            <a:prstGeom prst="rect">
+              <a:avLst/>
+            </a:prstGeom>
+            <a:noFill/>
+          </p:spPr>
+          <p:txBody>
+            <a:bodyPr wrap="square" rtlCol="1">
+              <a:spAutoFit/>
+            </a:bodyPr>
+            <a:lstStyle/>
+            <a:p>
+              <a:r>
+                <a:rPr lang="en-US" b="0" dirty="0">
+                  <a:latin typeface="David" panose="020E0502060401010101" pitchFamily="34" charset="-79"/>
+                  <a:cs typeface="David" panose="020E0502060401010101" pitchFamily="34" charset="-79"/>
+                </a:rPr>
+                <a:t>m1</a:t>
+              </a:r>
+            </a:p>
+          </p:txBody>
+        </p:sp>
+        <p:sp>
+          <p:nvSpPr>
+            <p:cNvPr id="99" name="TextBox 98">
+              <a:extLst>
+                <a:ext uri="{FF2B5EF4-FFF2-40B4-BE49-F238E27FC236}">
+                  <a16:creationId xmlns:a16="http://schemas.microsoft.com/office/drawing/2014/main" id="{7725533F-6785-42CB-A964-E6E7851BF7A4}"/>
+                </a:ext>
+              </a:extLst>
+            </p:cNvPr>
+            <p:cNvSpPr txBox="1"/>
+            <p:nvPr/>
+          </p:nvSpPr>
+          <p:spPr>
+            <a:xfrm>
+              <a:off x="6001916" y="1736598"/>
+              <a:ext cx="572237" cy="369332"/>
+            </a:xfrm>
+            <a:prstGeom prst="rect">
+              <a:avLst/>
+            </a:prstGeom>
+            <a:noFill/>
+          </p:spPr>
+          <p:txBody>
+            <a:bodyPr wrap="square" rtlCol="1">
+              <a:spAutoFit/>
+            </a:bodyPr>
+            <a:lstStyle/>
+            <a:p>
+              <a:r>
+                <a:rPr lang="en-US" b="0" dirty="0">
+                  <a:latin typeface="David" panose="020E0502060401010101" pitchFamily="34" charset="-79"/>
+                  <a:cs typeface="David" panose="020E0502060401010101" pitchFamily="34" charset="-79"/>
+                </a:rPr>
+                <a:t>m2</a:t>
               </a:r>
             </a:p>
           </p:txBody>
